--- a/Soutenance Finale Grp 2.07.pptx
+++ b/Soutenance Finale Grp 2.07.pptx
@@ -6,7 +6,7 @@
     <p:sldMasterId id="2147483692" r:id="rId5"/>
   </p:sldMasterIdLst>
   <p:notesMasterIdLst>
-    <p:notesMasterId r:id="rId20"/>
+    <p:notesMasterId r:id="rId24"/>
   </p:notesMasterIdLst>
   <p:sldIdLst>
     <p:sldId id="299" r:id="rId6"/>
@@ -20,9 +20,13 @@
     <p:sldId id="347" r:id="rId14"/>
     <p:sldId id="349" r:id="rId15"/>
     <p:sldId id="320" r:id="rId16"/>
-    <p:sldId id="348" r:id="rId17"/>
-    <p:sldId id="350" r:id="rId18"/>
-    <p:sldId id="309" r:id="rId19"/>
+    <p:sldId id="354" r:id="rId17"/>
+    <p:sldId id="352" r:id="rId18"/>
+    <p:sldId id="351" r:id="rId19"/>
+    <p:sldId id="353" r:id="rId20"/>
+    <p:sldId id="348" r:id="rId21"/>
+    <p:sldId id="350" r:id="rId22"/>
+    <p:sldId id="309" r:id="rId23"/>
   </p:sldIdLst>
   <p:sldSz cx="12192000" cy="6858000"/>
   <p:notesSz cx="6858000" cy="9144000"/>
@@ -1484,6 +1488,156 @@
     </pc:docChg>
   </pc:docChgLst>
   <pc:docChgLst>
+    <pc:chgData name="Alexandre Herment (Student at CentraleSupelec)" userId="S::alexandre.herment@student-cs.fr::d6e6c380-6183-439c-9b5b-3192f187a8b8" providerId="AD" clId="Web-{237E36BD-4A7E-4A69-98E6-CA0B02970322}"/>
+    <pc:docChg chg="modSld">
+      <pc:chgData name="Alexandre Herment (Student at CentraleSupelec)" userId="S::alexandre.herment@student-cs.fr::d6e6c380-6183-439c-9b5b-3192f187a8b8" providerId="AD" clId="Web-{237E36BD-4A7E-4A69-98E6-CA0B02970322}" dt="2021-06-03T07:26:03.552" v="133" actId="20577"/>
+      <pc:docMkLst>
+        <pc:docMk/>
+      </pc:docMkLst>
+      <pc:sldChg chg="addSp delSp modSp">
+        <pc:chgData name="Alexandre Herment (Student at CentraleSupelec)" userId="S::alexandre.herment@student-cs.fr::d6e6c380-6183-439c-9b5b-3192f187a8b8" providerId="AD" clId="Web-{237E36BD-4A7E-4A69-98E6-CA0B02970322}" dt="2021-06-03T07:25:21.223" v="98" actId="1076"/>
+        <pc:sldMkLst>
+          <pc:docMk/>
+          <pc:sldMk cId="1620813780" sldId="309"/>
+        </pc:sldMkLst>
+        <pc:spChg chg="add del">
+          <ac:chgData name="Alexandre Herment (Student at CentraleSupelec)" userId="S::alexandre.herment@student-cs.fr::d6e6c380-6183-439c-9b5b-3192f187a8b8" providerId="AD" clId="Web-{237E36BD-4A7E-4A69-98E6-CA0B02970322}" dt="2021-06-03T07:24:45.785" v="93"/>
+          <ac:spMkLst>
+            <pc:docMk/>
+            <pc:sldMk cId="1620813780" sldId="309"/>
+            <ac:spMk id="2" creationId="{E0D73C8A-421E-4E9C-9A9E-3EAF64D8E98C}"/>
+          </ac:spMkLst>
+        </pc:spChg>
+        <pc:spChg chg="add mod">
+          <ac:chgData name="Alexandre Herment (Student at CentraleSupelec)" userId="S::alexandre.herment@student-cs.fr::d6e6c380-6183-439c-9b5b-3192f187a8b8" providerId="AD" clId="Web-{237E36BD-4A7E-4A69-98E6-CA0B02970322}" dt="2021-06-03T07:24:59.816" v="96" actId="1076"/>
+          <ac:spMkLst>
+            <pc:docMk/>
+            <pc:sldMk cId="1620813780" sldId="309"/>
+            <ac:spMk id="3" creationId="{726D240C-74A8-47E7-8294-5E3B1E3D02A5}"/>
+          </ac:spMkLst>
+        </pc:spChg>
+        <pc:spChg chg="mod">
+          <ac:chgData name="Alexandre Herment (Student at CentraleSupelec)" userId="S::alexandre.herment@student-cs.fr::d6e6c380-6183-439c-9b5b-3192f187a8b8" providerId="AD" clId="Web-{237E36BD-4A7E-4A69-98E6-CA0B02970322}" dt="2021-06-03T07:25:16.660" v="97" actId="20577"/>
+          <ac:spMkLst>
+            <pc:docMk/>
+            <pc:sldMk cId="1620813780" sldId="309"/>
+            <ac:spMk id="7" creationId="{E42FC09A-03FA-4186-82CD-D491671670EE}"/>
+          </ac:spMkLst>
+        </pc:spChg>
+        <pc:spChg chg="del mod">
+          <ac:chgData name="Alexandre Herment (Student at CentraleSupelec)" userId="S::alexandre.herment@student-cs.fr::d6e6c380-6183-439c-9b5b-3192f187a8b8" providerId="AD" clId="Web-{237E36BD-4A7E-4A69-98E6-CA0B02970322}" dt="2021-06-03T07:24:11.987" v="72"/>
+          <ac:spMkLst>
+            <pc:docMk/>
+            <pc:sldMk cId="1620813780" sldId="309"/>
+            <ac:spMk id="14" creationId="{B28856A8-68FE-4BA7-8DD0-D390CC29E07F}"/>
+          </ac:spMkLst>
+        </pc:spChg>
+        <pc:spChg chg="del">
+          <ac:chgData name="Alexandre Herment (Student at CentraleSupelec)" userId="S::alexandre.herment@student-cs.fr::d6e6c380-6183-439c-9b5b-3192f187a8b8" providerId="AD" clId="Web-{237E36BD-4A7E-4A69-98E6-CA0B02970322}" dt="2021-06-03T07:22:15.626" v="37"/>
+          <ac:spMkLst>
+            <pc:docMk/>
+            <pc:sldMk cId="1620813780" sldId="309"/>
+            <ac:spMk id="15" creationId="{D910B0D0-2DBA-4087-B188-7C403BCCCE9B}"/>
+          </ac:spMkLst>
+        </pc:spChg>
+        <pc:spChg chg="del">
+          <ac:chgData name="Alexandre Herment (Student at CentraleSupelec)" userId="S::alexandre.herment@student-cs.fr::d6e6c380-6183-439c-9b5b-3192f187a8b8" providerId="AD" clId="Web-{237E36BD-4A7E-4A69-98E6-CA0B02970322}" dt="2021-06-03T07:22:07.297" v="32"/>
+          <ac:spMkLst>
+            <pc:docMk/>
+            <pc:sldMk cId="1620813780" sldId="309"/>
+            <ac:spMk id="17" creationId="{ADAF51FB-F509-4903-BD4C-9C18DC330EBC}"/>
+          </ac:spMkLst>
+        </pc:spChg>
+        <pc:spChg chg="mod">
+          <ac:chgData name="Alexandre Herment (Student at CentraleSupelec)" userId="S::alexandre.herment@student-cs.fr::d6e6c380-6183-439c-9b5b-3192f187a8b8" providerId="AD" clId="Web-{237E36BD-4A7E-4A69-98E6-CA0B02970322}" dt="2021-06-03T07:23:55.956" v="70" actId="14100"/>
+          <ac:spMkLst>
+            <pc:docMk/>
+            <pc:sldMk cId="1620813780" sldId="309"/>
+            <ac:spMk id="21" creationId="{B7542F93-6629-4B1E-A8AE-27C9880A8C6F}"/>
+          </ac:spMkLst>
+        </pc:spChg>
+        <pc:spChg chg="del">
+          <ac:chgData name="Alexandre Herment (Student at CentraleSupelec)" userId="S::alexandre.herment@student-cs.fr::d6e6c380-6183-439c-9b5b-3192f187a8b8" providerId="AD" clId="Web-{237E36BD-4A7E-4A69-98E6-CA0B02970322}" dt="2021-06-03T07:22:05.985" v="31"/>
+          <ac:spMkLst>
+            <pc:docMk/>
+            <pc:sldMk cId="1620813780" sldId="309"/>
+            <ac:spMk id="24" creationId="{E5874C10-0D86-4BE8-9975-A25501D25DB0}"/>
+          </ac:spMkLst>
+        </pc:spChg>
+        <pc:spChg chg="del">
+          <ac:chgData name="Alexandre Herment (Student at CentraleSupelec)" userId="S::alexandre.herment@student-cs.fr::d6e6c380-6183-439c-9b5b-3192f187a8b8" providerId="AD" clId="Web-{237E36BD-4A7E-4A69-98E6-CA0B02970322}" dt="2021-06-03T07:22:14.688" v="36"/>
+          <ac:spMkLst>
+            <pc:docMk/>
+            <pc:sldMk cId="1620813780" sldId="309"/>
+            <ac:spMk id="29" creationId="{BC0E53D3-0FFA-4A45-8E13-1317FD02AB47}"/>
+          </ac:spMkLst>
+        </pc:spChg>
+        <pc:picChg chg="del">
+          <ac:chgData name="Alexandre Herment (Student at CentraleSupelec)" userId="S::alexandre.herment@student-cs.fr::d6e6c380-6183-439c-9b5b-3192f187a8b8" providerId="AD" clId="Web-{237E36BD-4A7E-4A69-98E6-CA0B02970322}" dt="2021-06-03T07:22:05.282" v="30"/>
+          <ac:picMkLst>
+            <pc:docMk/>
+            <pc:sldMk cId="1620813780" sldId="309"/>
+            <ac:picMk id="9" creationId="{8D18E825-6405-4B70-A6D9-FCA7ECB233AB}"/>
+          </ac:picMkLst>
+        </pc:picChg>
+        <pc:picChg chg="add del mod">
+          <ac:chgData name="Alexandre Herment (Student at CentraleSupelec)" userId="S::alexandre.herment@student-cs.fr::d6e6c380-6183-439c-9b5b-3192f187a8b8" providerId="AD" clId="Web-{237E36BD-4A7E-4A69-98E6-CA0B02970322}" dt="2021-06-03T07:25:21.223" v="98" actId="1076"/>
+          <ac:picMkLst>
+            <pc:docMk/>
+            <pc:sldMk cId="1620813780" sldId="309"/>
+            <ac:picMk id="11" creationId="{5FE8069C-AB34-4025-80F6-0000C7791B3F}"/>
+          </ac:picMkLst>
+        </pc:picChg>
+        <pc:picChg chg="del">
+          <ac:chgData name="Alexandre Herment (Student at CentraleSupelec)" userId="S::alexandre.herment@student-cs.fr::d6e6c380-6183-439c-9b5b-3192f187a8b8" providerId="AD" clId="Web-{237E36BD-4A7E-4A69-98E6-CA0B02970322}" dt="2021-06-03T07:22:09.407" v="33"/>
+          <ac:picMkLst>
+            <pc:docMk/>
+            <pc:sldMk cId="1620813780" sldId="309"/>
+            <ac:picMk id="13" creationId="{101EC883-C935-4C14-AC24-32D1279B62C7}"/>
+          </ac:picMkLst>
+        </pc:picChg>
+      </pc:sldChg>
+      <pc:sldChg chg="modSp">
+        <pc:chgData name="Alexandre Herment (Student at CentraleSupelec)" userId="S::alexandre.herment@student-cs.fr::d6e6c380-6183-439c-9b5b-3192f187a8b8" providerId="AD" clId="Web-{237E36BD-4A7E-4A69-98E6-CA0B02970322}" dt="2021-06-03T07:26:03.552" v="133" actId="20577"/>
+        <pc:sldMkLst>
+          <pc:docMk/>
+          <pc:sldMk cId="4002136459" sldId="342"/>
+        </pc:sldMkLst>
+        <pc:spChg chg="mod">
+          <ac:chgData name="Alexandre Herment (Student at CentraleSupelec)" userId="S::alexandre.herment@student-cs.fr::d6e6c380-6183-439c-9b5b-3192f187a8b8" providerId="AD" clId="Web-{237E36BD-4A7E-4A69-98E6-CA0B02970322}" dt="2021-06-03T07:26:03.552" v="133" actId="20577"/>
+          <ac:spMkLst>
+            <pc:docMk/>
+            <pc:sldMk cId="4002136459" sldId="342"/>
+            <ac:spMk id="4" creationId="{C43D4286-58D5-4D07-99A0-224D25437139}"/>
+          </ac:spMkLst>
+        </pc:spChg>
+      </pc:sldChg>
+      <pc:sldChg chg="modSp">
+        <pc:chgData name="Alexandre Herment (Student at CentraleSupelec)" userId="S::alexandre.herment@student-cs.fr::d6e6c380-6183-439c-9b5b-3192f187a8b8" providerId="AD" clId="Web-{237E36BD-4A7E-4A69-98E6-CA0B02970322}" dt="2021-06-03T07:21:51.141" v="29" actId="20577"/>
+        <pc:sldMkLst>
+          <pc:docMk/>
+          <pc:sldMk cId="1937425631" sldId="343"/>
+        </pc:sldMkLst>
+        <pc:spChg chg="mod">
+          <ac:chgData name="Alexandre Herment (Student at CentraleSupelec)" userId="S::alexandre.herment@student-cs.fr::d6e6c380-6183-439c-9b5b-3192f187a8b8" providerId="AD" clId="Web-{237E36BD-4A7E-4A69-98E6-CA0B02970322}" dt="2021-06-03T07:21:51.141" v="29" actId="20577"/>
+          <ac:spMkLst>
+            <pc:docMk/>
+            <pc:sldMk cId="1937425631" sldId="343"/>
+            <ac:spMk id="5" creationId="{318AAB28-8E50-4254-8A87-7AE24E3CDA15}"/>
+          </ac:spMkLst>
+        </pc:spChg>
+        <pc:spChg chg="mod">
+          <ac:chgData name="Alexandre Herment (Student at CentraleSupelec)" userId="S::alexandre.herment@student-cs.fr::d6e6c380-6183-439c-9b5b-3192f187a8b8" providerId="AD" clId="Web-{237E36BD-4A7E-4A69-98E6-CA0B02970322}" dt="2021-06-03T07:16:38.885" v="22" actId="20577"/>
+          <ac:spMkLst>
+            <pc:docMk/>
+            <pc:sldMk cId="1937425631" sldId="343"/>
+            <ac:spMk id="9" creationId="{881BB9AC-D9B1-4EF3-9A9C-3F682CED3807}"/>
+          </ac:spMkLst>
+        </pc:spChg>
+      </pc:sldChg>
+    </pc:docChg>
+  </pc:docChgLst>
+  <pc:docChgLst>
     <pc:chgData name="Tanguy Colleville (Student at CentraleSupelec)" userId="S::tanguy.colleville@student-cs.fr::d2b2cae6-9366-4b17-ac20-d0a7c4c162c2" providerId="AD" clId="Web-{14F8FD15-EA4C-4B2E-9F60-357012697E81}"/>
     <pc:docChg chg="delSld modSld">
       <pc:chgData name="Tanguy Colleville (Student at CentraleSupelec)" userId="S::tanguy.colleville@student-cs.fr::d2b2cae6-9366-4b17-ac20-d0a7c4c162c2" providerId="AD" clId="Web-{14F8FD15-EA4C-4B2E-9F60-357012697E81}" dt="2021-05-27T09:16:35.752" v="4" actId="20577"/>
@@ -1545,156 +1699,6 @@
     </pc:docChg>
   </pc:docChgLst>
   <pc:docChgLst>
-    <pc:chgData name="Alexandre Herment (Student at CentraleSupelec)" userId="S::alexandre.herment@student-cs.fr::d6e6c380-6183-439c-9b5b-3192f187a8b8" providerId="AD" clId="Web-{237E36BD-4A7E-4A69-98E6-CA0B02970322}"/>
-    <pc:docChg chg="modSld">
-      <pc:chgData name="Alexandre Herment (Student at CentraleSupelec)" userId="S::alexandre.herment@student-cs.fr::d6e6c380-6183-439c-9b5b-3192f187a8b8" providerId="AD" clId="Web-{237E36BD-4A7E-4A69-98E6-CA0B02970322}" dt="2021-06-03T07:26:03.552" v="133" actId="20577"/>
-      <pc:docMkLst>
-        <pc:docMk/>
-      </pc:docMkLst>
-      <pc:sldChg chg="addSp delSp modSp">
-        <pc:chgData name="Alexandre Herment (Student at CentraleSupelec)" userId="S::alexandre.herment@student-cs.fr::d6e6c380-6183-439c-9b5b-3192f187a8b8" providerId="AD" clId="Web-{237E36BD-4A7E-4A69-98E6-CA0B02970322}" dt="2021-06-03T07:25:21.223" v="98" actId="1076"/>
-        <pc:sldMkLst>
-          <pc:docMk/>
-          <pc:sldMk cId="1620813780" sldId="309"/>
-        </pc:sldMkLst>
-        <pc:spChg chg="add del">
-          <ac:chgData name="Alexandre Herment (Student at CentraleSupelec)" userId="S::alexandre.herment@student-cs.fr::d6e6c380-6183-439c-9b5b-3192f187a8b8" providerId="AD" clId="Web-{237E36BD-4A7E-4A69-98E6-CA0B02970322}" dt="2021-06-03T07:24:45.785" v="93"/>
-          <ac:spMkLst>
-            <pc:docMk/>
-            <pc:sldMk cId="1620813780" sldId="309"/>
-            <ac:spMk id="2" creationId="{E0D73C8A-421E-4E9C-9A9E-3EAF64D8E98C}"/>
-          </ac:spMkLst>
-        </pc:spChg>
-        <pc:spChg chg="add mod">
-          <ac:chgData name="Alexandre Herment (Student at CentraleSupelec)" userId="S::alexandre.herment@student-cs.fr::d6e6c380-6183-439c-9b5b-3192f187a8b8" providerId="AD" clId="Web-{237E36BD-4A7E-4A69-98E6-CA0B02970322}" dt="2021-06-03T07:24:59.816" v="96" actId="1076"/>
-          <ac:spMkLst>
-            <pc:docMk/>
-            <pc:sldMk cId="1620813780" sldId="309"/>
-            <ac:spMk id="3" creationId="{726D240C-74A8-47E7-8294-5E3B1E3D02A5}"/>
-          </ac:spMkLst>
-        </pc:spChg>
-        <pc:spChg chg="mod">
-          <ac:chgData name="Alexandre Herment (Student at CentraleSupelec)" userId="S::alexandre.herment@student-cs.fr::d6e6c380-6183-439c-9b5b-3192f187a8b8" providerId="AD" clId="Web-{237E36BD-4A7E-4A69-98E6-CA0B02970322}" dt="2021-06-03T07:25:16.660" v="97" actId="20577"/>
-          <ac:spMkLst>
-            <pc:docMk/>
-            <pc:sldMk cId="1620813780" sldId="309"/>
-            <ac:spMk id="7" creationId="{E42FC09A-03FA-4186-82CD-D491671670EE}"/>
-          </ac:spMkLst>
-        </pc:spChg>
-        <pc:spChg chg="del mod">
-          <ac:chgData name="Alexandre Herment (Student at CentraleSupelec)" userId="S::alexandre.herment@student-cs.fr::d6e6c380-6183-439c-9b5b-3192f187a8b8" providerId="AD" clId="Web-{237E36BD-4A7E-4A69-98E6-CA0B02970322}" dt="2021-06-03T07:24:11.987" v="72"/>
-          <ac:spMkLst>
-            <pc:docMk/>
-            <pc:sldMk cId="1620813780" sldId="309"/>
-            <ac:spMk id="14" creationId="{B28856A8-68FE-4BA7-8DD0-D390CC29E07F}"/>
-          </ac:spMkLst>
-        </pc:spChg>
-        <pc:spChg chg="del">
-          <ac:chgData name="Alexandre Herment (Student at CentraleSupelec)" userId="S::alexandre.herment@student-cs.fr::d6e6c380-6183-439c-9b5b-3192f187a8b8" providerId="AD" clId="Web-{237E36BD-4A7E-4A69-98E6-CA0B02970322}" dt="2021-06-03T07:22:15.626" v="37"/>
-          <ac:spMkLst>
-            <pc:docMk/>
-            <pc:sldMk cId="1620813780" sldId="309"/>
-            <ac:spMk id="15" creationId="{D910B0D0-2DBA-4087-B188-7C403BCCCE9B}"/>
-          </ac:spMkLst>
-        </pc:spChg>
-        <pc:spChg chg="del">
-          <ac:chgData name="Alexandre Herment (Student at CentraleSupelec)" userId="S::alexandre.herment@student-cs.fr::d6e6c380-6183-439c-9b5b-3192f187a8b8" providerId="AD" clId="Web-{237E36BD-4A7E-4A69-98E6-CA0B02970322}" dt="2021-06-03T07:22:07.297" v="32"/>
-          <ac:spMkLst>
-            <pc:docMk/>
-            <pc:sldMk cId="1620813780" sldId="309"/>
-            <ac:spMk id="17" creationId="{ADAF51FB-F509-4903-BD4C-9C18DC330EBC}"/>
-          </ac:spMkLst>
-        </pc:spChg>
-        <pc:spChg chg="mod">
-          <ac:chgData name="Alexandre Herment (Student at CentraleSupelec)" userId="S::alexandre.herment@student-cs.fr::d6e6c380-6183-439c-9b5b-3192f187a8b8" providerId="AD" clId="Web-{237E36BD-4A7E-4A69-98E6-CA0B02970322}" dt="2021-06-03T07:23:55.956" v="70" actId="14100"/>
-          <ac:spMkLst>
-            <pc:docMk/>
-            <pc:sldMk cId="1620813780" sldId="309"/>
-            <ac:spMk id="21" creationId="{B7542F93-6629-4B1E-A8AE-27C9880A8C6F}"/>
-          </ac:spMkLst>
-        </pc:spChg>
-        <pc:spChg chg="del">
-          <ac:chgData name="Alexandre Herment (Student at CentraleSupelec)" userId="S::alexandre.herment@student-cs.fr::d6e6c380-6183-439c-9b5b-3192f187a8b8" providerId="AD" clId="Web-{237E36BD-4A7E-4A69-98E6-CA0B02970322}" dt="2021-06-03T07:22:05.985" v="31"/>
-          <ac:spMkLst>
-            <pc:docMk/>
-            <pc:sldMk cId="1620813780" sldId="309"/>
-            <ac:spMk id="24" creationId="{E5874C10-0D86-4BE8-9975-A25501D25DB0}"/>
-          </ac:spMkLst>
-        </pc:spChg>
-        <pc:spChg chg="del">
-          <ac:chgData name="Alexandre Herment (Student at CentraleSupelec)" userId="S::alexandre.herment@student-cs.fr::d6e6c380-6183-439c-9b5b-3192f187a8b8" providerId="AD" clId="Web-{237E36BD-4A7E-4A69-98E6-CA0B02970322}" dt="2021-06-03T07:22:14.688" v="36"/>
-          <ac:spMkLst>
-            <pc:docMk/>
-            <pc:sldMk cId="1620813780" sldId="309"/>
-            <ac:spMk id="29" creationId="{BC0E53D3-0FFA-4A45-8E13-1317FD02AB47}"/>
-          </ac:spMkLst>
-        </pc:spChg>
-        <pc:picChg chg="del">
-          <ac:chgData name="Alexandre Herment (Student at CentraleSupelec)" userId="S::alexandre.herment@student-cs.fr::d6e6c380-6183-439c-9b5b-3192f187a8b8" providerId="AD" clId="Web-{237E36BD-4A7E-4A69-98E6-CA0B02970322}" dt="2021-06-03T07:22:05.282" v="30"/>
-          <ac:picMkLst>
-            <pc:docMk/>
-            <pc:sldMk cId="1620813780" sldId="309"/>
-            <ac:picMk id="9" creationId="{8D18E825-6405-4B70-A6D9-FCA7ECB233AB}"/>
-          </ac:picMkLst>
-        </pc:picChg>
-        <pc:picChg chg="add del mod">
-          <ac:chgData name="Alexandre Herment (Student at CentraleSupelec)" userId="S::alexandre.herment@student-cs.fr::d6e6c380-6183-439c-9b5b-3192f187a8b8" providerId="AD" clId="Web-{237E36BD-4A7E-4A69-98E6-CA0B02970322}" dt="2021-06-03T07:25:21.223" v="98" actId="1076"/>
-          <ac:picMkLst>
-            <pc:docMk/>
-            <pc:sldMk cId="1620813780" sldId="309"/>
-            <ac:picMk id="11" creationId="{5FE8069C-AB34-4025-80F6-0000C7791B3F}"/>
-          </ac:picMkLst>
-        </pc:picChg>
-        <pc:picChg chg="del">
-          <ac:chgData name="Alexandre Herment (Student at CentraleSupelec)" userId="S::alexandre.herment@student-cs.fr::d6e6c380-6183-439c-9b5b-3192f187a8b8" providerId="AD" clId="Web-{237E36BD-4A7E-4A69-98E6-CA0B02970322}" dt="2021-06-03T07:22:09.407" v="33"/>
-          <ac:picMkLst>
-            <pc:docMk/>
-            <pc:sldMk cId="1620813780" sldId="309"/>
-            <ac:picMk id="13" creationId="{101EC883-C935-4C14-AC24-32D1279B62C7}"/>
-          </ac:picMkLst>
-        </pc:picChg>
-      </pc:sldChg>
-      <pc:sldChg chg="modSp">
-        <pc:chgData name="Alexandre Herment (Student at CentraleSupelec)" userId="S::alexandre.herment@student-cs.fr::d6e6c380-6183-439c-9b5b-3192f187a8b8" providerId="AD" clId="Web-{237E36BD-4A7E-4A69-98E6-CA0B02970322}" dt="2021-06-03T07:26:03.552" v="133" actId="20577"/>
-        <pc:sldMkLst>
-          <pc:docMk/>
-          <pc:sldMk cId="4002136459" sldId="342"/>
-        </pc:sldMkLst>
-        <pc:spChg chg="mod">
-          <ac:chgData name="Alexandre Herment (Student at CentraleSupelec)" userId="S::alexandre.herment@student-cs.fr::d6e6c380-6183-439c-9b5b-3192f187a8b8" providerId="AD" clId="Web-{237E36BD-4A7E-4A69-98E6-CA0B02970322}" dt="2021-06-03T07:26:03.552" v="133" actId="20577"/>
-          <ac:spMkLst>
-            <pc:docMk/>
-            <pc:sldMk cId="4002136459" sldId="342"/>
-            <ac:spMk id="4" creationId="{C43D4286-58D5-4D07-99A0-224D25437139}"/>
-          </ac:spMkLst>
-        </pc:spChg>
-      </pc:sldChg>
-      <pc:sldChg chg="modSp">
-        <pc:chgData name="Alexandre Herment (Student at CentraleSupelec)" userId="S::alexandre.herment@student-cs.fr::d6e6c380-6183-439c-9b5b-3192f187a8b8" providerId="AD" clId="Web-{237E36BD-4A7E-4A69-98E6-CA0B02970322}" dt="2021-06-03T07:21:51.141" v="29" actId="20577"/>
-        <pc:sldMkLst>
-          <pc:docMk/>
-          <pc:sldMk cId="1937425631" sldId="343"/>
-        </pc:sldMkLst>
-        <pc:spChg chg="mod">
-          <ac:chgData name="Alexandre Herment (Student at CentraleSupelec)" userId="S::alexandre.herment@student-cs.fr::d6e6c380-6183-439c-9b5b-3192f187a8b8" providerId="AD" clId="Web-{237E36BD-4A7E-4A69-98E6-CA0B02970322}" dt="2021-06-03T07:21:51.141" v="29" actId="20577"/>
-          <ac:spMkLst>
-            <pc:docMk/>
-            <pc:sldMk cId="1937425631" sldId="343"/>
-            <ac:spMk id="5" creationId="{318AAB28-8E50-4254-8A87-7AE24E3CDA15}"/>
-          </ac:spMkLst>
-        </pc:spChg>
-        <pc:spChg chg="mod">
-          <ac:chgData name="Alexandre Herment (Student at CentraleSupelec)" userId="S::alexandre.herment@student-cs.fr::d6e6c380-6183-439c-9b5b-3192f187a8b8" providerId="AD" clId="Web-{237E36BD-4A7E-4A69-98E6-CA0B02970322}" dt="2021-06-03T07:16:38.885" v="22" actId="20577"/>
-          <ac:spMkLst>
-            <pc:docMk/>
-            <pc:sldMk cId="1937425631" sldId="343"/>
-            <ac:spMk id="9" creationId="{881BB9AC-D9B1-4EF3-9A9C-3F682CED3807}"/>
-          </ac:spMkLst>
-        </pc:spChg>
-      </pc:sldChg>
-    </pc:docChg>
-  </pc:docChgLst>
-  <pc:docChgLst>
     <pc:chgData name="Mohsine Zireg (Student at CentraleSupelec)" userId="S::mohsine.zireg@student-cs.fr::7a7597f2-4a6e-4fd3-be59-b5d0c5914a07" providerId="AD" clId="Web-{8FF79BB5-DC69-4EBF-B8A4-E3FDFD7C48CD}"/>
     <pc:docChg chg="modSld">
       <pc:chgData name="Mohsine Zireg (Student at CentraleSupelec)" userId="S::mohsine.zireg@student-cs.fr::7a7597f2-4a6e-4fd3-be59-b5d0c5914a07" providerId="AD" clId="Web-{8FF79BB5-DC69-4EBF-B8A4-E3FDFD7C48CD}" dt="2021-06-09T12:34:24.869" v="43" actId="20577"/>
@@ -1731,6 +1735,30 @@
             <ac:picMk id="10" creationId="{40CCA8B6-11AB-4840-BEC7-AB045E9D3E06}"/>
           </ac:picMkLst>
         </pc:picChg>
+      </pc:sldChg>
+    </pc:docChg>
+  </pc:docChgLst>
+  <pc:docChgLst>
+    <pc:chgData name="Nicolas Bonafe (Student at CentraleSupelec)" userId="S::nicolas.bonafe@student-cs.fr::c8419656-00f4-43eb-b6a5-0415794eb45a" providerId="AD" clId="Web-{55E9688A-2DCB-40D8-941B-1A5608CA4F9A}"/>
+    <pc:docChg chg="modSld">
+      <pc:chgData name="Nicolas Bonafe (Student at CentraleSupelec)" userId="S::nicolas.bonafe@student-cs.fr::c8419656-00f4-43eb-b6a5-0415794eb45a" providerId="AD" clId="Web-{55E9688A-2DCB-40D8-941B-1A5608CA4F9A}" dt="2021-05-27T09:22:20.494" v="53" actId="20577"/>
+      <pc:docMkLst>
+        <pc:docMk/>
+      </pc:docMkLst>
+      <pc:sldChg chg="modSp">
+        <pc:chgData name="Nicolas Bonafe (Student at CentraleSupelec)" userId="S::nicolas.bonafe@student-cs.fr::c8419656-00f4-43eb-b6a5-0415794eb45a" providerId="AD" clId="Web-{55E9688A-2DCB-40D8-941B-1A5608CA4F9A}" dt="2021-05-27T09:22:20.494" v="53" actId="20577"/>
+        <pc:sldMkLst>
+          <pc:docMk/>
+          <pc:sldMk cId="4284924841" sldId="348"/>
+        </pc:sldMkLst>
+        <pc:spChg chg="mod">
+          <ac:chgData name="Nicolas Bonafe (Student at CentraleSupelec)" userId="S::nicolas.bonafe@student-cs.fr::c8419656-00f4-43eb-b6a5-0415794eb45a" providerId="AD" clId="Web-{55E9688A-2DCB-40D8-941B-1A5608CA4F9A}" dt="2021-05-27T09:22:20.494" v="53" actId="20577"/>
+          <ac:spMkLst>
+            <pc:docMk/>
+            <pc:sldMk cId="4284924841" sldId="348"/>
+            <ac:spMk id="6" creationId="{2E393B25-5E81-416C-AD7F-2ADD4B3DC8A7}"/>
+          </ac:spMkLst>
+        </pc:spChg>
       </pc:sldChg>
     </pc:docChg>
   </pc:docChgLst>
@@ -2459,24 +2487,24 @@
     </pc:docChg>
   </pc:docChgLst>
   <pc:docChgLst>
-    <pc:chgData name="Nicolas Bonafe (Student at CentraleSupelec)" userId="S::nicolas.bonafe@student-cs.fr::c8419656-00f4-43eb-b6a5-0415794eb45a" providerId="AD" clId="Web-{55E9688A-2DCB-40D8-941B-1A5608CA4F9A}"/>
+    <pc:chgData name="Matthieu Briet (Student at CentraleSupelec)" userId="S::matthieu.briet@student-cs.fr::7fbd13a3-466b-46e9-b2ce-1466f625bfdb" providerId="AD" clId="Web-{6A7C9661-72C9-40D8-B664-8C7E3185B0EF}"/>
     <pc:docChg chg="modSld">
-      <pc:chgData name="Nicolas Bonafe (Student at CentraleSupelec)" userId="S::nicolas.bonafe@student-cs.fr::c8419656-00f4-43eb-b6a5-0415794eb45a" providerId="AD" clId="Web-{55E9688A-2DCB-40D8-941B-1A5608CA4F9A}" dt="2021-05-27T09:22:20.494" v="53" actId="20577"/>
+      <pc:chgData name="Matthieu Briet (Student at CentraleSupelec)" userId="S::matthieu.briet@student-cs.fr::7fbd13a3-466b-46e9-b2ce-1466f625bfdb" providerId="AD" clId="Web-{6A7C9661-72C9-40D8-B664-8C7E3185B0EF}" dt="2021-06-09T12:02:03.484" v="1" actId="20577"/>
       <pc:docMkLst>
         <pc:docMk/>
       </pc:docMkLst>
       <pc:sldChg chg="modSp">
-        <pc:chgData name="Nicolas Bonafe (Student at CentraleSupelec)" userId="S::nicolas.bonafe@student-cs.fr::c8419656-00f4-43eb-b6a5-0415794eb45a" providerId="AD" clId="Web-{55E9688A-2DCB-40D8-941B-1A5608CA4F9A}" dt="2021-05-27T09:22:20.494" v="53" actId="20577"/>
+        <pc:chgData name="Matthieu Briet (Student at CentraleSupelec)" userId="S::matthieu.briet@student-cs.fr::7fbd13a3-466b-46e9-b2ce-1466f625bfdb" providerId="AD" clId="Web-{6A7C9661-72C9-40D8-B664-8C7E3185B0EF}" dt="2021-06-09T12:02:03.484" v="1" actId="20577"/>
         <pc:sldMkLst>
           <pc:docMk/>
-          <pc:sldMk cId="4284924841" sldId="348"/>
+          <pc:sldMk cId="1000311414" sldId="299"/>
         </pc:sldMkLst>
         <pc:spChg chg="mod">
-          <ac:chgData name="Nicolas Bonafe (Student at CentraleSupelec)" userId="S::nicolas.bonafe@student-cs.fr::c8419656-00f4-43eb-b6a5-0415794eb45a" providerId="AD" clId="Web-{55E9688A-2DCB-40D8-941B-1A5608CA4F9A}" dt="2021-05-27T09:22:20.494" v="53" actId="20577"/>
-          <ac:spMkLst>
-            <pc:docMk/>
-            <pc:sldMk cId="4284924841" sldId="348"/>
-            <ac:spMk id="6" creationId="{2E393B25-5E81-416C-AD7F-2ADD4B3DC8A7}"/>
+          <ac:chgData name="Matthieu Briet (Student at CentraleSupelec)" userId="S::matthieu.briet@student-cs.fr::7fbd13a3-466b-46e9-b2ce-1466f625bfdb" providerId="AD" clId="Web-{6A7C9661-72C9-40D8-B664-8C7E3185B0EF}" dt="2021-06-09T12:02:03.484" v="1" actId="20577"/>
+          <ac:spMkLst>
+            <pc:docMk/>
+            <pc:sldMk cId="1000311414" sldId="299"/>
+            <ac:spMk id="5" creationId="{97972149-3DD6-4521-BF11-6ACB94BAF936}"/>
           </ac:spMkLst>
         </pc:spChg>
       </pc:sldChg>
@@ -2764,30 +2792,6 @@
     </pc:docChg>
   </pc:docChgLst>
   <pc:docChgLst>
-    <pc:chgData name="Matthieu Briet (Student at CentraleSupelec)" userId="S::matthieu.briet@student-cs.fr::7fbd13a3-466b-46e9-b2ce-1466f625bfdb" providerId="AD" clId="Web-{6A7C9661-72C9-40D8-B664-8C7E3185B0EF}"/>
-    <pc:docChg chg="modSld">
-      <pc:chgData name="Matthieu Briet (Student at CentraleSupelec)" userId="S::matthieu.briet@student-cs.fr::7fbd13a3-466b-46e9-b2ce-1466f625bfdb" providerId="AD" clId="Web-{6A7C9661-72C9-40D8-B664-8C7E3185B0EF}" dt="2021-06-09T12:02:03.484" v="1" actId="20577"/>
-      <pc:docMkLst>
-        <pc:docMk/>
-      </pc:docMkLst>
-      <pc:sldChg chg="modSp">
-        <pc:chgData name="Matthieu Briet (Student at CentraleSupelec)" userId="S::matthieu.briet@student-cs.fr::7fbd13a3-466b-46e9-b2ce-1466f625bfdb" providerId="AD" clId="Web-{6A7C9661-72C9-40D8-B664-8C7E3185B0EF}" dt="2021-06-09T12:02:03.484" v="1" actId="20577"/>
-        <pc:sldMkLst>
-          <pc:docMk/>
-          <pc:sldMk cId="1000311414" sldId="299"/>
-        </pc:sldMkLst>
-        <pc:spChg chg="mod">
-          <ac:chgData name="Matthieu Briet (Student at CentraleSupelec)" userId="S::matthieu.briet@student-cs.fr::7fbd13a3-466b-46e9-b2ce-1466f625bfdb" providerId="AD" clId="Web-{6A7C9661-72C9-40D8-B664-8C7E3185B0EF}" dt="2021-06-09T12:02:03.484" v="1" actId="20577"/>
-          <ac:spMkLst>
-            <pc:docMk/>
-            <pc:sldMk cId="1000311414" sldId="299"/>
-            <ac:spMk id="5" creationId="{97972149-3DD6-4521-BF11-6ACB94BAF936}"/>
-          </ac:spMkLst>
-        </pc:spChg>
-      </pc:sldChg>
-    </pc:docChg>
-  </pc:docChgLst>
-  <pc:docChgLst>
     <pc:chgData name="Matthieu Briet (Student at CentraleSupelec)" userId="S::matthieu.briet@student-cs.fr::7fbd13a3-466b-46e9-b2ce-1466f625bfdb" providerId="AD" clId="Web-{E3C2F9F2-26BB-4F0E-9B83-2C4BC2ABEFBC}"/>
     <pc:docChg chg="modSld">
       <pc:chgData name="Matthieu Briet (Student at CentraleSupelec)" userId="S::matthieu.briet@student-cs.fr::7fbd13a3-466b-46e9-b2ce-1466f625bfdb" providerId="AD" clId="Web-{E3C2F9F2-26BB-4F0E-9B83-2C4BC2ABEFBC}" dt="2021-06-10T15:59:12.678" v="38" actId="20577"/>
@@ -2824,6 +2828,30 @@
             <ac:cxnSpMk id="4" creationId="{E52D99F6-C163-4AA9-AE49-98184C7F9EAE}"/>
           </ac:cxnSpMkLst>
         </pc:cxnChg>
+      </pc:sldChg>
+    </pc:docChg>
+  </pc:docChgLst>
+  <pc:docChgLst>
+    <pc:chgData name="Tanguy Colleville (Student at CentraleSupelec)" userId="S::tanguy.colleville@student-cs.fr::d2b2cae6-9366-4b17-ac20-d0a7c4c162c2" providerId="AD" clId="Web-{3DC2D78B-01E0-4A23-98E7-FC37EC893E7A}"/>
+    <pc:docChg chg="modSld">
+      <pc:chgData name="Tanguy Colleville (Student at CentraleSupelec)" userId="S::tanguy.colleville@student-cs.fr::d2b2cae6-9366-4b17-ac20-d0a7c4c162c2" providerId="AD" clId="Web-{3DC2D78B-01E0-4A23-98E7-FC37EC893E7A}" dt="2021-06-09T12:07:33.964" v="0"/>
+      <pc:docMkLst>
+        <pc:docMk/>
+      </pc:docMkLst>
+      <pc:sldChg chg="delSp">
+        <pc:chgData name="Tanguy Colleville (Student at CentraleSupelec)" userId="S::tanguy.colleville@student-cs.fr::d2b2cae6-9366-4b17-ac20-d0a7c4c162c2" providerId="AD" clId="Web-{3DC2D78B-01E0-4A23-98E7-FC37EC893E7A}" dt="2021-06-09T12:07:33.964" v="0"/>
+        <pc:sldMkLst>
+          <pc:docMk/>
+          <pc:sldMk cId="685456998" sldId="343"/>
+        </pc:sldMkLst>
+        <pc:spChg chg="del">
+          <ac:chgData name="Tanguy Colleville (Student at CentraleSupelec)" userId="S::tanguy.colleville@student-cs.fr::d2b2cae6-9366-4b17-ac20-d0a7c4c162c2" providerId="AD" clId="Web-{3DC2D78B-01E0-4A23-98E7-FC37EC893E7A}" dt="2021-06-09T12:07:33.964" v="0"/>
+          <ac:spMkLst>
+            <pc:docMk/>
+            <pc:sldMk cId="685456998" sldId="343"/>
+            <ac:spMk id="5" creationId="{3514D940-B335-7448-98EA-F104DB2A39CD}"/>
+          </ac:spMkLst>
+        </pc:spChg>
       </pc:sldChg>
     </pc:docChg>
   </pc:docChgLst>
@@ -2918,30 +2946,6 @@
           <pc:docMk/>
           <pc:sldMk cId="573625819" sldId="349"/>
         </pc:sldMkLst>
-      </pc:sldChg>
-    </pc:docChg>
-  </pc:docChgLst>
-  <pc:docChgLst>
-    <pc:chgData name="Tanguy Colleville (Student at CentraleSupelec)" userId="S::tanguy.colleville@student-cs.fr::d2b2cae6-9366-4b17-ac20-d0a7c4c162c2" providerId="AD" clId="Web-{3DC2D78B-01E0-4A23-98E7-FC37EC893E7A}"/>
-    <pc:docChg chg="modSld">
-      <pc:chgData name="Tanguy Colleville (Student at CentraleSupelec)" userId="S::tanguy.colleville@student-cs.fr::d2b2cae6-9366-4b17-ac20-d0a7c4c162c2" providerId="AD" clId="Web-{3DC2D78B-01E0-4A23-98E7-FC37EC893E7A}" dt="2021-06-09T12:07:33.964" v="0"/>
-      <pc:docMkLst>
-        <pc:docMk/>
-      </pc:docMkLst>
-      <pc:sldChg chg="delSp">
-        <pc:chgData name="Tanguy Colleville (Student at CentraleSupelec)" userId="S::tanguy.colleville@student-cs.fr::d2b2cae6-9366-4b17-ac20-d0a7c4c162c2" providerId="AD" clId="Web-{3DC2D78B-01E0-4A23-98E7-FC37EC893E7A}" dt="2021-06-09T12:07:33.964" v="0"/>
-        <pc:sldMkLst>
-          <pc:docMk/>
-          <pc:sldMk cId="685456998" sldId="343"/>
-        </pc:sldMkLst>
-        <pc:spChg chg="del">
-          <ac:chgData name="Tanguy Colleville (Student at CentraleSupelec)" userId="S::tanguy.colleville@student-cs.fr::d2b2cae6-9366-4b17-ac20-d0a7c4c162c2" providerId="AD" clId="Web-{3DC2D78B-01E0-4A23-98E7-FC37EC893E7A}" dt="2021-06-09T12:07:33.964" v="0"/>
-          <ac:spMkLst>
-            <pc:docMk/>
-            <pc:sldMk cId="685456998" sldId="343"/>
-            <ac:spMk id="5" creationId="{3514D940-B335-7448-98EA-F104DB2A39CD}"/>
-          </ac:spMkLst>
-        </pc:spChg>
       </pc:sldChg>
     </pc:docChg>
   </pc:docChgLst>
@@ -5381,6 +5385,77 @@
     </pc:docChg>
   </pc:docChgLst>
   <pc:docChgLst>
+    <pc:chgData name="Matthieu Briet (Student at CentraleSupelec)" userId="S::matthieu.briet@student-cs.fr::7fbd13a3-466b-46e9-b2ce-1466f625bfdb" providerId="AD" clId="Web-{5DD6FAC8-2498-44A3-A08B-E94097A8AFC5}"/>
+    <pc:docChg chg="modSld">
+      <pc:chgData name="Matthieu Briet (Student at CentraleSupelec)" userId="S::matthieu.briet@student-cs.fr::7fbd13a3-466b-46e9-b2ce-1466f625bfdb" providerId="AD" clId="Web-{5DD6FAC8-2498-44A3-A08B-E94097A8AFC5}" dt="2021-06-10T16:01:58.726" v="18" actId="1076"/>
+      <pc:docMkLst>
+        <pc:docMk/>
+      </pc:docMkLst>
+      <pc:sldChg chg="addSp modSp">
+        <pc:chgData name="Matthieu Briet (Student at CentraleSupelec)" userId="S::matthieu.briet@student-cs.fr::7fbd13a3-466b-46e9-b2ce-1466f625bfdb" providerId="AD" clId="Web-{5DD6FAC8-2498-44A3-A08B-E94097A8AFC5}" dt="2021-06-10T16:01:58.726" v="18" actId="1076"/>
+        <pc:sldMkLst>
+          <pc:docMk/>
+          <pc:sldMk cId="708683669" sldId="347"/>
+        </pc:sldMkLst>
+        <pc:spChg chg="add mod">
+          <ac:chgData name="Matthieu Briet (Student at CentraleSupelec)" userId="S::matthieu.briet@student-cs.fr::7fbd13a3-466b-46e9-b2ce-1466f625bfdb" providerId="AD" clId="Web-{5DD6FAC8-2498-44A3-A08B-E94097A8AFC5}" dt="2021-06-10T16:01:07.553" v="11"/>
+          <ac:spMkLst>
+            <pc:docMk/>
+            <pc:sldMk cId="708683669" sldId="347"/>
+            <ac:spMk id="9" creationId="{C320E73B-0A68-468C-A952-5066B6810F93}"/>
+          </ac:spMkLst>
+        </pc:spChg>
+        <pc:spChg chg="mod">
+          <ac:chgData name="Matthieu Briet (Student at CentraleSupelec)" userId="S::matthieu.briet@student-cs.fr::7fbd13a3-466b-46e9-b2ce-1466f625bfdb" providerId="AD" clId="Web-{5DD6FAC8-2498-44A3-A08B-E94097A8AFC5}" dt="2021-06-10T16:00:24.286" v="2" actId="1076"/>
+          <ac:spMkLst>
+            <pc:docMk/>
+            <pc:sldMk cId="708683669" sldId="347"/>
+            <ac:spMk id="11" creationId="{445638A1-6F11-0E4F-A5F9-A8CD4D153131}"/>
+          </ac:spMkLst>
+        </pc:spChg>
+        <pc:spChg chg="mod">
+          <ac:chgData name="Matthieu Briet (Student at CentraleSupelec)" userId="S::matthieu.briet@student-cs.fr::7fbd13a3-466b-46e9-b2ce-1466f625bfdb" providerId="AD" clId="Web-{5DD6FAC8-2498-44A3-A08B-E94097A8AFC5}" dt="2021-06-10T16:00:27.411" v="3" actId="1076"/>
+          <ac:spMkLst>
+            <pc:docMk/>
+            <pc:sldMk cId="708683669" sldId="347"/>
+            <ac:spMk id="12" creationId="{8FF174D4-B921-E94D-BFEE-0C6CB62EEF44}"/>
+          </ac:spMkLst>
+        </pc:spChg>
+        <pc:picChg chg="add mod">
+          <ac:chgData name="Matthieu Briet (Student at CentraleSupelec)" userId="S::matthieu.briet@student-cs.fr::7fbd13a3-466b-46e9-b2ce-1466f625bfdb" providerId="AD" clId="Web-{5DD6FAC8-2498-44A3-A08B-E94097A8AFC5}" dt="2021-06-10T16:01:58.726" v="18" actId="1076"/>
+          <ac:picMkLst>
+            <pc:docMk/>
+            <pc:sldMk cId="708683669" sldId="347"/>
+            <ac:picMk id="4" creationId="{C58AFC2B-18C1-44FF-BD16-CAFE3D26D672}"/>
+          </ac:picMkLst>
+        </pc:picChg>
+      </pc:sldChg>
+      <pc:sldChg chg="addSp modSp">
+        <pc:chgData name="Matthieu Briet (Student at CentraleSupelec)" userId="S::matthieu.briet@student-cs.fr::7fbd13a3-466b-46e9-b2ce-1466f625bfdb" providerId="AD" clId="Web-{5DD6FAC8-2498-44A3-A08B-E94097A8AFC5}" dt="2021-06-10T16:01:36.632" v="16"/>
+        <pc:sldMkLst>
+          <pc:docMk/>
+          <pc:sldMk cId="843562837" sldId="349"/>
+        </pc:sldMkLst>
+        <pc:spChg chg="add mod">
+          <ac:chgData name="Matthieu Briet (Student at CentraleSupelec)" userId="S::matthieu.briet@student-cs.fr::7fbd13a3-466b-46e9-b2ce-1466f625bfdb" providerId="AD" clId="Web-{5DD6FAC8-2498-44A3-A08B-E94097A8AFC5}" dt="2021-06-10T16:01:36.632" v="16"/>
+          <ac:spMkLst>
+            <pc:docMk/>
+            <pc:sldMk cId="843562837" sldId="349"/>
+            <ac:spMk id="4" creationId="{940CF748-199A-4923-9462-3408B7845A0F}"/>
+          </ac:spMkLst>
+        </pc:spChg>
+        <pc:spChg chg="mod">
+          <ac:chgData name="Matthieu Briet (Student at CentraleSupelec)" userId="S::matthieu.briet@student-cs.fr::7fbd13a3-466b-46e9-b2ce-1466f625bfdb" providerId="AD" clId="Web-{5DD6FAC8-2498-44A3-A08B-E94097A8AFC5}" dt="2021-06-10T16:01:26.413" v="12" actId="1076"/>
+          <ac:spMkLst>
+            <pc:docMk/>
+            <pc:sldMk cId="843562837" sldId="349"/>
+            <ac:spMk id="10" creationId="{2AC57D00-9195-804B-B631-21FEFD9EF7FE}"/>
+          </ac:spMkLst>
+        </pc:spChg>
+      </pc:sldChg>
+    </pc:docChg>
+  </pc:docChgLst>
+  <pc:docChgLst>
     <pc:chgData name="Nicolas Bonafe (Student at CentraleSupelec)" userId="S::nicolas.bonafe@student-cs.fr::c8419656-00f4-43eb-b6a5-0415794eb45a" providerId="AD" clId="Web-{A34166E3-0981-4C63-AEAF-BBB5E895691D}"/>
     <pc:docChg chg="modSld">
       <pc:chgData name="Nicolas Bonafe (Student at CentraleSupelec)" userId="S::nicolas.bonafe@student-cs.fr::c8419656-00f4-43eb-b6a5-0415794eb45a" providerId="AD" clId="Web-{A34166E3-0981-4C63-AEAF-BBB5E895691D}" dt="2021-05-27T07:01:03.452" v="0" actId="20577"/>
@@ -5399,77 +5474,6 @@
             <pc:docMk/>
             <pc:sldMk cId="1937425631" sldId="343"/>
             <ac:spMk id="9" creationId="{881BB9AC-D9B1-4EF3-9A9C-3F682CED3807}"/>
-          </ac:spMkLst>
-        </pc:spChg>
-      </pc:sldChg>
-    </pc:docChg>
-  </pc:docChgLst>
-  <pc:docChgLst>
-    <pc:chgData name="Matthieu Briet (Student at CentraleSupelec)" userId="S::matthieu.briet@student-cs.fr::7fbd13a3-466b-46e9-b2ce-1466f625bfdb" providerId="AD" clId="Web-{5DD6FAC8-2498-44A3-A08B-E94097A8AFC5}"/>
-    <pc:docChg chg="modSld">
-      <pc:chgData name="Matthieu Briet (Student at CentraleSupelec)" userId="S::matthieu.briet@student-cs.fr::7fbd13a3-466b-46e9-b2ce-1466f625bfdb" providerId="AD" clId="Web-{5DD6FAC8-2498-44A3-A08B-E94097A8AFC5}" dt="2021-06-10T16:01:58.726" v="18" actId="1076"/>
-      <pc:docMkLst>
-        <pc:docMk/>
-      </pc:docMkLst>
-      <pc:sldChg chg="addSp modSp">
-        <pc:chgData name="Matthieu Briet (Student at CentraleSupelec)" userId="S::matthieu.briet@student-cs.fr::7fbd13a3-466b-46e9-b2ce-1466f625bfdb" providerId="AD" clId="Web-{5DD6FAC8-2498-44A3-A08B-E94097A8AFC5}" dt="2021-06-10T16:01:58.726" v="18" actId="1076"/>
-        <pc:sldMkLst>
-          <pc:docMk/>
-          <pc:sldMk cId="708683669" sldId="347"/>
-        </pc:sldMkLst>
-        <pc:spChg chg="add mod">
-          <ac:chgData name="Matthieu Briet (Student at CentraleSupelec)" userId="S::matthieu.briet@student-cs.fr::7fbd13a3-466b-46e9-b2ce-1466f625bfdb" providerId="AD" clId="Web-{5DD6FAC8-2498-44A3-A08B-E94097A8AFC5}" dt="2021-06-10T16:01:07.553" v="11"/>
-          <ac:spMkLst>
-            <pc:docMk/>
-            <pc:sldMk cId="708683669" sldId="347"/>
-            <ac:spMk id="9" creationId="{C320E73B-0A68-468C-A952-5066B6810F93}"/>
-          </ac:spMkLst>
-        </pc:spChg>
-        <pc:spChg chg="mod">
-          <ac:chgData name="Matthieu Briet (Student at CentraleSupelec)" userId="S::matthieu.briet@student-cs.fr::7fbd13a3-466b-46e9-b2ce-1466f625bfdb" providerId="AD" clId="Web-{5DD6FAC8-2498-44A3-A08B-E94097A8AFC5}" dt="2021-06-10T16:00:24.286" v="2" actId="1076"/>
-          <ac:spMkLst>
-            <pc:docMk/>
-            <pc:sldMk cId="708683669" sldId="347"/>
-            <ac:spMk id="11" creationId="{445638A1-6F11-0E4F-A5F9-A8CD4D153131}"/>
-          </ac:spMkLst>
-        </pc:spChg>
-        <pc:spChg chg="mod">
-          <ac:chgData name="Matthieu Briet (Student at CentraleSupelec)" userId="S::matthieu.briet@student-cs.fr::7fbd13a3-466b-46e9-b2ce-1466f625bfdb" providerId="AD" clId="Web-{5DD6FAC8-2498-44A3-A08B-E94097A8AFC5}" dt="2021-06-10T16:00:27.411" v="3" actId="1076"/>
-          <ac:spMkLst>
-            <pc:docMk/>
-            <pc:sldMk cId="708683669" sldId="347"/>
-            <ac:spMk id="12" creationId="{8FF174D4-B921-E94D-BFEE-0C6CB62EEF44}"/>
-          </ac:spMkLst>
-        </pc:spChg>
-        <pc:picChg chg="add mod">
-          <ac:chgData name="Matthieu Briet (Student at CentraleSupelec)" userId="S::matthieu.briet@student-cs.fr::7fbd13a3-466b-46e9-b2ce-1466f625bfdb" providerId="AD" clId="Web-{5DD6FAC8-2498-44A3-A08B-E94097A8AFC5}" dt="2021-06-10T16:01:58.726" v="18" actId="1076"/>
-          <ac:picMkLst>
-            <pc:docMk/>
-            <pc:sldMk cId="708683669" sldId="347"/>
-            <ac:picMk id="4" creationId="{C58AFC2B-18C1-44FF-BD16-CAFE3D26D672}"/>
-          </ac:picMkLst>
-        </pc:picChg>
-      </pc:sldChg>
-      <pc:sldChg chg="addSp modSp">
-        <pc:chgData name="Matthieu Briet (Student at CentraleSupelec)" userId="S::matthieu.briet@student-cs.fr::7fbd13a3-466b-46e9-b2ce-1466f625bfdb" providerId="AD" clId="Web-{5DD6FAC8-2498-44A3-A08B-E94097A8AFC5}" dt="2021-06-10T16:01:36.632" v="16"/>
-        <pc:sldMkLst>
-          <pc:docMk/>
-          <pc:sldMk cId="843562837" sldId="349"/>
-        </pc:sldMkLst>
-        <pc:spChg chg="add mod">
-          <ac:chgData name="Matthieu Briet (Student at CentraleSupelec)" userId="S::matthieu.briet@student-cs.fr::7fbd13a3-466b-46e9-b2ce-1466f625bfdb" providerId="AD" clId="Web-{5DD6FAC8-2498-44A3-A08B-E94097A8AFC5}" dt="2021-06-10T16:01:36.632" v="16"/>
-          <ac:spMkLst>
-            <pc:docMk/>
-            <pc:sldMk cId="843562837" sldId="349"/>
-            <ac:spMk id="4" creationId="{940CF748-199A-4923-9462-3408B7845A0F}"/>
-          </ac:spMkLst>
-        </pc:spChg>
-        <pc:spChg chg="mod">
-          <ac:chgData name="Matthieu Briet (Student at CentraleSupelec)" userId="S::matthieu.briet@student-cs.fr::7fbd13a3-466b-46e9-b2ce-1466f625bfdb" providerId="AD" clId="Web-{5DD6FAC8-2498-44A3-A08B-E94097A8AFC5}" dt="2021-06-10T16:01:26.413" v="12" actId="1076"/>
-          <ac:spMkLst>
-            <pc:docMk/>
-            <pc:sldMk cId="843562837" sldId="349"/>
-            <ac:spMk id="10" creationId="{2AC57D00-9195-804B-B631-21FEFD9EF7FE}"/>
           </ac:spMkLst>
         </pc:spChg>
       </pc:sldChg>
@@ -7880,7 +7884,7 @@
           <a:p>
             <a:fld id="{C79E1890-C9AC-5C4E-9AAC-4FDA1986FF4F}" type="slidenum">
               <a:rPr lang="en-FR" smtClean="0"/>
-              <a:t>‹#›</a:t>
+              <a:t>‹N°›</a:t>
             </a:fld>
             <a:endParaRPr lang="en-FR"/>
           </a:p>
@@ -8102,6 +8106,196 @@
         </p:txBody>
       </p:sp>
     </p:spTree>
+  </p:cSld>
+  <p:clrMapOvr>
+    <a:masterClrMapping/>
+  </p:clrMapOvr>
+</p:notes>
+</file>
+
+<file path=ppt/notesSlides/notesSlide10.xml><?xml version="1.0" encoding="utf-8"?>
+<p:notes xmlns:a="http://schemas.openxmlformats.org/drawingml/2006/main" xmlns:r="http://schemas.openxmlformats.org/officeDocument/2006/relationships" xmlns:p="http://schemas.openxmlformats.org/presentationml/2006/main" showMasterSp="0" showMasterPhAnim="0">
+  <p:cSld>
+    <p:spTree>
+      <p:nvGrpSpPr>
+        <p:cNvPr id="1" name="Shape 106"/>
+        <p:cNvGrpSpPr/>
+        <p:nvPr/>
+      </p:nvGrpSpPr>
+      <p:grpSpPr>
+        <a:xfrm>
+          <a:off x="0" y="0"/>
+          <a:ext cx="0" cy="0"/>
+          <a:chOff x="0" y="0"/>
+          <a:chExt cx="0" cy="0"/>
+        </a:xfrm>
+      </p:grpSpPr>
+      <p:sp>
+        <p:nvSpPr>
+          <p:cNvPr id="107" name="Google Shape;107;g35ed75ccf_015:notes"/>
+          <p:cNvSpPr>
+            <a:spLocks noGrp="1" noRot="1" noChangeAspect="1"/>
+          </p:cNvSpPr>
+          <p:nvPr>
+            <p:ph type="sldImg" idx="2"/>
+          </p:nvPr>
+        </p:nvSpPr>
+        <p:spPr>
+          <a:xfrm>
+            <a:off x="381000" y="685800"/>
+            <a:ext cx="6096000" cy="3429000"/>
+          </a:xfrm>
+          <a:custGeom>
+            <a:avLst/>
+            <a:gdLst/>
+            <a:ahLst/>
+            <a:cxnLst/>
+            <a:rect l="l" t="t" r="r" b="b"/>
+            <a:pathLst>
+              <a:path w="120000" h="120000" extrusionOk="0">
+                <a:moveTo>
+                  <a:pt x="0" y="0"/>
+                </a:moveTo>
+                <a:lnTo>
+                  <a:pt x="120000" y="0"/>
+                </a:lnTo>
+                <a:lnTo>
+                  <a:pt x="120000" y="120000"/>
+                </a:lnTo>
+                <a:lnTo>
+                  <a:pt x="0" y="120000"/>
+                </a:lnTo>
+                <a:close/>
+              </a:path>
+            </a:pathLst>
+          </a:custGeom>
+        </p:spPr>
+      </p:sp>
+      <p:sp>
+        <p:nvSpPr>
+          <p:cNvPr id="108" name="Google Shape;108;g35ed75ccf_015:notes"/>
+          <p:cNvSpPr txBox="1">
+            <a:spLocks noGrp="1"/>
+          </p:cNvSpPr>
+          <p:nvPr>
+            <p:ph type="body" idx="1"/>
+          </p:nvPr>
+        </p:nvSpPr>
+        <p:spPr>
+          <a:xfrm>
+            <a:off x="685800" y="4343400"/>
+            <a:ext cx="5486400" cy="4114800"/>
+          </a:xfrm>
+          <a:prstGeom prst="rect">
+            <a:avLst/>
+          </a:prstGeom>
+        </p:spPr>
+        <p:txBody>
+          <a:bodyPr spcFirstLastPara="1" wrap="square" lIns="91425" tIns="91425" rIns="91425" bIns="91425" anchor="t" anchorCtr="0">
+            <a:noAutofit/>
+          </a:bodyPr>
+          <a:lstStyle/>
+          <a:p>
+            <a:r>
+              <a:rPr lang="fr-FR"/>
+              <a:t>Nico</a:t>
+            </a:r>
+          </a:p>
+        </p:txBody>
+      </p:sp>
+    </p:spTree>
+    <p:extLst>
+      <p:ext uri="{BB962C8B-B14F-4D97-AF65-F5344CB8AC3E}">
+        <p14:creationId xmlns:p14="http://schemas.microsoft.com/office/powerpoint/2010/main" val="4237534926"/>
+      </p:ext>
+    </p:extLst>
+  </p:cSld>
+  <p:clrMapOvr>
+    <a:masterClrMapping/>
+  </p:clrMapOvr>
+</p:notes>
+</file>
+
+<file path=ppt/notesSlides/notesSlide11.xml><?xml version="1.0" encoding="utf-8"?>
+<p:notes xmlns:a="http://schemas.openxmlformats.org/drawingml/2006/main" xmlns:r="http://schemas.openxmlformats.org/officeDocument/2006/relationships" xmlns:p="http://schemas.openxmlformats.org/presentationml/2006/main">
+  <p:cSld>
+    <p:spTree>
+      <p:nvGrpSpPr>
+        <p:cNvPr id="1" name=""/>
+        <p:cNvGrpSpPr/>
+        <p:nvPr/>
+      </p:nvGrpSpPr>
+      <p:grpSpPr>
+        <a:xfrm>
+          <a:off x="0" y="0"/>
+          <a:ext cx="0" cy="0"/>
+          <a:chOff x="0" y="0"/>
+          <a:chExt cx="0" cy="0"/>
+        </a:xfrm>
+      </p:grpSpPr>
+      <p:sp>
+        <p:nvSpPr>
+          <p:cNvPr id="2" name="Espace réservé de l'image des diapositives 1"/>
+          <p:cNvSpPr>
+            <a:spLocks noGrp="1" noRot="1" noChangeAspect="1"/>
+          </p:cNvSpPr>
+          <p:nvPr>
+            <p:ph type="sldImg"/>
+          </p:nvPr>
+        </p:nvSpPr>
+        <p:spPr/>
+      </p:sp>
+      <p:sp>
+        <p:nvSpPr>
+          <p:cNvPr id="3" name="Espace réservé des notes 2"/>
+          <p:cNvSpPr>
+            <a:spLocks noGrp="1"/>
+          </p:cNvSpPr>
+          <p:nvPr>
+            <p:ph type="body" idx="1"/>
+          </p:nvPr>
+        </p:nvSpPr>
+        <p:spPr/>
+        <p:txBody>
+          <a:bodyPr/>
+          <a:lstStyle/>
+          <a:p>
+            <a:r>
+              <a:rPr lang="fr-FR"/>
+              <a:t>Alexandre</a:t>
+            </a:r>
+          </a:p>
+        </p:txBody>
+      </p:sp>
+      <p:sp>
+        <p:nvSpPr>
+          <p:cNvPr id="4" name="Espace réservé du numéro de diapositive 3"/>
+          <p:cNvSpPr>
+            <a:spLocks noGrp="1"/>
+          </p:cNvSpPr>
+          <p:nvPr>
+            <p:ph type="sldNum" sz="quarter" idx="5"/>
+          </p:nvPr>
+        </p:nvSpPr>
+        <p:spPr/>
+        <p:txBody>
+          <a:bodyPr/>
+          <a:lstStyle/>
+          <a:p>
+            <a:fld id="{C79E1890-C9AC-5C4E-9AAC-4FDA1986FF4F}" type="slidenum">
+              <a:rPr lang="en-FR" smtClean="0"/>
+              <a:t>18</a:t>
+            </a:fld>
+            <a:endParaRPr lang="en-FR"/>
+          </a:p>
+        </p:txBody>
+      </p:sp>
+    </p:spTree>
+    <p:extLst>
+      <p:ext uri="{BB962C8B-B14F-4D97-AF65-F5344CB8AC3E}">
+        <p14:creationId xmlns:p14="http://schemas.microsoft.com/office/powerpoint/2010/main" val="2320714230"/>
+      </p:ext>
+    </p:extLst>
   </p:cSld>
   <p:clrMapOvr>
     <a:masterClrMapping/>
@@ -8405,8 +8599,29 @@
           <a:lstStyle/>
           <a:p>
             <a:r>
-              <a:rPr lang="fr-FR"/>
-              <a:t>Nico</a:t>
+              <a:rPr lang="fr-FR" dirty="0" err="1"/>
+              <a:t>Parelr</a:t>
+            </a:r>
+            <a:r>
+              <a:rPr lang="fr-FR" dirty="0"/>
+              <a:t> de la cross val du calcul du score </a:t>
+            </a:r>
+          </a:p>
+          <a:p>
+            <a:r>
+              <a:rPr lang="fr-FR" dirty="0"/>
+              <a:t>Call back pour l’</a:t>
+            </a:r>
+            <a:r>
+              <a:rPr lang="fr-FR" dirty="0" err="1"/>
+              <a:t>overfitting</a:t>
+            </a:r>
+            <a:endParaRPr lang="fr-FR" dirty="0"/>
+          </a:p>
+          <a:p>
+            <a:r>
+              <a:rPr lang="fr-FR" dirty="0"/>
+              <a:t>Expliquer tous les mots dans le nuage</a:t>
             </a:r>
           </a:p>
         </p:txBody>
@@ -8508,8 +8723,29 @@
           <a:lstStyle/>
           <a:p>
             <a:r>
-              <a:rPr lang="fr-FR"/>
-              <a:t>Nico</a:t>
+              <a:rPr lang="fr-FR" dirty="0" err="1"/>
+              <a:t>Parelr</a:t>
+            </a:r>
+            <a:r>
+              <a:rPr lang="fr-FR" dirty="0"/>
+              <a:t> de la cross val du calcul du score </a:t>
+            </a:r>
+          </a:p>
+          <a:p>
+            <a:r>
+              <a:rPr lang="fr-FR" dirty="0"/>
+              <a:t>Call back pour l’</a:t>
+            </a:r>
+            <a:r>
+              <a:rPr lang="fr-FR" dirty="0" err="1"/>
+              <a:t>overfitting</a:t>
+            </a:r>
+            <a:endParaRPr lang="fr-FR" dirty="0"/>
+          </a:p>
+          <a:p>
+            <a:r>
+              <a:rPr lang="fr-FR" dirty="0"/>
+              <a:t>Expliquer tous les mots dans le nuage</a:t>
             </a:r>
           </a:p>
         </p:txBody>
@@ -8517,7 +8753,7 @@
     </p:spTree>
     <p:extLst>
       <p:ext uri="{BB962C8B-B14F-4D97-AF65-F5344CB8AC3E}">
-        <p14:creationId xmlns:p14="http://schemas.microsoft.com/office/powerpoint/2010/main" val="1325241462"/>
+        <p14:creationId xmlns:p14="http://schemas.microsoft.com/office/powerpoint/2010/main" val="2517312142"/>
       </p:ext>
     </p:extLst>
   </p:cSld>
@@ -8620,7 +8856,7 @@
     </p:spTree>
     <p:extLst>
       <p:ext uri="{BB962C8B-B14F-4D97-AF65-F5344CB8AC3E}">
-        <p14:creationId xmlns:p14="http://schemas.microsoft.com/office/powerpoint/2010/main" val="4237534926"/>
+        <p14:creationId xmlns:p14="http://schemas.microsoft.com/office/powerpoint/2010/main" val="1907224117"/>
       </p:ext>
     </p:extLst>
   </p:cSld>
@@ -8631,11 +8867,11 @@
 </file>
 
 <file path=ppt/notesSlides/notesSlide7.xml><?xml version="1.0" encoding="utf-8"?>
-<p:notes xmlns:a="http://schemas.openxmlformats.org/drawingml/2006/main" xmlns:r="http://schemas.openxmlformats.org/officeDocument/2006/relationships" xmlns:p="http://schemas.openxmlformats.org/presentationml/2006/main">
+<p:notes xmlns:a="http://schemas.openxmlformats.org/drawingml/2006/main" xmlns:r="http://schemas.openxmlformats.org/officeDocument/2006/relationships" xmlns:p="http://schemas.openxmlformats.org/presentationml/2006/main" showMasterSp="0" showMasterPhAnim="0">
   <p:cSld>
     <p:spTree>
       <p:nvGrpSpPr>
-        <p:cNvPr id="1" name=""/>
+        <p:cNvPr id="1" name="Shape 106"/>
         <p:cNvGrpSpPr/>
         <p:nvPr/>
       </p:nvGrpSpPr>
@@ -8649,65 +8885,296 @@
       </p:grpSpPr>
       <p:sp>
         <p:nvSpPr>
-          <p:cNvPr id="2" name="Espace réservé de l'image des diapositives 1"/>
+          <p:cNvPr id="107" name="Google Shape;107;g35ed75ccf_015:notes"/>
           <p:cNvSpPr>
             <a:spLocks noGrp="1" noRot="1" noChangeAspect="1"/>
           </p:cNvSpPr>
           <p:nvPr>
-            <p:ph type="sldImg"/>
+            <p:ph type="sldImg" idx="2"/>
           </p:nvPr>
         </p:nvSpPr>
-        <p:spPr/>
+        <p:spPr>
+          <a:xfrm>
+            <a:off x="381000" y="685800"/>
+            <a:ext cx="6096000" cy="3429000"/>
+          </a:xfrm>
+          <a:custGeom>
+            <a:avLst/>
+            <a:gdLst/>
+            <a:ahLst/>
+            <a:cxnLst/>
+            <a:rect l="l" t="t" r="r" b="b"/>
+            <a:pathLst>
+              <a:path w="120000" h="120000" extrusionOk="0">
+                <a:moveTo>
+                  <a:pt x="0" y="0"/>
+                </a:moveTo>
+                <a:lnTo>
+                  <a:pt x="120000" y="0"/>
+                </a:lnTo>
+                <a:lnTo>
+                  <a:pt x="120000" y="120000"/>
+                </a:lnTo>
+                <a:lnTo>
+                  <a:pt x="0" y="120000"/>
+                </a:lnTo>
+                <a:close/>
+              </a:path>
+            </a:pathLst>
+          </a:custGeom>
+        </p:spPr>
       </p:sp>
       <p:sp>
         <p:nvSpPr>
-          <p:cNvPr id="3" name="Espace réservé des notes 2"/>
-          <p:cNvSpPr>
+          <p:cNvPr id="108" name="Google Shape;108;g35ed75ccf_015:notes"/>
+          <p:cNvSpPr txBox="1">
             <a:spLocks noGrp="1"/>
           </p:cNvSpPr>
           <p:nvPr>
             <p:ph type="body" idx="1"/>
           </p:nvPr>
         </p:nvSpPr>
-        <p:spPr/>
+        <p:spPr>
+          <a:xfrm>
+            <a:off x="685800" y="4343400"/>
+            <a:ext cx="5486400" cy="4114800"/>
+          </a:xfrm>
+          <a:prstGeom prst="rect">
+            <a:avLst/>
+          </a:prstGeom>
+        </p:spPr>
         <p:txBody>
-          <a:bodyPr/>
+          <a:bodyPr spcFirstLastPara="1" wrap="square" lIns="91425" tIns="91425" rIns="91425" bIns="91425" anchor="t" anchorCtr="0">
+            <a:noAutofit/>
+          </a:bodyPr>
           <a:lstStyle/>
           <a:p>
-            <a:r>
-              <a:rPr lang="fr-FR"/>
-              <a:t>Alexandre</a:t>
-            </a:r>
-          </a:p>
-        </p:txBody>
-      </p:sp>
-      <p:sp>
-        <p:nvSpPr>
-          <p:cNvPr id="4" name="Espace réservé du numéro de diapositive 3"/>
-          <p:cNvSpPr>
-            <a:spLocks noGrp="1"/>
-          </p:cNvSpPr>
-          <p:nvPr>
-            <p:ph type="sldNum" sz="quarter" idx="5"/>
-          </p:nvPr>
-        </p:nvSpPr>
-        <p:spPr/>
-        <p:txBody>
-          <a:bodyPr/>
-          <a:lstStyle/>
-          <a:p>
-            <a:fld id="{C79E1890-C9AC-5C4E-9AAC-4FDA1986FF4F}" type="slidenum">
-              <a:rPr lang="en-FR" smtClean="0"/>
-              <a:t>14</a:t>
-            </a:fld>
-            <a:endParaRPr lang="en-FR"/>
+            <a:endParaRPr lang="fr-FR" dirty="0"/>
           </a:p>
         </p:txBody>
       </p:sp>
     </p:spTree>
     <p:extLst>
       <p:ext uri="{BB962C8B-B14F-4D97-AF65-F5344CB8AC3E}">
-        <p14:creationId xmlns:p14="http://schemas.microsoft.com/office/powerpoint/2010/main" val="2320714230"/>
+        <p14:creationId xmlns:p14="http://schemas.microsoft.com/office/powerpoint/2010/main" val="3841240208"/>
+      </p:ext>
+    </p:extLst>
+  </p:cSld>
+  <p:clrMapOvr>
+    <a:masterClrMapping/>
+  </p:clrMapOvr>
+</p:notes>
+</file>
+
+<file path=ppt/notesSlides/notesSlide8.xml><?xml version="1.0" encoding="utf-8"?>
+<p:notes xmlns:a="http://schemas.openxmlformats.org/drawingml/2006/main" xmlns:r="http://schemas.openxmlformats.org/officeDocument/2006/relationships" xmlns:p="http://schemas.openxmlformats.org/presentationml/2006/main" showMasterSp="0" showMasterPhAnim="0">
+  <p:cSld>
+    <p:spTree>
+      <p:nvGrpSpPr>
+        <p:cNvPr id="1" name="Shape 106"/>
+        <p:cNvGrpSpPr/>
+        <p:nvPr/>
+      </p:nvGrpSpPr>
+      <p:grpSpPr>
+        <a:xfrm>
+          <a:off x="0" y="0"/>
+          <a:ext cx="0" cy="0"/>
+          <a:chOff x="0" y="0"/>
+          <a:chExt cx="0" cy="0"/>
+        </a:xfrm>
+      </p:grpSpPr>
+      <p:sp>
+        <p:nvSpPr>
+          <p:cNvPr id="107" name="Google Shape;107;g35ed75ccf_015:notes"/>
+          <p:cNvSpPr>
+            <a:spLocks noGrp="1" noRot="1" noChangeAspect="1"/>
+          </p:cNvSpPr>
+          <p:nvPr>
+            <p:ph type="sldImg" idx="2"/>
+          </p:nvPr>
+        </p:nvSpPr>
+        <p:spPr>
+          <a:xfrm>
+            <a:off x="381000" y="685800"/>
+            <a:ext cx="6096000" cy="3429000"/>
+          </a:xfrm>
+          <a:custGeom>
+            <a:avLst/>
+            <a:gdLst/>
+            <a:ahLst/>
+            <a:cxnLst/>
+            <a:rect l="l" t="t" r="r" b="b"/>
+            <a:pathLst>
+              <a:path w="120000" h="120000" extrusionOk="0">
+                <a:moveTo>
+                  <a:pt x="0" y="0"/>
+                </a:moveTo>
+                <a:lnTo>
+                  <a:pt x="120000" y="0"/>
+                </a:lnTo>
+                <a:lnTo>
+                  <a:pt x="120000" y="120000"/>
+                </a:lnTo>
+                <a:lnTo>
+                  <a:pt x="0" y="120000"/>
+                </a:lnTo>
+                <a:close/>
+              </a:path>
+            </a:pathLst>
+          </a:custGeom>
+        </p:spPr>
+      </p:sp>
+      <p:sp>
+        <p:nvSpPr>
+          <p:cNvPr id="108" name="Google Shape;108;g35ed75ccf_015:notes"/>
+          <p:cNvSpPr txBox="1">
+            <a:spLocks noGrp="1"/>
+          </p:cNvSpPr>
+          <p:nvPr>
+            <p:ph type="body" idx="1"/>
+          </p:nvPr>
+        </p:nvSpPr>
+        <p:spPr>
+          <a:xfrm>
+            <a:off x="685800" y="4343400"/>
+            <a:ext cx="5486400" cy="4114800"/>
+          </a:xfrm>
+          <a:prstGeom prst="rect">
+            <a:avLst/>
+          </a:prstGeom>
+        </p:spPr>
+        <p:txBody>
+          <a:bodyPr spcFirstLastPara="1" wrap="square" lIns="91425" tIns="91425" rIns="91425" bIns="91425" anchor="t" anchorCtr="0">
+            <a:noAutofit/>
+          </a:bodyPr>
+          <a:lstStyle/>
+          <a:p>
+            <a:r>
+              <a:rPr lang="fr-FR"/>
+              <a:t>Nico</a:t>
+            </a:r>
+          </a:p>
+        </p:txBody>
+      </p:sp>
+    </p:spTree>
+    <p:extLst>
+      <p:ext uri="{BB962C8B-B14F-4D97-AF65-F5344CB8AC3E}">
+        <p14:creationId xmlns:p14="http://schemas.microsoft.com/office/powerpoint/2010/main" val="3110847152"/>
+      </p:ext>
+    </p:extLst>
+  </p:cSld>
+  <p:clrMapOvr>
+    <a:masterClrMapping/>
+  </p:clrMapOvr>
+</p:notes>
+</file>
+
+<file path=ppt/notesSlides/notesSlide9.xml><?xml version="1.0" encoding="utf-8"?>
+<p:notes xmlns:a="http://schemas.openxmlformats.org/drawingml/2006/main" xmlns:r="http://schemas.openxmlformats.org/officeDocument/2006/relationships" xmlns:p="http://schemas.openxmlformats.org/presentationml/2006/main" showMasterSp="0" showMasterPhAnim="0">
+  <p:cSld>
+    <p:spTree>
+      <p:nvGrpSpPr>
+        <p:cNvPr id="1" name="Shape 106"/>
+        <p:cNvGrpSpPr/>
+        <p:nvPr/>
+      </p:nvGrpSpPr>
+      <p:grpSpPr>
+        <a:xfrm>
+          <a:off x="0" y="0"/>
+          <a:ext cx="0" cy="0"/>
+          <a:chOff x="0" y="0"/>
+          <a:chExt cx="0" cy="0"/>
+        </a:xfrm>
+      </p:grpSpPr>
+      <p:sp>
+        <p:nvSpPr>
+          <p:cNvPr id="107" name="Google Shape;107;g35ed75ccf_015:notes"/>
+          <p:cNvSpPr>
+            <a:spLocks noGrp="1" noRot="1" noChangeAspect="1"/>
+          </p:cNvSpPr>
+          <p:nvPr>
+            <p:ph type="sldImg" idx="2"/>
+          </p:nvPr>
+        </p:nvSpPr>
+        <p:spPr>
+          <a:xfrm>
+            <a:off x="381000" y="685800"/>
+            <a:ext cx="6096000" cy="3429000"/>
+          </a:xfrm>
+          <a:custGeom>
+            <a:avLst/>
+            <a:gdLst/>
+            <a:ahLst/>
+            <a:cxnLst/>
+            <a:rect l="l" t="t" r="r" b="b"/>
+            <a:pathLst>
+              <a:path w="120000" h="120000" extrusionOk="0">
+                <a:moveTo>
+                  <a:pt x="0" y="0"/>
+                </a:moveTo>
+                <a:lnTo>
+                  <a:pt x="120000" y="0"/>
+                </a:lnTo>
+                <a:lnTo>
+                  <a:pt x="120000" y="120000"/>
+                </a:lnTo>
+                <a:lnTo>
+                  <a:pt x="0" y="120000"/>
+                </a:lnTo>
+                <a:close/>
+              </a:path>
+            </a:pathLst>
+          </a:custGeom>
+        </p:spPr>
+      </p:sp>
+      <p:sp>
+        <p:nvSpPr>
+          <p:cNvPr id="108" name="Google Shape;108;g35ed75ccf_015:notes"/>
+          <p:cNvSpPr txBox="1">
+            <a:spLocks noGrp="1"/>
+          </p:cNvSpPr>
+          <p:nvPr>
+            <p:ph type="body" idx="1"/>
+          </p:nvPr>
+        </p:nvSpPr>
+        <p:spPr>
+          <a:xfrm>
+            <a:off x="685800" y="4343400"/>
+            <a:ext cx="5486400" cy="4114800"/>
+          </a:xfrm>
+          <a:prstGeom prst="rect">
+            <a:avLst/>
+          </a:prstGeom>
+        </p:spPr>
+        <p:txBody>
+          <a:bodyPr spcFirstLastPara="1" wrap="square" lIns="91425" tIns="91425" rIns="91425" bIns="91425" anchor="t" anchorCtr="0">
+            <a:noAutofit/>
+          </a:bodyPr>
+          <a:lstStyle/>
+          <a:p>
+            <a:r>
+              <a:rPr lang="fr-FR" dirty="0" err="1"/>
+              <a:t>Btach</a:t>
+            </a:r>
+            <a:r>
+              <a:rPr lang="fr-FR" dirty="0"/>
+              <a:t> size peut être </a:t>
+            </a:r>
+            <a:r>
+              <a:rPr lang="fr-FR" dirty="0" err="1"/>
+              <a:t>lim</a:t>
+            </a:r>
+            <a:r>
+              <a:rPr lang="fr-FR" dirty="0"/>
+              <a:t> par la ram </a:t>
+            </a:r>
+          </a:p>
+        </p:txBody>
+      </p:sp>
+    </p:spTree>
+    <p:extLst>
+      <p:ext uri="{BB962C8B-B14F-4D97-AF65-F5344CB8AC3E}">
+        <p14:creationId xmlns:p14="http://schemas.microsoft.com/office/powerpoint/2010/main" val="1325241462"/>
       </p:ext>
     </p:extLst>
   </p:cSld>
@@ -9000,7 +9467,7 @@
                 </a:spcAft>
                 <a:buNone/>
               </a:pPr>
-              <a:t>‹#›</a:t>
+              <a:t>‹N°›</a:t>
             </a:fld>
             <a:endParaRPr/>
           </a:p>
@@ -10006,7 +10473,7 @@
                 </a:spcAft>
                 <a:buNone/>
               </a:pPr>
-              <a:t>‹#›</a:t>
+              <a:t>‹N°›</a:t>
             </a:fld>
             <a:endParaRPr/>
           </a:p>
@@ -10408,7 +10875,7 @@
                 </a:spcAft>
                 <a:buNone/>
               </a:pPr>
-              <a:t>‹#›</a:t>
+              <a:t>‹N°›</a:t>
             </a:fld>
             <a:endParaRPr/>
           </a:p>
@@ -11068,7 +11535,7 @@
                 </a:spcAft>
                 <a:buNone/>
               </a:pPr>
-              <a:t>‹#›</a:t>
+              <a:t>‹N°›</a:t>
             </a:fld>
             <a:endParaRPr/>
           </a:p>
@@ -11341,7 +11808,7 @@
                 </a:spcAft>
                 <a:buNone/>
               </a:pPr>
-              <a:t>‹#›</a:t>
+              <a:t>‹N°›</a:t>
             </a:fld>
             <a:endParaRPr/>
           </a:p>
@@ -11526,7 +11993,7 @@
                 </a:spcAft>
                 <a:buNone/>
               </a:pPr>
-              <a:t>‹#›</a:t>
+              <a:t>‹N°›</a:t>
             </a:fld>
             <a:endParaRPr/>
           </a:p>
@@ -11670,7 +12137,7 @@
                 </a:spcAft>
                 <a:buNone/>
               </a:pPr>
-              <a:t>‹#›</a:t>
+              <a:t>‹N°›</a:t>
             </a:fld>
             <a:endParaRPr/>
           </a:p>
@@ -11814,7 +12281,7 @@
                 </a:spcAft>
                 <a:buNone/>
               </a:pPr>
-              <a:t>‹#›</a:t>
+              <a:t>‹N°›</a:t>
             </a:fld>
             <a:endParaRPr/>
           </a:p>
@@ -12722,7 +13189,7 @@
                 </a:spcAft>
                 <a:buNone/>
               </a:pPr>
-              <a:t>‹#›</a:t>
+              <a:t>‹N°›</a:t>
             </a:fld>
             <a:endParaRPr/>
           </a:p>
@@ -13172,7 +13639,7 @@
                 </a:spcAft>
                 <a:buNone/>
               </a:pPr>
-              <a:t>‹#›</a:t>
+              <a:t>‹N°›</a:t>
             </a:fld>
             <a:endParaRPr/>
           </a:p>
@@ -13574,7 +14041,7 @@
                 </a:spcAft>
                 <a:buNone/>
               </a:pPr>
-              <a:t>‹#›</a:t>
+              <a:t>‹N°›</a:t>
             </a:fld>
             <a:endParaRPr/>
           </a:p>
@@ -14105,7 +14572,7 @@
                 </a:spcAft>
                 <a:buNone/>
               </a:pPr>
-              <a:t>‹#›</a:t>
+              <a:t>‹N°›</a:t>
             </a:fld>
             <a:endParaRPr/>
           </a:p>
@@ -14765,7 +15232,7 @@
                 </a:spcAft>
                 <a:buNone/>
               </a:pPr>
-              <a:t>‹#›</a:t>
+              <a:t>‹N°›</a:t>
             </a:fld>
             <a:endParaRPr/>
           </a:p>
@@ -14950,7 +15417,7 @@
                 </a:spcAft>
                 <a:buNone/>
               </a:pPr>
-              <a:t>‹#›</a:t>
+              <a:t>‹N°›</a:t>
             </a:fld>
             <a:endParaRPr/>
           </a:p>
@@ -15094,7 +15561,7 @@
                 </a:spcAft>
                 <a:buNone/>
               </a:pPr>
-              <a:t>‹#›</a:t>
+              <a:t>‹N°›</a:t>
             </a:fld>
             <a:endParaRPr/>
           </a:p>
@@ -15238,7 +15705,7 @@
                 </a:spcAft>
                 <a:buNone/>
               </a:pPr>
-              <a:t>‹#›</a:t>
+              <a:t>‹N°›</a:t>
             </a:fld>
             <a:endParaRPr/>
           </a:p>
@@ -15958,7 +16425,7 @@
                 </a:spcAft>
                 <a:buNone/>
               </a:pPr>
-              <a:t>‹#›</a:t>
+              <a:t>‹N°›</a:t>
             </a:fld>
             <a:endParaRPr/>
           </a:p>
@@ -17378,7 +17845,7 @@
                 </a:spcAft>
                 <a:buNone/>
               </a:pPr>
-              <a:t>‹#›</a:t>
+              <a:t>‹N°›</a:t>
             </a:fld>
             <a:endParaRPr/>
           </a:p>
@@ -18685,7 +19152,7 @@
           <p:nvPr/>
         </p:nvPicPr>
         <p:blipFill>
-          <a:blip r:embed="rId10">
+          <a:blip r:embed="rId10" cstate="print">
             <a:extLst>
               <a:ext uri="{28A0092B-C50C-407E-A947-70E740481C1C}">
                 <a14:useLocalDpi xmlns:a14="http://schemas.microsoft.com/office/drawing/2010/main" val="0"/>
@@ -19766,7 +20233,7 @@
           <p:nvPr/>
         </p:nvPicPr>
         <p:blipFill>
-          <a:blip r:embed="rId14">
+          <a:blip r:embed="rId14" cstate="print">
             <a:extLst>
               <a:ext uri="{28A0092B-C50C-407E-A947-70E740481C1C}">
                 <a14:useLocalDpi xmlns:a14="http://schemas.microsoft.com/office/drawing/2010/main" val="0"/>
@@ -20055,7 +20522,7 @@
           <a:p>
             <a:pPr marL="50165"/>
             <a:r>
-              <a:rPr lang="fr-FR" sz="4000" b="1" kern="0">
+              <a:rPr lang="fr-FR" sz="4000" b="1" kern="0" dirty="0">
                 <a:solidFill>
                   <a:schemeClr val="bg1"/>
                 </a:solidFill>
@@ -20063,7 +20530,7 @@
               <a:t>4) </a:t>
             </a:r>
             <a:r>
-              <a:rPr lang="en-GB" sz="4000" b="1" kern="0">
+              <a:rPr lang="en-GB" sz="4000" b="1" kern="0" dirty="0">
                 <a:solidFill>
                   <a:schemeClr val="bg1"/>
                 </a:solidFill>
@@ -20087,8 +20554,8 @@
         </p:nvSpPr>
         <p:spPr>
           <a:xfrm>
-            <a:off x="5569908" y="1916482"/>
-            <a:ext cx="2868459" cy="923330"/>
+            <a:off x="6819778" y="1501988"/>
+            <a:ext cx="3935485" cy="1015663"/>
           </a:xfrm>
           <a:prstGeom prst="rect">
             <a:avLst/>
@@ -20109,7 +20576,7 @@
               <a:buChar char="•"/>
             </a:pPr>
             <a:r>
-              <a:rPr lang="fr-FR">
+              <a:rPr lang="fr-FR" sz="2000" b="1" dirty="0">
                 <a:solidFill>
                   <a:schemeClr val="bg1"/>
                 </a:solidFill>
@@ -20124,7 +20591,7 @@
               <a:buChar char="•"/>
             </a:pPr>
             <a:r>
-              <a:rPr lang="fr-FR">
+              <a:rPr lang="fr-FR" sz="2000" b="1" dirty="0">
                 <a:solidFill>
                   <a:schemeClr val="bg1"/>
                 </a:solidFill>
@@ -20139,7 +20606,7 @@
               <a:buChar char="•"/>
             </a:pPr>
             <a:r>
-              <a:rPr lang="fr-FR">
+              <a:rPr lang="fr-FR" sz="2000" b="1" dirty="0">
                 <a:solidFill>
                   <a:schemeClr val="bg1"/>
                 </a:solidFill>
@@ -20164,7 +20631,7 @@
         </p:nvSpPr>
         <p:spPr>
           <a:xfrm>
-            <a:off x="4860099" y="997906"/>
+            <a:off x="5076559" y="997906"/>
             <a:ext cx="2868459" cy="369332"/>
           </a:xfrm>
           <a:prstGeom prst="rect">
@@ -20182,13 +20649,698 @@
           <a:lstStyle/>
           <a:p>
             <a:r>
-              <a:rPr lang="fr-FR">
+              <a:rPr lang="fr-FR" b="1" dirty="0" err="1">
                 <a:solidFill>
                   <a:schemeClr val="bg1"/>
                 </a:solidFill>
                 <a:cs typeface="Arial"/>
               </a:rPr>
-              <a:t>Complexité </a:t>
+              <a:t>Complexity</a:t>
+            </a:r>
+            <a:r>
+              <a:rPr lang="fr-FR" dirty="0">
+                <a:solidFill>
+                  <a:schemeClr val="bg1"/>
+                </a:solidFill>
+                <a:cs typeface="Arial"/>
+              </a:rPr>
+              <a:t> </a:t>
+            </a:r>
+          </a:p>
+        </p:txBody>
+      </p:sp>
+      <p:pic>
+        <p:nvPicPr>
+          <p:cNvPr id="7" name="Graphique 6" descr="Flèche : incurvée dans le sens des aiguilles d’une montre avec un remplissage uni">
+            <a:extLst>
+              <a:ext uri="{FF2B5EF4-FFF2-40B4-BE49-F238E27FC236}">
+                <a16:creationId xmlns:a16="http://schemas.microsoft.com/office/drawing/2014/main" id="{5A692827-85B8-4065-B00F-B39B2D8E3EDF}"/>
+              </a:ext>
+            </a:extLst>
+          </p:cNvPr>
+          <p:cNvPicPr>
+            <a:picLocks noChangeAspect="1"/>
+          </p:cNvPicPr>
+          <p:nvPr/>
+        </p:nvPicPr>
+        <p:blipFill>
+          <a:blip r:embed="rId15">
+            <a:extLst>
+              <a:ext uri="{28A0092B-C50C-407E-A947-70E740481C1C}">
+                <a14:useLocalDpi xmlns:a14="http://schemas.microsoft.com/office/drawing/2010/main" val="0"/>
+              </a:ext>
+              <a:ext uri="{96DAC541-7B7A-43D3-8B79-37D633B846F1}">
+                <asvg:svgBlip xmlns:asvg="http://schemas.microsoft.com/office/drawing/2016/SVG/main" r:embed="rId16"/>
+              </a:ext>
+            </a:extLst>
+          </a:blip>
+          <a:stretch>
+            <a:fillRect/>
+          </a:stretch>
+        </p:blipFill>
+        <p:spPr>
+          <a:xfrm rot="3866449">
+            <a:off x="6313487" y="725372"/>
+            <a:ext cx="914400" cy="914400"/>
+          </a:xfrm>
+          <a:prstGeom prst="rect">
+            <a:avLst/>
+          </a:prstGeom>
+        </p:spPr>
+      </p:pic>
+      <p:sp>
+        <p:nvSpPr>
+          <p:cNvPr id="27" name="Espace réservé du texte 5">
+            <a:extLst>
+              <a:ext uri="{FF2B5EF4-FFF2-40B4-BE49-F238E27FC236}">
+                <a16:creationId xmlns:a16="http://schemas.microsoft.com/office/drawing/2014/main" id="{20E4636F-C5FC-44B2-806A-83AD02D8A8CF}"/>
+              </a:ext>
+            </a:extLst>
+          </p:cNvPr>
+          <p:cNvSpPr txBox="1">
+            <a:spLocks/>
+          </p:cNvSpPr>
+          <p:nvPr/>
+        </p:nvSpPr>
+        <p:spPr>
+          <a:xfrm>
+            <a:off x="4021255" y="1414750"/>
+            <a:ext cx="5580800" cy="1097806"/>
+          </a:xfrm>
+          <a:prstGeom prst="rect">
+            <a:avLst/>
+          </a:prstGeom>
+        </p:spPr>
+        <p:txBody>
+          <a:bodyPr lIns="91440" tIns="45720" rIns="91440" bIns="45720" anchor="t"/>
+          <a:lstStyle>
+            <a:defPPr marR="0" lvl="0" algn="l" rtl="0">
+              <a:lnSpc>
+                <a:spcPct val="100000"/>
+              </a:lnSpc>
+              <a:spcBef>
+                <a:spcPts val="0"/>
+              </a:spcBef>
+              <a:spcAft>
+                <a:spcPts val="0"/>
+              </a:spcAft>
+            </a:defPPr>
+            <a:lvl1pPr marR="0" lvl="0" algn="l" rtl="0">
+              <a:lnSpc>
+                <a:spcPct val="100000"/>
+              </a:lnSpc>
+              <a:spcBef>
+                <a:spcPts val="0"/>
+              </a:spcBef>
+              <a:spcAft>
+                <a:spcPts val="0"/>
+              </a:spcAft>
+              <a:buClr>
+                <a:srgbClr val="000000"/>
+              </a:buClr>
+              <a:buFont typeface="Arial"/>
+              <a:defRPr sz="1900" b="0" i="0" u="none" strike="noStrike" cap="none">
+                <a:solidFill>
+                  <a:srgbClr val="000000"/>
+                </a:solidFill>
+                <a:latin typeface="Arial"/>
+                <a:ea typeface="Arial"/>
+                <a:cs typeface="Arial"/>
+                <a:sym typeface="Arial"/>
+              </a:defRPr>
+            </a:lvl1pPr>
+            <a:lvl2pPr marR="0" lvl="1" algn="l" rtl="0">
+              <a:lnSpc>
+                <a:spcPct val="100000"/>
+              </a:lnSpc>
+              <a:spcBef>
+                <a:spcPts val="0"/>
+              </a:spcBef>
+              <a:spcAft>
+                <a:spcPts val="0"/>
+              </a:spcAft>
+              <a:buClr>
+                <a:srgbClr val="000000"/>
+              </a:buClr>
+              <a:buFont typeface="Arial"/>
+              <a:defRPr sz="1900" b="0" i="0" u="none" strike="noStrike" cap="none">
+                <a:solidFill>
+                  <a:srgbClr val="000000"/>
+                </a:solidFill>
+                <a:latin typeface="Arial"/>
+                <a:ea typeface="Arial"/>
+                <a:cs typeface="Arial"/>
+                <a:sym typeface="Arial"/>
+              </a:defRPr>
+            </a:lvl2pPr>
+            <a:lvl3pPr marR="0" lvl="2" algn="l" rtl="0">
+              <a:lnSpc>
+                <a:spcPct val="100000"/>
+              </a:lnSpc>
+              <a:spcBef>
+                <a:spcPts val="0"/>
+              </a:spcBef>
+              <a:spcAft>
+                <a:spcPts val="0"/>
+              </a:spcAft>
+              <a:buClr>
+                <a:srgbClr val="000000"/>
+              </a:buClr>
+              <a:buFont typeface="Arial"/>
+              <a:defRPr sz="1900" b="0" i="0" u="none" strike="noStrike" cap="none">
+                <a:solidFill>
+                  <a:srgbClr val="000000"/>
+                </a:solidFill>
+                <a:latin typeface="Arial"/>
+                <a:ea typeface="Arial"/>
+                <a:cs typeface="Arial"/>
+                <a:sym typeface="Arial"/>
+              </a:defRPr>
+            </a:lvl3pPr>
+            <a:lvl4pPr marR="0" lvl="3" algn="l" rtl="0">
+              <a:lnSpc>
+                <a:spcPct val="100000"/>
+              </a:lnSpc>
+              <a:spcBef>
+                <a:spcPts val="0"/>
+              </a:spcBef>
+              <a:spcAft>
+                <a:spcPts val="0"/>
+              </a:spcAft>
+              <a:buClr>
+                <a:srgbClr val="000000"/>
+              </a:buClr>
+              <a:buFont typeface="Arial"/>
+              <a:defRPr sz="1900" b="0" i="0" u="none" strike="noStrike" cap="none">
+                <a:solidFill>
+                  <a:srgbClr val="000000"/>
+                </a:solidFill>
+                <a:latin typeface="Arial"/>
+                <a:ea typeface="Arial"/>
+                <a:cs typeface="Arial"/>
+                <a:sym typeface="Arial"/>
+              </a:defRPr>
+            </a:lvl4pPr>
+            <a:lvl5pPr marR="0" lvl="4" algn="l" rtl="0">
+              <a:lnSpc>
+                <a:spcPct val="100000"/>
+              </a:lnSpc>
+              <a:spcBef>
+                <a:spcPts val="0"/>
+              </a:spcBef>
+              <a:spcAft>
+                <a:spcPts val="0"/>
+              </a:spcAft>
+              <a:buClr>
+                <a:srgbClr val="000000"/>
+              </a:buClr>
+              <a:buFont typeface="Arial"/>
+              <a:defRPr sz="1900" b="0" i="0" u="none" strike="noStrike" cap="none">
+                <a:solidFill>
+                  <a:srgbClr val="000000"/>
+                </a:solidFill>
+                <a:latin typeface="Arial"/>
+                <a:ea typeface="Arial"/>
+                <a:cs typeface="Arial"/>
+                <a:sym typeface="Arial"/>
+              </a:defRPr>
+            </a:lvl5pPr>
+            <a:lvl6pPr marR="0" lvl="5" algn="l" rtl="0">
+              <a:lnSpc>
+                <a:spcPct val="100000"/>
+              </a:lnSpc>
+              <a:spcBef>
+                <a:spcPts val="0"/>
+              </a:spcBef>
+              <a:spcAft>
+                <a:spcPts val="0"/>
+              </a:spcAft>
+              <a:buClr>
+                <a:srgbClr val="000000"/>
+              </a:buClr>
+              <a:buFont typeface="Arial"/>
+              <a:defRPr sz="1900" b="0" i="0" u="none" strike="noStrike" cap="none">
+                <a:solidFill>
+                  <a:srgbClr val="000000"/>
+                </a:solidFill>
+                <a:latin typeface="Arial"/>
+                <a:ea typeface="Arial"/>
+                <a:cs typeface="Arial"/>
+                <a:sym typeface="Arial"/>
+              </a:defRPr>
+            </a:lvl6pPr>
+            <a:lvl7pPr marR="0" lvl="6" algn="l" rtl="0">
+              <a:lnSpc>
+                <a:spcPct val="100000"/>
+              </a:lnSpc>
+              <a:spcBef>
+                <a:spcPts val="0"/>
+              </a:spcBef>
+              <a:spcAft>
+                <a:spcPts val="0"/>
+              </a:spcAft>
+              <a:buClr>
+                <a:srgbClr val="000000"/>
+              </a:buClr>
+              <a:buFont typeface="Arial"/>
+              <a:defRPr sz="1900" b="0" i="0" u="none" strike="noStrike" cap="none">
+                <a:solidFill>
+                  <a:srgbClr val="000000"/>
+                </a:solidFill>
+                <a:latin typeface="Arial"/>
+                <a:ea typeface="Arial"/>
+                <a:cs typeface="Arial"/>
+                <a:sym typeface="Arial"/>
+              </a:defRPr>
+            </a:lvl7pPr>
+            <a:lvl8pPr marR="0" lvl="7" algn="l" rtl="0">
+              <a:lnSpc>
+                <a:spcPct val="100000"/>
+              </a:lnSpc>
+              <a:spcBef>
+                <a:spcPts val="0"/>
+              </a:spcBef>
+              <a:spcAft>
+                <a:spcPts val="0"/>
+              </a:spcAft>
+              <a:buClr>
+                <a:srgbClr val="000000"/>
+              </a:buClr>
+              <a:buFont typeface="Arial"/>
+              <a:defRPr sz="1900" b="0" i="0" u="none" strike="noStrike" cap="none">
+                <a:solidFill>
+                  <a:srgbClr val="000000"/>
+                </a:solidFill>
+                <a:latin typeface="Arial"/>
+                <a:ea typeface="Arial"/>
+                <a:cs typeface="Arial"/>
+                <a:sym typeface="Arial"/>
+              </a:defRPr>
+            </a:lvl8pPr>
+            <a:lvl9pPr marR="0" lvl="8" algn="l" rtl="0">
+              <a:lnSpc>
+                <a:spcPct val="100000"/>
+              </a:lnSpc>
+              <a:spcBef>
+                <a:spcPts val="0"/>
+              </a:spcBef>
+              <a:spcAft>
+                <a:spcPts val="0"/>
+              </a:spcAft>
+              <a:buClr>
+                <a:srgbClr val="000000"/>
+              </a:buClr>
+              <a:buFont typeface="Arial"/>
+              <a:defRPr sz="1900" b="0" i="0" u="none" strike="noStrike" cap="none">
+                <a:solidFill>
+                  <a:srgbClr val="000000"/>
+                </a:solidFill>
+                <a:latin typeface="Arial"/>
+                <a:ea typeface="Arial"/>
+                <a:cs typeface="Arial"/>
+                <a:sym typeface="Arial"/>
+              </a:defRPr>
+            </a:lvl9pPr>
+          </a:lstStyle>
+          <a:p>
+            <a:pPr marL="50165"/>
+            <a:r>
+              <a:rPr lang="fr-FR" sz="4000" b="1" kern="0" dirty="0">
+                <a:solidFill>
+                  <a:schemeClr val="bg1"/>
+                </a:solidFill>
+              </a:rPr>
+              <a:t>3 </a:t>
+            </a:r>
+            <a:r>
+              <a:rPr lang="fr-FR" sz="1800" kern="0" dirty="0" err="1">
+                <a:solidFill>
+                  <a:schemeClr val="bg1"/>
+                </a:solidFill>
+              </a:rPr>
+              <a:t>models</a:t>
+            </a:r>
+            <a:endParaRPr lang="en-GB" sz="4000" b="1" kern="0" dirty="0">
+              <a:solidFill>
+                <a:schemeClr val="bg1"/>
+              </a:solidFill>
+            </a:endParaRPr>
+          </a:p>
+        </p:txBody>
+      </p:sp>
+      <p:sp>
+        <p:nvSpPr>
+          <p:cNvPr id="28" name="ZoneTexte 27">
+            <a:extLst>
+              <a:ext uri="{FF2B5EF4-FFF2-40B4-BE49-F238E27FC236}">
+                <a16:creationId xmlns:a16="http://schemas.microsoft.com/office/drawing/2014/main" id="{2AD2AFBD-F0C5-411A-8A6A-A7768D9ACDD4}"/>
+              </a:ext>
+            </a:extLst>
+          </p:cNvPr>
+          <p:cNvSpPr txBox="1"/>
+          <p:nvPr/>
+        </p:nvSpPr>
+        <p:spPr>
+          <a:xfrm>
+            <a:off x="416497" y="4030468"/>
+            <a:ext cx="9278109" cy="2677656"/>
+          </a:xfrm>
+          <a:prstGeom prst="rect">
+            <a:avLst/>
+          </a:prstGeom>
+          <a:noFill/>
+        </p:spPr>
+        <p:txBody>
+          <a:bodyPr rot="0" spcFirstLastPara="0" vertOverflow="overflow" horzOverflow="overflow" vert="horz" wrap="square" lIns="91440" tIns="45720" rIns="91440" bIns="45720" numCol="1" spcCol="0" rtlCol="0" fromWordArt="0" anchor="t" anchorCtr="0" forceAA="0" compatLnSpc="1">
+            <a:prstTxWarp prst="textNoShape">
+              <a:avLst/>
+            </a:prstTxWarp>
+            <a:spAutoFit/>
+          </a:bodyPr>
+          <a:lstStyle/>
+          <a:p>
+            <a:r>
+              <a:rPr lang="fr-FR" sz="2400" b="1" dirty="0" err="1">
+                <a:solidFill>
+                  <a:schemeClr val="bg1"/>
+                </a:solidFill>
+                <a:cs typeface="Arial"/>
+              </a:rPr>
+              <a:t>Optimizer</a:t>
+            </a:r>
+            <a:r>
+              <a:rPr lang="fr-FR" sz="2400" b="1" dirty="0">
+                <a:solidFill>
+                  <a:schemeClr val="bg1"/>
+                </a:solidFill>
+                <a:cs typeface="Arial"/>
+              </a:rPr>
+              <a:t> ? Adam ? </a:t>
+            </a:r>
+            <a:r>
+              <a:rPr lang="fr-FR" sz="2400" b="1" dirty="0" err="1">
+                <a:solidFill>
+                  <a:schemeClr val="bg1"/>
+                </a:solidFill>
+                <a:cs typeface="Arial"/>
+              </a:rPr>
+              <a:t>RMSprop</a:t>
+            </a:r>
+            <a:r>
+              <a:rPr lang="fr-FR" sz="2400" b="1" dirty="0">
+                <a:solidFill>
+                  <a:schemeClr val="bg1"/>
+                </a:solidFill>
+                <a:cs typeface="Arial"/>
+              </a:rPr>
+              <a:t> ? </a:t>
+            </a:r>
+          </a:p>
+          <a:p>
+            <a:r>
+              <a:rPr lang="fr-FR" sz="2400" b="1" dirty="0">
+                <a:solidFill>
+                  <a:schemeClr val="bg1"/>
+                </a:solidFill>
+                <a:cs typeface="Arial"/>
+              </a:rPr>
+              <a:t>						Dropout ? </a:t>
+            </a:r>
+          </a:p>
+          <a:p>
+            <a:r>
+              <a:rPr lang="fr-FR" sz="2400" b="1" dirty="0">
+                <a:solidFill>
+                  <a:schemeClr val="bg1"/>
+                </a:solidFill>
+                <a:cs typeface="Arial"/>
+              </a:rPr>
+              <a:t>Batch size ? 	</a:t>
+            </a:r>
+          </a:p>
+          <a:p>
+            <a:r>
+              <a:rPr lang="fr-FR" sz="2400" b="1" dirty="0">
+                <a:solidFill>
+                  <a:schemeClr val="bg1"/>
+                </a:solidFill>
+                <a:cs typeface="Arial"/>
+              </a:rPr>
+              <a:t>				Numbers of </a:t>
+            </a:r>
+            <a:r>
+              <a:rPr lang="fr-FR" sz="2400" b="1" dirty="0" err="1">
+                <a:solidFill>
+                  <a:schemeClr val="bg1"/>
+                </a:solidFill>
+                <a:cs typeface="Arial"/>
+              </a:rPr>
+              <a:t>neurons</a:t>
+            </a:r>
+            <a:r>
+              <a:rPr lang="fr-FR" sz="2400" b="1" dirty="0">
+                <a:solidFill>
+                  <a:schemeClr val="bg1"/>
+                </a:solidFill>
+                <a:cs typeface="Arial"/>
+              </a:rPr>
+              <a:t> per layer ?</a:t>
+            </a:r>
+          </a:p>
+          <a:p>
+            <a:endParaRPr lang="fr-FR" sz="2400" b="1" dirty="0">
+              <a:solidFill>
+                <a:schemeClr val="bg1"/>
+              </a:solidFill>
+              <a:cs typeface="Arial"/>
+            </a:endParaRPr>
+          </a:p>
+          <a:p>
+            <a:r>
+              <a:rPr lang="fr-FR" sz="2400" b="1" dirty="0" err="1">
+                <a:solidFill>
+                  <a:schemeClr val="bg1"/>
+                </a:solidFill>
+                <a:cs typeface="Arial"/>
+              </a:rPr>
+              <a:t>Weights</a:t>
+            </a:r>
+            <a:r>
+              <a:rPr lang="fr-FR" sz="2400" b="1" dirty="0">
+                <a:solidFill>
+                  <a:schemeClr val="bg1"/>
+                </a:solidFill>
+                <a:cs typeface="Arial"/>
+              </a:rPr>
+              <a:t> </a:t>
+            </a:r>
+            <a:r>
+              <a:rPr lang="fr-FR" sz="2400" b="1" dirty="0" err="1">
+                <a:solidFill>
+                  <a:schemeClr val="bg1"/>
+                </a:solidFill>
+                <a:cs typeface="Arial"/>
+              </a:rPr>
+              <a:t>initialization</a:t>
+            </a:r>
+            <a:r>
+              <a:rPr lang="fr-FR" sz="2400" b="1" dirty="0">
+                <a:solidFill>
+                  <a:schemeClr val="bg1"/>
+                </a:solidFill>
+                <a:cs typeface="Arial"/>
+              </a:rPr>
+              <a:t> ? </a:t>
+            </a:r>
+            <a:r>
+              <a:rPr lang="fr-FR" sz="2400" b="1" dirty="0" err="1">
+                <a:solidFill>
+                  <a:schemeClr val="bg1"/>
+                </a:solidFill>
+                <a:cs typeface="Arial"/>
+              </a:rPr>
+              <a:t>Glorot</a:t>
+            </a:r>
+            <a:r>
+              <a:rPr lang="fr-FR" sz="2400" b="1" dirty="0">
+                <a:solidFill>
+                  <a:schemeClr val="bg1"/>
+                </a:solidFill>
+                <a:cs typeface="Arial"/>
+              </a:rPr>
+              <a:t> ? He ? </a:t>
+            </a:r>
+          </a:p>
+          <a:p>
+            <a:r>
+              <a:rPr lang="fr-FR" sz="2400" b="1" dirty="0">
+                <a:solidFill>
+                  <a:schemeClr val="bg1"/>
+                </a:solidFill>
+                <a:cs typeface="Arial"/>
+              </a:rPr>
+              <a:t>							</a:t>
+            </a:r>
+            <a:r>
+              <a:rPr lang="fr-FR" sz="2400" b="1" dirty="0" err="1">
+                <a:solidFill>
+                  <a:schemeClr val="bg1"/>
+                </a:solidFill>
+                <a:cs typeface="Arial"/>
+              </a:rPr>
+              <a:t>BatchNorm</a:t>
+            </a:r>
+            <a:r>
+              <a:rPr lang="fr-FR" sz="2400" b="1" dirty="0">
+                <a:solidFill>
+                  <a:schemeClr val="bg1"/>
+                </a:solidFill>
+                <a:cs typeface="Arial"/>
+              </a:rPr>
+              <a:t> ? </a:t>
+            </a:r>
+          </a:p>
+        </p:txBody>
+      </p:sp>
+      <p:sp>
+        <p:nvSpPr>
+          <p:cNvPr id="30" name="ZoneTexte 29">
+            <a:extLst>
+              <a:ext uri="{FF2B5EF4-FFF2-40B4-BE49-F238E27FC236}">
+                <a16:creationId xmlns:a16="http://schemas.microsoft.com/office/drawing/2014/main" id="{F8331021-D3BC-42E2-A19E-CB01307139FD}"/>
+              </a:ext>
+            </a:extLst>
+          </p:cNvPr>
+          <p:cNvSpPr txBox="1"/>
+          <p:nvPr/>
+        </p:nvSpPr>
+        <p:spPr>
+          <a:xfrm>
+            <a:off x="5943045" y="2907746"/>
+            <a:ext cx="6096000" cy="584775"/>
+          </a:xfrm>
+          <a:prstGeom prst="rect">
+            <a:avLst/>
+          </a:prstGeom>
+          <a:noFill/>
+        </p:spPr>
+        <p:txBody>
+          <a:bodyPr wrap="square">
+            <a:spAutoFit/>
+          </a:bodyPr>
+          <a:lstStyle/>
+          <a:p>
+            <a:pPr marL="50165"/>
+            <a:r>
+              <a:rPr lang="fr-FR" sz="3200" b="1" kern="0" dirty="0">
+                <a:solidFill>
+                  <a:schemeClr val="bg1"/>
+                </a:solidFill>
+              </a:rPr>
+              <a:t>Time </a:t>
+            </a:r>
+            <a:r>
+              <a:rPr lang="fr-FR" sz="3200" b="1" kern="0" dirty="0" err="1">
+                <a:solidFill>
+                  <a:schemeClr val="bg1"/>
+                </a:solidFill>
+              </a:rPr>
+              <a:t>series</a:t>
+            </a:r>
+            <a:r>
+              <a:rPr lang="fr-FR" sz="3200" b="1" kern="0" dirty="0">
+                <a:solidFill>
+                  <a:schemeClr val="bg1"/>
+                </a:solidFill>
+              </a:rPr>
+              <a:t> Cross Validation</a:t>
+            </a:r>
+            <a:endParaRPr lang="en-GB" sz="3200" b="1" kern="0" dirty="0">
+              <a:solidFill>
+                <a:schemeClr val="bg1"/>
+              </a:solidFill>
+            </a:endParaRPr>
+          </a:p>
+        </p:txBody>
+      </p:sp>
+      <p:pic>
+        <p:nvPicPr>
+          <p:cNvPr id="10" name="Graphique 9" descr="Flèche : droite avec un remplissage uni">
+            <a:extLst>
+              <a:ext uri="{FF2B5EF4-FFF2-40B4-BE49-F238E27FC236}">
+                <a16:creationId xmlns:a16="http://schemas.microsoft.com/office/drawing/2014/main" id="{8AF7E7E3-A8BF-4F54-B1A8-4B3145A8DA49}"/>
+              </a:ext>
+            </a:extLst>
+          </p:cNvPr>
+          <p:cNvPicPr>
+            <a:picLocks noChangeAspect="1"/>
+          </p:cNvPicPr>
+          <p:nvPr/>
+        </p:nvPicPr>
+        <p:blipFill>
+          <a:blip r:embed="rId17">
+            <a:extLst>
+              <a:ext uri="{28A0092B-C50C-407E-A947-70E740481C1C}">
+                <a14:useLocalDpi xmlns:a14="http://schemas.microsoft.com/office/drawing/2010/main" val="0"/>
+              </a:ext>
+              <a:ext uri="{96DAC541-7B7A-43D3-8B79-37D633B846F1}">
+                <asvg:svgBlip xmlns:asvg="http://schemas.microsoft.com/office/drawing/2016/SVG/main" r:embed="rId18"/>
+              </a:ext>
+            </a:extLst>
+          </a:blip>
+          <a:stretch>
+            <a:fillRect/>
+          </a:stretch>
+        </p:blipFill>
+        <p:spPr>
+          <a:xfrm rot="10800000">
+            <a:off x="8787520" y="4568415"/>
+            <a:ext cx="914400" cy="914400"/>
+          </a:xfrm>
+          <a:prstGeom prst="rect">
+            <a:avLst/>
+          </a:prstGeom>
+        </p:spPr>
+      </p:pic>
+      <p:sp>
+        <p:nvSpPr>
+          <p:cNvPr id="33" name="ZoneTexte 32">
+            <a:extLst>
+              <a:ext uri="{FF2B5EF4-FFF2-40B4-BE49-F238E27FC236}">
+                <a16:creationId xmlns:a16="http://schemas.microsoft.com/office/drawing/2014/main" id="{AC03A1F0-CE5C-493F-BBF7-BA2AC1B4BDFA}"/>
+              </a:ext>
+            </a:extLst>
+          </p:cNvPr>
+          <p:cNvSpPr txBox="1"/>
+          <p:nvPr/>
+        </p:nvSpPr>
+        <p:spPr>
+          <a:xfrm>
+            <a:off x="9694606" y="4786484"/>
+            <a:ext cx="3824748" cy="400110"/>
+          </a:xfrm>
+          <a:prstGeom prst="rect">
+            <a:avLst/>
+          </a:prstGeom>
+          <a:noFill/>
+        </p:spPr>
+        <p:txBody>
+          <a:bodyPr wrap="square" rtlCol="0">
+            <a:spAutoFit/>
+          </a:bodyPr>
+          <a:lstStyle/>
+          <a:p>
+            <a:r>
+              <a:rPr lang="fr-FR" sz="2000" b="1" dirty="0" err="1">
+                <a:solidFill>
+                  <a:schemeClr val="bg1"/>
+                </a:solidFill>
+              </a:rPr>
+              <a:t>RandomSearchCV</a:t>
+            </a:r>
+            <a:r>
+              <a:rPr lang="fr-FR" dirty="0"/>
+              <a:t> </a:t>
             </a:r>
           </a:p>
         </p:txBody>
@@ -20852,7 +22004,7 @@
         </p:blipFill>
         <p:spPr>
           <a:xfrm>
-            <a:off x="10096471" y="5979429"/>
+            <a:off x="2445" y="41767"/>
             <a:ext cx="1364780" cy="707411"/>
           </a:xfrm>
           <a:prstGeom prst="rect">
@@ -20875,7 +22027,7 @@
           <p:nvPr/>
         </p:nvPicPr>
         <p:blipFill>
-          <a:blip r:embed="rId14">
+          <a:blip r:embed="rId14" cstate="print">
             <a:extLst>
               <a:ext uri="{28A0092B-C50C-407E-A947-70E740481C1C}">
                 <a14:useLocalDpi xmlns:a14="http://schemas.microsoft.com/office/drawing/2010/main" val="0"/>
@@ -21164,7 +22316,7 @@
           <a:p>
             <a:pPr marL="50165"/>
             <a:r>
-              <a:rPr lang="fr-FR" sz="4000" b="1" kern="0">
+              <a:rPr lang="fr-FR" sz="4000" b="1" kern="0" dirty="0">
                 <a:solidFill>
                   <a:schemeClr val="bg1"/>
                 </a:solidFill>
@@ -21172,20 +22324,145 @@
               <a:t>4) </a:t>
             </a:r>
             <a:r>
-              <a:rPr lang="en-GB" sz="4000" b="1" kern="0">
+              <a:rPr lang="en-GB" sz="4000" b="1" kern="0" dirty="0">
                 <a:solidFill>
                   <a:schemeClr val="bg1"/>
                 </a:solidFill>
               </a:rPr>
-              <a:t>Deep learning : Results</a:t>
+              <a:t>Deep learning</a:t>
             </a:r>
+          </a:p>
+        </p:txBody>
+      </p:sp>
+      <p:sp>
+        <p:nvSpPr>
+          <p:cNvPr id="6" name="ZoneTexte 5">
+            <a:extLst>
+              <a:ext uri="{FF2B5EF4-FFF2-40B4-BE49-F238E27FC236}">
+                <a16:creationId xmlns:a16="http://schemas.microsoft.com/office/drawing/2014/main" id="{3A4D663A-0E4D-4C0B-ABDB-26E3D5ADA5BC}"/>
+              </a:ext>
+            </a:extLst>
+          </p:cNvPr>
+          <p:cNvSpPr txBox="1"/>
+          <p:nvPr/>
+        </p:nvSpPr>
+        <p:spPr>
+          <a:xfrm>
+            <a:off x="4557438" y="1927262"/>
+            <a:ext cx="4168877" cy="1938992"/>
+          </a:xfrm>
+          <a:prstGeom prst="rect">
+            <a:avLst/>
+          </a:prstGeom>
+          <a:noFill/>
+        </p:spPr>
+        <p:txBody>
+          <a:bodyPr wrap="square" rtlCol="0">
+            <a:spAutoFit/>
+          </a:bodyPr>
+          <a:lstStyle/>
+          <a:p>
+            <a:pPr marL="457200" indent="-457200">
+              <a:buAutoNum type="arabicPeriod"/>
+            </a:pPr>
+            <a:r>
+              <a:rPr lang="fr-FR" sz="2400" b="1" dirty="0" err="1">
+                <a:solidFill>
+                  <a:schemeClr val="bg1"/>
+                </a:solidFill>
+              </a:rPr>
+              <a:t>Random</a:t>
+            </a:r>
+            <a:r>
+              <a:rPr lang="fr-FR" sz="2400" b="1" dirty="0">
+                <a:solidFill>
+                  <a:schemeClr val="bg1"/>
+                </a:solidFill>
+              </a:rPr>
+              <a:t> </a:t>
+            </a:r>
+            <a:r>
+              <a:rPr lang="fr-FR" sz="2400" b="1" dirty="0" err="1">
+                <a:solidFill>
+                  <a:schemeClr val="bg1"/>
+                </a:solidFill>
+              </a:rPr>
+              <a:t>Search</a:t>
+            </a:r>
+            <a:endParaRPr lang="fr-FR" sz="2400" b="1" dirty="0">
+              <a:solidFill>
+                <a:schemeClr val="bg1"/>
+              </a:solidFill>
+            </a:endParaRPr>
+          </a:p>
+          <a:p>
+            <a:pPr marL="457200" indent="-457200">
+              <a:buAutoNum type="arabicPeriod"/>
+            </a:pPr>
+            <a:r>
+              <a:rPr lang="fr-FR" sz="2400" b="1" dirty="0">
+                <a:solidFill>
+                  <a:schemeClr val="bg1"/>
+                </a:solidFill>
+              </a:rPr>
+              <a:t>Batch Size </a:t>
+            </a:r>
+          </a:p>
+          <a:p>
+            <a:pPr marL="457200" indent="-457200">
+              <a:buAutoNum type="arabicPeriod"/>
+            </a:pPr>
+            <a:r>
+              <a:rPr lang="fr-FR" sz="2400" b="1" dirty="0">
+                <a:solidFill>
+                  <a:schemeClr val="bg1"/>
+                </a:solidFill>
+              </a:rPr>
+              <a:t>Training</a:t>
+            </a:r>
+          </a:p>
+          <a:p>
+            <a:pPr marL="457200" indent="-457200">
+              <a:buAutoNum type="arabicPeriod"/>
+            </a:pPr>
+            <a:r>
+              <a:rPr lang="fr-FR" sz="2400" b="1" dirty="0" err="1">
+                <a:solidFill>
+                  <a:schemeClr val="bg1"/>
+                </a:solidFill>
+              </a:rPr>
+              <a:t>Predicting</a:t>
+            </a:r>
+            <a:endParaRPr lang="fr-FR" sz="2400" b="1" dirty="0">
+              <a:solidFill>
+                <a:schemeClr val="bg1"/>
+              </a:solidFill>
+            </a:endParaRPr>
+          </a:p>
+          <a:p>
+            <a:pPr marL="457200" indent="-457200">
+              <a:buAutoNum type="arabicPeriod"/>
+            </a:pPr>
+            <a:r>
+              <a:rPr lang="fr-FR" sz="2400" b="1" dirty="0" err="1">
+                <a:solidFill>
+                  <a:schemeClr val="bg1"/>
+                </a:solidFill>
+              </a:rPr>
+              <a:t>Saving</a:t>
+            </a:r>
+            <a:endParaRPr lang="fr-FR" sz="2400" b="1" dirty="0">
+              <a:solidFill>
+                <a:schemeClr val="bg1"/>
+              </a:solidFill>
+            </a:endParaRPr>
           </a:p>
         </p:txBody>
       </p:sp>
     </p:spTree>
     <p:extLst>
       <p:ext uri="{BB962C8B-B14F-4D97-AF65-F5344CB8AC3E}">
-        <p14:creationId xmlns:p14="http://schemas.microsoft.com/office/powerpoint/2010/main" val="3903236053"/>
+        <p14:creationId xmlns:p14="http://schemas.microsoft.com/office/powerpoint/2010/main" val="2240163812"/>
       </p:ext>
     </p:extLst>
   </p:cSld>
@@ -21864,7 +23141,5397 @@
           <p:nvPr/>
         </p:nvPicPr>
         <p:blipFill>
-          <a:blip r:embed="rId14">
+          <a:blip r:embed="rId14" cstate="print">
+            <a:extLst>
+              <a:ext uri="{28A0092B-C50C-407E-A947-70E740481C1C}">
+                <a14:useLocalDpi xmlns:a14="http://schemas.microsoft.com/office/drawing/2010/main" val="0"/>
+              </a:ext>
+            </a:extLst>
+          </a:blip>
+          <a:srcRect/>
+          <a:stretch>
+            <a:fillRect/>
+          </a:stretch>
+        </p:blipFill>
+        <p:spPr bwMode="auto">
+          <a:xfrm>
+            <a:off x="8778496" y="20008"/>
+            <a:ext cx="3135582" cy="944349"/>
+          </a:xfrm>
+          <a:prstGeom prst="rect">
+            <a:avLst/>
+          </a:prstGeom>
+          <a:noFill/>
+          <a:extLst>
+            <a:ext uri="{909E8E84-426E-40DD-AFC4-6F175D3DCCD1}">
+              <a14:hiddenFill xmlns:a14="http://schemas.microsoft.com/office/drawing/2010/main">
+                <a:solidFill>
+                  <a:srgbClr val="FFFFFF"/>
+                </a:solidFill>
+              </a14:hiddenFill>
+            </a:ext>
+          </a:extLst>
+        </p:spPr>
+      </p:pic>
+      <p:sp>
+        <p:nvSpPr>
+          <p:cNvPr id="3" name="Espace réservé du texte 5">
+            <a:extLst>
+              <a:ext uri="{FF2B5EF4-FFF2-40B4-BE49-F238E27FC236}">
+                <a16:creationId xmlns:a16="http://schemas.microsoft.com/office/drawing/2014/main" id="{86710141-4D31-499F-B72C-6A10DECA9E8E}"/>
+              </a:ext>
+            </a:extLst>
+          </p:cNvPr>
+          <p:cNvSpPr txBox="1">
+            <a:spLocks/>
+          </p:cNvSpPr>
+          <p:nvPr/>
+        </p:nvSpPr>
+        <p:spPr>
+          <a:xfrm>
+            <a:off x="3839681" y="118244"/>
+            <a:ext cx="5580800" cy="1097806"/>
+          </a:xfrm>
+          <a:prstGeom prst="rect">
+            <a:avLst/>
+          </a:prstGeom>
+        </p:spPr>
+        <p:txBody>
+          <a:bodyPr lIns="91440" tIns="45720" rIns="91440" bIns="45720" anchor="t"/>
+          <a:lstStyle>
+            <a:defPPr marR="0" lvl="0" algn="l" rtl="0">
+              <a:lnSpc>
+                <a:spcPct val="100000"/>
+              </a:lnSpc>
+              <a:spcBef>
+                <a:spcPts val="0"/>
+              </a:spcBef>
+              <a:spcAft>
+                <a:spcPts val="0"/>
+              </a:spcAft>
+            </a:defPPr>
+            <a:lvl1pPr marR="0" lvl="0" algn="l" rtl="0">
+              <a:lnSpc>
+                <a:spcPct val="100000"/>
+              </a:lnSpc>
+              <a:spcBef>
+                <a:spcPts val="0"/>
+              </a:spcBef>
+              <a:spcAft>
+                <a:spcPts val="0"/>
+              </a:spcAft>
+              <a:buClr>
+                <a:srgbClr val="000000"/>
+              </a:buClr>
+              <a:buFont typeface="Arial"/>
+              <a:defRPr sz="1900" b="0" i="0" u="none" strike="noStrike" cap="none">
+                <a:solidFill>
+                  <a:srgbClr val="000000"/>
+                </a:solidFill>
+                <a:latin typeface="Arial"/>
+                <a:ea typeface="Arial"/>
+                <a:cs typeface="Arial"/>
+                <a:sym typeface="Arial"/>
+              </a:defRPr>
+            </a:lvl1pPr>
+            <a:lvl2pPr marR="0" lvl="1" algn="l" rtl="0">
+              <a:lnSpc>
+                <a:spcPct val="100000"/>
+              </a:lnSpc>
+              <a:spcBef>
+                <a:spcPts val="0"/>
+              </a:spcBef>
+              <a:spcAft>
+                <a:spcPts val="0"/>
+              </a:spcAft>
+              <a:buClr>
+                <a:srgbClr val="000000"/>
+              </a:buClr>
+              <a:buFont typeface="Arial"/>
+              <a:defRPr sz="1900" b="0" i="0" u="none" strike="noStrike" cap="none">
+                <a:solidFill>
+                  <a:srgbClr val="000000"/>
+                </a:solidFill>
+                <a:latin typeface="Arial"/>
+                <a:ea typeface="Arial"/>
+                <a:cs typeface="Arial"/>
+                <a:sym typeface="Arial"/>
+              </a:defRPr>
+            </a:lvl2pPr>
+            <a:lvl3pPr marR="0" lvl="2" algn="l" rtl="0">
+              <a:lnSpc>
+                <a:spcPct val="100000"/>
+              </a:lnSpc>
+              <a:spcBef>
+                <a:spcPts val="0"/>
+              </a:spcBef>
+              <a:spcAft>
+                <a:spcPts val="0"/>
+              </a:spcAft>
+              <a:buClr>
+                <a:srgbClr val="000000"/>
+              </a:buClr>
+              <a:buFont typeface="Arial"/>
+              <a:defRPr sz="1900" b="0" i="0" u="none" strike="noStrike" cap="none">
+                <a:solidFill>
+                  <a:srgbClr val="000000"/>
+                </a:solidFill>
+                <a:latin typeface="Arial"/>
+                <a:ea typeface="Arial"/>
+                <a:cs typeface="Arial"/>
+                <a:sym typeface="Arial"/>
+              </a:defRPr>
+            </a:lvl3pPr>
+            <a:lvl4pPr marR="0" lvl="3" algn="l" rtl="0">
+              <a:lnSpc>
+                <a:spcPct val="100000"/>
+              </a:lnSpc>
+              <a:spcBef>
+                <a:spcPts val="0"/>
+              </a:spcBef>
+              <a:spcAft>
+                <a:spcPts val="0"/>
+              </a:spcAft>
+              <a:buClr>
+                <a:srgbClr val="000000"/>
+              </a:buClr>
+              <a:buFont typeface="Arial"/>
+              <a:defRPr sz="1900" b="0" i="0" u="none" strike="noStrike" cap="none">
+                <a:solidFill>
+                  <a:srgbClr val="000000"/>
+                </a:solidFill>
+                <a:latin typeface="Arial"/>
+                <a:ea typeface="Arial"/>
+                <a:cs typeface="Arial"/>
+                <a:sym typeface="Arial"/>
+              </a:defRPr>
+            </a:lvl4pPr>
+            <a:lvl5pPr marR="0" lvl="4" algn="l" rtl="0">
+              <a:lnSpc>
+                <a:spcPct val="100000"/>
+              </a:lnSpc>
+              <a:spcBef>
+                <a:spcPts val="0"/>
+              </a:spcBef>
+              <a:spcAft>
+                <a:spcPts val="0"/>
+              </a:spcAft>
+              <a:buClr>
+                <a:srgbClr val="000000"/>
+              </a:buClr>
+              <a:buFont typeface="Arial"/>
+              <a:defRPr sz="1900" b="0" i="0" u="none" strike="noStrike" cap="none">
+                <a:solidFill>
+                  <a:srgbClr val="000000"/>
+                </a:solidFill>
+                <a:latin typeface="Arial"/>
+                <a:ea typeface="Arial"/>
+                <a:cs typeface="Arial"/>
+                <a:sym typeface="Arial"/>
+              </a:defRPr>
+            </a:lvl5pPr>
+            <a:lvl6pPr marR="0" lvl="5" algn="l" rtl="0">
+              <a:lnSpc>
+                <a:spcPct val="100000"/>
+              </a:lnSpc>
+              <a:spcBef>
+                <a:spcPts val="0"/>
+              </a:spcBef>
+              <a:spcAft>
+                <a:spcPts val="0"/>
+              </a:spcAft>
+              <a:buClr>
+                <a:srgbClr val="000000"/>
+              </a:buClr>
+              <a:buFont typeface="Arial"/>
+              <a:defRPr sz="1900" b="0" i="0" u="none" strike="noStrike" cap="none">
+                <a:solidFill>
+                  <a:srgbClr val="000000"/>
+                </a:solidFill>
+                <a:latin typeface="Arial"/>
+                <a:ea typeface="Arial"/>
+                <a:cs typeface="Arial"/>
+                <a:sym typeface="Arial"/>
+              </a:defRPr>
+            </a:lvl6pPr>
+            <a:lvl7pPr marR="0" lvl="6" algn="l" rtl="0">
+              <a:lnSpc>
+                <a:spcPct val="100000"/>
+              </a:lnSpc>
+              <a:spcBef>
+                <a:spcPts val="0"/>
+              </a:spcBef>
+              <a:spcAft>
+                <a:spcPts val="0"/>
+              </a:spcAft>
+              <a:buClr>
+                <a:srgbClr val="000000"/>
+              </a:buClr>
+              <a:buFont typeface="Arial"/>
+              <a:defRPr sz="1900" b="0" i="0" u="none" strike="noStrike" cap="none">
+                <a:solidFill>
+                  <a:srgbClr val="000000"/>
+                </a:solidFill>
+                <a:latin typeface="Arial"/>
+                <a:ea typeface="Arial"/>
+                <a:cs typeface="Arial"/>
+                <a:sym typeface="Arial"/>
+              </a:defRPr>
+            </a:lvl7pPr>
+            <a:lvl8pPr marR="0" lvl="7" algn="l" rtl="0">
+              <a:lnSpc>
+                <a:spcPct val="100000"/>
+              </a:lnSpc>
+              <a:spcBef>
+                <a:spcPts val="0"/>
+              </a:spcBef>
+              <a:spcAft>
+                <a:spcPts val="0"/>
+              </a:spcAft>
+              <a:buClr>
+                <a:srgbClr val="000000"/>
+              </a:buClr>
+              <a:buFont typeface="Arial"/>
+              <a:defRPr sz="1900" b="0" i="0" u="none" strike="noStrike" cap="none">
+                <a:solidFill>
+                  <a:srgbClr val="000000"/>
+                </a:solidFill>
+                <a:latin typeface="Arial"/>
+                <a:ea typeface="Arial"/>
+                <a:cs typeface="Arial"/>
+                <a:sym typeface="Arial"/>
+              </a:defRPr>
+            </a:lvl8pPr>
+            <a:lvl9pPr marR="0" lvl="8" algn="l" rtl="0">
+              <a:lnSpc>
+                <a:spcPct val="100000"/>
+              </a:lnSpc>
+              <a:spcBef>
+                <a:spcPts val="0"/>
+              </a:spcBef>
+              <a:spcAft>
+                <a:spcPts val="0"/>
+              </a:spcAft>
+              <a:buClr>
+                <a:srgbClr val="000000"/>
+              </a:buClr>
+              <a:buFont typeface="Arial"/>
+              <a:defRPr sz="1900" b="0" i="0" u="none" strike="noStrike" cap="none">
+                <a:solidFill>
+                  <a:srgbClr val="000000"/>
+                </a:solidFill>
+                <a:latin typeface="Arial"/>
+                <a:ea typeface="Arial"/>
+                <a:cs typeface="Arial"/>
+                <a:sym typeface="Arial"/>
+              </a:defRPr>
+            </a:lvl9pPr>
+          </a:lstStyle>
+          <a:p>
+            <a:pPr marL="50165"/>
+            <a:r>
+              <a:rPr lang="fr-FR" sz="4000" b="1" kern="0" dirty="0">
+                <a:solidFill>
+                  <a:schemeClr val="bg1"/>
+                </a:solidFill>
+              </a:rPr>
+              <a:t>4) </a:t>
+            </a:r>
+            <a:r>
+              <a:rPr lang="en-GB" sz="4000" b="1" kern="0" dirty="0">
+                <a:solidFill>
+                  <a:schemeClr val="bg1"/>
+                </a:solidFill>
+              </a:rPr>
+              <a:t>Deep learning : </a:t>
+            </a:r>
+          </a:p>
+          <a:p>
+            <a:pPr marL="50165"/>
+            <a:r>
+              <a:rPr lang="en-GB" sz="4000" b="1" kern="0" dirty="0">
+                <a:solidFill>
+                  <a:schemeClr val="bg1"/>
+                </a:solidFill>
+              </a:rPr>
+              <a:t>LSTM </a:t>
+            </a:r>
+          </a:p>
+        </p:txBody>
+      </p:sp>
+      <p:pic>
+        <p:nvPicPr>
+          <p:cNvPr id="7" name="Image 6">
+            <a:extLst>
+              <a:ext uri="{FF2B5EF4-FFF2-40B4-BE49-F238E27FC236}">
+                <a16:creationId xmlns:a16="http://schemas.microsoft.com/office/drawing/2014/main" id="{EE038A39-321C-4BDE-A2D3-B84ACEB8358E}"/>
+              </a:ext>
+            </a:extLst>
+          </p:cNvPr>
+          <p:cNvPicPr>
+            <a:picLocks noChangeAspect="1"/>
+          </p:cNvPicPr>
+          <p:nvPr/>
+        </p:nvPicPr>
+        <p:blipFill>
+          <a:blip r:embed="rId15"/>
+          <a:stretch>
+            <a:fillRect/>
+          </a:stretch>
+        </p:blipFill>
+        <p:spPr>
+          <a:xfrm>
+            <a:off x="5849558" y="1268467"/>
+            <a:ext cx="5857875" cy="2324100"/>
+          </a:xfrm>
+          <a:prstGeom prst="rect">
+            <a:avLst/>
+          </a:prstGeom>
+        </p:spPr>
+      </p:pic>
+      <p:sp>
+        <p:nvSpPr>
+          <p:cNvPr id="27" name="ZoneTexte 26">
+            <a:extLst>
+              <a:ext uri="{FF2B5EF4-FFF2-40B4-BE49-F238E27FC236}">
+                <a16:creationId xmlns:a16="http://schemas.microsoft.com/office/drawing/2014/main" id="{2249DB9A-41C0-47A8-AD48-6F52A76FC050}"/>
+              </a:ext>
+            </a:extLst>
+          </p:cNvPr>
+          <p:cNvSpPr txBox="1"/>
+          <p:nvPr/>
+        </p:nvSpPr>
+        <p:spPr>
+          <a:xfrm>
+            <a:off x="192989" y="3894645"/>
+            <a:ext cx="7849798" cy="923330"/>
+          </a:xfrm>
+          <a:prstGeom prst="rect">
+            <a:avLst/>
+          </a:prstGeom>
+          <a:noFill/>
+        </p:spPr>
+        <p:txBody>
+          <a:bodyPr wrap="square" rtlCol="0">
+            <a:spAutoFit/>
+          </a:bodyPr>
+          <a:lstStyle/>
+          <a:p>
+            <a:r>
+              <a:rPr lang="fr-FR" b="1" dirty="0">
+                <a:solidFill>
+                  <a:schemeClr val="bg1"/>
+                </a:solidFill>
+              </a:rPr>
+              <a:t>Dimension </a:t>
+            </a:r>
+            <a:r>
+              <a:rPr lang="fr-FR" b="1" dirty="0" err="1">
+                <a:solidFill>
+                  <a:schemeClr val="bg1"/>
+                </a:solidFill>
+              </a:rPr>
+              <a:t>Analysis</a:t>
+            </a:r>
+            <a:r>
+              <a:rPr lang="fr-FR" b="1" dirty="0">
+                <a:solidFill>
+                  <a:schemeClr val="bg1"/>
+                </a:solidFill>
+              </a:rPr>
+              <a:t> ? </a:t>
+            </a:r>
+            <a:r>
+              <a:rPr lang="fr-FR" dirty="0">
+                <a:solidFill>
+                  <a:schemeClr val="bg1"/>
+                </a:solidFill>
+              </a:rPr>
+              <a:t>Return </a:t>
+            </a:r>
+            <a:r>
+              <a:rPr lang="fr-FR" dirty="0" err="1">
+                <a:solidFill>
+                  <a:schemeClr val="bg1"/>
+                </a:solidFill>
+              </a:rPr>
+              <a:t>sequence</a:t>
+            </a:r>
+            <a:r>
+              <a:rPr lang="fr-FR" dirty="0">
+                <a:solidFill>
+                  <a:schemeClr val="bg1"/>
+                </a:solidFill>
+              </a:rPr>
+              <a:t> </a:t>
+            </a:r>
+            <a:r>
+              <a:rPr lang="fr-FR" dirty="0" err="1">
+                <a:solidFill>
+                  <a:schemeClr val="bg1"/>
+                </a:solidFill>
+              </a:rPr>
+              <a:t>only</a:t>
+            </a:r>
+            <a:r>
+              <a:rPr lang="fr-FR" dirty="0">
+                <a:solidFill>
+                  <a:schemeClr val="bg1"/>
+                </a:solidFill>
+              </a:rPr>
+              <a:t> for </a:t>
+            </a:r>
+            <a:r>
+              <a:rPr lang="fr-FR" b="1" dirty="0">
+                <a:solidFill>
+                  <a:schemeClr val="bg1"/>
+                </a:solidFill>
+              </a:rPr>
+              <a:t>STACKED</a:t>
+            </a:r>
+          </a:p>
+          <a:p>
+            <a:r>
+              <a:rPr lang="fr-FR" b="1" dirty="0">
+                <a:solidFill>
+                  <a:schemeClr val="bg1"/>
+                </a:solidFill>
+              </a:rPr>
+              <a:t>Dense 1 </a:t>
+            </a:r>
+            <a:r>
+              <a:rPr lang="fr-FR" dirty="0">
+                <a:solidFill>
+                  <a:schemeClr val="bg1"/>
+                </a:solidFill>
+              </a:rPr>
+              <a:t>at the end</a:t>
+            </a:r>
+          </a:p>
+          <a:p>
+            <a:r>
+              <a:rPr lang="fr-FR" b="1" dirty="0" err="1">
+                <a:solidFill>
+                  <a:schemeClr val="bg1"/>
+                </a:solidFill>
+              </a:rPr>
+              <a:t>BackPropGrad</a:t>
+            </a:r>
+            <a:r>
+              <a:rPr lang="fr-FR" b="1" dirty="0">
+                <a:solidFill>
+                  <a:schemeClr val="bg1"/>
+                </a:solidFill>
+              </a:rPr>
+              <a:t> </a:t>
+            </a:r>
+            <a:r>
+              <a:rPr lang="fr-FR" b="1" dirty="0">
+                <a:solidFill>
+                  <a:schemeClr val="bg1"/>
+                </a:solidFill>
+                <a:sym typeface="Wingdings" panose="05000000000000000000" pitchFamily="2" charset="2"/>
+              </a:rPr>
+              <a:t> </a:t>
+            </a:r>
+            <a:r>
+              <a:rPr lang="fr-FR" b="1" dirty="0" err="1">
+                <a:solidFill>
+                  <a:schemeClr val="bg1"/>
+                </a:solidFill>
+                <a:sym typeface="Wingdings" panose="05000000000000000000" pitchFamily="2" charset="2"/>
+              </a:rPr>
+              <a:t>smooth</a:t>
+            </a:r>
+            <a:r>
+              <a:rPr lang="fr-FR" b="1" dirty="0">
+                <a:solidFill>
+                  <a:schemeClr val="bg1"/>
+                </a:solidFill>
+                <a:sym typeface="Wingdings" panose="05000000000000000000" pitchFamily="2" charset="2"/>
+              </a:rPr>
+              <a:t> </a:t>
+            </a:r>
+            <a:r>
+              <a:rPr lang="fr-FR" b="1" dirty="0" err="1">
+                <a:solidFill>
+                  <a:schemeClr val="bg1"/>
+                </a:solidFill>
+                <a:sym typeface="Wingdings" panose="05000000000000000000" pitchFamily="2" charset="2"/>
+              </a:rPr>
+              <a:t>dim</a:t>
+            </a:r>
+            <a:r>
+              <a:rPr lang="fr-FR" b="1" dirty="0">
+                <a:solidFill>
+                  <a:schemeClr val="bg1"/>
+                </a:solidFill>
+                <a:sym typeface="Wingdings" panose="05000000000000000000" pitchFamily="2" charset="2"/>
+              </a:rPr>
+              <a:t> variation</a:t>
+            </a:r>
+            <a:endParaRPr lang="fr-FR" b="1" dirty="0"/>
+          </a:p>
+        </p:txBody>
+      </p:sp>
+      <p:sp>
+        <p:nvSpPr>
+          <p:cNvPr id="29" name="ZoneTexte 28">
+            <a:extLst>
+              <a:ext uri="{FF2B5EF4-FFF2-40B4-BE49-F238E27FC236}">
+                <a16:creationId xmlns:a16="http://schemas.microsoft.com/office/drawing/2014/main" id="{7FDDFA0F-5A9A-45E7-AB7B-8ECE7F376E27}"/>
+              </a:ext>
+            </a:extLst>
+          </p:cNvPr>
+          <p:cNvSpPr txBox="1"/>
+          <p:nvPr/>
+        </p:nvSpPr>
+        <p:spPr>
+          <a:xfrm>
+            <a:off x="281092" y="5153834"/>
+            <a:ext cx="8676783" cy="400110"/>
+          </a:xfrm>
+          <a:prstGeom prst="rect">
+            <a:avLst/>
+          </a:prstGeom>
+          <a:noFill/>
+        </p:spPr>
+        <p:txBody>
+          <a:bodyPr wrap="square" rtlCol="0">
+            <a:spAutoFit/>
+          </a:bodyPr>
+          <a:lstStyle/>
+          <a:p>
+            <a:r>
+              <a:rPr lang="fr-FR" b="1" dirty="0" err="1">
+                <a:solidFill>
+                  <a:schemeClr val="bg1"/>
+                </a:solidFill>
+              </a:rPr>
+              <a:t>RandomSearchCV</a:t>
+            </a:r>
+            <a:r>
+              <a:rPr lang="fr-FR" b="1" dirty="0">
+                <a:solidFill>
+                  <a:schemeClr val="bg1"/>
+                </a:solidFill>
+              </a:rPr>
+              <a:t> </a:t>
+            </a:r>
+            <a:r>
+              <a:rPr lang="fr-FR" b="1" dirty="0">
+                <a:solidFill>
+                  <a:schemeClr val="bg1"/>
+                </a:solidFill>
+                <a:sym typeface="Wingdings" panose="05000000000000000000" pitchFamily="2" charset="2"/>
+              </a:rPr>
+              <a:t> </a:t>
+            </a:r>
+            <a:r>
+              <a:rPr lang="fr-FR" sz="2000" b="1" dirty="0" err="1">
+                <a:solidFill>
+                  <a:schemeClr val="bg1"/>
+                </a:solidFill>
+                <a:sym typeface="Wingdings" panose="05000000000000000000" pitchFamily="2" charset="2"/>
+              </a:rPr>
+              <a:t>Units</a:t>
+            </a:r>
+            <a:r>
+              <a:rPr lang="fr-FR" sz="2000" b="1" dirty="0">
+                <a:solidFill>
+                  <a:schemeClr val="bg1"/>
+                </a:solidFill>
+                <a:sym typeface="Wingdings" panose="05000000000000000000" pitchFamily="2" charset="2"/>
+              </a:rPr>
+              <a:t> LSTM, </a:t>
+            </a:r>
+            <a:r>
+              <a:rPr lang="fr-FR" sz="2000" b="1" dirty="0" err="1">
+                <a:solidFill>
+                  <a:schemeClr val="bg1"/>
+                </a:solidFill>
+                <a:sym typeface="Wingdings" panose="05000000000000000000" pitchFamily="2" charset="2"/>
+              </a:rPr>
+              <a:t>Neurons</a:t>
+            </a:r>
+            <a:r>
+              <a:rPr lang="fr-FR" sz="2000" b="1" dirty="0">
+                <a:solidFill>
+                  <a:schemeClr val="bg1"/>
+                </a:solidFill>
+                <a:sym typeface="Wingdings" panose="05000000000000000000" pitchFamily="2" charset="2"/>
+              </a:rPr>
+              <a:t> Dense</a:t>
+            </a:r>
+            <a:r>
+              <a:rPr lang="fr-FR" sz="2000" dirty="0">
+                <a:solidFill>
+                  <a:schemeClr val="bg1"/>
+                </a:solidFill>
+                <a:sym typeface="Wingdings" panose="05000000000000000000" pitchFamily="2" charset="2"/>
+              </a:rPr>
+              <a:t>, </a:t>
+            </a:r>
+            <a:r>
+              <a:rPr lang="fr-FR" sz="2000" b="1" dirty="0">
+                <a:solidFill>
+                  <a:schemeClr val="bg1"/>
+                </a:solidFill>
+                <a:sym typeface="Wingdings" panose="05000000000000000000" pitchFamily="2" charset="2"/>
+              </a:rPr>
+              <a:t>LN, </a:t>
+            </a:r>
+            <a:r>
+              <a:rPr lang="fr-FR" sz="2000" b="1" dirty="0" err="1">
+                <a:solidFill>
+                  <a:schemeClr val="bg1"/>
+                </a:solidFill>
+                <a:sym typeface="Wingdings" panose="05000000000000000000" pitchFamily="2" charset="2"/>
+              </a:rPr>
+              <a:t>Optimizer</a:t>
+            </a:r>
+            <a:r>
+              <a:rPr lang="fr-FR" dirty="0"/>
+              <a:t> </a:t>
+            </a:r>
+          </a:p>
+        </p:txBody>
+      </p:sp>
+    </p:spTree>
+    <p:extLst>
+      <p:ext uri="{BB962C8B-B14F-4D97-AF65-F5344CB8AC3E}">
+        <p14:creationId xmlns:p14="http://schemas.microsoft.com/office/powerpoint/2010/main" val="1398396469"/>
+      </p:ext>
+    </p:extLst>
+  </p:cSld>
+  <p:clrMapOvr>
+    <a:masterClrMapping/>
+  </p:clrMapOvr>
+  <p:transition spd="med">
+    <p:fade/>
+  </p:transition>
+</p:sld>
+</file>
+
+<file path=ppt/slides/slide14.xml><?xml version="1.0" encoding="utf-8"?>
+<p:sld xmlns:a="http://schemas.openxmlformats.org/drawingml/2006/main" xmlns:r="http://schemas.openxmlformats.org/officeDocument/2006/relationships" xmlns:p="http://schemas.openxmlformats.org/presentationml/2006/main">
+  <p:cSld>
+    <p:spTree>
+      <p:nvGrpSpPr>
+        <p:cNvPr id="1" name="Shape 109"/>
+        <p:cNvGrpSpPr/>
+        <p:nvPr/>
+      </p:nvGrpSpPr>
+      <p:grpSpPr>
+        <a:xfrm>
+          <a:off x="0" y="0"/>
+          <a:ext cx="0" cy="0"/>
+          <a:chOff x="0" y="0"/>
+          <a:chExt cx="0" cy="0"/>
+        </a:xfrm>
+      </p:grpSpPr>
+      <p:sp>
+        <p:nvSpPr>
+          <p:cNvPr id="113" name="Google Shape;113;p19"/>
+          <p:cNvSpPr txBox="1">
+            <a:spLocks noGrp="1"/>
+          </p:cNvSpPr>
+          <p:nvPr>
+            <p:ph type="sldNum" idx="12"/>
+          </p:nvPr>
+        </p:nvSpPr>
+        <p:spPr>
+          <a:xfrm>
+            <a:off x="11307445" y="6333135"/>
+            <a:ext cx="731600" cy="524800"/>
+          </a:xfrm>
+          <a:prstGeom prst="rect">
+            <a:avLst/>
+          </a:prstGeom>
+        </p:spPr>
+        <p:txBody>
+          <a:bodyPr spcFirstLastPara="1" wrap="square" lIns="0" tIns="0" rIns="0" bIns="0" anchor="ctr" anchorCtr="0">
+            <a:noAutofit/>
+          </a:bodyPr>
+          <a:lstStyle/>
+          <a:p>
+            <a:pPr marL="0" marR="0" lvl="0" indent="0" algn="r" defTabSz="914400" rtl="0" eaLnBrk="1" fontAlgn="auto" latinLnBrk="0" hangingPunct="1">
+              <a:lnSpc>
+                <a:spcPct val="100000"/>
+              </a:lnSpc>
+              <a:spcBef>
+                <a:spcPts val="0"/>
+              </a:spcBef>
+              <a:spcAft>
+                <a:spcPts val="0"/>
+              </a:spcAft>
+              <a:buClrTx/>
+              <a:buSzTx/>
+              <a:buFontTx/>
+              <a:buNone/>
+              <a:tabLst/>
+              <a:defRPr/>
+            </a:pPr>
+            <a:fld id="{00000000-1234-1234-1234-123412341234}" type="slidenum">
+              <a:rPr kumimoji="0" lang="en" sz="1700" b="0" i="0" u="none" strike="noStrike" kern="1200" cap="none" spc="0" normalizeH="0" baseline="0" noProof="0">
+                <a:ln>
+                  <a:noFill/>
+                </a:ln>
+                <a:solidFill>
+                  <a:srgbClr val="FFFFFF"/>
+                </a:solidFill>
+                <a:effectLst/>
+                <a:uLnTx/>
+                <a:uFillTx/>
+                <a:latin typeface="Lexend Deca"/>
+                <a:sym typeface="Lexend Deca"/>
+              </a:rPr>
+              <a:pPr marL="0" marR="0" lvl="0" indent="0" algn="r" defTabSz="914400" rtl="0" eaLnBrk="1" fontAlgn="auto" latinLnBrk="0" hangingPunct="1">
+                <a:lnSpc>
+                  <a:spcPct val="100000"/>
+                </a:lnSpc>
+                <a:spcBef>
+                  <a:spcPts val="0"/>
+                </a:spcBef>
+                <a:spcAft>
+                  <a:spcPts val="0"/>
+                </a:spcAft>
+                <a:buClrTx/>
+                <a:buSzTx/>
+                <a:buFontTx/>
+                <a:buNone/>
+                <a:tabLst/>
+                <a:defRPr/>
+              </a:pPr>
+              <a:t>14</a:t>
+            </a:fld>
+            <a:endParaRPr kumimoji="0" sz="1700" b="0" i="0" u="none" strike="noStrike" kern="1200" cap="none" spc="0" normalizeH="0" baseline="0" noProof="0">
+              <a:ln>
+                <a:noFill/>
+              </a:ln>
+              <a:solidFill>
+                <a:srgbClr val="FFFFFF"/>
+              </a:solidFill>
+              <a:effectLst/>
+              <a:uLnTx/>
+              <a:uFillTx/>
+              <a:latin typeface="Lexend Deca"/>
+              <a:sym typeface="Lexend Deca"/>
+            </a:endParaRPr>
+          </a:p>
+        </p:txBody>
+      </p:sp>
+      <p:grpSp>
+        <p:nvGrpSpPr>
+          <p:cNvPr id="5" name="Groupe 4">
+            <a:extLst>
+              <a:ext uri="{FF2B5EF4-FFF2-40B4-BE49-F238E27FC236}">
+                <a16:creationId xmlns:a16="http://schemas.microsoft.com/office/drawing/2014/main" id="{897ED689-D191-4C4E-BD05-E326AF61DBBF}"/>
+              </a:ext>
+            </a:extLst>
+          </p:cNvPr>
+          <p:cNvGrpSpPr/>
+          <p:nvPr/>
+        </p:nvGrpSpPr>
+        <p:grpSpPr>
+          <a:xfrm>
+            <a:off x="247976" y="320016"/>
+            <a:ext cx="3543120" cy="3108984"/>
+            <a:chOff x="152084" y="145046"/>
+            <a:chExt cx="5122429" cy="4666420"/>
+          </a:xfrm>
+        </p:grpSpPr>
+        <p:pic>
+          <p:nvPicPr>
+            <p:cNvPr id="110" name="Google Shape;110;p19"/>
+            <p:cNvPicPr preferRelativeResize="0"/>
+            <p:nvPr/>
+          </p:nvPicPr>
+          <p:blipFill>
+            <a:blip r:embed="rId3">
+              <a:alphaModFix/>
+            </a:blip>
+            <a:stretch>
+              <a:fillRect/>
+            </a:stretch>
+          </p:blipFill>
+          <p:spPr>
+            <a:xfrm>
+              <a:off x="1250032" y="2084809"/>
+              <a:ext cx="2689993" cy="1612333"/>
+            </a:xfrm>
+            <a:prstGeom prst="rect">
+              <a:avLst/>
+            </a:prstGeom>
+            <a:noFill/>
+            <a:ln>
+              <a:noFill/>
+            </a:ln>
+          </p:spPr>
+        </p:pic>
+        <p:pic>
+          <p:nvPicPr>
+            <p:cNvPr id="114" name="Google Shape;114;p19"/>
+            <p:cNvPicPr preferRelativeResize="0"/>
+            <p:nvPr/>
+          </p:nvPicPr>
+          <p:blipFill>
+            <a:blip r:embed="rId4">
+              <a:alphaModFix/>
+            </a:blip>
+            <a:stretch>
+              <a:fillRect/>
+            </a:stretch>
+          </p:blipFill>
+          <p:spPr>
+            <a:xfrm>
+              <a:off x="152084" y="1049353"/>
+              <a:ext cx="642533" cy="740367"/>
+            </a:xfrm>
+            <a:prstGeom prst="rect">
+              <a:avLst/>
+            </a:prstGeom>
+            <a:noFill/>
+            <a:ln>
+              <a:noFill/>
+            </a:ln>
+          </p:spPr>
+        </p:pic>
+        <p:pic>
+          <p:nvPicPr>
+            <p:cNvPr id="115" name="Google Shape;115;p19"/>
+            <p:cNvPicPr preferRelativeResize="0"/>
+            <p:nvPr/>
+          </p:nvPicPr>
+          <p:blipFill>
+            <a:blip r:embed="rId5">
+              <a:alphaModFix/>
+            </a:blip>
+            <a:stretch>
+              <a:fillRect/>
+            </a:stretch>
+          </p:blipFill>
+          <p:spPr>
+            <a:xfrm>
+              <a:off x="395722" y="1211611"/>
+              <a:ext cx="642533" cy="740367"/>
+            </a:xfrm>
+            <a:prstGeom prst="rect">
+              <a:avLst/>
+            </a:prstGeom>
+            <a:noFill/>
+            <a:ln>
+              <a:noFill/>
+            </a:ln>
+          </p:spPr>
+        </p:pic>
+        <p:pic>
+          <p:nvPicPr>
+            <p:cNvPr id="116" name="Google Shape;116;p19"/>
+            <p:cNvPicPr preferRelativeResize="0"/>
+            <p:nvPr/>
+          </p:nvPicPr>
+          <p:blipFill>
+            <a:blip r:embed="rId6">
+              <a:alphaModFix/>
+            </a:blip>
+            <a:stretch>
+              <a:fillRect/>
+            </a:stretch>
+          </p:blipFill>
+          <p:spPr>
+            <a:xfrm>
+              <a:off x="1841510" y="2030244"/>
+              <a:ext cx="1481963" cy="1282551"/>
+            </a:xfrm>
+            <a:prstGeom prst="rect">
+              <a:avLst/>
+            </a:prstGeom>
+            <a:noFill/>
+            <a:ln>
+              <a:noFill/>
+            </a:ln>
+          </p:spPr>
+        </p:pic>
+        <p:pic>
+          <p:nvPicPr>
+            <p:cNvPr id="117" name="Google Shape;117;p19"/>
+            <p:cNvPicPr preferRelativeResize="0"/>
+            <p:nvPr/>
+          </p:nvPicPr>
+          <p:blipFill>
+            <a:blip r:embed="rId6">
+              <a:alphaModFix/>
+            </a:blip>
+            <a:stretch>
+              <a:fillRect/>
+            </a:stretch>
+          </p:blipFill>
+          <p:spPr>
+            <a:xfrm>
+              <a:off x="1841510" y="1506823"/>
+              <a:ext cx="1481963" cy="1282551"/>
+            </a:xfrm>
+            <a:prstGeom prst="rect">
+              <a:avLst/>
+            </a:prstGeom>
+            <a:noFill/>
+            <a:ln>
+              <a:noFill/>
+            </a:ln>
+          </p:spPr>
+        </p:pic>
+        <p:pic>
+          <p:nvPicPr>
+            <p:cNvPr id="118" name="Google Shape;118;p19"/>
+            <p:cNvPicPr preferRelativeResize="0"/>
+            <p:nvPr/>
+          </p:nvPicPr>
+          <p:blipFill>
+            <a:blip r:embed="rId7">
+              <a:alphaModFix/>
+            </a:blip>
+            <a:stretch>
+              <a:fillRect/>
+            </a:stretch>
+          </p:blipFill>
+          <p:spPr>
+            <a:xfrm>
+              <a:off x="1752158" y="145046"/>
+              <a:ext cx="1660667" cy="1066589"/>
+            </a:xfrm>
+            <a:prstGeom prst="rect">
+              <a:avLst/>
+            </a:prstGeom>
+            <a:noFill/>
+            <a:ln>
+              <a:noFill/>
+            </a:ln>
+          </p:spPr>
+        </p:pic>
+        <p:pic>
+          <p:nvPicPr>
+            <p:cNvPr id="119" name="Google Shape;119;p19"/>
+            <p:cNvPicPr preferRelativeResize="0"/>
+            <p:nvPr/>
+          </p:nvPicPr>
+          <p:blipFill>
+            <a:blip r:embed="rId8">
+              <a:alphaModFix/>
+            </a:blip>
+            <a:stretch>
+              <a:fillRect/>
+            </a:stretch>
+          </p:blipFill>
+          <p:spPr>
+            <a:xfrm>
+              <a:off x="4143213" y="1359076"/>
+              <a:ext cx="1131300" cy="740367"/>
+            </a:xfrm>
+            <a:prstGeom prst="rect">
+              <a:avLst/>
+            </a:prstGeom>
+            <a:noFill/>
+            <a:ln>
+              <a:noFill/>
+            </a:ln>
+          </p:spPr>
+        </p:pic>
+        <p:cxnSp>
+          <p:nvCxnSpPr>
+            <p:cNvPr id="120" name="Google Shape;120;p19"/>
+            <p:cNvCxnSpPr/>
+            <p:nvPr/>
+          </p:nvCxnSpPr>
+          <p:spPr>
+            <a:xfrm>
+              <a:off x="2928691" y="3628252"/>
+              <a:ext cx="885600" cy="511200"/>
+            </a:xfrm>
+            <a:prstGeom prst="straightConnector1">
+              <a:avLst/>
+            </a:prstGeom>
+            <a:noFill/>
+            <a:ln w="19050" cap="rnd" cmpd="sng">
+              <a:solidFill>
+                <a:schemeClr val="accent3"/>
+              </a:solidFill>
+              <a:prstDash val="dash"/>
+              <a:round/>
+              <a:headEnd type="none" w="med" len="med"/>
+              <a:tailEnd type="none" w="med" len="med"/>
+            </a:ln>
+          </p:spPr>
+        </p:cxnSp>
+        <p:cxnSp>
+          <p:nvCxnSpPr>
+            <p:cNvPr id="121" name="Google Shape;121;p19"/>
+            <p:cNvCxnSpPr/>
+            <p:nvPr/>
+          </p:nvCxnSpPr>
+          <p:spPr>
+            <a:xfrm>
+              <a:off x="850243" y="1850377"/>
+              <a:ext cx="746400" cy="430800"/>
+            </a:xfrm>
+            <a:prstGeom prst="straightConnector1">
+              <a:avLst/>
+            </a:prstGeom>
+            <a:noFill/>
+            <a:ln w="19050" cap="rnd" cmpd="sng">
+              <a:solidFill>
+                <a:schemeClr val="accent6"/>
+              </a:solidFill>
+              <a:prstDash val="dash"/>
+              <a:round/>
+              <a:headEnd type="none" w="med" len="med"/>
+              <a:tailEnd type="none" w="med" len="med"/>
+            </a:ln>
+          </p:spPr>
+        </p:cxnSp>
+        <p:pic>
+          <p:nvPicPr>
+            <p:cNvPr id="122" name="Google Shape;122;p19"/>
+            <p:cNvPicPr preferRelativeResize="0"/>
+            <p:nvPr/>
+          </p:nvPicPr>
+          <p:blipFill>
+            <a:blip r:embed="rId9">
+              <a:alphaModFix/>
+            </a:blip>
+            <a:stretch>
+              <a:fillRect/>
+            </a:stretch>
+          </p:blipFill>
+          <p:spPr>
+            <a:xfrm>
+              <a:off x="4573527" y="964348"/>
+              <a:ext cx="254288" cy="740367"/>
+            </a:xfrm>
+            <a:prstGeom prst="rect">
+              <a:avLst/>
+            </a:prstGeom>
+            <a:noFill/>
+            <a:ln>
+              <a:noFill/>
+            </a:ln>
+          </p:spPr>
+        </p:pic>
+        <p:cxnSp>
+          <p:nvCxnSpPr>
+            <p:cNvPr id="123" name="Google Shape;123;p19"/>
+            <p:cNvCxnSpPr/>
+            <p:nvPr/>
+          </p:nvCxnSpPr>
+          <p:spPr>
+            <a:xfrm flipH="1">
+              <a:off x="486243" y="3378177"/>
+              <a:ext cx="1248800" cy="721200"/>
+            </a:xfrm>
+            <a:prstGeom prst="straightConnector1">
+              <a:avLst/>
+            </a:prstGeom>
+            <a:noFill/>
+            <a:ln w="19050" cap="rnd" cmpd="sng">
+              <a:solidFill>
+                <a:schemeClr val="accent3"/>
+              </a:solidFill>
+              <a:prstDash val="dash"/>
+              <a:round/>
+              <a:headEnd type="none" w="med" len="med"/>
+              <a:tailEnd type="none" w="med" len="med"/>
+            </a:ln>
+          </p:spPr>
+        </p:cxnSp>
+        <p:cxnSp>
+          <p:nvCxnSpPr>
+            <p:cNvPr id="124" name="Google Shape;124;p19"/>
+            <p:cNvCxnSpPr/>
+            <p:nvPr/>
+          </p:nvCxnSpPr>
+          <p:spPr>
+            <a:xfrm flipH="1">
+              <a:off x="3516443" y="1951977"/>
+              <a:ext cx="746400" cy="430800"/>
+            </a:xfrm>
+            <a:prstGeom prst="straightConnector1">
+              <a:avLst/>
+            </a:prstGeom>
+            <a:noFill/>
+            <a:ln w="19050" cap="rnd" cmpd="sng">
+              <a:solidFill>
+                <a:schemeClr val="accent1"/>
+              </a:solidFill>
+              <a:prstDash val="dash"/>
+              <a:round/>
+              <a:headEnd type="none" w="med" len="med"/>
+              <a:tailEnd type="none" w="med" len="med"/>
+            </a:ln>
+          </p:spPr>
+        </p:cxnSp>
+        <p:pic>
+          <p:nvPicPr>
+            <p:cNvPr id="125" name="Google Shape;125;p19"/>
+            <p:cNvPicPr preferRelativeResize="0"/>
+            <p:nvPr/>
+          </p:nvPicPr>
+          <p:blipFill>
+            <a:blip r:embed="rId10">
+              <a:alphaModFix/>
+            </a:blip>
+            <a:stretch>
+              <a:fillRect/>
+            </a:stretch>
+          </p:blipFill>
+          <p:spPr>
+            <a:xfrm>
+              <a:off x="199961" y="2780722"/>
+              <a:ext cx="1359327" cy="1496001"/>
+            </a:xfrm>
+            <a:prstGeom prst="rect">
+              <a:avLst/>
+            </a:prstGeom>
+            <a:noFill/>
+            <a:ln>
+              <a:noFill/>
+            </a:ln>
+          </p:spPr>
+        </p:pic>
+        <p:pic>
+          <p:nvPicPr>
+            <p:cNvPr id="126" name="Google Shape;126;p19"/>
+            <p:cNvPicPr preferRelativeResize="0"/>
+            <p:nvPr/>
+          </p:nvPicPr>
+          <p:blipFill>
+            <a:blip r:embed="rId11">
+              <a:alphaModFix/>
+            </a:blip>
+            <a:stretch>
+              <a:fillRect/>
+            </a:stretch>
+          </p:blipFill>
+          <p:spPr>
+            <a:xfrm>
+              <a:off x="3864547" y="3669193"/>
+              <a:ext cx="573367" cy="798867"/>
+            </a:xfrm>
+            <a:prstGeom prst="rect">
+              <a:avLst/>
+            </a:prstGeom>
+            <a:noFill/>
+            <a:ln>
+              <a:noFill/>
+            </a:ln>
+          </p:spPr>
+        </p:pic>
+        <p:pic>
+          <p:nvPicPr>
+            <p:cNvPr id="127" name="Google Shape;127;p19"/>
+            <p:cNvPicPr preferRelativeResize="0"/>
+            <p:nvPr/>
+          </p:nvPicPr>
+          <p:blipFill>
+            <a:blip r:embed="rId12">
+              <a:alphaModFix/>
+            </a:blip>
+            <a:stretch>
+              <a:fillRect/>
+            </a:stretch>
+          </p:blipFill>
+          <p:spPr>
+            <a:xfrm>
+              <a:off x="3408521" y="4012599"/>
+              <a:ext cx="573367" cy="798867"/>
+            </a:xfrm>
+            <a:prstGeom prst="rect">
+              <a:avLst/>
+            </a:prstGeom>
+            <a:noFill/>
+            <a:ln>
+              <a:noFill/>
+            </a:ln>
+          </p:spPr>
+        </p:pic>
+        <p:sp>
+          <p:nvSpPr>
+            <p:cNvPr id="128" name="Google Shape;128;p19"/>
+            <p:cNvSpPr/>
+            <p:nvPr/>
+          </p:nvSpPr>
+          <p:spPr>
+            <a:xfrm>
+              <a:off x="2455277" y="1330393"/>
+              <a:ext cx="254400" cy="635600"/>
+            </a:xfrm>
+            <a:prstGeom prst="upDownArrow">
+              <a:avLst>
+                <a:gd name="adj1" fmla="val 50000"/>
+                <a:gd name="adj2" fmla="val 50000"/>
+              </a:avLst>
+            </a:prstGeom>
+            <a:gradFill>
+              <a:gsLst>
+                <a:gs pos="0">
+                  <a:schemeClr val="accent4"/>
+                </a:gs>
+                <a:gs pos="100000">
+                  <a:srgbClr val="00FFFF">
+                    <a:alpha val="0"/>
+                  </a:srgbClr>
+                </a:gs>
+              </a:gsLst>
+              <a:lin ang="5400012" scaled="0"/>
+            </a:gradFill>
+            <a:ln>
+              <a:noFill/>
+            </a:ln>
+          </p:spPr>
+          <p:txBody>
+            <a:bodyPr spcFirstLastPara="1" wrap="square" lIns="121900" tIns="121900" rIns="121900" bIns="121900" anchor="ctr" anchorCtr="0">
+              <a:noAutofit/>
+            </a:bodyPr>
+            <a:lstStyle/>
+            <a:p>
+              <a:pPr marL="0" marR="0" lvl="0" indent="0" algn="l" defTabSz="914400" rtl="0" eaLnBrk="1" fontAlgn="auto" latinLnBrk="0" hangingPunct="1">
+                <a:lnSpc>
+                  <a:spcPct val="100000"/>
+                </a:lnSpc>
+                <a:spcBef>
+                  <a:spcPts val="0"/>
+                </a:spcBef>
+                <a:spcAft>
+                  <a:spcPts val="0"/>
+                </a:spcAft>
+                <a:buClrTx/>
+                <a:buSzTx/>
+                <a:buFontTx/>
+                <a:buNone/>
+                <a:tabLst/>
+                <a:defRPr/>
+              </a:pPr>
+              <a:endParaRPr kumimoji="0" sz="1800" b="0" i="0" u="none" strike="noStrike" kern="1200" cap="none" spc="0" normalizeH="0" baseline="0" noProof="0">
+                <a:ln>
+                  <a:noFill/>
+                </a:ln>
+                <a:solidFill>
+                  <a:srgbClr val="050060"/>
+                </a:solidFill>
+                <a:effectLst/>
+                <a:uLnTx/>
+                <a:uFillTx/>
+                <a:latin typeface="Arial"/>
+                <a:ea typeface="+mn-ea"/>
+                <a:cs typeface="+mn-cs"/>
+              </a:endParaRPr>
+            </a:p>
+          </p:txBody>
+        </p:sp>
+      </p:grpSp>
+      <p:pic>
+        <p:nvPicPr>
+          <p:cNvPr id="23" name="Image 22">
+            <a:extLst>
+              <a:ext uri="{FF2B5EF4-FFF2-40B4-BE49-F238E27FC236}">
+                <a16:creationId xmlns:a16="http://schemas.microsoft.com/office/drawing/2014/main" id="{D65FDD0B-5902-4EC6-8AFB-920B0BAA13AD}"/>
+              </a:ext>
+            </a:extLst>
+          </p:cNvPr>
+          <p:cNvPicPr>
+            <a:picLocks noChangeAspect="1"/>
+          </p:cNvPicPr>
+          <p:nvPr/>
+        </p:nvPicPr>
+        <p:blipFill>
+          <a:blip r:embed="rId13" cstate="print">
+            <a:extLst>
+              <a:ext uri="{28A0092B-C50C-407E-A947-70E740481C1C}">
+                <a14:useLocalDpi xmlns:a14="http://schemas.microsoft.com/office/drawing/2010/main" val="0"/>
+              </a:ext>
+            </a:extLst>
+          </a:blip>
+          <a:stretch>
+            <a:fillRect/>
+          </a:stretch>
+        </p:blipFill>
+        <p:spPr>
+          <a:xfrm>
+            <a:off x="10096471" y="5979429"/>
+            <a:ext cx="1364780" cy="707411"/>
+          </a:xfrm>
+          <a:prstGeom prst="rect">
+            <a:avLst/>
+          </a:prstGeom>
+        </p:spPr>
+      </p:pic>
+      <p:pic>
+        <p:nvPicPr>
+          <p:cNvPr id="2" name="Picture 2" descr="Une image contenant texte&#10;&#10;Description générée automatiquement">
+            <a:extLst>
+              <a:ext uri="{FF2B5EF4-FFF2-40B4-BE49-F238E27FC236}">
+                <a16:creationId xmlns:a16="http://schemas.microsoft.com/office/drawing/2014/main" id="{AC775FCD-BD95-42B7-B3BC-4D29A9586EBB}"/>
+              </a:ext>
+            </a:extLst>
+          </p:cNvPr>
+          <p:cNvPicPr>
+            <a:picLocks noChangeAspect="1" noChangeArrowheads="1"/>
+          </p:cNvPicPr>
+          <p:nvPr/>
+        </p:nvPicPr>
+        <p:blipFill>
+          <a:blip r:embed="rId14" cstate="print">
+            <a:extLst>
+              <a:ext uri="{28A0092B-C50C-407E-A947-70E740481C1C}">
+                <a14:useLocalDpi xmlns:a14="http://schemas.microsoft.com/office/drawing/2010/main" val="0"/>
+              </a:ext>
+            </a:extLst>
+          </a:blip>
+          <a:srcRect/>
+          <a:stretch>
+            <a:fillRect/>
+          </a:stretch>
+        </p:blipFill>
+        <p:spPr bwMode="auto">
+          <a:xfrm>
+            <a:off x="8778496" y="20008"/>
+            <a:ext cx="3135582" cy="944349"/>
+          </a:xfrm>
+          <a:prstGeom prst="rect">
+            <a:avLst/>
+          </a:prstGeom>
+          <a:noFill/>
+          <a:extLst>
+            <a:ext uri="{909E8E84-426E-40DD-AFC4-6F175D3DCCD1}">
+              <a14:hiddenFill xmlns:a14="http://schemas.microsoft.com/office/drawing/2010/main">
+                <a:solidFill>
+                  <a:srgbClr val="FFFFFF"/>
+                </a:solidFill>
+              </a14:hiddenFill>
+            </a:ext>
+          </a:extLst>
+        </p:spPr>
+      </p:pic>
+      <p:sp>
+        <p:nvSpPr>
+          <p:cNvPr id="3" name="Espace réservé du texte 5">
+            <a:extLst>
+              <a:ext uri="{FF2B5EF4-FFF2-40B4-BE49-F238E27FC236}">
+                <a16:creationId xmlns:a16="http://schemas.microsoft.com/office/drawing/2014/main" id="{86710141-4D31-499F-B72C-6A10DECA9E8E}"/>
+              </a:ext>
+            </a:extLst>
+          </p:cNvPr>
+          <p:cNvSpPr txBox="1">
+            <a:spLocks/>
+          </p:cNvSpPr>
+          <p:nvPr/>
+        </p:nvSpPr>
+        <p:spPr>
+          <a:xfrm>
+            <a:off x="3839681" y="118244"/>
+            <a:ext cx="5580800" cy="1097806"/>
+          </a:xfrm>
+          <a:prstGeom prst="rect">
+            <a:avLst/>
+          </a:prstGeom>
+        </p:spPr>
+        <p:txBody>
+          <a:bodyPr lIns="91440" tIns="45720" rIns="91440" bIns="45720" anchor="t"/>
+          <a:lstStyle>
+            <a:defPPr marR="0" lvl="0" algn="l" rtl="0">
+              <a:lnSpc>
+                <a:spcPct val="100000"/>
+              </a:lnSpc>
+              <a:spcBef>
+                <a:spcPts val="0"/>
+              </a:spcBef>
+              <a:spcAft>
+                <a:spcPts val="0"/>
+              </a:spcAft>
+            </a:defPPr>
+            <a:lvl1pPr marR="0" lvl="0" algn="l" rtl="0">
+              <a:lnSpc>
+                <a:spcPct val="100000"/>
+              </a:lnSpc>
+              <a:spcBef>
+                <a:spcPts val="0"/>
+              </a:spcBef>
+              <a:spcAft>
+                <a:spcPts val="0"/>
+              </a:spcAft>
+              <a:buClr>
+                <a:srgbClr val="000000"/>
+              </a:buClr>
+              <a:buFont typeface="Arial"/>
+              <a:defRPr sz="1900" b="0" i="0" u="none" strike="noStrike" cap="none">
+                <a:solidFill>
+                  <a:srgbClr val="000000"/>
+                </a:solidFill>
+                <a:latin typeface="Arial"/>
+                <a:ea typeface="Arial"/>
+                <a:cs typeface="Arial"/>
+                <a:sym typeface="Arial"/>
+              </a:defRPr>
+            </a:lvl1pPr>
+            <a:lvl2pPr marR="0" lvl="1" algn="l" rtl="0">
+              <a:lnSpc>
+                <a:spcPct val="100000"/>
+              </a:lnSpc>
+              <a:spcBef>
+                <a:spcPts val="0"/>
+              </a:spcBef>
+              <a:spcAft>
+                <a:spcPts val="0"/>
+              </a:spcAft>
+              <a:buClr>
+                <a:srgbClr val="000000"/>
+              </a:buClr>
+              <a:buFont typeface="Arial"/>
+              <a:defRPr sz="1900" b="0" i="0" u="none" strike="noStrike" cap="none">
+                <a:solidFill>
+                  <a:srgbClr val="000000"/>
+                </a:solidFill>
+                <a:latin typeface="Arial"/>
+                <a:ea typeface="Arial"/>
+                <a:cs typeface="Arial"/>
+                <a:sym typeface="Arial"/>
+              </a:defRPr>
+            </a:lvl2pPr>
+            <a:lvl3pPr marR="0" lvl="2" algn="l" rtl="0">
+              <a:lnSpc>
+                <a:spcPct val="100000"/>
+              </a:lnSpc>
+              <a:spcBef>
+                <a:spcPts val="0"/>
+              </a:spcBef>
+              <a:spcAft>
+                <a:spcPts val="0"/>
+              </a:spcAft>
+              <a:buClr>
+                <a:srgbClr val="000000"/>
+              </a:buClr>
+              <a:buFont typeface="Arial"/>
+              <a:defRPr sz="1900" b="0" i="0" u="none" strike="noStrike" cap="none">
+                <a:solidFill>
+                  <a:srgbClr val="000000"/>
+                </a:solidFill>
+                <a:latin typeface="Arial"/>
+                <a:ea typeface="Arial"/>
+                <a:cs typeface="Arial"/>
+                <a:sym typeface="Arial"/>
+              </a:defRPr>
+            </a:lvl3pPr>
+            <a:lvl4pPr marR="0" lvl="3" algn="l" rtl="0">
+              <a:lnSpc>
+                <a:spcPct val="100000"/>
+              </a:lnSpc>
+              <a:spcBef>
+                <a:spcPts val="0"/>
+              </a:spcBef>
+              <a:spcAft>
+                <a:spcPts val="0"/>
+              </a:spcAft>
+              <a:buClr>
+                <a:srgbClr val="000000"/>
+              </a:buClr>
+              <a:buFont typeface="Arial"/>
+              <a:defRPr sz="1900" b="0" i="0" u="none" strike="noStrike" cap="none">
+                <a:solidFill>
+                  <a:srgbClr val="000000"/>
+                </a:solidFill>
+                <a:latin typeface="Arial"/>
+                <a:ea typeface="Arial"/>
+                <a:cs typeface="Arial"/>
+                <a:sym typeface="Arial"/>
+              </a:defRPr>
+            </a:lvl4pPr>
+            <a:lvl5pPr marR="0" lvl="4" algn="l" rtl="0">
+              <a:lnSpc>
+                <a:spcPct val="100000"/>
+              </a:lnSpc>
+              <a:spcBef>
+                <a:spcPts val="0"/>
+              </a:spcBef>
+              <a:spcAft>
+                <a:spcPts val="0"/>
+              </a:spcAft>
+              <a:buClr>
+                <a:srgbClr val="000000"/>
+              </a:buClr>
+              <a:buFont typeface="Arial"/>
+              <a:defRPr sz="1900" b="0" i="0" u="none" strike="noStrike" cap="none">
+                <a:solidFill>
+                  <a:srgbClr val="000000"/>
+                </a:solidFill>
+                <a:latin typeface="Arial"/>
+                <a:ea typeface="Arial"/>
+                <a:cs typeface="Arial"/>
+                <a:sym typeface="Arial"/>
+              </a:defRPr>
+            </a:lvl5pPr>
+            <a:lvl6pPr marR="0" lvl="5" algn="l" rtl="0">
+              <a:lnSpc>
+                <a:spcPct val="100000"/>
+              </a:lnSpc>
+              <a:spcBef>
+                <a:spcPts val="0"/>
+              </a:spcBef>
+              <a:spcAft>
+                <a:spcPts val="0"/>
+              </a:spcAft>
+              <a:buClr>
+                <a:srgbClr val="000000"/>
+              </a:buClr>
+              <a:buFont typeface="Arial"/>
+              <a:defRPr sz="1900" b="0" i="0" u="none" strike="noStrike" cap="none">
+                <a:solidFill>
+                  <a:srgbClr val="000000"/>
+                </a:solidFill>
+                <a:latin typeface="Arial"/>
+                <a:ea typeface="Arial"/>
+                <a:cs typeface="Arial"/>
+                <a:sym typeface="Arial"/>
+              </a:defRPr>
+            </a:lvl6pPr>
+            <a:lvl7pPr marR="0" lvl="6" algn="l" rtl="0">
+              <a:lnSpc>
+                <a:spcPct val="100000"/>
+              </a:lnSpc>
+              <a:spcBef>
+                <a:spcPts val="0"/>
+              </a:spcBef>
+              <a:spcAft>
+                <a:spcPts val="0"/>
+              </a:spcAft>
+              <a:buClr>
+                <a:srgbClr val="000000"/>
+              </a:buClr>
+              <a:buFont typeface="Arial"/>
+              <a:defRPr sz="1900" b="0" i="0" u="none" strike="noStrike" cap="none">
+                <a:solidFill>
+                  <a:srgbClr val="000000"/>
+                </a:solidFill>
+                <a:latin typeface="Arial"/>
+                <a:ea typeface="Arial"/>
+                <a:cs typeface="Arial"/>
+                <a:sym typeface="Arial"/>
+              </a:defRPr>
+            </a:lvl7pPr>
+            <a:lvl8pPr marR="0" lvl="7" algn="l" rtl="0">
+              <a:lnSpc>
+                <a:spcPct val="100000"/>
+              </a:lnSpc>
+              <a:spcBef>
+                <a:spcPts val="0"/>
+              </a:spcBef>
+              <a:spcAft>
+                <a:spcPts val="0"/>
+              </a:spcAft>
+              <a:buClr>
+                <a:srgbClr val="000000"/>
+              </a:buClr>
+              <a:buFont typeface="Arial"/>
+              <a:defRPr sz="1900" b="0" i="0" u="none" strike="noStrike" cap="none">
+                <a:solidFill>
+                  <a:srgbClr val="000000"/>
+                </a:solidFill>
+                <a:latin typeface="Arial"/>
+                <a:ea typeface="Arial"/>
+                <a:cs typeface="Arial"/>
+                <a:sym typeface="Arial"/>
+              </a:defRPr>
+            </a:lvl8pPr>
+            <a:lvl9pPr marR="0" lvl="8" algn="l" rtl="0">
+              <a:lnSpc>
+                <a:spcPct val="100000"/>
+              </a:lnSpc>
+              <a:spcBef>
+                <a:spcPts val="0"/>
+              </a:spcBef>
+              <a:spcAft>
+                <a:spcPts val="0"/>
+              </a:spcAft>
+              <a:buClr>
+                <a:srgbClr val="000000"/>
+              </a:buClr>
+              <a:buFont typeface="Arial"/>
+              <a:defRPr sz="1900" b="0" i="0" u="none" strike="noStrike" cap="none">
+                <a:solidFill>
+                  <a:srgbClr val="000000"/>
+                </a:solidFill>
+                <a:latin typeface="Arial"/>
+                <a:ea typeface="Arial"/>
+                <a:cs typeface="Arial"/>
+                <a:sym typeface="Arial"/>
+              </a:defRPr>
+            </a:lvl9pPr>
+          </a:lstStyle>
+          <a:p>
+            <a:pPr marL="50165"/>
+            <a:r>
+              <a:rPr lang="fr-FR" sz="4000" b="1" kern="0" dirty="0">
+                <a:solidFill>
+                  <a:schemeClr val="bg1"/>
+                </a:solidFill>
+              </a:rPr>
+              <a:t>4) </a:t>
+            </a:r>
+            <a:r>
+              <a:rPr lang="en-GB" sz="4000" b="1" kern="0" dirty="0">
+                <a:solidFill>
+                  <a:schemeClr val="bg1"/>
+                </a:solidFill>
+              </a:rPr>
+              <a:t>Deep learning : </a:t>
+            </a:r>
+          </a:p>
+          <a:p>
+            <a:pPr marL="50165"/>
+            <a:r>
+              <a:rPr lang="en-GB" sz="4000" b="1" kern="0" dirty="0">
+                <a:solidFill>
+                  <a:schemeClr val="bg1"/>
+                </a:solidFill>
+              </a:rPr>
+              <a:t>ANN </a:t>
+            </a:r>
+          </a:p>
+        </p:txBody>
+      </p:sp>
+      <p:pic>
+        <p:nvPicPr>
+          <p:cNvPr id="6" name="Image 5">
+            <a:extLst>
+              <a:ext uri="{FF2B5EF4-FFF2-40B4-BE49-F238E27FC236}">
+                <a16:creationId xmlns:a16="http://schemas.microsoft.com/office/drawing/2014/main" id="{2DF5ABC1-70EA-44D9-A8CC-EC9D21BBAC7C}"/>
+              </a:ext>
+            </a:extLst>
+          </p:cNvPr>
+          <p:cNvPicPr>
+            <a:picLocks noChangeAspect="1"/>
+          </p:cNvPicPr>
+          <p:nvPr/>
+        </p:nvPicPr>
+        <p:blipFill>
+          <a:blip r:embed="rId15"/>
+          <a:stretch>
+            <a:fillRect/>
+          </a:stretch>
+        </p:blipFill>
+        <p:spPr>
+          <a:xfrm>
+            <a:off x="6003353" y="1030611"/>
+            <a:ext cx="5772150" cy="3219450"/>
+          </a:xfrm>
+          <a:prstGeom prst="rect">
+            <a:avLst/>
+          </a:prstGeom>
+        </p:spPr>
+      </p:pic>
+      <p:sp>
+        <p:nvSpPr>
+          <p:cNvPr id="26" name="ZoneTexte 25">
+            <a:extLst>
+              <a:ext uri="{FF2B5EF4-FFF2-40B4-BE49-F238E27FC236}">
+                <a16:creationId xmlns:a16="http://schemas.microsoft.com/office/drawing/2014/main" id="{92869E22-258E-45DD-A297-94159B281D92}"/>
+              </a:ext>
+            </a:extLst>
+          </p:cNvPr>
+          <p:cNvSpPr txBox="1"/>
+          <p:nvPr/>
+        </p:nvSpPr>
+        <p:spPr>
+          <a:xfrm>
+            <a:off x="14932" y="5057186"/>
+            <a:ext cx="8676783" cy="646331"/>
+          </a:xfrm>
+          <a:prstGeom prst="rect">
+            <a:avLst/>
+          </a:prstGeom>
+          <a:noFill/>
+        </p:spPr>
+        <p:txBody>
+          <a:bodyPr wrap="square" rtlCol="0">
+            <a:spAutoFit/>
+          </a:bodyPr>
+          <a:lstStyle/>
+          <a:p>
+            <a:r>
+              <a:rPr lang="fr-FR" b="1" dirty="0" err="1">
+                <a:solidFill>
+                  <a:schemeClr val="bg1"/>
+                </a:solidFill>
+              </a:rPr>
+              <a:t>RandomSearchCV</a:t>
+            </a:r>
+            <a:r>
+              <a:rPr lang="fr-FR" b="1" dirty="0">
+                <a:solidFill>
+                  <a:schemeClr val="bg1"/>
+                </a:solidFill>
+              </a:rPr>
+              <a:t> </a:t>
+            </a:r>
+            <a:r>
+              <a:rPr lang="fr-FR" b="1" dirty="0">
+                <a:solidFill>
+                  <a:schemeClr val="bg1"/>
+                </a:solidFill>
+                <a:sym typeface="Wingdings" panose="05000000000000000000" pitchFamily="2" charset="2"/>
+              </a:rPr>
+              <a:t> </a:t>
+            </a:r>
+            <a:r>
+              <a:rPr lang="fr-FR" sz="3600" b="1" dirty="0">
+                <a:solidFill>
+                  <a:schemeClr val="bg1"/>
+                </a:solidFill>
+                <a:sym typeface="Wingdings" panose="05000000000000000000" pitchFamily="2" charset="2"/>
+              </a:rPr>
+              <a:t>3 </a:t>
+            </a:r>
+            <a:r>
+              <a:rPr lang="fr-FR" sz="2000" dirty="0" err="1">
+                <a:solidFill>
+                  <a:schemeClr val="bg1"/>
+                </a:solidFill>
+                <a:sym typeface="Wingdings" panose="05000000000000000000" pitchFamily="2" charset="2"/>
+              </a:rPr>
+              <a:t>numbers</a:t>
+            </a:r>
+            <a:r>
+              <a:rPr lang="fr-FR" sz="2000" dirty="0">
+                <a:solidFill>
+                  <a:schemeClr val="bg1"/>
+                </a:solidFill>
+                <a:sym typeface="Wingdings" panose="05000000000000000000" pitchFamily="2" charset="2"/>
+              </a:rPr>
+              <a:t> of </a:t>
+            </a:r>
+            <a:r>
+              <a:rPr lang="fr-FR" sz="2000" dirty="0" err="1">
+                <a:solidFill>
+                  <a:schemeClr val="bg1"/>
+                </a:solidFill>
+                <a:sym typeface="Wingdings" panose="05000000000000000000" pitchFamily="2" charset="2"/>
+              </a:rPr>
+              <a:t>neurons</a:t>
+            </a:r>
+            <a:r>
+              <a:rPr lang="fr-FR" sz="2000" dirty="0">
+                <a:solidFill>
+                  <a:schemeClr val="bg1"/>
+                </a:solidFill>
+                <a:sym typeface="Wingdings" panose="05000000000000000000" pitchFamily="2" charset="2"/>
+              </a:rPr>
+              <a:t> per layer, </a:t>
+            </a:r>
+            <a:r>
+              <a:rPr lang="fr-FR" sz="2000" b="1" dirty="0">
+                <a:solidFill>
+                  <a:schemeClr val="bg1"/>
+                </a:solidFill>
+                <a:sym typeface="Wingdings" panose="05000000000000000000" pitchFamily="2" charset="2"/>
+              </a:rPr>
+              <a:t>LN, </a:t>
+            </a:r>
+            <a:r>
+              <a:rPr lang="fr-FR" sz="2000" b="1" dirty="0" err="1">
+                <a:solidFill>
+                  <a:schemeClr val="bg1"/>
+                </a:solidFill>
+                <a:sym typeface="Wingdings" panose="05000000000000000000" pitchFamily="2" charset="2"/>
+              </a:rPr>
+              <a:t>Optimizer</a:t>
+            </a:r>
+            <a:r>
+              <a:rPr lang="fr-FR" dirty="0"/>
+              <a:t> </a:t>
+            </a:r>
+          </a:p>
+        </p:txBody>
+      </p:sp>
+      <p:sp>
+        <p:nvSpPr>
+          <p:cNvPr id="28" name="ZoneTexte 27">
+            <a:extLst>
+              <a:ext uri="{FF2B5EF4-FFF2-40B4-BE49-F238E27FC236}">
+                <a16:creationId xmlns:a16="http://schemas.microsoft.com/office/drawing/2014/main" id="{80364381-41DC-42F4-A0AF-8A0359740B5A}"/>
+              </a:ext>
+            </a:extLst>
+          </p:cNvPr>
+          <p:cNvSpPr txBox="1"/>
+          <p:nvPr/>
+        </p:nvSpPr>
+        <p:spPr>
+          <a:xfrm>
+            <a:off x="66723" y="4133908"/>
+            <a:ext cx="6502779" cy="369332"/>
+          </a:xfrm>
+          <a:prstGeom prst="rect">
+            <a:avLst/>
+          </a:prstGeom>
+          <a:noFill/>
+        </p:spPr>
+        <p:txBody>
+          <a:bodyPr wrap="square" rtlCol="0">
+            <a:spAutoFit/>
+          </a:bodyPr>
+          <a:lstStyle/>
+          <a:p>
+            <a:r>
+              <a:rPr lang="fr-FR" b="1" dirty="0">
+                <a:solidFill>
+                  <a:schemeClr val="bg1"/>
+                </a:solidFill>
+              </a:rPr>
+              <a:t>Dimension </a:t>
+            </a:r>
+            <a:r>
+              <a:rPr lang="fr-FR" b="1" dirty="0" err="1">
+                <a:solidFill>
+                  <a:schemeClr val="bg1"/>
+                </a:solidFill>
+              </a:rPr>
+              <a:t>Analysis</a:t>
+            </a:r>
+            <a:r>
+              <a:rPr lang="fr-FR" b="1" dirty="0">
+                <a:solidFill>
+                  <a:schemeClr val="bg1"/>
+                </a:solidFill>
+              </a:rPr>
+              <a:t> ? </a:t>
+            </a:r>
+            <a:r>
+              <a:rPr lang="fr-FR" b="1" dirty="0" err="1">
+                <a:solidFill>
+                  <a:schemeClr val="bg1"/>
+                </a:solidFill>
+              </a:rPr>
+              <a:t>Flatten</a:t>
+            </a:r>
+            <a:r>
+              <a:rPr lang="fr-FR" b="1" dirty="0">
+                <a:solidFill>
+                  <a:schemeClr val="bg1"/>
+                </a:solidFill>
+              </a:rPr>
+              <a:t> </a:t>
+            </a:r>
+            <a:r>
+              <a:rPr lang="fr-FR" dirty="0" err="1">
+                <a:solidFill>
+                  <a:schemeClr val="bg1"/>
+                </a:solidFill>
+              </a:rPr>
+              <a:t>get</a:t>
+            </a:r>
+            <a:r>
+              <a:rPr lang="fr-FR" dirty="0">
+                <a:solidFill>
+                  <a:schemeClr val="bg1"/>
+                </a:solidFill>
+              </a:rPr>
+              <a:t> back in </a:t>
+            </a:r>
+            <a:r>
+              <a:rPr lang="fr-FR" b="1" dirty="0">
+                <a:solidFill>
+                  <a:schemeClr val="bg1"/>
+                </a:solidFill>
+              </a:rPr>
+              <a:t>1D</a:t>
+            </a:r>
+            <a:endParaRPr lang="fr-FR" b="1" dirty="0"/>
+          </a:p>
+        </p:txBody>
+      </p:sp>
+    </p:spTree>
+    <p:extLst>
+      <p:ext uri="{BB962C8B-B14F-4D97-AF65-F5344CB8AC3E}">
+        <p14:creationId xmlns:p14="http://schemas.microsoft.com/office/powerpoint/2010/main" val="3934604843"/>
+      </p:ext>
+    </p:extLst>
+  </p:cSld>
+  <p:clrMapOvr>
+    <a:masterClrMapping/>
+  </p:clrMapOvr>
+  <p:transition spd="med">
+    <p:fade/>
+  </p:transition>
+</p:sld>
+</file>
+
+<file path=ppt/slides/slide15.xml><?xml version="1.0" encoding="utf-8"?>
+<p:sld xmlns:a="http://schemas.openxmlformats.org/drawingml/2006/main" xmlns:r="http://schemas.openxmlformats.org/officeDocument/2006/relationships" xmlns:p="http://schemas.openxmlformats.org/presentationml/2006/main">
+  <p:cSld>
+    <p:spTree>
+      <p:nvGrpSpPr>
+        <p:cNvPr id="1" name="Shape 109"/>
+        <p:cNvGrpSpPr/>
+        <p:nvPr/>
+      </p:nvGrpSpPr>
+      <p:grpSpPr>
+        <a:xfrm>
+          <a:off x="0" y="0"/>
+          <a:ext cx="0" cy="0"/>
+          <a:chOff x="0" y="0"/>
+          <a:chExt cx="0" cy="0"/>
+        </a:xfrm>
+      </p:grpSpPr>
+      <p:sp>
+        <p:nvSpPr>
+          <p:cNvPr id="113" name="Google Shape;113;p19"/>
+          <p:cNvSpPr txBox="1">
+            <a:spLocks noGrp="1"/>
+          </p:cNvSpPr>
+          <p:nvPr>
+            <p:ph type="sldNum" idx="12"/>
+          </p:nvPr>
+        </p:nvSpPr>
+        <p:spPr>
+          <a:xfrm>
+            <a:off x="11307445" y="6333135"/>
+            <a:ext cx="731600" cy="524800"/>
+          </a:xfrm>
+          <a:prstGeom prst="rect">
+            <a:avLst/>
+          </a:prstGeom>
+        </p:spPr>
+        <p:txBody>
+          <a:bodyPr spcFirstLastPara="1" wrap="square" lIns="0" tIns="0" rIns="0" bIns="0" anchor="ctr" anchorCtr="0">
+            <a:noAutofit/>
+          </a:bodyPr>
+          <a:lstStyle/>
+          <a:p>
+            <a:pPr marL="0" marR="0" lvl="0" indent="0" algn="r" defTabSz="914400" rtl="0" eaLnBrk="1" fontAlgn="auto" latinLnBrk="0" hangingPunct="1">
+              <a:lnSpc>
+                <a:spcPct val="100000"/>
+              </a:lnSpc>
+              <a:spcBef>
+                <a:spcPts val="0"/>
+              </a:spcBef>
+              <a:spcAft>
+                <a:spcPts val="0"/>
+              </a:spcAft>
+              <a:buClrTx/>
+              <a:buSzTx/>
+              <a:buFontTx/>
+              <a:buNone/>
+              <a:tabLst/>
+              <a:defRPr/>
+            </a:pPr>
+            <a:fld id="{00000000-1234-1234-1234-123412341234}" type="slidenum">
+              <a:rPr kumimoji="0" lang="en" sz="1700" b="0" i="0" u="none" strike="noStrike" kern="1200" cap="none" spc="0" normalizeH="0" baseline="0" noProof="0">
+                <a:ln>
+                  <a:noFill/>
+                </a:ln>
+                <a:solidFill>
+                  <a:srgbClr val="FFFFFF"/>
+                </a:solidFill>
+                <a:effectLst/>
+                <a:uLnTx/>
+                <a:uFillTx/>
+                <a:latin typeface="Lexend Deca"/>
+                <a:sym typeface="Lexend Deca"/>
+              </a:rPr>
+              <a:pPr marL="0" marR="0" lvl="0" indent="0" algn="r" defTabSz="914400" rtl="0" eaLnBrk="1" fontAlgn="auto" latinLnBrk="0" hangingPunct="1">
+                <a:lnSpc>
+                  <a:spcPct val="100000"/>
+                </a:lnSpc>
+                <a:spcBef>
+                  <a:spcPts val="0"/>
+                </a:spcBef>
+                <a:spcAft>
+                  <a:spcPts val="0"/>
+                </a:spcAft>
+                <a:buClrTx/>
+                <a:buSzTx/>
+                <a:buFontTx/>
+                <a:buNone/>
+                <a:tabLst/>
+                <a:defRPr/>
+              </a:pPr>
+              <a:t>15</a:t>
+            </a:fld>
+            <a:endParaRPr kumimoji="0" sz="1700" b="0" i="0" u="none" strike="noStrike" kern="1200" cap="none" spc="0" normalizeH="0" baseline="0" noProof="0">
+              <a:ln>
+                <a:noFill/>
+              </a:ln>
+              <a:solidFill>
+                <a:srgbClr val="FFFFFF"/>
+              </a:solidFill>
+              <a:effectLst/>
+              <a:uLnTx/>
+              <a:uFillTx/>
+              <a:latin typeface="Lexend Deca"/>
+              <a:sym typeface="Lexend Deca"/>
+            </a:endParaRPr>
+          </a:p>
+        </p:txBody>
+      </p:sp>
+      <p:grpSp>
+        <p:nvGrpSpPr>
+          <p:cNvPr id="5" name="Groupe 4">
+            <a:extLst>
+              <a:ext uri="{FF2B5EF4-FFF2-40B4-BE49-F238E27FC236}">
+                <a16:creationId xmlns:a16="http://schemas.microsoft.com/office/drawing/2014/main" id="{897ED689-D191-4C4E-BD05-E326AF61DBBF}"/>
+              </a:ext>
+            </a:extLst>
+          </p:cNvPr>
+          <p:cNvGrpSpPr/>
+          <p:nvPr/>
+        </p:nvGrpSpPr>
+        <p:grpSpPr>
+          <a:xfrm>
+            <a:off x="247976" y="320016"/>
+            <a:ext cx="3543120" cy="3108984"/>
+            <a:chOff x="152084" y="145046"/>
+            <a:chExt cx="5122429" cy="4666420"/>
+          </a:xfrm>
+        </p:grpSpPr>
+        <p:pic>
+          <p:nvPicPr>
+            <p:cNvPr id="110" name="Google Shape;110;p19"/>
+            <p:cNvPicPr preferRelativeResize="0"/>
+            <p:nvPr/>
+          </p:nvPicPr>
+          <p:blipFill>
+            <a:blip r:embed="rId3">
+              <a:alphaModFix/>
+            </a:blip>
+            <a:stretch>
+              <a:fillRect/>
+            </a:stretch>
+          </p:blipFill>
+          <p:spPr>
+            <a:xfrm>
+              <a:off x="1250032" y="2084809"/>
+              <a:ext cx="2689993" cy="1612333"/>
+            </a:xfrm>
+            <a:prstGeom prst="rect">
+              <a:avLst/>
+            </a:prstGeom>
+            <a:noFill/>
+            <a:ln>
+              <a:noFill/>
+            </a:ln>
+          </p:spPr>
+        </p:pic>
+        <p:pic>
+          <p:nvPicPr>
+            <p:cNvPr id="114" name="Google Shape;114;p19"/>
+            <p:cNvPicPr preferRelativeResize="0"/>
+            <p:nvPr/>
+          </p:nvPicPr>
+          <p:blipFill>
+            <a:blip r:embed="rId4">
+              <a:alphaModFix/>
+            </a:blip>
+            <a:stretch>
+              <a:fillRect/>
+            </a:stretch>
+          </p:blipFill>
+          <p:spPr>
+            <a:xfrm>
+              <a:off x="152084" y="1049353"/>
+              <a:ext cx="642533" cy="740367"/>
+            </a:xfrm>
+            <a:prstGeom prst="rect">
+              <a:avLst/>
+            </a:prstGeom>
+            <a:noFill/>
+            <a:ln>
+              <a:noFill/>
+            </a:ln>
+          </p:spPr>
+        </p:pic>
+        <p:pic>
+          <p:nvPicPr>
+            <p:cNvPr id="115" name="Google Shape;115;p19"/>
+            <p:cNvPicPr preferRelativeResize="0"/>
+            <p:nvPr/>
+          </p:nvPicPr>
+          <p:blipFill>
+            <a:blip r:embed="rId5">
+              <a:alphaModFix/>
+            </a:blip>
+            <a:stretch>
+              <a:fillRect/>
+            </a:stretch>
+          </p:blipFill>
+          <p:spPr>
+            <a:xfrm>
+              <a:off x="395722" y="1211611"/>
+              <a:ext cx="642533" cy="740367"/>
+            </a:xfrm>
+            <a:prstGeom prst="rect">
+              <a:avLst/>
+            </a:prstGeom>
+            <a:noFill/>
+            <a:ln>
+              <a:noFill/>
+            </a:ln>
+          </p:spPr>
+        </p:pic>
+        <p:pic>
+          <p:nvPicPr>
+            <p:cNvPr id="116" name="Google Shape;116;p19"/>
+            <p:cNvPicPr preferRelativeResize="0"/>
+            <p:nvPr/>
+          </p:nvPicPr>
+          <p:blipFill>
+            <a:blip r:embed="rId6">
+              <a:alphaModFix/>
+            </a:blip>
+            <a:stretch>
+              <a:fillRect/>
+            </a:stretch>
+          </p:blipFill>
+          <p:spPr>
+            <a:xfrm>
+              <a:off x="1841510" y="2030244"/>
+              <a:ext cx="1481963" cy="1282551"/>
+            </a:xfrm>
+            <a:prstGeom prst="rect">
+              <a:avLst/>
+            </a:prstGeom>
+            <a:noFill/>
+            <a:ln>
+              <a:noFill/>
+            </a:ln>
+          </p:spPr>
+        </p:pic>
+        <p:pic>
+          <p:nvPicPr>
+            <p:cNvPr id="117" name="Google Shape;117;p19"/>
+            <p:cNvPicPr preferRelativeResize="0"/>
+            <p:nvPr/>
+          </p:nvPicPr>
+          <p:blipFill>
+            <a:blip r:embed="rId6">
+              <a:alphaModFix/>
+            </a:blip>
+            <a:stretch>
+              <a:fillRect/>
+            </a:stretch>
+          </p:blipFill>
+          <p:spPr>
+            <a:xfrm>
+              <a:off x="1841510" y="1506823"/>
+              <a:ext cx="1481963" cy="1282551"/>
+            </a:xfrm>
+            <a:prstGeom prst="rect">
+              <a:avLst/>
+            </a:prstGeom>
+            <a:noFill/>
+            <a:ln>
+              <a:noFill/>
+            </a:ln>
+          </p:spPr>
+        </p:pic>
+        <p:pic>
+          <p:nvPicPr>
+            <p:cNvPr id="118" name="Google Shape;118;p19"/>
+            <p:cNvPicPr preferRelativeResize="0"/>
+            <p:nvPr/>
+          </p:nvPicPr>
+          <p:blipFill>
+            <a:blip r:embed="rId7">
+              <a:alphaModFix/>
+            </a:blip>
+            <a:stretch>
+              <a:fillRect/>
+            </a:stretch>
+          </p:blipFill>
+          <p:spPr>
+            <a:xfrm>
+              <a:off x="1752158" y="145046"/>
+              <a:ext cx="1660667" cy="1066589"/>
+            </a:xfrm>
+            <a:prstGeom prst="rect">
+              <a:avLst/>
+            </a:prstGeom>
+            <a:noFill/>
+            <a:ln>
+              <a:noFill/>
+            </a:ln>
+          </p:spPr>
+        </p:pic>
+        <p:pic>
+          <p:nvPicPr>
+            <p:cNvPr id="119" name="Google Shape;119;p19"/>
+            <p:cNvPicPr preferRelativeResize="0"/>
+            <p:nvPr/>
+          </p:nvPicPr>
+          <p:blipFill>
+            <a:blip r:embed="rId8">
+              <a:alphaModFix/>
+            </a:blip>
+            <a:stretch>
+              <a:fillRect/>
+            </a:stretch>
+          </p:blipFill>
+          <p:spPr>
+            <a:xfrm>
+              <a:off x="4143213" y="1359076"/>
+              <a:ext cx="1131300" cy="740367"/>
+            </a:xfrm>
+            <a:prstGeom prst="rect">
+              <a:avLst/>
+            </a:prstGeom>
+            <a:noFill/>
+            <a:ln>
+              <a:noFill/>
+            </a:ln>
+          </p:spPr>
+        </p:pic>
+        <p:cxnSp>
+          <p:nvCxnSpPr>
+            <p:cNvPr id="120" name="Google Shape;120;p19"/>
+            <p:cNvCxnSpPr/>
+            <p:nvPr/>
+          </p:nvCxnSpPr>
+          <p:spPr>
+            <a:xfrm>
+              <a:off x="2928691" y="3628252"/>
+              <a:ext cx="885600" cy="511200"/>
+            </a:xfrm>
+            <a:prstGeom prst="straightConnector1">
+              <a:avLst/>
+            </a:prstGeom>
+            <a:noFill/>
+            <a:ln w="19050" cap="rnd" cmpd="sng">
+              <a:solidFill>
+                <a:schemeClr val="accent3"/>
+              </a:solidFill>
+              <a:prstDash val="dash"/>
+              <a:round/>
+              <a:headEnd type="none" w="med" len="med"/>
+              <a:tailEnd type="none" w="med" len="med"/>
+            </a:ln>
+          </p:spPr>
+        </p:cxnSp>
+        <p:cxnSp>
+          <p:nvCxnSpPr>
+            <p:cNvPr id="121" name="Google Shape;121;p19"/>
+            <p:cNvCxnSpPr/>
+            <p:nvPr/>
+          </p:nvCxnSpPr>
+          <p:spPr>
+            <a:xfrm>
+              <a:off x="850243" y="1850377"/>
+              <a:ext cx="746400" cy="430800"/>
+            </a:xfrm>
+            <a:prstGeom prst="straightConnector1">
+              <a:avLst/>
+            </a:prstGeom>
+            <a:noFill/>
+            <a:ln w="19050" cap="rnd" cmpd="sng">
+              <a:solidFill>
+                <a:schemeClr val="accent6"/>
+              </a:solidFill>
+              <a:prstDash val="dash"/>
+              <a:round/>
+              <a:headEnd type="none" w="med" len="med"/>
+              <a:tailEnd type="none" w="med" len="med"/>
+            </a:ln>
+          </p:spPr>
+        </p:cxnSp>
+        <p:pic>
+          <p:nvPicPr>
+            <p:cNvPr id="122" name="Google Shape;122;p19"/>
+            <p:cNvPicPr preferRelativeResize="0"/>
+            <p:nvPr/>
+          </p:nvPicPr>
+          <p:blipFill>
+            <a:blip r:embed="rId9">
+              <a:alphaModFix/>
+            </a:blip>
+            <a:stretch>
+              <a:fillRect/>
+            </a:stretch>
+          </p:blipFill>
+          <p:spPr>
+            <a:xfrm>
+              <a:off x="4573527" y="964348"/>
+              <a:ext cx="254288" cy="740367"/>
+            </a:xfrm>
+            <a:prstGeom prst="rect">
+              <a:avLst/>
+            </a:prstGeom>
+            <a:noFill/>
+            <a:ln>
+              <a:noFill/>
+            </a:ln>
+          </p:spPr>
+        </p:pic>
+        <p:cxnSp>
+          <p:nvCxnSpPr>
+            <p:cNvPr id="123" name="Google Shape;123;p19"/>
+            <p:cNvCxnSpPr/>
+            <p:nvPr/>
+          </p:nvCxnSpPr>
+          <p:spPr>
+            <a:xfrm flipH="1">
+              <a:off x="486243" y="3378177"/>
+              <a:ext cx="1248800" cy="721200"/>
+            </a:xfrm>
+            <a:prstGeom prst="straightConnector1">
+              <a:avLst/>
+            </a:prstGeom>
+            <a:noFill/>
+            <a:ln w="19050" cap="rnd" cmpd="sng">
+              <a:solidFill>
+                <a:schemeClr val="accent3"/>
+              </a:solidFill>
+              <a:prstDash val="dash"/>
+              <a:round/>
+              <a:headEnd type="none" w="med" len="med"/>
+              <a:tailEnd type="none" w="med" len="med"/>
+            </a:ln>
+          </p:spPr>
+        </p:cxnSp>
+        <p:cxnSp>
+          <p:nvCxnSpPr>
+            <p:cNvPr id="124" name="Google Shape;124;p19"/>
+            <p:cNvCxnSpPr/>
+            <p:nvPr/>
+          </p:nvCxnSpPr>
+          <p:spPr>
+            <a:xfrm flipH="1">
+              <a:off x="3516443" y="1951977"/>
+              <a:ext cx="746400" cy="430800"/>
+            </a:xfrm>
+            <a:prstGeom prst="straightConnector1">
+              <a:avLst/>
+            </a:prstGeom>
+            <a:noFill/>
+            <a:ln w="19050" cap="rnd" cmpd="sng">
+              <a:solidFill>
+                <a:schemeClr val="accent1"/>
+              </a:solidFill>
+              <a:prstDash val="dash"/>
+              <a:round/>
+              <a:headEnd type="none" w="med" len="med"/>
+              <a:tailEnd type="none" w="med" len="med"/>
+            </a:ln>
+          </p:spPr>
+        </p:cxnSp>
+        <p:pic>
+          <p:nvPicPr>
+            <p:cNvPr id="125" name="Google Shape;125;p19"/>
+            <p:cNvPicPr preferRelativeResize="0"/>
+            <p:nvPr/>
+          </p:nvPicPr>
+          <p:blipFill>
+            <a:blip r:embed="rId10">
+              <a:alphaModFix/>
+            </a:blip>
+            <a:stretch>
+              <a:fillRect/>
+            </a:stretch>
+          </p:blipFill>
+          <p:spPr>
+            <a:xfrm>
+              <a:off x="199961" y="2780722"/>
+              <a:ext cx="1359327" cy="1496001"/>
+            </a:xfrm>
+            <a:prstGeom prst="rect">
+              <a:avLst/>
+            </a:prstGeom>
+            <a:noFill/>
+            <a:ln>
+              <a:noFill/>
+            </a:ln>
+          </p:spPr>
+        </p:pic>
+        <p:pic>
+          <p:nvPicPr>
+            <p:cNvPr id="126" name="Google Shape;126;p19"/>
+            <p:cNvPicPr preferRelativeResize="0"/>
+            <p:nvPr/>
+          </p:nvPicPr>
+          <p:blipFill>
+            <a:blip r:embed="rId11">
+              <a:alphaModFix/>
+            </a:blip>
+            <a:stretch>
+              <a:fillRect/>
+            </a:stretch>
+          </p:blipFill>
+          <p:spPr>
+            <a:xfrm>
+              <a:off x="3864547" y="3669193"/>
+              <a:ext cx="573367" cy="798867"/>
+            </a:xfrm>
+            <a:prstGeom prst="rect">
+              <a:avLst/>
+            </a:prstGeom>
+            <a:noFill/>
+            <a:ln>
+              <a:noFill/>
+            </a:ln>
+          </p:spPr>
+        </p:pic>
+        <p:pic>
+          <p:nvPicPr>
+            <p:cNvPr id="127" name="Google Shape;127;p19"/>
+            <p:cNvPicPr preferRelativeResize="0"/>
+            <p:nvPr/>
+          </p:nvPicPr>
+          <p:blipFill>
+            <a:blip r:embed="rId12">
+              <a:alphaModFix/>
+            </a:blip>
+            <a:stretch>
+              <a:fillRect/>
+            </a:stretch>
+          </p:blipFill>
+          <p:spPr>
+            <a:xfrm>
+              <a:off x="3408521" y="4012599"/>
+              <a:ext cx="573367" cy="798867"/>
+            </a:xfrm>
+            <a:prstGeom prst="rect">
+              <a:avLst/>
+            </a:prstGeom>
+            <a:noFill/>
+            <a:ln>
+              <a:noFill/>
+            </a:ln>
+          </p:spPr>
+        </p:pic>
+        <p:sp>
+          <p:nvSpPr>
+            <p:cNvPr id="128" name="Google Shape;128;p19"/>
+            <p:cNvSpPr/>
+            <p:nvPr/>
+          </p:nvSpPr>
+          <p:spPr>
+            <a:xfrm>
+              <a:off x="2455277" y="1330393"/>
+              <a:ext cx="254400" cy="635600"/>
+            </a:xfrm>
+            <a:prstGeom prst="upDownArrow">
+              <a:avLst>
+                <a:gd name="adj1" fmla="val 50000"/>
+                <a:gd name="adj2" fmla="val 50000"/>
+              </a:avLst>
+            </a:prstGeom>
+            <a:gradFill>
+              <a:gsLst>
+                <a:gs pos="0">
+                  <a:schemeClr val="accent4"/>
+                </a:gs>
+                <a:gs pos="100000">
+                  <a:srgbClr val="00FFFF">
+                    <a:alpha val="0"/>
+                  </a:srgbClr>
+                </a:gs>
+              </a:gsLst>
+              <a:lin ang="5400012" scaled="0"/>
+            </a:gradFill>
+            <a:ln>
+              <a:noFill/>
+            </a:ln>
+          </p:spPr>
+          <p:txBody>
+            <a:bodyPr spcFirstLastPara="1" wrap="square" lIns="121900" tIns="121900" rIns="121900" bIns="121900" anchor="ctr" anchorCtr="0">
+              <a:noAutofit/>
+            </a:bodyPr>
+            <a:lstStyle/>
+            <a:p>
+              <a:pPr marL="0" marR="0" lvl="0" indent="0" algn="l" defTabSz="914400" rtl="0" eaLnBrk="1" fontAlgn="auto" latinLnBrk="0" hangingPunct="1">
+                <a:lnSpc>
+                  <a:spcPct val="100000"/>
+                </a:lnSpc>
+                <a:spcBef>
+                  <a:spcPts val="0"/>
+                </a:spcBef>
+                <a:spcAft>
+                  <a:spcPts val="0"/>
+                </a:spcAft>
+                <a:buClrTx/>
+                <a:buSzTx/>
+                <a:buFontTx/>
+                <a:buNone/>
+                <a:tabLst/>
+                <a:defRPr/>
+              </a:pPr>
+              <a:endParaRPr kumimoji="0" sz="1800" b="0" i="0" u="none" strike="noStrike" kern="1200" cap="none" spc="0" normalizeH="0" baseline="0" noProof="0">
+                <a:ln>
+                  <a:noFill/>
+                </a:ln>
+                <a:solidFill>
+                  <a:srgbClr val="050060"/>
+                </a:solidFill>
+                <a:effectLst/>
+                <a:uLnTx/>
+                <a:uFillTx/>
+                <a:latin typeface="Arial"/>
+                <a:ea typeface="+mn-ea"/>
+                <a:cs typeface="+mn-cs"/>
+              </a:endParaRPr>
+            </a:p>
+          </p:txBody>
+        </p:sp>
+      </p:grpSp>
+      <p:pic>
+        <p:nvPicPr>
+          <p:cNvPr id="23" name="Image 22">
+            <a:extLst>
+              <a:ext uri="{FF2B5EF4-FFF2-40B4-BE49-F238E27FC236}">
+                <a16:creationId xmlns:a16="http://schemas.microsoft.com/office/drawing/2014/main" id="{D65FDD0B-5902-4EC6-8AFB-920B0BAA13AD}"/>
+              </a:ext>
+            </a:extLst>
+          </p:cNvPr>
+          <p:cNvPicPr>
+            <a:picLocks noChangeAspect="1"/>
+          </p:cNvPicPr>
+          <p:nvPr/>
+        </p:nvPicPr>
+        <p:blipFill>
+          <a:blip r:embed="rId13" cstate="print">
+            <a:extLst>
+              <a:ext uri="{28A0092B-C50C-407E-A947-70E740481C1C}">
+                <a14:useLocalDpi xmlns:a14="http://schemas.microsoft.com/office/drawing/2010/main" val="0"/>
+              </a:ext>
+            </a:extLst>
+          </a:blip>
+          <a:stretch>
+            <a:fillRect/>
+          </a:stretch>
+        </p:blipFill>
+        <p:spPr>
+          <a:xfrm>
+            <a:off x="10096471" y="5979429"/>
+            <a:ext cx="1364780" cy="707411"/>
+          </a:xfrm>
+          <a:prstGeom prst="rect">
+            <a:avLst/>
+          </a:prstGeom>
+        </p:spPr>
+      </p:pic>
+      <p:pic>
+        <p:nvPicPr>
+          <p:cNvPr id="2" name="Picture 2" descr="Une image contenant texte&#10;&#10;Description générée automatiquement">
+            <a:extLst>
+              <a:ext uri="{FF2B5EF4-FFF2-40B4-BE49-F238E27FC236}">
+                <a16:creationId xmlns:a16="http://schemas.microsoft.com/office/drawing/2014/main" id="{AC775FCD-BD95-42B7-B3BC-4D29A9586EBB}"/>
+              </a:ext>
+            </a:extLst>
+          </p:cNvPr>
+          <p:cNvPicPr>
+            <a:picLocks noChangeAspect="1" noChangeArrowheads="1"/>
+          </p:cNvPicPr>
+          <p:nvPr/>
+        </p:nvPicPr>
+        <p:blipFill>
+          <a:blip r:embed="rId14" cstate="print">
+            <a:extLst>
+              <a:ext uri="{28A0092B-C50C-407E-A947-70E740481C1C}">
+                <a14:useLocalDpi xmlns:a14="http://schemas.microsoft.com/office/drawing/2010/main" val="0"/>
+              </a:ext>
+            </a:extLst>
+          </a:blip>
+          <a:srcRect/>
+          <a:stretch>
+            <a:fillRect/>
+          </a:stretch>
+        </p:blipFill>
+        <p:spPr bwMode="auto">
+          <a:xfrm>
+            <a:off x="8778496" y="20008"/>
+            <a:ext cx="3135582" cy="944349"/>
+          </a:xfrm>
+          <a:prstGeom prst="rect">
+            <a:avLst/>
+          </a:prstGeom>
+          <a:noFill/>
+          <a:extLst>
+            <a:ext uri="{909E8E84-426E-40DD-AFC4-6F175D3DCCD1}">
+              <a14:hiddenFill xmlns:a14="http://schemas.microsoft.com/office/drawing/2010/main">
+                <a:solidFill>
+                  <a:srgbClr val="FFFFFF"/>
+                </a:solidFill>
+              </a14:hiddenFill>
+            </a:ext>
+          </a:extLst>
+        </p:spPr>
+      </p:pic>
+      <p:sp>
+        <p:nvSpPr>
+          <p:cNvPr id="3" name="Espace réservé du texte 5">
+            <a:extLst>
+              <a:ext uri="{FF2B5EF4-FFF2-40B4-BE49-F238E27FC236}">
+                <a16:creationId xmlns:a16="http://schemas.microsoft.com/office/drawing/2014/main" id="{86710141-4D31-499F-B72C-6A10DECA9E8E}"/>
+              </a:ext>
+            </a:extLst>
+          </p:cNvPr>
+          <p:cNvSpPr txBox="1">
+            <a:spLocks/>
+          </p:cNvSpPr>
+          <p:nvPr/>
+        </p:nvSpPr>
+        <p:spPr>
+          <a:xfrm>
+            <a:off x="3839681" y="118244"/>
+            <a:ext cx="5580800" cy="1097806"/>
+          </a:xfrm>
+          <a:prstGeom prst="rect">
+            <a:avLst/>
+          </a:prstGeom>
+        </p:spPr>
+        <p:txBody>
+          <a:bodyPr lIns="91440" tIns="45720" rIns="91440" bIns="45720" anchor="t"/>
+          <a:lstStyle>
+            <a:defPPr marR="0" lvl="0" algn="l" rtl="0">
+              <a:lnSpc>
+                <a:spcPct val="100000"/>
+              </a:lnSpc>
+              <a:spcBef>
+                <a:spcPts val="0"/>
+              </a:spcBef>
+              <a:spcAft>
+                <a:spcPts val="0"/>
+              </a:spcAft>
+            </a:defPPr>
+            <a:lvl1pPr marR="0" lvl="0" algn="l" rtl="0">
+              <a:lnSpc>
+                <a:spcPct val="100000"/>
+              </a:lnSpc>
+              <a:spcBef>
+                <a:spcPts val="0"/>
+              </a:spcBef>
+              <a:spcAft>
+                <a:spcPts val="0"/>
+              </a:spcAft>
+              <a:buClr>
+                <a:srgbClr val="000000"/>
+              </a:buClr>
+              <a:buFont typeface="Arial"/>
+              <a:defRPr sz="1900" b="0" i="0" u="none" strike="noStrike" cap="none">
+                <a:solidFill>
+                  <a:srgbClr val="000000"/>
+                </a:solidFill>
+                <a:latin typeface="Arial"/>
+                <a:ea typeface="Arial"/>
+                <a:cs typeface="Arial"/>
+                <a:sym typeface="Arial"/>
+              </a:defRPr>
+            </a:lvl1pPr>
+            <a:lvl2pPr marR="0" lvl="1" algn="l" rtl="0">
+              <a:lnSpc>
+                <a:spcPct val="100000"/>
+              </a:lnSpc>
+              <a:spcBef>
+                <a:spcPts val="0"/>
+              </a:spcBef>
+              <a:spcAft>
+                <a:spcPts val="0"/>
+              </a:spcAft>
+              <a:buClr>
+                <a:srgbClr val="000000"/>
+              </a:buClr>
+              <a:buFont typeface="Arial"/>
+              <a:defRPr sz="1900" b="0" i="0" u="none" strike="noStrike" cap="none">
+                <a:solidFill>
+                  <a:srgbClr val="000000"/>
+                </a:solidFill>
+                <a:latin typeface="Arial"/>
+                <a:ea typeface="Arial"/>
+                <a:cs typeface="Arial"/>
+                <a:sym typeface="Arial"/>
+              </a:defRPr>
+            </a:lvl2pPr>
+            <a:lvl3pPr marR="0" lvl="2" algn="l" rtl="0">
+              <a:lnSpc>
+                <a:spcPct val="100000"/>
+              </a:lnSpc>
+              <a:spcBef>
+                <a:spcPts val="0"/>
+              </a:spcBef>
+              <a:spcAft>
+                <a:spcPts val="0"/>
+              </a:spcAft>
+              <a:buClr>
+                <a:srgbClr val="000000"/>
+              </a:buClr>
+              <a:buFont typeface="Arial"/>
+              <a:defRPr sz="1900" b="0" i="0" u="none" strike="noStrike" cap="none">
+                <a:solidFill>
+                  <a:srgbClr val="000000"/>
+                </a:solidFill>
+                <a:latin typeface="Arial"/>
+                <a:ea typeface="Arial"/>
+                <a:cs typeface="Arial"/>
+                <a:sym typeface="Arial"/>
+              </a:defRPr>
+            </a:lvl3pPr>
+            <a:lvl4pPr marR="0" lvl="3" algn="l" rtl="0">
+              <a:lnSpc>
+                <a:spcPct val="100000"/>
+              </a:lnSpc>
+              <a:spcBef>
+                <a:spcPts val="0"/>
+              </a:spcBef>
+              <a:spcAft>
+                <a:spcPts val="0"/>
+              </a:spcAft>
+              <a:buClr>
+                <a:srgbClr val="000000"/>
+              </a:buClr>
+              <a:buFont typeface="Arial"/>
+              <a:defRPr sz="1900" b="0" i="0" u="none" strike="noStrike" cap="none">
+                <a:solidFill>
+                  <a:srgbClr val="000000"/>
+                </a:solidFill>
+                <a:latin typeface="Arial"/>
+                <a:ea typeface="Arial"/>
+                <a:cs typeface="Arial"/>
+                <a:sym typeface="Arial"/>
+              </a:defRPr>
+            </a:lvl4pPr>
+            <a:lvl5pPr marR="0" lvl="4" algn="l" rtl="0">
+              <a:lnSpc>
+                <a:spcPct val="100000"/>
+              </a:lnSpc>
+              <a:spcBef>
+                <a:spcPts val="0"/>
+              </a:spcBef>
+              <a:spcAft>
+                <a:spcPts val="0"/>
+              </a:spcAft>
+              <a:buClr>
+                <a:srgbClr val="000000"/>
+              </a:buClr>
+              <a:buFont typeface="Arial"/>
+              <a:defRPr sz="1900" b="0" i="0" u="none" strike="noStrike" cap="none">
+                <a:solidFill>
+                  <a:srgbClr val="000000"/>
+                </a:solidFill>
+                <a:latin typeface="Arial"/>
+                <a:ea typeface="Arial"/>
+                <a:cs typeface="Arial"/>
+                <a:sym typeface="Arial"/>
+              </a:defRPr>
+            </a:lvl5pPr>
+            <a:lvl6pPr marR="0" lvl="5" algn="l" rtl="0">
+              <a:lnSpc>
+                <a:spcPct val="100000"/>
+              </a:lnSpc>
+              <a:spcBef>
+                <a:spcPts val="0"/>
+              </a:spcBef>
+              <a:spcAft>
+                <a:spcPts val="0"/>
+              </a:spcAft>
+              <a:buClr>
+                <a:srgbClr val="000000"/>
+              </a:buClr>
+              <a:buFont typeface="Arial"/>
+              <a:defRPr sz="1900" b="0" i="0" u="none" strike="noStrike" cap="none">
+                <a:solidFill>
+                  <a:srgbClr val="000000"/>
+                </a:solidFill>
+                <a:latin typeface="Arial"/>
+                <a:ea typeface="Arial"/>
+                <a:cs typeface="Arial"/>
+                <a:sym typeface="Arial"/>
+              </a:defRPr>
+            </a:lvl6pPr>
+            <a:lvl7pPr marR="0" lvl="6" algn="l" rtl="0">
+              <a:lnSpc>
+                <a:spcPct val="100000"/>
+              </a:lnSpc>
+              <a:spcBef>
+                <a:spcPts val="0"/>
+              </a:spcBef>
+              <a:spcAft>
+                <a:spcPts val="0"/>
+              </a:spcAft>
+              <a:buClr>
+                <a:srgbClr val="000000"/>
+              </a:buClr>
+              <a:buFont typeface="Arial"/>
+              <a:defRPr sz="1900" b="0" i="0" u="none" strike="noStrike" cap="none">
+                <a:solidFill>
+                  <a:srgbClr val="000000"/>
+                </a:solidFill>
+                <a:latin typeface="Arial"/>
+                <a:ea typeface="Arial"/>
+                <a:cs typeface="Arial"/>
+                <a:sym typeface="Arial"/>
+              </a:defRPr>
+            </a:lvl7pPr>
+            <a:lvl8pPr marR="0" lvl="7" algn="l" rtl="0">
+              <a:lnSpc>
+                <a:spcPct val="100000"/>
+              </a:lnSpc>
+              <a:spcBef>
+                <a:spcPts val="0"/>
+              </a:spcBef>
+              <a:spcAft>
+                <a:spcPts val="0"/>
+              </a:spcAft>
+              <a:buClr>
+                <a:srgbClr val="000000"/>
+              </a:buClr>
+              <a:buFont typeface="Arial"/>
+              <a:defRPr sz="1900" b="0" i="0" u="none" strike="noStrike" cap="none">
+                <a:solidFill>
+                  <a:srgbClr val="000000"/>
+                </a:solidFill>
+                <a:latin typeface="Arial"/>
+                <a:ea typeface="Arial"/>
+                <a:cs typeface="Arial"/>
+                <a:sym typeface="Arial"/>
+              </a:defRPr>
+            </a:lvl8pPr>
+            <a:lvl9pPr marR="0" lvl="8" algn="l" rtl="0">
+              <a:lnSpc>
+                <a:spcPct val="100000"/>
+              </a:lnSpc>
+              <a:spcBef>
+                <a:spcPts val="0"/>
+              </a:spcBef>
+              <a:spcAft>
+                <a:spcPts val="0"/>
+              </a:spcAft>
+              <a:buClr>
+                <a:srgbClr val="000000"/>
+              </a:buClr>
+              <a:buFont typeface="Arial"/>
+              <a:defRPr sz="1900" b="0" i="0" u="none" strike="noStrike" cap="none">
+                <a:solidFill>
+                  <a:srgbClr val="000000"/>
+                </a:solidFill>
+                <a:latin typeface="Arial"/>
+                <a:ea typeface="Arial"/>
+                <a:cs typeface="Arial"/>
+                <a:sym typeface="Arial"/>
+              </a:defRPr>
+            </a:lvl9pPr>
+          </a:lstStyle>
+          <a:p>
+            <a:pPr marL="50165"/>
+            <a:r>
+              <a:rPr lang="fr-FR" sz="4000" b="1" kern="0" dirty="0">
+                <a:solidFill>
+                  <a:schemeClr val="bg1"/>
+                </a:solidFill>
+              </a:rPr>
+              <a:t>4) </a:t>
+            </a:r>
+            <a:r>
+              <a:rPr lang="en-GB" sz="4000" b="1" kern="0" dirty="0">
+                <a:solidFill>
+                  <a:schemeClr val="bg1"/>
+                </a:solidFill>
+              </a:rPr>
+              <a:t>Deep learning : </a:t>
+            </a:r>
+          </a:p>
+          <a:p>
+            <a:pPr marL="50165"/>
+            <a:r>
+              <a:rPr lang="en-GB" sz="4000" b="1" kern="0" dirty="0">
+                <a:solidFill>
+                  <a:schemeClr val="bg1"/>
+                </a:solidFill>
+              </a:rPr>
+              <a:t>CNN &amp; RNN </a:t>
+            </a:r>
+          </a:p>
+        </p:txBody>
+      </p:sp>
+      <p:pic>
+        <p:nvPicPr>
+          <p:cNvPr id="7" name="Image 6">
+            <a:extLst>
+              <a:ext uri="{FF2B5EF4-FFF2-40B4-BE49-F238E27FC236}">
+                <a16:creationId xmlns:a16="http://schemas.microsoft.com/office/drawing/2014/main" id="{02F79E3E-E4DB-481D-84B7-A1D91EBF868C}"/>
+              </a:ext>
+            </a:extLst>
+          </p:cNvPr>
+          <p:cNvPicPr>
+            <a:picLocks noChangeAspect="1"/>
+          </p:cNvPicPr>
+          <p:nvPr/>
+        </p:nvPicPr>
+        <p:blipFill>
+          <a:blip r:embed="rId15"/>
+          <a:stretch>
+            <a:fillRect/>
+          </a:stretch>
+        </p:blipFill>
+        <p:spPr>
+          <a:xfrm>
+            <a:off x="5824895" y="1622126"/>
+            <a:ext cx="5848350" cy="1933575"/>
+          </a:xfrm>
+          <a:prstGeom prst="rect">
+            <a:avLst/>
+          </a:prstGeom>
+        </p:spPr>
+      </p:pic>
+      <p:sp>
+        <p:nvSpPr>
+          <p:cNvPr id="28" name="ZoneTexte 27">
+            <a:extLst>
+              <a:ext uri="{FF2B5EF4-FFF2-40B4-BE49-F238E27FC236}">
+                <a16:creationId xmlns:a16="http://schemas.microsoft.com/office/drawing/2014/main" id="{FA5284FF-8732-4B48-8A6F-ED666AD44FF7}"/>
+              </a:ext>
+            </a:extLst>
+          </p:cNvPr>
+          <p:cNvSpPr txBox="1"/>
+          <p:nvPr/>
+        </p:nvSpPr>
+        <p:spPr>
+          <a:xfrm>
+            <a:off x="72287" y="5078648"/>
+            <a:ext cx="8676783" cy="400110"/>
+          </a:xfrm>
+          <a:prstGeom prst="rect">
+            <a:avLst/>
+          </a:prstGeom>
+          <a:noFill/>
+        </p:spPr>
+        <p:txBody>
+          <a:bodyPr wrap="square" rtlCol="0">
+            <a:spAutoFit/>
+          </a:bodyPr>
+          <a:lstStyle/>
+          <a:p>
+            <a:r>
+              <a:rPr lang="fr-FR" b="1" dirty="0" err="1">
+                <a:solidFill>
+                  <a:schemeClr val="bg1"/>
+                </a:solidFill>
+              </a:rPr>
+              <a:t>RandomSearchCV</a:t>
+            </a:r>
+            <a:r>
+              <a:rPr lang="fr-FR" b="1" dirty="0">
+                <a:solidFill>
+                  <a:schemeClr val="bg1"/>
+                </a:solidFill>
+              </a:rPr>
+              <a:t> </a:t>
+            </a:r>
+            <a:r>
+              <a:rPr lang="fr-FR" b="1" dirty="0">
+                <a:solidFill>
+                  <a:schemeClr val="bg1"/>
+                </a:solidFill>
+                <a:sym typeface="Wingdings" panose="05000000000000000000" pitchFamily="2" charset="2"/>
+              </a:rPr>
+              <a:t></a:t>
+            </a:r>
+            <a:r>
+              <a:rPr lang="fr-FR" sz="2000" dirty="0">
+                <a:solidFill>
+                  <a:schemeClr val="bg1"/>
+                </a:solidFill>
+                <a:sym typeface="Wingdings" panose="05000000000000000000" pitchFamily="2" charset="2"/>
+              </a:rPr>
+              <a:t>, </a:t>
+            </a:r>
+            <a:r>
+              <a:rPr lang="fr-FR" sz="2000" b="1" dirty="0">
+                <a:solidFill>
+                  <a:schemeClr val="bg1"/>
+                </a:solidFill>
+                <a:sym typeface="Wingdings" panose="05000000000000000000" pitchFamily="2" charset="2"/>
+              </a:rPr>
+              <a:t>LN, </a:t>
+            </a:r>
+            <a:r>
+              <a:rPr lang="fr-FR" sz="2000" b="1" dirty="0" err="1">
+                <a:solidFill>
+                  <a:schemeClr val="bg1"/>
+                </a:solidFill>
+                <a:sym typeface="Wingdings" panose="05000000000000000000" pitchFamily="2" charset="2"/>
+              </a:rPr>
+              <a:t>Optimizer</a:t>
+            </a:r>
+            <a:r>
+              <a:rPr lang="fr-FR" sz="2000" b="1" dirty="0">
+                <a:solidFill>
+                  <a:schemeClr val="bg1"/>
+                </a:solidFill>
+                <a:sym typeface="Wingdings" panose="05000000000000000000" pitchFamily="2" charset="2"/>
+              </a:rPr>
+              <a:t>, </a:t>
+            </a:r>
+            <a:r>
+              <a:rPr lang="fr-FR" sz="2000" b="1" dirty="0" err="1">
+                <a:solidFill>
+                  <a:schemeClr val="bg1"/>
+                </a:solidFill>
+                <a:sym typeface="Wingdings" panose="05000000000000000000" pitchFamily="2" charset="2"/>
+              </a:rPr>
+              <a:t>Filter</a:t>
+            </a:r>
+            <a:r>
+              <a:rPr lang="fr-FR" sz="2000" b="1" dirty="0">
+                <a:solidFill>
+                  <a:schemeClr val="bg1"/>
+                </a:solidFill>
+                <a:sym typeface="Wingdings" panose="05000000000000000000" pitchFamily="2" charset="2"/>
+              </a:rPr>
+              <a:t>, Kernel, LSTM </a:t>
+            </a:r>
+            <a:r>
+              <a:rPr lang="fr-FR" sz="2000" b="1" dirty="0" err="1">
+                <a:solidFill>
+                  <a:schemeClr val="bg1"/>
+                </a:solidFill>
+                <a:sym typeface="Wingdings" panose="05000000000000000000" pitchFamily="2" charset="2"/>
+              </a:rPr>
+              <a:t>units</a:t>
+            </a:r>
+            <a:r>
+              <a:rPr lang="fr-FR" dirty="0"/>
+              <a:t> </a:t>
+            </a:r>
+          </a:p>
+        </p:txBody>
+      </p:sp>
+    </p:spTree>
+    <p:extLst>
+      <p:ext uri="{BB962C8B-B14F-4D97-AF65-F5344CB8AC3E}">
+        <p14:creationId xmlns:p14="http://schemas.microsoft.com/office/powerpoint/2010/main" val="1783973792"/>
+      </p:ext>
+    </p:extLst>
+  </p:cSld>
+  <p:clrMapOvr>
+    <a:masterClrMapping/>
+  </p:clrMapOvr>
+  <p:transition spd="med">
+    <p:fade/>
+  </p:transition>
+</p:sld>
+</file>
+
+<file path=ppt/slides/slide16.xml><?xml version="1.0" encoding="utf-8"?>
+<p:sld xmlns:a="http://schemas.openxmlformats.org/drawingml/2006/main" xmlns:r="http://schemas.openxmlformats.org/officeDocument/2006/relationships" xmlns:p="http://schemas.openxmlformats.org/presentationml/2006/main">
+  <p:cSld>
+    <p:spTree>
+      <p:nvGrpSpPr>
+        <p:cNvPr id="1" name="Shape 109"/>
+        <p:cNvGrpSpPr/>
+        <p:nvPr/>
+      </p:nvGrpSpPr>
+      <p:grpSpPr>
+        <a:xfrm>
+          <a:off x="0" y="0"/>
+          <a:ext cx="0" cy="0"/>
+          <a:chOff x="0" y="0"/>
+          <a:chExt cx="0" cy="0"/>
+        </a:xfrm>
+      </p:grpSpPr>
+      <p:sp>
+        <p:nvSpPr>
+          <p:cNvPr id="113" name="Google Shape;113;p19"/>
+          <p:cNvSpPr txBox="1">
+            <a:spLocks noGrp="1"/>
+          </p:cNvSpPr>
+          <p:nvPr>
+            <p:ph type="sldNum" idx="12"/>
+          </p:nvPr>
+        </p:nvSpPr>
+        <p:spPr>
+          <a:xfrm>
+            <a:off x="11307445" y="6333135"/>
+            <a:ext cx="731600" cy="524800"/>
+          </a:xfrm>
+          <a:prstGeom prst="rect">
+            <a:avLst/>
+          </a:prstGeom>
+        </p:spPr>
+        <p:txBody>
+          <a:bodyPr spcFirstLastPara="1" wrap="square" lIns="0" tIns="0" rIns="0" bIns="0" anchor="ctr" anchorCtr="0">
+            <a:noAutofit/>
+          </a:bodyPr>
+          <a:lstStyle/>
+          <a:p>
+            <a:pPr marL="0" marR="0" lvl="0" indent="0" algn="r" defTabSz="914400" rtl="0" eaLnBrk="1" fontAlgn="auto" latinLnBrk="0" hangingPunct="1">
+              <a:lnSpc>
+                <a:spcPct val="100000"/>
+              </a:lnSpc>
+              <a:spcBef>
+                <a:spcPts val="0"/>
+              </a:spcBef>
+              <a:spcAft>
+                <a:spcPts val="0"/>
+              </a:spcAft>
+              <a:buClrTx/>
+              <a:buSzTx/>
+              <a:buFontTx/>
+              <a:buNone/>
+              <a:tabLst/>
+              <a:defRPr/>
+            </a:pPr>
+            <a:fld id="{00000000-1234-1234-1234-123412341234}" type="slidenum">
+              <a:rPr kumimoji="0" lang="en" sz="1700" b="0" i="0" u="none" strike="noStrike" kern="1200" cap="none" spc="0" normalizeH="0" baseline="0" noProof="0">
+                <a:ln>
+                  <a:noFill/>
+                </a:ln>
+                <a:solidFill>
+                  <a:srgbClr val="FFFFFF"/>
+                </a:solidFill>
+                <a:effectLst/>
+                <a:uLnTx/>
+                <a:uFillTx/>
+                <a:latin typeface="Lexend Deca"/>
+                <a:sym typeface="Lexend Deca"/>
+              </a:rPr>
+              <a:pPr marL="0" marR="0" lvl="0" indent="0" algn="r" defTabSz="914400" rtl="0" eaLnBrk="1" fontAlgn="auto" latinLnBrk="0" hangingPunct="1">
+                <a:lnSpc>
+                  <a:spcPct val="100000"/>
+                </a:lnSpc>
+                <a:spcBef>
+                  <a:spcPts val="0"/>
+                </a:spcBef>
+                <a:spcAft>
+                  <a:spcPts val="0"/>
+                </a:spcAft>
+                <a:buClrTx/>
+                <a:buSzTx/>
+                <a:buFontTx/>
+                <a:buNone/>
+                <a:tabLst/>
+                <a:defRPr/>
+              </a:pPr>
+              <a:t>16</a:t>
+            </a:fld>
+            <a:endParaRPr kumimoji="0" sz="1700" b="0" i="0" u="none" strike="noStrike" kern="1200" cap="none" spc="0" normalizeH="0" baseline="0" noProof="0">
+              <a:ln>
+                <a:noFill/>
+              </a:ln>
+              <a:solidFill>
+                <a:srgbClr val="FFFFFF"/>
+              </a:solidFill>
+              <a:effectLst/>
+              <a:uLnTx/>
+              <a:uFillTx/>
+              <a:latin typeface="Lexend Deca"/>
+              <a:sym typeface="Lexend Deca"/>
+            </a:endParaRPr>
+          </a:p>
+        </p:txBody>
+      </p:sp>
+      <p:grpSp>
+        <p:nvGrpSpPr>
+          <p:cNvPr id="5" name="Groupe 4">
+            <a:extLst>
+              <a:ext uri="{FF2B5EF4-FFF2-40B4-BE49-F238E27FC236}">
+                <a16:creationId xmlns:a16="http://schemas.microsoft.com/office/drawing/2014/main" id="{897ED689-D191-4C4E-BD05-E326AF61DBBF}"/>
+              </a:ext>
+            </a:extLst>
+          </p:cNvPr>
+          <p:cNvGrpSpPr/>
+          <p:nvPr/>
+        </p:nvGrpSpPr>
+        <p:grpSpPr>
+          <a:xfrm>
+            <a:off x="247976" y="320016"/>
+            <a:ext cx="3543120" cy="3108984"/>
+            <a:chOff x="152084" y="145046"/>
+            <a:chExt cx="5122429" cy="4666420"/>
+          </a:xfrm>
+        </p:grpSpPr>
+        <p:pic>
+          <p:nvPicPr>
+            <p:cNvPr id="110" name="Google Shape;110;p19"/>
+            <p:cNvPicPr preferRelativeResize="0"/>
+            <p:nvPr/>
+          </p:nvPicPr>
+          <p:blipFill>
+            <a:blip r:embed="rId3">
+              <a:alphaModFix/>
+            </a:blip>
+            <a:stretch>
+              <a:fillRect/>
+            </a:stretch>
+          </p:blipFill>
+          <p:spPr>
+            <a:xfrm>
+              <a:off x="1250032" y="2084809"/>
+              <a:ext cx="2689993" cy="1612333"/>
+            </a:xfrm>
+            <a:prstGeom prst="rect">
+              <a:avLst/>
+            </a:prstGeom>
+            <a:noFill/>
+            <a:ln>
+              <a:noFill/>
+            </a:ln>
+          </p:spPr>
+        </p:pic>
+        <p:pic>
+          <p:nvPicPr>
+            <p:cNvPr id="114" name="Google Shape;114;p19"/>
+            <p:cNvPicPr preferRelativeResize="0"/>
+            <p:nvPr/>
+          </p:nvPicPr>
+          <p:blipFill>
+            <a:blip r:embed="rId4">
+              <a:alphaModFix/>
+            </a:blip>
+            <a:stretch>
+              <a:fillRect/>
+            </a:stretch>
+          </p:blipFill>
+          <p:spPr>
+            <a:xfrm>
+              <a:off x="152084" y="1049353"/>
+              <a:ext cx="642533" cy="740367"/>
+            </a:xfrm>
+            <a:prstGeom prst="rect">
+              <a:avLst/>
+            </a:prstGeom>
+            <a:noFill/>
+            <a:ln>
+              <a:noFill/>
+            </a:ln>
+          </p:spPr>
+        </p:pic>
+        <p:pic>
+          <p:nvPicPr>
+            <p:cNvPr id="115" name="Google Shape;115;p19"/>
+            <p:cNvPicPr preferRelativeResize="0"/>
+            <p:nvPr/>
+          </p:nvPicPr>
+          <p:blipFill>
+            <a:blip r:embed="rId5">
+              <a:alphaModFix/>
+            </a:blip>
+            <a:stretch>
+              <a:fillRect/>
+            </a:stretch>
+          </p:blipFill>
+          <p:spPr>
+            <a:xfrm>
+              <a:off x="395722" y="1211611"/>
+              <a:ext cx="642533" cy="740367"/>
+            </a:xfrm>
+            <a:prstGeom prst="rect">
+              <a:avLst/>
+            </a:prstGeom>
+            <a:noFill/>
+            <a:ln>
+              <a:noFill/>
+            </a:ln>
+          </p:spPr>
+        </p:pic>
+        <p:pic>
+          <p:nvPicPr>
+            <p:cNvPr id="116" name="Google Shape;116;p19"/>
+            <p:cNvPicPr preferRelativeResize="0"/>
+            <p:nvPr/>
+          </p:nvPicPr>
+          <p:blipFill>
+            <a:blip r:embed="rId6">
+              <a:alphaModFix/>
+            </a:blip>
+            <a:stretch>
+              <a:fillRect/>
+            </a:stretch>
+          </p:blipFill>
+          <p:spPr>
+            <a:xfrm>
+              <a:off x="1841510" y="2030244"/>
+              <a:ext cx="1481963" cy="1282551"/>
+            </a:xfrm>
+            <a:prstGeom prst="rect">
+              <a:avLst/>
+            </a:prstGeom>
+            <a:noFill/>
+            <a:ln>
+              <a:noFill/>
+            </a:ln>
+          </p:spPr>
+        </p:pic>
+        <p:pic>
+          <p:nvPicPr>
+            <p:cNvPr id="117" name="Google Shape;117;p19"/>
+            <p:cNvPicPr preferRelativeResize="0"/>
+            <p:nvPr/>
+          </p:nvPicPr>
+          <p:blipFill>
+            <a:blip r:embed="rId6">
+              <a:alphaModFix/>
+            </a:blip>
+            <a:stretch>
+              <a:fillRect/>
+            </a:stretch>
+          </p:blipFill>
+          <p:spPr>
+            <a:xfrm>
+              <a:off x="1841510" y="1506823"/>
+              <a:ext cx="1481963" cy="1282551"/>
+            </a:xfrm>
+            <a:prstGeom prst="rect">
+              <a:avLst/>
+            </a:prstGeom>
+            <a:noFill/>
+            <a:ln>
+              <a:noFill/>
+            </a:ln>
+          </p:spPr>
+        </p:pic>
+        <p:pic>
+          <p:nvPicPr>
+            <p:cNvPr id="118" name="Google Shape;118;p19"/>
+            <p:cNvPicPr preferRelativeResize="0"/>
+            <p:nvPr/>
+          </p:nvPicPr>
+          <p:blipFill>
+            <a:blip r:embed="rId7">
+              <a:alphaModFix/>
+            </a:blip>
+            <a:stretch>
+              <a:fillRect/>
+            </a:stretch>
+          </p:blipFill>
+          <p:spPr>
+            <a:xfrm>
+              <a:off x="1752158" y="145046"/>
+              <a:ext cx="1660667" cy="1066589"/>
+            </a:xfrm>
+            <a:prstGeom prst="rect">
+              <a:avLst/>
+            </a:prstGeom>
+            <a:noFill/>
+            <a:ln>
+              <a:noFill/>
+            </a:ln>
+          </p:spPr>
+        </p:pic>
+        <p:pic>
+          <p:nvPicPr>
+            <p:cNvPr id="119" name="Google Shape;119;p19"/>
+            <p:cNvPicPr preferRelativeResize="0"/>
+            <p:nvPr/>
+          </p:nvPicPr>
+          <p:blipFill>
+            <a:blip r:embed="rId8">
+              <a:alphaModFix/>
+            </a:blip>
+            <a:stretch>
+              <a:fillRect/>
+            </a:stretch>
+          </p:blipFill>
+          <p:spPr>
+            <a:xfrm>
+              <a:off x="4143213" y="1359076"/>
+              <a:ext cx="1131300" cy="740367"/>
+            </a:xfrm>
+            <a:prstGeom prst="rect">
+              <a:avLst/>
+            </a:prstGeom>
+            <a:noFill/>
+            <a:ln>
+              <a:noFill/>
+            </a:ln>
+          </p:spPr>
+        </p:pic>
+        <p:cxnSp>
+          <p:nvCxnSpPr>
+            <p:cNvPr id="120" name="Google Shape;120;p19"/>
+            <p:cNvCxnSpPr/>
+            <p:nvPr/>
+          </p:nvCxnSpPr>
+          <p:spPr>
+            <a:xfrm>
+              <a:off x="2928691" y="3628252"/>
+              <a:ext cx="885600" cy="511200"/>
+            </a:xfrm>
+            <a:prstGeom prst="straightConnector1">
+              <a:avLst/>
+            </a:prstGeom>
+            <a:noFill/>
+            <a:ln w="19050" cap="rnd" cmpd="sng">
+              <a:solidFill>
+                <a:schemeClr val="accent3"/>
+              </a:solidFill>
+              <a:prstDash val="dash"/>
+              <a:round/>
+              <a:headEnd type="none" w="med" len="med"/>
+              <a:tailEnd type="none" w="med" len="med"/>
+            </a:ln>
+          </p:spPr>
+        </p:cxnSp>
+        <p:cxnSp>
+          <p:nvCxnSpPr>
+            <p:cNvPr id="121" name="Google Shape;121;p19"/>
+            <p:cNvCxnSpPr/>
+            <p:nvPr/>
+          </p:nvCxnSpPr>
+          <p:spPr>
+            <a:xfrm>
+              <a:off x="850243" y="1850377"/>
+              <a:ext cx="746400" cy="430800"/>
+            </a:xfrm>
+            <a:prstGeom prst="straightConnector1">
+              <a:avLst/>
+            </a:prstGeom>
+            <a:noFill/>
+            <a:ln w="19050" cap="rnd" cmpd="sng">
+              <a:solidFill>
+                <a:schemeClr val="accent6"/>
+              </a:solidFill>
+              <a:prstDash val="dash"/>
+              <a:round/>
+              <a:headEnd type="none" w="med" len="med"/>
+              <a:tailEnd type="none" w="med" len="med"/>
+            </a:ln>
+          </p:spPr>
+        </p:cxnSp>
+        <p:pic>
+          <p:nvPicPr>
+            <p:cNvPr id="122" name="Google Shape;122;p19"/>
+            <p:cNvPicPr preferRelativeResize="0"/>
+            <p:nvPr/>
+          </p:nvPicPr>
+          <p:blipFill>
+            <a:blip r:embed="rId9">
+              <a:alphaModFix/>
+            </a:blip>
+            <a:stretch>
+              <a:fillRect/>
+            </a:stretch>
+          </p:blipFill>
+          <p:spPr>
+            <a:xfrm>
+              <a:off x="4573527" y="964348"/>
+              <a:ext cx="254288" cy="740367"/>
+            </a:xfrm>
+            <a:prstGeom prst="rect">
+              <a:avLst/>
+            </a:prstGeom>
+            <a:noFill/>
+            <a:ln>
+              <a:noFill/>
+            </a:ln>
+          </p:spPr>
+        </p:pic>
+        <p:cxnSp>
+          <p:nvCxnSpPr>
+            <p:cNvPr id="123" name="Google Shape;123;p19"/>
+            <p:cNvCxnSpPr/>
+            <p:nvPr/>
+          </p:nvCxnSpPr>
+          <p:spPr>
+            <a:xfrm flipH="1">
+              <a:off x="486243" y="3378177"/>
+              <a:ext cx="1248800" cy="721200"/>
+            </a:xfrm>
+            <a:prstGeom prst="straightConnector1">
+              <a:avLst/>
+            </a:prstGeom>
+            <a:noFill/>
+            <a:ln w="19050" cap="rnd" cmpd="sng">
+              <a:solidFill>
+                <a:schemeClr val="accent3"/>
+              </a:solidFill>
+              <a:prstDash val="dash"/>
+              <a:round/>
+              <a:headEnd type="none" w="med" len="med"/>
+              <a:tailEnd type="none" w="med" len="med"/>
+            </a:ln>
+          </p:spPr>
+        </p:cxnSp>
+        <p:cxnSp>
+          <p:nvCxnSpPr>
+            <p:cNvPr id="124" name="Google Shape;124;p19"/>
+            <p:cNvCxnSpPr/>
+            <p:nvPr/>
+          </p:nvCxnSpPr>
+          <p:spPr>
+            <a:xfrm flipH="1">
+              <a:off x="3516443" y="1951977"/>
+              <a:ext cx="746400" cy="430800"/>
+            </a:xfrm>
+            <a:prstGeom prst="straightConnector1">
+              <a:avLst/>
+            </a:prstGeom>
+            <a:noFill/>
+            <a:ln w="19050" cap="rnd" cmpd="sng">
+              <a:solidFill>
+                <a:schemeClr val="accent1"/>
+              </a:solidFill>
+              <a:prstDash val="dash"/>
+              <a:round/>
+              <a:headEnd type="none" w="med" len="med"/>
+              <a:tailEnd type="none" w="med" len="med"/>
+            </a:ln>
+          </p:spPr>
+        </p:cxnSp>
+        <p:pic>
+          <p:nvPicPr>
+            <p:cNvPr id="125" name="Google Shape;125;p19"/>
+            <p:cNvPicPr preferRelativeResize="0"/>
+            <p:nvPr/>
+          </p:nvPicPr>
+          <p:blipFill>
+            <a:blip r:embed="rId10">
+              <a:alphaModFix/>
+            </a:blip>
+            <a:stretch>
+              <a:fillRect/>
+            </a:stretch>
+          </p:blipFill>
+          <p:spPr>
+            <a:xfrm>
+              <a:off x="199961" y="2780722"/>
+              <a:ext cx="1359327" cy="1496001"/>
+            </a:xfrm>
+            <a:prstGeom prst="rect">
+              <a:avLst/>
+            </a:prstGeom>
+            <a:noFill/>
+            <a:ln>
+              <a:noFill/>
+            </a:ln>
+          </p:spPr>
+        </p:pic>
+        <p:pic>
+          <p:nvPicPr>
+            <p:cNvPr id="126" name="Google Shape;126;p19"/>
+            <p:cNvPicPr preferRelativeResize="0"/>
+            <p:nvPr/>
+          </p:nvPicPr>
+          <p:blipFill>
+            <a:blip r:embed="rId11">
+              <a:alphaModFix/>
+            </a:blip>
+            <a:stretch>
+              <a:fillRect/>
+            </a:stretch>
+          </p:blipFill>
+          <p:spPr>
+            <a:xfrm>
+              <a:off x="3864547" y="3669193"/>
+              <a:ext cx="573367" cy="798867"/>
+            </a:xfrm>
+            <a:prstGeom prst="rect">
+              <a:avLst/>
+            </a:prstGeom>
+            <a:noFill/>
+            <a:ln>
+              <a:noFill/>
+            </a:ln>
+          </p:spPr>
+        </p:pic>
+        <p:pic>
+          <p:nvPicPr>
+            <p:cNvPr id="127" name="Google Shape;127;p19"/>
+            <p:cNvPicPr preferRelativeResize="0"/>
+            <p:nvPr/>
+          </p:nvPicPr>
+          <p:blipFill>
+            <a:blip r:embed="rId12">
+              <a:alphaModFix/>
+            </a:blip>
+            <a:stretch>
+              <a:fillRect/>
+            </a:stretch>
+          </p:blipFill>
+          <p:spPr>
+            <a:xfrm>
+              <a:off x="3408521" y="4012599"/>
+              <a:ext cx="573367" cy="798867"/>
+            </a:xfrm>
+            <a:prstGeom prst="rect">
+              <a:avLst/>
+            </a:prstGeom>
+            <a:noFill/>
+            <a:ln>
+              <a:noFill/>
+            </a:ln>
+          </p:spPr>
+        </p:pic>
+        <p:sp>
+          <p:nvSpPr>
+            <p:cNvPr id="128" name="Google Shape;128;p19"/>
+            <p:cNvSpPr/>
+            <p:nvPr/>
+          </p:nvSpPr>
+          <p:spPr>
+            <a:xfrm>
+              <a:off x="2455277" y="1330393"/>
+              <a:ext cx="254400" cy="635600"/>
+            </a:xfrm>
+            <a:prstGeom prst="upDownArrow">
+              <a:avLst>
+                <a:gd name="adj1" fmla="val 50000"/>
+                <a:gd name="adj2" fmla="val 50000"/>
+              </a:avLst>
+            </a:prstGeom>
+            <a:gradFill>
+              <a:gsLst>
+                <a:gs pos="0">
+                  <a:schemeClr val="accent4"/>
+                </a:gs>
+                <a:gs pos="100000">
+                  <a:srgbClr val="00FFFF">
+                    <a:alpha val="0"/>
+                  </a:srgbClr>
+                </a:gs>
+              </a:gsLst>
+              <a:lin ang="5400012" scaled="0"/>
+            </a:gradFill>
+            <a:ln>
+              <a:noFill/>
+            </a:ln>
+          </p:spPr>
+          <p:txBody>
+            <a:bodyPr spcFirstLastPara="1" wrap="square" lIns="121900" tIns="121900" rIns="121900" bIns="121900" anchor="ctr" anchorCtr="0">
+              <a:noAutofit/>
+            </a:bodyPr>
+            <a:lstStyle/>
+            <a:p>
+              <a:pPr marL="0" marR="0" lvl="0" indent="0" algn="l" defTabSz="914400" rtl="0" eaLnBrk="1" fontAlgn="auto" latinLnBrk="0" hangingPunct="1">
+                <a:lnSpc>
+                  <a:spcPct val="100000"/>
+                </a:lnSpc>
+                <a:spcBef>
+                  <a:spcPts val="0"/>
+                </a:spcBef>
+                <a:spcAft>
+                  <a:spcPts val="0"/>
+                </a:spcAft>
+                <a:buClrTx/>
+                <a:buSzTx/>
+                <a:buFontTx/>
+                <a:buNone/>
+                <a:tabLst/>
+                <a:defRPr/>
+              </a:pPr>
+              <a:endParaRPr kumimoji="0" sz="1800" b="0" i="0" u="none" strike="noStrike" kern="1200" cap="none" spc="0" normalizeH="0" baseline="0" noProof="0">
+                <a:ln>
+                  <a:noFill/>
+                </a:ln>
+                <a:solidFill>
+                  <a:srgbClr val="050060"/>
+                </a:solidFill>
+                <a:effectLst/>
+                <a:uLnTx/>
+                <a:uFillTx/>
+                <a:latin typeface="Arial"/>
+                <a:ea typeface="+mn-ea"/>
+                <a:cs typeface="+mn-cs"/>
+              </a:endParaRPr>
+            </a:p>
+          </p:txBody>
+        </p:sp>
+      </p:grpSp>
+      <p:pic>
+        <p:nvPicPr>
+          <p:cNvPr id="23" name="Image 22">
+            <a:extLst>
+              <a:ext uri="{FF2B5EF4-FFF2-40B4-BE49-F238E27FC236}">
+                <a16:creationId xmlns:a16="http://schemas.microsoft.com/office/drawing/2014/main" id="{D65FDD0B-5902-4EC6-8AFB-920B0BAA13AD}"/>
+              </a:ext>
+            </a:extLst>
+          </p:cNvPr>
+          <p:cNvPicPr>
+            <a:picLocks noChangeAspect="1"/>
+          </p:cNvPicPr>
+          <p:nvPr/>
+        </p:nvPicPr>
+        <p:blipFill>
+          <a:blip r:embed="rId13" cstate="print">
+            <a:extLst>
+              <a:ext uri="{28A0092B-C50C-407E-A947-70E740481C1C}">
+                <a14:useLocalDpi xmlns:a14="http://schemas.microsoft.com/office/drawing/2010/main" val="0"/>
+              </a:ext>
+            </a:extLst>
+          </a:blip>
+          <a:stretch>
+            <a:fillRect/>
+          </a:stretch>
+        </p:blipFill>
+        <p:spPr>
+          <a:xfrm>
+            <a:off x="10096471" y="5979429"/>
+            <a:ext cx="1364780" cy="707411"/>
+          </a:xfrm>
+          <a:prstGeom prst="rect">
+            <a:avLst/>
+          </a:prstGeom>
+        </p:spPr>
+      </p:pic>
+      <p:pic>
+        <p:nvPicPr>
+          <p:cNvPr id="2" name="Picture 2" descr="Une image contenant texte&#10;&#10;Description générée automatiquement">
+            <a:extLst>
+              <a:ext uri="{FF2B5EF4-FFF2-40B4-BE49-F238E27FC236}">
+                <a16:creationId xmlns:a16="http://schemas.microsoft.com/office/drawing/2014/main" id="{AC775FCD-BD95-42B7-B3BC-4D29A9586EBB}"/>
+              </a:ext>
+            </a:extLst>
+          </p:cNvPr>
+          <p:cNvPicPr>
+            <a:picLocks noChangeAspect="1" noChangeArrowheads="1"/>
+          </p:cNvPicPr>
+          <p:nvPr/>
+        </p:nvPicPr>
+        <p:blipFill>
+          <a:blip r:embed="rId14" cstate="print">
+            <a:extLst>
+              <a:ext uri="{28A0092B-C50C-407E-A947-70E740481C1C}">
+                <a14:useLocalDpi xmlns:a14="http://schemas.microsoft.com/office/drawing/2010/main" val="0"/>
+              </a:ext>
+            </a:extLst>
+          </a:blip>
+          <a:srcRect/>
+          <a:stretch>
+            <a:fillRect/>
+          </a:stretch>
+        </p:blipFill>
+        <p:spPr bwMode="auto">
+          <a:xfrm>
+            <a:off x="8778496" y="20008"/>
+            <a:ext cx="3135582" cy="944349"/>
+          </a:xfrm>
+          <a:prstGeom prst="rect">
+            <a:avLst/>
+          </a:prstGeom>
+          <a:noFill/>
+          <a:extLst>
+            <a:ext uri="{909E8E84-426E-40DD-AFC4-6F175D3DCCD1}">
+              <a14:hiddenFill xmlns:a14="http://schemas.microsoft.com/office/drawing/2010/main">
+                <a:solidFill>
+                  <a:srgbClr val="FFFFFF"/>
+                </a:solidFill>
+              </a14:hiddenFill>
+            </a:ext>
+          </a:extLst>
+        </p:spPr>
+      </p:pic>
+      <p:sp>
+        <p:nvSpPr>
+          <p:cNvPr id="3" name="Espace réservé du texte 5">
+            <a:extLst>
+              <a:ext uri="{FF2B5EF4-FFF2-40B4-BE49-F238E27FC236}">
+                <a16:creationId xmlns:a16="http://schemas.microsoft.com/office/drawing/2014/main" id="{86710141-4D31-499F-B72C-6A10DECA9E8E}"/>
+              </a:ext>
+            </a:extLst>
+          </p:cNvPr>
+          <p:cNvSpPr txBox="1">
+            <a:spLocks/>
+          </p:cNvSpPr>
+          <p:nvPr/>
+        </p:nvSpPr>
+        <p:spPr>
+          <a:xfrm>
+            <a:off x="3839681" y="118244"/>
+            <a:ext cx="5580800" cy="1097806"/>
+          </a:xfrm>
+          <a:prstGeom prst="rect">
+            <a:avLst/>
+          </a:prstGeom>
+        </p:spPr>
+        <p:txBody>
+          <a:bodyPr lIns="91440" tIns="45720" rIns="91440" bIns="45720" anchor="t"/>
+          <a:lstStyle>
+            <a:defPPr marR="0" lvl="0" algn="l" rtl="0">
+              <a:lnSpc>
+                <a:spcPct val="100000"/>
+              </a:lnSpc>
+              <a:spcBef>
+                <a:spcPts val="0"/>
+              </a:spcBef>
+              <a:spcAft>
+                <a:spcPts val="0"/>
+              </a:spcAft>
+            </a:defPPr>
+            <a:lvl1pPr marR="0" lvl="0" algn="l" rtl="0">
+              <a:lnSpc>
+                <a:spcPct val="100000"/>
+              </a:lnSpc>
+              <a:spcBef>
+                <a:spcPts val="0"/>
+              </a:spcBef>
+              <a:spcAft>
+                <a:spcPts val="0"/>
+              </a:spcAft>
+              <a:buClr>
+                <a:srgbClr val="000000"/>
+              </a:buClr>
+              <a:buFont typeface="Arial"/>
+              <a:defRPr sz="1900" b="0" i="0" u="none" strike="noStrike" cap="none">
+                <a:solidFill>
+                  <a:srgbClr val="000000"/>
+                </a:solidFill>
+                <a:latin typeface="Arial"/>
+                <a:ea typeface="Arial"/>
+                <a:cs typeface="Arial"/>
+                <a:sym typeface="Arial"/>
+              </a:defRPr>
+            </a:lvl1pPr>
+            <a:lvl2pPr marR="0" lvl="1" algn="l" rtl="0">
+              <a:lnSpc>
+                <a:spcPct val="100000"/>
+              </a:lnSpc>
+              <a:spcBef>
+                <a:spcPts val="0"/>
+              </a:spcBef>
+              <a:spcAft>
+                <a:spcPts val="0"/>
+              </a:spcAft>
+              <a:buClr>
+                <a:srgbClr val="000000"/>
+              </a:buClr>
+              <a:buFont typeface="Arial"/>
+              <a:defRPr sz="1900" b="0" i="0" u="none" strike="noStrike" cap="none">
+                <a:solidFill>
+                  <a:srgbClr val="000000"/>
+                </a:solidFill>
+                <a:latin typeface="Arial"/>
+                <a:ea typeface="Arial"/>
+                <a:cs typeface="Arial"/>
+                <a:sym typeface="Arial"/>
+              </a:defRPr>
+            </a:lvl2pPr>
+            <a:lvl3pPr marR="0" lvl="2" algn="l" rtl="0">
+              <a:lnSpc>
+                <a:spcPct val="100000"/>
+              </a:lnSpc>
+              <a:spcBef>
+                <a:spcPts val="0"/>
+              </a:spcBef>
+              <a:spcAft>
+                <a:spcPts val="0"/>
+              </a:spcAft>
+              <a:buClr>
+                <a:srgbClr val="000000"/>
+              </a:buClr>
+              <a:buFont typeface="Arial"/>
+              <a:defRPr sz="1900" b="0" i="0" u="none" strike="noStrike" cap="none">
+                <a:solidFill>
+                  <a:srgbClr val="000000"/>
+                </a:solidFill>
+                <a:latin typeface="Arial"/>
+                <a:ea typeface="Arial"/>
+                <a:cs typeface="Arial"/>
+                <a:sym typeface="Arial"/>
+              </a:defRPr>
+            </a:lvl3pPr>
+            <a:lvl4pPr marR="0" lvl="3" algn="l" rtl="0">
+              <a:lnSpc>
+                <a:spcPct val="100000"/>
+              </a:lnSpc>
+              <a:spcBef>
+                <a:spcPts val="0"/>
+              </a:spcBef>
+              <a:spcAft>
+                <a:spcPts val="0"/>
+              </a:spcAft>
+              <a:buClr>
+                <a:srgbClr val="000000"/>
+              </a:buClr>
+              <a:buFont typeface="Arial"/>
+              <a:defRPr sz="1900" b="0" i="0" u="none" strike="noStrike" cap="none">
+                <a:solidFill>
+                  <a:srgbClr val="000000"/>
+                </a:solidFill>
+                <a:latin typeface="Arial"/>
+                <a:ea typeface="Arial"/>
+                <a:cs typeface="Arial"/>
+                <a:sym typeface="Arial"/>
+              </a:defRPr>
+            </a:lvl4pPr>
+            <a:lvl5pPr marR="0" lvl="4" algn="l" rtl="0">
+              <a:lnSpc>
+                <a:spcPct val="100000"/>
+              </a:lnSpc>
+              <a:spcBef>
+                <a:spcPts val="0"/>
+              </a:spcBef>
+              <a:spcAft>
+                <a:spcPts val="0"/>
+              </a:spcAft>
+              <a:buClr>
+                <a:srgbClr val="000000"/>
+              </a:buClr>
+              <a:buFont typeface="Arial"/>
+              <a:defRPr sz="1900" b="0" i="0" u="none" strike="noStrike" cap="none">
+                <a:solidFill>
+                  <a:srgbClr val="000000"/>
+                </a:solidFill>
+                <a:latin typeface="Arial"/>
+                <a:ea typeface="Arial"/>
+                <a:cs typeface="Arial"/>
+                <a:sym typeface="Arial"/>
+              </a:defRPr>
+            </a:lvl5pPr>
+            <a:lvl6pPr marR="0" lvl="5" algn="l" rtl="0">
+              <a:lnSpc>
+                <a:spcPct val="100000"/>
+              </a:lnSpc>
+              <a:spcBef>
+                <a:spcPts val="0"/>
+              </a:spcBef>
+              <a:spcAft>
+                <a:spcPts val="0"/>
+              </a:spcAft>
+              <a:buClr>
+                <a:srgbClr val="000000"/>
+              </a:buClr>
+              <a:buFont typeface="Arial"/>
+              <a:defRPr sz="1900" b="0" i="0" u="none" strike="noStrike" cap="none">
+                <a:solidFill>
+                  <a:srgbClr val="000000"/>
+                </a:solidFill>
+                <a:latin typeface="Arial"/>
+                <a:ea typeface="Arial"/>
+                <a:cs typeface="Arial"/>
+                <a:sym typeface="Arial"/>
+              </a:defRPr>
+            </a:lvl6pPr>
+            <a:lvl7pPr marR="0" lvl="6" algn="l" rtl="0">
+              <a:lnSpc>
+                <a:spcPct val="100000"/>
+              </a:lnSpc>
+              <a:spcBef>
+                <a:spcPts val="0"/>
+              </a:spcBef>
+              <a:spcAft>
+                <a:spcPts val="0"/>
+              </a:spcAft>
+              <a:buClr>
+                <a:srgbClr val="000000"/>
+              </a:buClr>
+              <a:buFont typeface="Arial"/>
+              <a:defRPr sz="1900" b="0" i="0" u="none" strike="noStrike" cap="none">
+                <a:solidFill>
+                  <a:srgbClr val="000000"/>
+                </a:solidFill>
+                <a:latin typeface="Arial"/>
+                <a:ea typeface="Arial"/>
+                <a:cs typeface="Arial"/>
+                <a:sym typeface="Arial"/>
+              </a:defRPr>
+            </a:lvl7pPr>
+            <a:lvl8pPr marR="0" lvl="7" algn="l" rtl="0">
+              <a:lnSpc>
+                <a:spcPct val="100000"/>
+              </a:lnSpc>
+              <a:spcBef>
+                <a:spcPts val="0"/>
+              </a:spcBef>
+              <a:spcAft>
+                <a:spcPts val="0"/>
+              </a:spcAft>
+              <a:buClr>
+                <a:srgbClr val="000000"/>
+              </a:buClr>
+              <a:buFont typeface="Arial"/>
+              <a:defRPr sz="1900" b="0" i="0" u="none" strike="noStrike" cap="none">
+                <a:solidFill>
+                  <a:srgbClr val="000000"/>
+                </a:solidFill>
+                <a:latin typeface="Arial"/>
+                <a:ea typeface="Arial"/>
+                <a:cs typeface="Arial"/>
+                <a:sym typeface="Arial"/>
+              </a:defRPr>
+            </a:lvl8pPr>
+            <a:lvl9pPr marR="0" lvl="8" algn="l" rtl="0">
+              <a:lnSpc>
+                <a:spcPct val="100000"/>
+              </a:lnSpc>
+              <a:spcBef>
+                <a:spcPts val="0"/>
+              </a:spcBef>
+              <a:spcAft>
+                <a:spcPts val="0"/>
+              </a:spcAft>
+              <a:buClr>
+                <a:srgbClr val="000000"/>
+              </a:buClr>
+              <a:buFont typeface="Arial"/>
+              <a:defRPr sz="1900" b="0" i="0" u="none" strike="noStrike" cap="none">
+                <a:solidFill>
+                  <a:srgbClr val="000000"/>
+                </a:solidFill>
+                <a:latin typeface="Arial"/>
+                <a:ea typeface="Arial"/>
+                <a:cs typeface="Arial"/>
+                <a:sym typeface="Arial"/>
+              </a:defRPr>
+            </a:lvl9pPr>
+          </a:lstStyle>
+          <a:p>
+            <a:pPr marL="50165"/>
+            <a:r>
+              <a:rPr lang="fr-FR" sz="4000" b="1" kern="0">
+                <a:solidFill>
+                  <a:schemeClr val="bg1"/>
+                </a:solidFill>
+              </a:rPr>
+              <a:t>4) </a:t>
+            </a:r>
+            <a:r>
+              <a:rPr lang="en-GB" sz="4000" b="1" kern="0">
+                <a:solidFill>
+                  <a:schemeClr val="bg1"/>
+                </a:solidFill>
+              </a:rPr>
+              <a:t>Deep learning : Results</a:t>
+            </a:r>
+          </a:p>
+        </p:txBody>
+      </p:sp>
+      <p:graphicFrame>
+        <p:nvGraphicFramePr>
+          <p:cNvPr id="25" name="Table 5">
+            <a:extLst>
+              <a:ext uri="{FF2B5EF4-FFF2-40B4-BE49-F238E27FC236}">
+                <a16:creationId xmlns:a16="http://schemas.microsoft.com/office/drawing/2014/main" id="{564D5152-CCF1-4A39-AE57-8F44F91F5480}"/>
+              </a:ext>
+            </a:extLst>
+          </p:cNvPr>
+          <p:cNvGraphicFramePr>
+            <a:graphicFrameLocks noGrp="1"/>
+          </p:cNvGraphicFramePr>
+          <p:nvPr>
+            <p:extLst>
+              <p:ext uri="{D42A27DB-BD31-4B8C-83A1-F6EECF244321}">
+                <p14:modId xmlns:p14="http://schemas.microsoft.com/office/powerpoint/2010/main" val="3067781403"/>
+              </p:ext>
+            </p:extLst>
+          </p:nvPr>
+        </p:nvGraphicFramePr>
+        <p:xfrm>
+          <a:off x="559442" y="3624877"/>
+          <a:ext cx="10748003" cy="2305371"/>
+        </p:xfrm>
+        <a:graphic>
+          <a:graphicData uri="http://schemas.openxmlformats.org/drawingml/2006/table">
+            <a:tbl>
+              <a:tblPr firstRow="1" bandRow="1">
+                <a:tableStyleId>{5C22544A-7EE6-4342-B048-85BDC9FD1C3A}</a:tableStyleId>
+              </a:tblPr>
+              <a:tblGrid>
+                <a:gridCol w="1793183">
+                  <a:extLst>
+                    <a:ext uri="{9D8B030D-6E8A-4147-A177-3AD203B41FA5}">
+                      <a16:colId xmlns:a16="http://schemas.microsoft.com/office/drawing/2014/main" val="84425163"/>
+                    </a:ext>
+                  </a:extLst>
+                </a:gridCol>
+                <a:gridCol w="1789484">
+                  <a:extLst>
+                    <a:ext uri="{9D8B030D-6E8A-4147-A177-3AD203B41FA5}">
+                      <a16:colId xmlns:a16="http://schemas.microsoft.com/office/drawing/2014/main" val="3549812548"/>
+                    </a:ext>
+                  </a:extLst>
+                </a:gridCol>
+                <a:gridCol w="1791334">
+                  <a:extLst>
+                    <a:ext uri="{9D8B030D-6E8A-4147-A177-3AD203B41FA5}">
+                      <a16:colId xmlns:a16="http://schemas.microsoft.com/office/drawing/2014/main" val="1511519844"/>
+                    </a:ext>
+                  </a:extLst>
+                </a:gridCol>
+                <a:gridCol w="1791334">
+                  <a:extLst>
+                    <a:ext uri="{9D8B030D-6E8A-4147-A177-3AD203B41FA5}">
+                      <a16:colId xmlns:a16="http://schemas.microsoft.com/office/drawing/2014/main" val="3602746981"/>
+                    </a:ext>
+                  </a:extLst>
+                </a:gridCol>
+                <a:gridCol w="1791334">
+                  <a:extLst>
+                    <a:ext uri="{9D8B030D-6E8A-4147-A177-3AD203B41FA5}">
+                      <a16:colId xmlns:a16="http://schemas.microsoft.com/office/drawing/2014/main" val="3543906776"/>
+                    </a:ext>
+                  </a:extLst>
+                </a:gridCol>
+                <a:gridCol w="1791334">
+                  <a:extLst>
+                    <a:ext uri="{9D8B030D-6E8A-4147-A177-3AD203B41FA5}">
+                      <a16:colId xmlns:a16="http://schemas.microsoft.com/office/drawing/2014/main" val="634014888"/>
+                    </a:ext>
+                  </a:extLst>
+                </a:gridCol>
+              </a:tblGrid>
+              <a:tr h="672125">
+                <a:tc>
+                  <a:txBody>
+                    <a:bodyPr/>
+                    <a:lstStyle/>
+                    <a:p>
+                      <a:r>
+                        <a:rPr lang="en-GB" dirty="0"/>
+                        <a:t>Model</a:t>
+                      </a:r>
+                    </a:p>
+                  </a:txBody>
+                  <a:tcPr anchor="ctr"/>
+                </a:tc>
+                <a:tc>
+                  <a:txBody>
+                    <a:bodyPr/>
+                    <a:lstStyle/>
+                    <a:p>
+                      <a:r>
+                        <a:rPr lang="en-GB" dirty="0"/>
+                        <a:t>Optimizer</a:t>
+                      </a:r>
+                    </a:p>
+                  </a:txBody>
+                  <a:tcPr anchor="ctr"/>
+                </a:tc>
+                <a:tc>
+                  <a:txBody>
+                    <a:bodyPr/>
+                    <a:lstStyle/>
+                    <a:p>
+                      <a:r>
+                        <a:rPr lang="en-GB" dirty="0"/>
+                        <a:t>Initializer</a:t>
+                      </a:r>
+                    </a:p>
+                  </a:txBody>
+                  <a:tcPr anchor="ctr"/>
+                </a:tc>
+                <a:tc>
+                  <a:txBody>
+                    <a:bodyPr/>
+                    <a:lstStyle/>
+                    <a:p>
+                      <a:r>
+                        <a:rPr lang="en-GB" dirty="0" err="1"/>
+                        <a:t>Batch_size</a:t>
+                      </a:r>
+                      <a:endParaRPr lang="en-GB" dirty="0"/>
+                    </a:p>
+                  </a:txBody>
+                  <a:tcPr anchor="ctr"/>
+                </a:tc>
+                <a:tc>
+                  <a:txBody>
+                    <a:bodyPr/>
+                    <a:lstStyle/>
+                    <a:p>
+                      <a:r>
+                        <a:rPr lang="en-GB" dirty="0" err="1"/>
+                        <a:t>BatchNorm</a:t>
+                      </a:r>
+                      <a:endParaRPr lang="en-GB" dirty="0"/>
+                    </a:p>
+                  </a:txBody>
+                  <a:tcPr anchor="ctr"/>
+                </a:tc>
+                <a:tc>
+                  <a:txBody>
+                    <a:bodyPr/>
+                    <a:lstStyle/>
+                    <a:p>
+                      <a:r>
+                        <a:rPr lang="en-GB" dirty="0"/>
+                        <a:t>Learning R</a:t>
+                      </a:r>
+                    </a:p>
+                  </a:txBody>
+                  <a:tcPr anchor="ctr"/>
+                </a:tc>
+                <a:extLst>
+                  <a:ext uri="{0D108BD9-81ED-4DB2-BD59-A6C34878D82A}">
+                    <a16:rowId xmlns:a16="http://schemas.microsoft.com/office/drawing/2014/main" val="1922878360"/>
+                  </a:ext>
+                </a:extLst>
+              </a:tr>
+              <a:tr h="481343">
+                <a:tc>
+                  <a:txBody>
+                    <a:bodyPr/>
+                    <a:lstStyle/>
+                    <a:p>
+                      <a:r>
+                        <a:rPr lang="en-GB" dirty="0"/>
+                        <a:t>LSTM</a:t>
+                      </a:r>
+                    </a:p>
+                  </a:txBody>
+                  <a:tcPr anchor="ctr"/>
+                </a:tc>
+                <a:tc>
+                  <a:txBody>
+                    <a:bodyPr/>
+                    <a:lstStyle/>
+                    <a:p>
+                      <a:r>
+                        <a:rPr lang="en-GB" dirty="0"/>
+                        <a:t>RMSprop</a:t>
+                      </a:r>
+                    </a:p>
+                  </a:txBody>
+                  <a:tcPr anchor="ctr"/>
+                </a:tc>
+                <a:tc>
+                  <a:txBody>
+                    <a:bodyPr/>
+                    <a:lstStyle/>
+                    <a:p>
+                      <a:r>
+                        <a:rPr lang="en-GB" dirty="0" err="1"/>
+                        <a:t>Glorot</a:t>
+                      </a:r>
+                      <a:r>
+                        <a:rPr lang="en-GB" dirty="0"/>
+                        <a:t> Normal</a:t>
+                      </a:r>
+                    </a:p>
+                  </a:txBody>
+                  <a:tcPr anchor="ctr"/>
+                </a:tc>
+                <a:tc>
+                  <a:txBody>
+                    <a:bodyPr/>
+                    <a:lstStyle/>
+                    <a:p>
+                      <a:r>
+                        <a:rPr lang="en-GB" dirty="0"/>
+                        <a:t>128</a:t>
+                      </a:r>
+                    </a:p>
+                  </a:txBody>
+                  <a:tcPr anchor="ctr"/>
+                </a:tc>
+                <a:tc>
+                  <a:txBody>
+                    <a:bodyPr/>
+                    <a:lstStyle/>
+                    <a:p>
+                      <a:r>
+                        <a:rPr lang="en-GB" dirty="0"/>
+                        <a:t>No</a:t>
+                      </a:r>
+                    </a:p>
+                  </a:txBody>
+                  <a:tcPr anchor="ctr"/>
+                </a:tc>
+                <a:tc>
+                  <a:txBody>
+                    <a:bodyPr/>
+                    <a:lstStyle/>
+                    <a:p>
+                      <a:pPr marL="0" marR="0" lvl="0" indent="0" algn="l" defTabSz="914400" rtl="0" eaLnBrk="1" fontAlgn="auto" latinLnBrk="0" hangingPunct="1">
+                        <a:lnSpc>
+                          <a:spcPct val="100000"/>
+                        </a:lnSpc>
+                        <a:spcBef>
+                          <a:spcPts val="0"/>
+                        </a:spcBef>
+                        <a:spcAft>
+                          <a:spcPts val="0"/>
+                        </a:spcAft>
+                        <a:buClr>
+                          <a:srgbClr val="000000"/>
+                        </a:buClr>
+                        <a:buSzTx/>
+                        <a:buFont typeface="Arial"/>
+                        <a:buNone/>
+                        <a:tabLst/>
+                        <a:defRPr/>
+                      </a:pPr>
+                      <a:r>
+                        <a:rPr lang="fr-FR" sz="1900" b="0" i="0" u="none" strike="noStrike" cap="none" dirty="0">
+                          <a:solidFill>
+                            <a:schemeClr val="dk1"/>
+                          </a:solidFill>
+                          <a:effectLst/>
+                          <a:latin typeface="+mn-lt"/>
+                          <a:ea typeface="+mn-ea"/>
+                          <a:cs typeface="+mn-cs"/>
+                          <a:sym typeface="Arial"/>
+                        </a:rPr>
+                        <a:t>0.02</a:t>
+                      </a:r>
+                    </a:p>
+                  </a:txBody>
+                  <a:tcPr anchor="ctr"/>
+                </a:tc>
+                <a:extLst>
+                  <a:ext uri="{0D108BD9-81ED-4DB2-BD59-A6C34878D82A}">
+                    <a16:rowId xmlns:a16="http://schemas.microsoft.com/office/drawing/2014/main" val="3386988635"/>
+                  </a:ext>
+                </a:extLst>
+              </a:tr>
+              <a:tr h="481343">
+                <a:tc>
+                  <a:txBody>
+                    <a:bodyPr/>
+                    <a:lstStyle/>
+                    <a:p>
+                      <a:r>
+                        <a:rPr lang="en-GB" dirty="0"/>
+                        <a:t>ANN</a:t>
+                      </a:r>
+                    </a:p>
+                  </a:txBody>
+                  <a:tcPr anchor="ctr"/>
+                </a:tc>
+                <a:tc>
+                  <a:txBody>
+                    <a:bodyPr/>
+                    <a:lstStyle/>
+                    <a:p>
+                      <a:r>
+                        <a:rPr lang="en-GB" dirty="0"/>
+                        <a:t>Adam</a:t>
+                      </a:r>
+                    </a:p>
+                  </a:txBody>
+                  <a:tcPr anchor="ctr"/>
+                </a:tc>
+                <a:tc>
+                  <a:txBody>
+                    <a:bodyPr/>
+                    <a:lstStyle/>
+                    <a:p>
+                      <a:r>
+                        <a:rPr lang="en-GB" dirty="0" err="1"/>
+                        <a:t>Glorot</a:t>
+                      </a:r>
+                      <a:r>
+                        <a:rPr lang="en-GB" dirty="0"/>
+                        <a:t> Uniform</a:t>
+                      </a:r>
+                    </a:p>
+                  </a:txBody>
+                  <a:tcPr anchor="ctr"/>
+                </a:tc>
+                <a:tc>
+                  <a:txBody>
+                    <a:bodyPr/>
+                    <a:lstStyle/>
+                    <a:p>
+                      <a:r>
+                        <a:rPr lang="en-GB" dirty="0"/>
+                        <a:t>64</a:t>
+                      </a:r>
+                    </a:p>
+                  </a:txBody>
+                  <a:tcPr anchor="ctr"/>
+                </a:tc>
+                <a:tc>
+                  <a:txBody>
+                    <a:bodyPr/>
+                    <a:lstStyle/>
+                    <a:p>
+                      <a:r>
+                        <a:rPr lang="en-GB" dirty="0"/>
+                        <a:t>No</a:t>
+                      </a:r>
+                    </a:p>
+                  </a:txBody>
+                  <a:tcPr anchor="ctr"/>
+                </a:tc>
+                <a:tc>
+                  <a:txBody>
+                    <a:bodyPr/>
+                    <a:lstStyle/>
+                    <a:p>
+                      <a:pPr marL="0" marR="0" lvl="0" indent="0" algn="l" defTabSz="914400" rtl="0" eaLnBrk="1" fontAlgn="auto" latinLnBrk="0" hangingPunct="1">
+                        <a:lnSpc>
+                          <a:spcPct val="100000"/>
+                        </a:lnSpc>
+                        <a:spcBef>
+                          <a:spcPts val="0"/>
+                        </a:spcBef>
+                        <a:spcAft>
+                          <a:spcPts val="0"/>
+                        </a:spcAft>
+                        <a:buClr>
+                          <a:srgbClr val="000000"/>
+                        </a:buClr>
+                        <a:buSzTx/>
+                        <a:buFont typeface="Arial"/>
+                        <a:buNone/>
+                        <a:tabLst/>
+                        <a:defRPr/>
+                      </a:pPr>
+                      <a:r>
+                        <a:rPr lang="fr-FR" sz="1900" b="0" i="0" u="none" strike="noStrike" cap="none" dirty="0">
+                          <a:solidFill>
+                            <a:schemeClr val="dk1"/>
+                          </a:solidFill>
+                          <a:effectLst/>
+                          <a:latin typeface="+mn-lt"/>
+                          <a:ea typeface="+mn-ea"/>
+                          <a:cs typeface="+mn-cs"/>
+                          <a:sym typeface="Arial"/>
+                        </a:rPr>
+                        <a:t>0.001</a:t>
+                      </a:r>
+                    </a:p>
+                  </a:txBody>
+                  <a:tcPr anchor="ctr"/>
+                </a:tc>
+                <a:extLst>
+                  <a:ext uri="{0D108BD9-81ED-4DB2-BD59-A6C34878D82A}">
+                    <a16:rowId xmlns:a16="http://schemas.microsoft.com/office/drawing/2014/main" val="2267589046"/>
+                  </a:ext>
+                </a:extLst>
+              </a:tr>
+              <a:tr h="481343">
+                <a:tc>
+                  <a:txBody>
+                    <a:bodyPr/>
+                    <a:lstStyle/>
+                    <a:p>
+                      <a:r>
+                        <a:rPr lang="en-GB" dirty="0"/>
+                        <a:t>CNN+LSTM</a:t>
+                      </a:r>
+                    </a:p>
+                  </a:txBody>
+                  <a:tcPr anchor="ctr"/>
+                </a:tc>
+                <a:tc>
+                  <a:txBody>
+                    <a:bodyPr/>
+                    <a:lstStyle/>
+                    <a:p>
+                      <a:r>
+                        <a:rPr lang="en-GB" dirty="0"/>
+                        <a:t>RMSprop</a:t>
+                      </a:r>
+                    </a:p>
+                  </a:txBody>
+                  <a:tcPr anchor="ctr"/>
+                </a:tc>
+                <a:tc>
+                  <a:txBody>
+                    <a:bodyPr/>
+                    <a:lstStyle/>
+                    <a:p>
+                      <a:r>
+                        <a:rPr lang="en-GB" dirty="0"/>
+                        <a:t>Random Normal</a:t>
+                      </a:r>
+                    </a:p>
+                  </a:txBody>
+                  <a:tcPr anchor="ctr"/>
+                </a:tc>
+                <a:tc>
+                  <a:txBody>
+                    <a:bodyPr/>
+                    <a:lstStyle/>
+                    <a:p>
+                      <a:r>
+                        <a:rPr lang="en-GB" dirty="0"/>
+                        <a:t>64</a:t>
+                      </a:r>
+                    </a:p>
+                  </a:txBody>
+                  <a:tcPr anchor="ctr"/>
+                </a:tc>
+                <a:tc>
+                  <a:txBody>
+                    <a:bodyPr/>
+                    <a:lstStyle/>
+                    <a:p>
+                      <a:r>
+                        <a:rPr lang="en-GB" dirty="0"/>
+                        <a:t>No</a:t>
+                      </a:r>
+                    </a:p>
+                  </a:txBody>
+                  <a:tcPr anchor="ctr"/>
+                </a:tc>
+                <a:tc>
+                  <a:txBody>
+                    <a:bodyPr/>
+                    <a:lstStyle/>
+                    <a:p>
+                      <a:pPr marL="0" marR="0" lvl="0" indent="0" algn="l" defTabSz="914400" rtl="0" eaLnBrk="1" fontAlgn="auto" latinLnBrk="0" hangingPunct="1">
+                        <a:lnSpc>
+                          <a:spcPct val="100000"/>
+                        </a:lnSpc>
+                        <a:spcBef>
+                          <a:spcPts val="0"/>
+                        </a:spcBef>
+                        <a:spcAft>
+                          <a:spcPts val="0"/>
+                        </a:spcAft>
+                        <a:buClr>
+                          <a:srgbClr val="000000"/>
+                        </a:buClr>
+                        <a:buSzTx/>
+                        <a:buFont typeface="Arial"/>
+                        <a:buNone/>
+                        <a:tabLst/>
+                        <a:defRPr/>
+                      </a:pPr>
+                      <a:r>
+                        <a:rPr lang="fr-FR" sz="1900" b="0" i="0" u="none" strike="noStrike" cap="none" dirty="0">
+                          <a:solidFill>
+                            <a:schemeClr val="dk1"/>
+                          </a:solidFill>
+                          <a:effectLst/>
+                          <a:latin typeface="+mn-lt"/>
+                          <a:ea typeface="+mn-ea"/>
+                          <a:cs typeface="+mn-cs"/>
+                          <a:sym typeface="Arial"/>
+                        </a:rPr>
+                        <a:t>0.15</a:t>
+                      </a:r>
+                    </a:p>
+                  </a:txBody>
+                  <a:tcPr anchor="ctr"/>
+                </a:tc>
+                <a:extLst>
+                  <a:ext uri="{0D108BD9-81ED-4DB2-BD59-A6C34878D82A}">
+                    <a16:rowId xmlns:a16="http://schemas.microsoft.com/office/drawing/2014/main" val="2814123883"/>
+                  </a:ext>
+                </a:extLst>
+              </a:tr>
+            </a:tbl>
+          </a:graphicData>
+        </a:graphic>
+      </p:graphicFrame>
+      <p:sp>
+        <p:nvSpPr>
+          <p:cNvPr id="4" name="ZoneTexte 3">
+            <a:extLst>
+              <a:ext uri="{FF2B5EF4-FFF2-40B4-BE49-F238E27FC236}">
+                <a16:creationId xmlns:a16="http://schemas.microsoft.com/office/drawing/2014/main" id="{D194CC88-FFA7-476D-859D-5C54AD2BD777}"/>
+              </a:ext>
+            </a:extLst>
+          </p:cNvPr>
+          <p:cNvSpPr txBox="1"/>
+          <p:nvPr/>
+        </p:nvSpPr>
+        <p:spPr>
+          <a:xfrm>
+            <a:off x="4528208" y="1623059"/>
+            <a:ext cx="4006191" cy="1200329"/>
+          </a:xfrm>
+          <a:prstGeom prst="rect">
+            <a:avLst/>
+          </a:prstGeom>
+          <a:noFill/>
+        </p:spPr>
+        <p:txBody>
+          <a:bodyPr wrap="square" rtlCol="0">
+            <a:spAutoFit/>
+          </a:bodyPr>
+          <a:lstStyle/>
+          <a:p>
+            <a:r>
+              <a:rPr lang="fr-FR" dirty="0" err="1">
+                <a:solidFill>
+                  <a:schemeClr val="bg1"/>
+                </a:solidFill>
+              </a:rPr>
+              <a:t>Loss</a:t>
+            </a:r>
+            <a:r>
+              <a:rPr lang="fr-FR" dirty="0">
+                <a:solidFill>
+                  <a:schemeClr val="bg1"/>
+                </a:solidFill>
+              </a:rPr>
+              <a:t> : </a:t>
+            </a:r>
+            <a:r>
+              <a:rPr lang="fr-FR" b="1" dirty="0">
+                <a:solidFill>
+                  <a:schemeClr val="bg1"/>
+                </a:solidFill>
+              </a:rPr>
+              <a:t>RMSE</a:t>
+            </a:r>
+          </a:p>
+          <a:p>
+            <a:r>
+              <a:rPr lang="fr-FR" dirty="0" err="1">
+                <a:solidFill>
+                  <a:schemeClr val="bg1"/>
+                </a:solidFill>
+              </a:rPr>
+              <a:t>Metrics</a:t>
+            </a:r>
+            <a:r>
+              <a:rPr lang="fr-FR" dirty="0">
+                <a:solidFill>
+                  <a:schemeClr val="bg1"/>
+                </a:solidFill>
+              </a:rPr>
+              <a:t> : </a:t>
+            </a:r>
+            <a:r>
+              <a:rPr lang="fr-FR" b="1" dirty="0">
+                <a:solidFill>
+                  <a:schemeClr val="bg1"/>
+                </a:solidFill>
+              </a:rPr>
+              <a:t>RMSE</a:t>
+            </a:r>
+          </a:p>
+          <a:p>
+            <a:r>
+              <a:rPr lang="fr-FR" dirty="0">
+                <a:solidFill>
+                  <a:schemeClr val="bg1"/>
+                </a:solidFill>
+              </a:rPr>
+              <a:t>Dropout : </a:t>
+            </a:r>
+            <a:r>
+              <a:rPr lang="fr-FR" b="1" dirty="0">
+                <a:solidFill>
+                  <a:schemeClr val="bg1"/>
+                </a:solidFill>
+              </a:rPr>
+              <a:t>0,3</a:t>
+            </a:r>
+          </a:p>
+          <a:p>
+            <a:r>
+              <a:rPr lang="fr-FR" dirty="0">
+                <a:solidFill>
+                  <a:schemeClr val="bg1"/>
+                </a:solidFill>
+              </a:rPr>
+              <a:t>Learning </a:t>
+            </a:r>
+            <a:r>
+              <a:rPr lang="fr-FR" dirty="0" err="1">
+                <a:solidFill>
+                  <a:schemeClr val="bg1"/>
+                </a:solidFill>
+              </a:rPr>
+              <a:t>curve</a:t>
+            </a:r>
+            <a:r>
+              <a:rPr lang="fr-FR" dirty="0">
+                <a:solidFill>
+                  <a:schemeClr val="bg1"/>
+                </a:solidFill>
+              </a:rPr>
+              <a:t> </a:t>
+            </a:r>
+            <a:r>
+              <a:rPr lang="fr-FR" b="1" dirty="0">
+                <a:solidFill>
+                  <a:schemeClr val="bg1"/>
+                </a:solidFill>
+              </a:rPr>
+              <a:t>: CV but high </a:t>
+            </a:r>
+            <a:r>
+              <a:rPr lang="fr-FR" b="1" dirty="0" err="1">
+                <a:solidFill>
+                  <a:schemeClr val="bg1"/>
+                </a:solidFill>
+              </a:rPr>
+              <a:t>error</a:t>
+            </a:r>
+            <a:r>
+              <a:rPr lang="fr-FR" b="1" dirty="0">
+                <a:solidFill>
+                  <a:schemeClr val="bg1"/>
+                </a:solidFill>
+              </a:rPr>
+              <a:t> </a:t>
+            </a:r>
+          </a:p>
+        </p:txBody>
+      </p:sp>
+    </p:spTree>
+    <p:extLst>
+      <p:ext uri="{BB962C8B-B14F-4D97-AF65-F5344CB8AC3E}">
+        <p14:creationId xmlns:p14="http://schemas.microsoft.com/office/powerpoint/2010/main" val="3903236053"/>
+      </p:ext>
+    </p:extLst>
+  </p:cSld>
+  <p:clrMapOvr>
+    <a:masterClrMapping/>
+  </p:clrMapOvr>
+  <p:transition spd="med">
+    <p:fade/>
+  </p:transition>
+</p:sld>
+</file>
+
+<file path=ppt/slides/slide17.xml><?xml version="1.0" encoding="utf-8"?>
+<p:sld xmlns:a="http://schemas.openxmlformats.org/drawingml/2006/main" xmlns:r="http://schemas.openxmlformats.org/officeDocument/2006/relationships" xmlns:p="http://schemas.openxmlformats.org/presentationml/2006/main">
+  <p:cSld>
+    <p:spTree>
+      <p:nvGrpSpPr>
+        <p:cNvPr id="1" name="Shape 109"/>
+        <p:cNvGrpSpPr/>
+        <p:nvPr/>
+      </p:nvGrpSpPr>
+      <p:grpSpPr>
+        <a:xfrm>
+          <a:off x="0" y="0"/>
+          <a:ext cx="0" cy="0"/>
+          <a:chOff x="0" y="0"/>
+          <a:chExt cx="0" cy="0"/>
+        </a:xfrm>
+      </p:grpSpPr>
+      <p:sp>
+        <p:nvSpPr>
+          <p:cNvPr id="113" name="Google Shape;113;p19"/>
+          <p:cNvSpPr txBox="1">
+            <a:spLocks noGrp="1"/>
+          </p:cNvSpPr>
+          <p:nvPr>
+            <p:ph type="sldNum" idx="12"/>
+          </p:nvPr>
+        </p:nvSpPr>
+        <p:spPr>
+          <a:xfrm>
+            <a:off x="11307445" y="6333135"/>
+            <a:ext cx="731600" cy="524800"/>
+          </a:xfrm>
+          <a:prstGeom prst="rect">
+            <a:avLst/>
+          </a:prstGeom>
+        </p:spPr>
+        <p:txBody>
+          <a:bodyPr spcFirstLastPara="1" wrap="square" lIns="0" tIns="0" rIns="0" bIns="0" anchor="ctr" anchorCtr="0">
+            <a:noAutofit/>
+          </a:bodyPr>
+          <a:lstStyle/>
+          <a:p>
+            <a:pPr marL="0" marR="0" lvl="0" indent="0" algn="r" defTabSz="914400" rtl="0" eaLnBrk="1" fontAlgn="auto" latinLnBrk="0" hangingPunct="1">
+              <a:lnSpc>
+                <a:spcPct val="100000"/>
+              </a:lnSpc>
+              <a:spcBef>
+                <a:spcPts val="0"/>
+              </a:spcBef>
+              <a:spcAft>
+                <a:spcPts val="0"/>
+              </a:spcAft>
+              <a:buClrTx/>
+              <a:buSzTx/>
+              <a:buFontTx/>
+              <a:buNone/>
+              <a:tabLst/>
+              <a:defRPr/>
+            </a:pPr>
+            <a:fld id="{00000000-1234-1234-1234-123412341234}" type="slidenum">
+              <a:rPr kumimoji="0" lang="en" sz="1700" b="0" i="0" u="none" strike="noStrike" kern="1200" cap="none" spc="0" normalizeH="0" baseline="0" noProof="0">
+                <a:ln>
+                  <a:noFill/>
+                </a:ln>
+                <a:solidFill>
+                  <a:srgbClr val="FFFFFF"/>
+                </a:solidFill>
+                <a:effectLst/>
+                <a:uLnTx/>
+                <a:uFillTx/>
+                <a:latin typeface="Lexend Deca"/>
+                <a:sym typeface="Lexend Deca"/>
+              </a:rPr>
+              <a:pPr marL="0" marR="0" lvl="0" indent="0" algn="r" defTabSz="914400" rtl="0" eaLnBrk="1" fontAlgn="auto" latinLnBrk="0" hangingPunct="1">
+                <a:lnSpc>
+                  <a:spcPct val="100000"/>
+                </a:lnSpc>
+                <a:spcBef>
+                  <a:spcPts val="0"/>
+                </a:spcBef>
+                <a:spcAft>
+                  <a:spcPts val="0"/>
+                </a:spcAft>
+                <a:buClrTx/>
+                <a:buSzTx/>
+                <a:buFontTx/>
+                <a:buNone/>
+                <a:tabLst/>
+                <a:defRPr/>
+              </a:pPr>
+              <a:t>17</a:t>
+            </a:fld>
+            <a:endParaRPr kumimoji="0" sz="1700" b="0" i="0" u="none" strike="noStrike" kern="1200" cap="none" spc="0" normalizeH="0" baseline="0" noProof="0">
+              <a:ln>
+                <a:noFill/>
+              </a:ln>
+              <a:solidFill>
+                <a:srgbClr val="FFFFFF"/>
+              </a:solidFill>
+              <a:effectLst/>
+              <a:uLnTx/>
+              <a:uFillTx/>
+              <a:latin typeface="Lexend Deca"/>
+              <a:sym typeface="Lexend Deca"/>
+            </a:endParaRPr>
+          </a:p>
+        </p:txBody>
+      </p:sp>
+      <p:grpSp>
+        <p:nvGrpSpPr>
+          <p:cNvPr id="5" name="Groupe 4">
+            <a:extLst>
+              <a:ext uri="{FF2B5EF4-FFF2-40B4-BE49-F238E27FC236}">
+                <a16:creationId xmlns:a16="http://schemas.microsoft.com/office/drawing/2014/main" id="{897ED689-D191-4C4E-BD05-E326AF61DBBF}"/>
+              </a:ext>
+            </a:extLst>
+          </p:cNvPr>
+          <p:cNvGrpSpPr/>
+          <p:nvPr/>
+        </p:nvGrpSpPr>
+        <p:grpSpPr>
+          <a:xfrm>
+            <a:off x="247976" y="320016"/>
+            <a:ext cx="3543120" cy="3108984"/>
+            <a:chOff x="152084" y="145046"/>
+            <a:chExt cx="5122429" cy="4666420"/>
+          </a:xfrm>
+        </p:grpSpPr>
+        <p:pic>
+          <p:nvPicPr>
+            <p:cNvPr id="110" name="Google Shape;110;p19"/>
+            <p:cNvPicPr preferRelativeResize="0"/>
+            <p:nvPr/>
+          </p:nvPicPr>
+          <p:blipFill>
+            <a:blip r:embed="rId3">
+              <a:alphaModFix/>
+            </a:blip>
+            <a:stretch>
+              <a:fillRect/>
+            </a:stretch>
+          </p:blipFill>
+          <p:spPr>
+            <a:xfrm>
+              <a:off x="1250032" y="2084809"/>
+              <a:ext cx="2689993" cy="1612333"/>
+            </a:xfrm>
+            <a:prstGeom prst="rect">
+              <a:avLst/>
+            </a:prstGeom>
+            <a:noFill/>
+            <a:ln>
+              <a:noFill/>
+            </a:ln>
+          </p:spPr>
+        </p:pic>
+        <p:pic>
+          <p:nvPicPr>
+            <p:cNvPr id="114" name="Google Shape;114;p19"/>
+            <p:cNvPicPr preferRelativeResize="0"/>
+            <p:nvPr/>
+          </p:nvPicPr>
+          <p:blipFill>
+            <a:blip r:embed="rId4">
+              <a:alphaModFix/>
+            </a:blip>
+            <a:stretch>
+              <a:fillRect/>
+            </a:stretch>
+          </p:blipFill>
+          <p:spPr>
+            <a:xfrm>
+              <a:off x="152084" y="1049353"/>
+              <a:ext cx="642533" cy="740367"/>
+            </a:xfrm>
+            <a:prstGeom prst="rect">
+              <a:avLst/>
+            </a:prstGeom>
+            <a:noFill/>
+            <a:ln>
+              <a:noFill/>
+            </a:ln>
+          </p:spPr>
+        </p:pic>
+        <p:pic>
+          <p:nvPicPr>
+            <p:cNvPr id="115" name="Google Shape;115;p19"/>
+            <p:cNvPicPr preferRelativeResize="0"/>
+            <p:nvPr/>
+          </p:nvPicPr>
+          <p:blipFill>
+            <a:blip r:embed="rId5">
+              <a:alphaModFix/>
+            </a:blip>
+            <a:stretch>
+              <a:fillRect/>
+            </a:stretch>
+          </p:blipFill>
+          <p:spPr>
+            <a:xfrm>
+              <a:off x="395722" y="1211611"/>
+              <a:ext cx="642533" cy="740367"/>
+            </a:xfrm>
+            <a:prstGeom prst="rect">
+              <a:avLst/>
+            </a:prstGeom>
+            <a:noFill/>
+            <a:ln>
+              <a:noFill/>
+            </a:ln>
+          </p:spPr>
+        </p:pic>
+        <p:pic>
+          <p:nvPicPr>
+            <p:cNvPr id="116" name="Google Shape;116;p19"/>
+            <p:cNvPicPr preferRelativeResize="0"/>
+            <p:nvPr/>
+          </p:nvPicPr>
+          <p:blipFill>
+            <a:blip r:embed="rId6">
+              <a:alphaModFix/>
+            </a:blip>
+            <a:stretch>
+              <a:fillRect/>
+            </a:stretch>
+          </p:blipFill>
+          <p:spPr>
+            <a:xfrm>
+              <a:off x="1841510" y="2030244"/>
+              <a:ext cx="1481963" cy="1282551"/>
+            </a:xfrm>
+            <a:prstGeom prst="rect">
+              <a:avLst/>
+            </a:prstGeom>
+            <a:noFill/>
+            <a:ln>
+              <a:noFill/>
+            </a:ln>
+          </p:spPr>
+        </p:pic>
+        <p:pic>
+          <p:nvPicPr>
+            <p:cNvPr id="117" name="Google Shape;117;p19"/>
+            <p:cNvPicPr preferRelativeResize="0"/>
+            <p:nvPr/>
+          </p:nvPicPr>
+          <p:blipFill>
+            <a:blip r:embed="rId6">
+              <a:alphaModFix/>
+            </a:blip>
+            <a:stretch>
+              <a:fillRect/>
+            </a:stretch>
+          </p:blipFill>
+          <p:spPr>
+            <a:xfrm>
+              <a:off x="1841510" y="1506823"/>
+              <a:ext cx="1481963" cy="1282551"/>
+            </a:xfrm>
+            <a:prstGeom prst="rect">
+              <a:avLst/>
+            </a:prstGeom>
+            <a:noFill/>
+            <a:ln>
+              <a:noFill/>
+            </a:ln>
+          </p:spPr>
+        </p:pic>
+        <p:pic>
+          <p:nvPicPr>
+            <p:cNvPr id="118" name="Google Shape;118;p19"/>
+            <p:cNvPicPr preferRelativeResize="0"/>
+            <p:nvPr/>
+          </p:nvPicPr>
+          <p:blipFill>
+            <a:blip r:embed="rId7">
+              <a:alphaModFix/>
+            </a:blip>
+            <a:stretch>
+              <a:fillRect/>
+            </a:stretch>
+          </p:blipFill>
+          <p:spPr>
+            <a:xfrm>
+              <a:off x="1752158" y="145046"/>
+              <a:ext cx="1660667" cy="1066589"/>
+            </a:xfrm>
+            <a:prstGeom prst="rect">
+              <a:avLst/>
+            </a:prstGeom>
+            <a:noFill/>
+            <a:ln>
+              <a:noFill/>
+            </a:ln>
+          </p:spPr>
+        </p:pic>
+        <p:pic>
+          <p:nvPicPr>
+            <p:cNvPr id="119" name="Google Shape;119;p19"/>
+            <p:cNvPicPr preferRelativeResize="0"/>
+            <p:nvPr/>
+          </p:nvPicPr>
+          <p:blipFill>
+            <a:blip r:embed="rId8">
+              <a:alphaModFix/>
+            </a:blip>
+            <a:stretch>
+              <a:fillRect/>
+            </a:stretch>
+          </p:blipFill>
+          <p:spPr>
+            <a:xfrm>
+              <a:off x="4143213" y="1359076"/>
+              <a:ext cx="1131300" cy="740367"/>
+            </a:xfrm>
+            <a:prstGeom prst="rect">
+              <a:avLst/>
+            </a:prstGeom>
+            <a:noFill/>
+            <a:ln>
+              <a:noFill/>
+            </a:ln>
+          </p:spPr>
+        </p:pic>
+        <p:cxnSp>
+          <p:nvCxnSpPr>
+            <p:cNvPr id="120" name="Google Shape;120;p19"/>
+            <p:cNvCxnSpPr/>
+            <p:nvPr/>
+          </p:nvCxnSpPr>
+          <p:spPr>
+            <a:xfrm>
+              <a:off x="2928691" y="3628252"/>
+              <a:ext cx="885600" cy="511200"/>
+            </a:xfrm>
+            <a:prstGeom prst="straightConnector1">
+              <a:avLst/>
+            </a:prstGeom>
+            <a:noFill/>
+            <a:ln w="19050" cap="rnd" cmpd="sng">
+              <a:solidFill>
+                <a:schemeClr val="accent3"/>
+              </a:solidFill>
+              <a:prstDash val="dash"/>
+              <a:round/>
+              <a:headEnd type="none" w="med" len="med"/>
+              <a:tailEnd type="none" w="med" len="med"/>
+            </a:ln>
+          </p:spPr>
+        </p:cxnSp>
+        <p:cxnSp>
+          <p:nvCxnSpPr>
+            <p:cNvPr id="121" name="Google Shape;121;p19"/>
+            <p:cNvCxnSpPr/>
+            <p:nvPr/>
+          </p:nvCxnSpPr>
+          <p:spPr>
+            <a:xfrm>
+              <a:off x="850243" y="1850377"/>
+              <a:ext cx="746400" cy="430800"/>
+            </a:xfrm>
+            <a:prstGeom prst="straightConnector1">
+              <a:avLst/>
+            </a:prstGeom>
+            <a:noFill/>
+            <a:ln w="19050" cap="rnd" cmpd="sng">
+              <a:solidFill>
+                <a:schemeClr val="accent6"/>
+              </a:solidFill>
+              <a:prstDash val="dash"/>
+              <a:round/>
+              <a:headEnd type="none" w="med" len="med"/>
+              <a:tailEnd type="none" w="med" len="med"/>
+            </a:ln>
+          </p:spPr>
+        </p:cxnSp>
+        <p:pic>
+          <p:nvPicPr>
+            <p:cNvPr id="122" name="Google Shape;122;p19"/>
+            <p:cNvPicPr preferRelativeResize="0"/>
+            <p:nvPr/>
+          </p:nvPicPr>
+          <p:blipFill>
+            <a:blip r:embed="rId9">
+              <a:alphaModFix/>
+            </a:blip>
+            <a:stretch>
+              <a:fillRect/>
+            </a:stretch>
+          </p:blipFill>
+          <p:spPr>
+            <a:xfrm>
+              <a:off x="4573527" y="964348"/>
+              <a:ext cx="254288" cy="740367"/>
+            </a:xfrm>
+            <a:prstGeom prst="rect">
+              <a:avLst/>
+            </a:prstGeom>
+            <a:noFill/>
+            <a:ln>
+              <a:noFill/>
+            </a:ln>
+          </p:spPr>
+        </p:pic>
+        <p:cxnSp>
+          <p:nvCxnSpPr>
+            <p:cNvPr id="123" name="Google Shape;123;p19"/>
+            <p:cNvCxnSpPr/>
+            <p:nvPr/>
+          </p:nvCxnSpPr>
+          <p:spPr>
+            <a:xfrm flipH="1">
+              <a:off x="486243" y="3378177"/>
+              <a:ext cx="1248800" cy="721200"/>
+            </a:xfrm>
+            <a:prstGeom prst="straightConnector1">
+              <a:avLst/>
+            </a:prstGeom>
+            <a:noFill/>
+            <a:ln w="19050" cap="rnd" cmpd="sng">
+              <a:solidFill>
+                <a:schemeClr val="accent3"/>
+              </a:solidFill>
+              <a:prstDash val="dash"/>
+              <a:round/>
+              <a:headEnd type="none" w="med" len="med"/>
+              <a:tailEnd type="none" w="med" len="med"/>
+            </a:ln>
+          </p:spPr>
+        </p:cxnSp>
+        <p:cxnSp>
+          <p:nvCxnSpPr>
+            <p:cNvPr id="124" name="Google Shape;124;p19"/>
+            <p:cNvCxnSpPr/>
+            <p:nvPr/>
+          </p:nvCxnSpPr>
+          <p:spPr>
+            <a:xfrm flipH="1">
+              <a:off x="3516443" y="1951977"/>
+              <a:ext cx="746400" cy="430800"/>
+            </a:xfrm>
+            <a:prstGeom prst="straightConnector1">
+              <a:avLst/>
+            </a:prstGeom>
+            <a:noFill/>
+            <a:ln w="19050" cap="rnd" cmpd="sng">
+              <a:solidFill>
+                <a:schemeClr val="accent1"/>
+              </a:solidFill>
+              <a:prstDash val="dash"/>
+              <a:round/>
+              <a:headEnd type="none" w="med" len="med"/>
+              <a:tailEnd type="none" w="med" len="med"/>
+            </a:ln>
+          </p:spPr>
+        </p:cxnSp>
+        <p:pic>
+          <p:nvPicPr>
+            <p:cNvPr id="125" name="Google Shape;125;p19"/>
+            <p:cNvPicPr preferRelativeResize="0"/>
+            <p:nvPr/>
+          </p:nvPicPr>
+          <p:blipFill>
+            <a:blip r:embed="rId10">
+              <a:alphaModFix/>
+            </a:blip>
+            <a:stretch>
+              <a:fillRect/>
+            </a:stretch>
+          </p:blipFill>
+          <p:spPr>
+            <a:xfrm>
+              <a:off x="199961" y="2780722"/>
+              <a:ext cx="1359327" cy="1496001"/>
+            </a:xfrm>
+            <a:prstGeom prst="rect">
+              <a:avLst/>
+            </a:prstGeom>
+            <a:noFill/>
+            <a:ln>
+              <a:noFill/>
+            </a:ln>
+          </p:spPr>
+        </p:pic>
+        <p:pic>
+          <p:nvPicPr>
+            <p:cNvPr id="126" name="Google Shape;126;p19"/>
+            <p:cNvPicPr preferRelativeResize="0"/>
+            <p:nvPr/>
+          </p:nvPicPr>
+          <p:blipFill>
+            <a:blip r:embed="rId11">
+              <a:alphaModFix/>
+            </a:blip>
+            <a:stretch>
+              <a:fillRect/>
+            </a:stretch>
+          </p:blipFill>
+          <p:spPr>
+            <a:xfrm>
+              <a:off x="3864547" y="3669193"/>
+              <a:ext cx="573367" cy="798867"/>
+            </a:xfrm>
+            <a:prstGeom prst="rect">
+              <a:avLst/>
+            </a:prstGeom>
+            <a:noFill/>
+            <a:ln>
+              <a:noFill/>
+            </a:ln>
+          </p:spPr>
+        </p:pic>
+        <p:pic>
+          <p:nvPicPr>
+            <p:cNvPr id="127" name="Google Shape;127;p19"/>
+            <p:cNvPicPr preferRelativeResize="0"/>
+            <p:nvPr/>
+          </p:nvPicPr>
+          <p:blipFill>
+            <a:blip r:embed="rId12">
+              <a:alphaModFix/>
+            </a:blip>
+            <a:stretch>
+              <a:fillRect/>
+            </a:stretch>
+          </p:blipFill>
+          <p:spPr>
+            <a:xfrm>
+              <a:off x="3408521" y="4012599"/>
+              <a:ext cx="573367" cy="798867"/>
+            </a:xfrm>
+            <a:prstGeom prst="rect">
+              <a:avLst/>
+            </a:prstGeom>
+            <a:noFill/>
+            <a:ln>
+              <a:noFill/>
+            </a:ln>
+          </p:spPr>
+        </p:pic>
+        <p:sp>
+          <p:nvSpPr>
+            <p:cNvPr id="128" name="Google Shape;128;p19"/>
+            <p:cNvSpPr/>
+            <p:nvPr/>
+          </p:nvSpPr>
+          <p:spPr>
+            <a:xfrm>
+              <a:off x="2455277" y="1330393"/>
+              <a:ext cx="254400" cy="635600"/>
+            </a:xfrm>
+            <a:prstGeom prst="upDownArrow">
+              <a:avLst>
+                <a:gd name="adj1" fmla="val 50000"/>
+                <a:gd name="adj2" fmla="val 50000"/>
+              </a:avLst>
+            </a:prstGeom>
+            <a:gradFill>
+              <a:gsLst>
+                <a:gs pos="0">
+                  <a:schemeClr val="accent4"/>
+                </a:gs>
+                <a:gs pos="100000">
+                  <a:srgbClr val="00FFFF">
+                    <a:alpha val="0"/>
+                  </a:srgbClr>
+                </a:gs>
+              </a:gsLst>
+              <a:lin ang="5400012" scaled="0"/>
+            </a:gradFill>
+            <a:ln>
+              <a:noFill/>
+            </a:ln>
+          </p:spPr>
+          <p:txBody>
+            <a:bodyPr spcFirstLastPara="1" wrap="square" lIns="121900" tIns="121900" rIns="121900" bIns="121900" anchor="ctr" anchorCtr="0">
+              <a:noAutofit/>
+            </a:bodyPr>
+            <a:lstStyle/>
+            <a:p>
+              <a:pPr marL="0" marR="0" lvl="0" indent="0" algn="l" defTabSz="914400" rtl="0" eaLnBrk="1" fontAlgn="auto" latinLnBrk="0" hangingPunct="1">
+                <a:lnSpc>
+                  <a:spcPct val="100000"/>
+                </a:lnSpc>
+                <a:spcBef>
+                  <a:spcPts val="0"/>
+                </a:spcBef>
+                <a:spcAft>
+                  <a:spcPts val="0"/>
+                </a:spcAft>
+                <a:buClrTx/>
+                <a:buSzTx/>
+                <a:buFontTx/>
+                <a:buNone/>
+                <a:tabLst/>
+                <a:defRPr/>
+              </a:pPr>
+              <a:endParaRPr kumimoji="0" sz="1800" b="0" i="0" u="none" strike="noStrike" kern="1200" cap="none" spc="0" normalizeH="0" baseline="0" noProof="0">
+                <a:ln>
+                  <a:noFill/>
+                </a:ln>
+                <a:solidFill>
+                  <a:srgbClr val="050060"/>
+                </a:solidFill>
+                <a:effectLst/>
+                <a:uLnTx/>
+                <a:uFillTx/>
+                <a:latin typeface="Arial"/>
+                <a:ea typeface="+mn-ea"/>
+                <a:cs typeface="+mn-cs"/>
+              </a:endParaRPr>
+            </a:p>
+          </p:txBody>
+        </p:sp>
+      </p:grpSp>
+      <p:pic>
+        <p:nvPicPr>
+          <p:cNvPr id="23" name="Image 22">
+            <a:extLst>
+              <a:ext uri="{FF2B5EF4-FFF2-40B4-BE49-F238E27FC236}">
+                <a16:creationId xmlns:a16="http://schemas.microsoft.com/office/drawing/2014/main" id="{D65FDD0B-5902-4EC6-8AFB-920B0BAA13AD}"/>
+              </a:ext>
+            </a:extLst>
+          </p:cNvPr>
+          <p:cNvPicPr>
+            <a:picLocks noChangeAspect="1"/>
+          </p:cNvPicPr>
+          <p:nvPr/>
+        </p:nvPicPr>
+        <p:blipFill>
+          <a:blip r:embed="rId13" cstate="print">
+            <a:extLst>
+              <a:ext uri="{28A0092B-C50C-407E-A947-70E740481C1C}">
+                <a14:useLocalDpi xmlns:a14="http://schemas.microsoft.com/office/drawing/2010/main" val="0"/>
+              </a:ext>
+            </a:extLst>
+          </a:blip>
+          <a:stretch>
+            <a:fillRect/>
+          </a:stretch>
+        </p:blipFill>
+        <p:spPr>
+          <a:xfrm>
+            <a:off x="10096471" y="5979429"/>
+            <a:ext cx="1364780" cy="707411"/>
+          </a:xfrm>
+          <a:prstGeom prst="rect">
+            <a:avLst/>
+          </a:prstGeom>
+        </p:spPr>
+      </p:pic>
+      <p:pic>
+        <p:nvPicPr>
+          <p:cNvPr id="2" name="Picture 2" descr="Une image contenant texte&#10;&#10;Description générée automatiquement">
+            <a:extLst>
+              <a:ext uri="{FF2B5EF4-FFF2-40B4-BE49-F238E27FC236}">
+                <a16:creationId xmlns:a16="http://schemas.microsoft.com/office/drawing/2014/main" id="{AC775FCD-BD95-42B7-B3BC-4D29A9586EBB}"/>
+              </a:ext>
+            </a:extLst>
+          </p:cNvPr>
+          <p:cNvPicPr>
+            <a:picLocks noChangeAspect="1" noChangeArrowheads="1"/>
+          </p:cNvPicPr>
+          <p:nvPr/>
+        </p:nvPicPr>
+        <p:blipFill>
+          <a:blip r:embed="rId14" cstate="print">
             <a:extLst>
               <a:ext uri="{28A0092B-C50C-407E-A947-70E740481C1C}">
                 <a14:useLocalDpi xmlns:a14="http://schemas.microsoft.com/office/drawing/2010/main" val="0"/>
@@ -22178,14 +28845,14 @@
           <p:nvPr>
             <p:extLst>
               <p:ext uri="{D42A27DB-BD31-4B8C-83A1-F6EECF244321}">
-                <p14:modId xmlns:p14="http://schemas.microsoft.com/office/powerpoint/2010/main" val="350523355"/>
+                <p14:modId xmlns:p14="http://schemas.microsoft.com/office/powerpoint/2010/main" val="1351684333"/>
               </p:ext>
             </p:extLst>
           </p:nvPr>
         </p:nvGraphicFramePr>
         <p:xfrm>
           <a:off x="3381910" y="2671280"/>
-          <a:ext cx="8330700" cy="1241263"/>
+          <a:ext cx="8330700" cy="2597497"/>
         </p:xfrm>
         <a:graphic>
           <a:graphicData uri="http://schemas.openxmlformats.org/drawingml/2006/table">
@@ -22194,14 +28861,14 @@
                 <a:tableStyleId>{5C22544A-7EE6-4342-B048-85BDC9FD1C3A}</a:tableStyleId>
               </a:tblPr>
               <a:tblGrid>
-                <a:gridCol w="2082675">
+                <a:gridCol w="2084825">
                   <a:extLst>
                     <a:ext uri="{9D8B030D-6E8A-4147-A177-3AD203B41FA5}">
                       <a16:colId xmlns:a16="http://schemas.microsoft.com/office/drawing/2014/main" val="84425163"/>
                     </a:ext>
                   </a:extLst>
                 </a:gridCol>
-                <a:gridCol w="2082675">
+                <a:gridCol w="2080525">
                   <a:extLst>
                     <a:ext uri="{9D8B030D-6E8A-4147-A177-3AD203B41FA5}">
                       <a16:colId xmlns:a16="http://schemas.microsoft.com/office/drawing/2014/main" val="3549812548"/>
@@ -22230,7 +28897,7 @@
                     <a:lstStyle/>
                     <a:p>
                       <a:r>
-                        <a:rPr lang="en-GB"/>
+                        <a:rPr lang="en-GB" dirty="0"/>
                         <a:t>Model</a:t>
                       </a:r>
                     </a:p>
@@ -22256,7 +28923,7 @@
                     <a:lstStyle/>
                     <a:p>
                       <a:r>
-                        <a:rPr lang="en-GB"/>
+                        <a:rPr lang="en-GB" dirty="0"/>
                         <a:t>Number of parameters</a:t>
                       </a:r>
                     </a:p>
@@ -22269,7 +28936,7 @@
                     <a:lstStyle/>
                     <a:p>
                       <a:r>
-                        <a:rPr lang="en-GB"/>
+                        <a:rPr lang="en-GB" dirty="0"/>
                         <a:t>RMSE</a:t>
                       </a:r>
                     </a:p>
@@ -22282,7 +28949,7 @@
                   </a:ext>
                 </a:extLst>
               </a:tr>
-              <a:tr h="569138">
+              <a:tr h="481343">
                 <a:tc>
                   <a:txBody>
                     <a:bodyPr/>
@@ -22328,7 +28995,7 @@
                     <a:lstStyle/>
                     <a:p>
                       <a:r>
-                        <a:rPr lang="en-GB"/>
+                        <a:rPr lang="en-GB" dirty="0"/>
                         <a:t>2737 $</a:t>
                       </a:r>
                     </a:p>
@@ -22338,6 +29005,183 @@
                 <a:extLst>
                   <a:ext uri="{0D108BD9-81ED-4DB2-BD59-A6C34878D82A}">
                     <a16:rowId xmlns:a16="http://schemas.microsoft.com/office/drawing/2014/main" val="884760491"/>
+                  </a:ext>
+                </a:extLst>
+              </a:tr>
+              <a:tr h="481343">
+                <a:tc>
+                  <a:txBody>
+                    <a:bodyPr/>
+                    <a:lstStyle/>
+                    <a:p>
+                      <a:r>
+                        <a:rPr lang="en-GB" dirty="0"/>
+                        <a:t>LSTM</a:t>
+                      </a:r>
+                    </a:p>
+                  </a:txBody>
+                  <a:tcPr anchor="ctr"/>
+                </a:tc>
+                <a:tc>
+                  <a:txBody>
+                    <a:bodyPr/>
+                    <a:lstStyle/>
+                    <a:p>
+                      <a:r>
+                        <a:rPr lang="en-GB" dirty="0"/>
+                        <a:t>17,82s</a:t>
+                      </a:r>
+                    </a:p>
+                  </a:txBody>
+                  <a:tcPr anchor="ctr"/>
+                </a:tc>
+                <a:tc>
+                  <a:txBody>
+                    <a:bodyPr/>
+                    <a:lstStyle/>
+                    <a:p>
+                      <a:r>
+                        <a:rPr lang="en-GB" dirty="0"/>
+                        <a:t>7511</a:t>
+                      </a:r>
+                    </a:p>
+                  </a:txBody>
+                  <a:tcPr anchor="ctr"/>
+                </a:tc>
+                <a:tc>
+                  <a:txBody>
+                    <a:bodyPr/>
+                    <a:lstStyle/>
+                    <a:p>
+                      <a:r>
+                        <a:rPr lang="en-GB" dirty="0"/>
+                        <a:t>8854 $</a:t>
+                      </a:r>
+                    </a:p>
+                  </a:txBody>
+                  <a:tcPr anchor="ctr"/>
+                </a:tc>
+                <a:extLst>
+                  <a:ext uri="{0D108BD9-81ED-4DB2-BD59-A6C34878D82A}">
+                    <a16:rowId xmlns:a16="http://schemas.microsoft.com/office/drawing/2014/main" val="3386988635"/>
+                  </a:ext>
+                </a:extLst>
+              </a:tr>
+              <a:tr h="481343">
+                <a:tc>
+                  <a:txBody>
+                    <a:bodyPr/>
+                    <a:lstStyle/>
+                    <a:p>
+                      <a:r>
+                        <a:rPr lang="en-GB" dirty="0"/>
+                        <a:t>ANN</a:t>
+                      </a:r>
+                    </a:p>
+                  </a:txBody>
+                  <a:tcPr anchor="ctr"/>
+                </a:tc>
+                <a:tc>
+                  <a:txBody>
+                    <a:bodyPr/>
+                    <a:lstStyle/>
+                    <a:p>
+                      <a:r>
+                        <a:rPr lang="en-GB" dirty="0"/>
+                        <a:t>4,18s</a:t>
+                      </a:r>
+                    </a:p>
+                  </a:txBody>
+                  <a:tcPr anchor="ctr"/>
+                </a:tc>
+                <a:tc>
+                  <a:txBody>
+                    <a:bodyPr/>
+                    <a:lstStyle/>
+                    <a:p>
+                      <a:r>
+                        <a:rPr lang="en-GB" dirty="0"/>
+                        <a:t>3569</a:t>
+                      </a:r>
+                    </a:p>
+                  </a:txBody>
+                  <a:tcPr anchor="ctr"/>
+                </a:tc>
+                <a:tc>
+                  <a:txBody>
+                    <a:bodyPr/>
+                    <a:lstStyle/>
+                    <a:p>
+                      <a:r>
+                        <a:rPr lang="en-GB" dirty="0"/>
+                        <a:t>10616 $</a:t>
+                      </a:r>
+                    </a:p>
+                  </a:txBody>
+                  <a:tcPr anchor="ctr"/>
+                </a:tc>
+                <a:extLst>
+                  <a:ext uri="{0D108BD9-81ED-4DB2-BD59-A6C34878D82A}">
+                    <a16:rowId xmlns:a16="http://schemas.microsoft.com/office/drawing/2014/main" val="2267589046"/>
+                  </a:ext>
+                </a:extLst>
+              </a:tr>
+              <a:tr h="481343">
+                <a:tc>
+                  <a:txBody>
+                    <a:bodyPr/>
+                    <a:lstStyle/>
+                    <a:p>
+                      <a:r>
+                        <a:rPr lang="en-GB" dirty="0"/>
+                        <a:t>CNN+LSTM</a:t>
+                      </a:r>
+                    </a:p>
+                  </a:txBody>
+                  <a:tcPr anchor="ctr"/>
+                </a:tc>
+                <a:tc>
+                  <a:txBody>
+                    <a:bodyPr/>
+                    <a:lstStyle/>
+                    <a:p>
+                      <a:r>
+                        <a:rPr lang="en-GB" dirty="0"/>
+                        <a:t>197,13s</a:t>
+                      </a:r>
+                    </a:p>
+                  </a:txBody>
+                  <a:tcPr anchor="ctr"/>
+                </a:tc>
+                <a:tc>
+                  <a:txBody>
+                    <a:bodyPr/>
+                    <a:lstStyle/>
+                    <a:p>
+                      <a:r>
+                        <a:rPr lang="en-GB" dirty="0"/>
+                        <a:t>324</a:t>
+                      </a:r>
+                    </a:p>
+                  </a:txBody>
+                  <a:tcPr anchor="ctr"/>
+                </a:tc>
+                <a:tc>
+                  <a:txBody>
+                    <a:bodyPr/>
+                    <a:lstStyle/>
+                    <a:p>
+                      <a:r>
+                        <a:rPr lang="en-GB" dirty="0"/>
+                        <a:t>42172 $ </a:t>
+                      </a:r>
+                    </a:p>
+                  </a:txBody>
+                  <a:tcPr anchor="ctr"/>
+                </a:tc>
+                <a:extLst>
+                  <a:ext uri="{0D108BD9-81ED-4DB2-BD59-A6C34878D82A}">
+                    <a16:rowId xmlns:a16="http://schemas.microsoft.com/office/drawing/2014/main" val="2814123883"/>
                   </a:ext>
                 </a:extLst>
               </a:tr>
@@ -22361,7 +29205,7 @@
 </p:sld>
 </file>
 
-<file path=ppt/slides/slide14.xml><?xml version="1.0" encoding="utf-8"?>
+<file path=ppt/slides/slide18.xml><?xml version="1.0" encoding="utf-8"?>
 <p:sld xmlns:a="http://schemas.openxmlformats.org/drawingml/2006/main" xmlns:r="http://schemas.openxmlformats.org/officeDocument/2006/relationships" xmlns:p="http://schemas.openxmlformats.org/presentationml/2006/main">
   <p:cSld>
     <p:spTree>
@@ -22419,7 +29263,7 @@
                 </a:spcAft>
                 <a:buNone/>
               </a:pPr>
-              <a:t>14</a:t>
+              <a:t>18</a:t>
             </a:fld>
             <a:endParaRPr lang="fr-FR"/>
           </a:p>
@@ -22810,7 +29654,7 @@
           <p:nvPr/>
         </p:nvPicPr>
         <p:blipFill>
-          <a:blip r:embed="rId4">
+          <a:blip r:embed="rId4" cstate="print">
             <a:extLst>
               <a:ext uri="{28A0092B-C50C-407E-A947-70E740481C1C}">
                 <a14:useLocalDpi xmlns:a14="http://schemas.microsoft.com/office/drawing/2010/main" val="0"/>
@@ -23192,8 +30036,8 @@
         </p:nvSpPr>
         <p:spPr>
           <a:xfrm>
-            <a:off x="4683170" y="4428307"/>
-            <a:ext cx="2670817" cy="2339102"/>
+            <a:off x="4653673" y="4002784"/>
+            <a:ext cx="2670817" cy="2585323"/>
           </a:xfrm>
           <a:prstGeom prst="rect">
             <a:avLst/>
@@ -23211,7 +30055,7 @@
               <a:buChar char="•"/>
             </a:pPr>
             <a:r>
-              <a:rPr lang="fr-FR" sz="1600" err="1">
+              <a:rPr lang="fr-FR" sz="1600" dirty="0" err="1">
                 <a:solidFill>
                   <a:schemeClr val="bg1"/>
                 </a:solidFill>
@@ -23220,7 +30064,7 @@
               <a:t>Features</a:t>
             </a:r>
             <a:r>
-              <a:rPr lang="fr-FR" sz="1600">
+              <a:rPr lang="fr-FR" sz="1600" dirty="0">
                 <a:solidFill>
                   <a:schemeClr val="bg1"/>
                 </a:solidFill>
@@ -23229,13 +30073,34 @@
               <a:t> engineering </a:t>
             </a:r>
             <a:r>
-              <a:rPr lang="fr-FR" sz="1600" err="1">
+              <a:rPr lang="fr-FR" sz="1600" dirty="0" err="1">
                 <a:solidFill>
                   <a:schemeClr val="bg1"/>
                 </a:solidFill>
                 <a:cs typeface="Arial"/>
               </a:rPr>
               <a:t>improvement</a:t>
+            </a:r>
+            <a:endParaRPr lang="fr-FR" sz="1600" dirty="0">
+              <a:solidFill>
+                <a:schemeClr val="bg1"/>
+              </a:solidFill>
+              <a:cs typeface="Arial"/>
+            </a:endParaRPr>
+          </a:p>
+          <a:p>
+            <a:pPr marL="285750" indent="-285750">
+              <a:buFont typeface="Arial"/>
+              <a:buChar char="•"/>
+            </a:pPr>
+            <a:r>
+              <a:rPr lang="fr-FR" sz="1600" dirty="0">
+                <a:solidFill>
+                  <a:schemeClr val="bg1"/>
+                </a:solidFill>
+                <a:cs typeface="Arial"/>
+              </a:rPr>
+              <a:t>Programmation GPU</a:t>
             </a:r>
           </a:p>
           <a:p>
@@ -23244,7 +30109,7 @@
               <a:buChar char="•"/>
             </a:pPr>
             <a:r>
-              <a:rPr lang="fr-FR" sz="1600" err="1">
+              <a:rPr lang="fr-FR" sz="1600" dirty="0" err="1">
                 <a:solidFill>
                   <a:schemeClr val="bg1"/>
                 </a:solidFill>
@@ -23253,7 +30118,7 @@
               <a:t>Hyperparameters</a:t>
             </a:r>
             <a:r>
-              <a:rPr lang="fr-FR" sz="1600">
+              <a:rPr lang="fr-FR" sz="1600" dirty="0">
                 <a:solidFill>
                   <a:schemeClr val="bg1"/>
                 </a:solidFill>
@@ -23268,7 +30133,7 @@
               <a:buChar char="•"/>
             </a:pPr>
             <a:r>
-              <a:rPr lang="fr-FR" sz="1600">
+              <a:rPr lang="fr-FR" sz="1600" dirty="0">
                 <a:solidFill>
                   <a:schemeClr val="bg1"/>
                 </a:solidFill>
@@ -23277,7 +30142,7 @@
               <a:t>Architecture </a:t>
             </a:r>
             <a:r>
-              <a:rPr lang="fr-FR" sz="1600" err="1">
+              <a:rPr lang="fr-FR" sz="1600" dirty="0" err="1">
                 <a:solidFill>
                   <a:schemeClr val="bg1"/>
                 </a:solidFill>
@@ -23285,6 +30150,12 @@
               </a:rPr>
               <a:t>improvement</a:t>
             </a:r>
+            <a:endParaRPr lang="fr-FR" sz="1600" dirty="0">
+              <a:solidFill>
+                <a:schemeClr val="bg1"/>
+              </a:solidFill>
+              <a:cs typeface="Arial"/>
+            </a:endParaRPr>
           </a:p>
           <a:p>
             <a:pPr marL="285750" indent="-285750">
@@ -23292,7 +30163,7 @@
               <a:buChar char="•"/>
             </a:pPr>
             <a:r>
-              <a:rPr lang="fr-FR" sz="1600">
+              <a:rPr lang="fr-FR" sz="1600" dirty="0">
                 <a:solidFill>
                   <a:schemeClr val="bg1"/>
                 </a:solidFill>
@@ -23301,7 +30172,7 @@
               <a:t>ARIMAX </a:t>
             </a:r>
             <a:r>
-              <a:rPr lang="fr-FR" sz="1600" err="1">
+              <a:rPr lang="fr-FR" sz="1600" dirty="0" err="1">
                 <a:solidFill>
                   <a:schemeClr val="bg1"/>
                 </a:solidFill>
@@ -23310,7 +30181,7 @@
               <a:t>with</a:t>
             </a:r>
             <a:r>
-              <a:rPr lang="fr-FR" sz="1600">
+              <a:rPr lang="fr-FR" sz="1600" dirty="0">
                 <a:solidFill>
                   <a:schemeClr val="bg1"/>
                 </a:solidFill>
@@ -23319,7 +30190,7 @@
               <a:t> </a:t>
             </a:r>
             <a:r>
-              <a:rPr lang="fr-FR" sz="1600" err="1">
+              <a:rPr lang="fr-FR" sz="1600" dirty="0" err="1">
                 <a:solidFill>
                   <a:schemeClr val="bg1"/>
                 </a:solidFill>
@@ -23328,7 +30199,7 @@
               <a:t>different</a:t>
             </a:r>
             <a:r>
-              <a:rPr lang="fr-FR" sz="1600">
+              <a:rPr lang="fr-FR" sz="1600" dirty="0">
                 <a:solidFill>
                   <a:schemeClr val="bg1"/>
                 </a:solidFill>
@@ -23337,7 +30208,7 @@
               <a:t> sets of </a:t>
             </a:r>
             <a:r>
-              <a:rPr lang="fr-FR" sz="1600" err="1">
+              <a:rPr lang="fr-FR" sz="1600" dirty="0" err="1">
                 <a:solidFill>
                   <a:schemeClr val="bg1"/>
                 </a:solidFill>
@@ -23346,7 +30217,7 @@
               <a:t>features</a:t>
             </a:r>
             <a:r>
-              <a:rPr lang="fr-FR" sz="1600">
+              <a:rPr lang="fr-FR" sz="1600" dirty="0">
                 <a:solidFill>
                   <a:schemeClr val="bg1"/>
                 </a:solidFill>
@@ -23356,7 +30227,7 @@
             </a:r>
           </a:p>
           <a:p>
-            <a:endParaRPr lang="fr-FR"/>
+            <a:endParaRPr lang="fr-FR" dirty="0"/>
           </a:p>
         </p:txBody>
       </p:sp>
@@ -23868,7 +30739,7 @@
           <p:nvPr/>
         </p:nvPicPr>
         <p:blipFill>
-          <a:blip r:embed="rId5">
+          <a:blip r:embed="rId5" cstate="print">
             <a:extLst>
               <a:ext uri="{28A0092B-C50C-407E-A947-70E740481C1C}">
                 <a14:useLocalDpi xmlns:a14="http://schemas.microsoft.com/office/drawing/2010/main" val="0"/>
@@ -24970,7 +31841,7 @@
           <p:nvPr/>
         </p:nvPicPr>
         <p:blipFill>
-          <a:blip r:embed="rId4">
+          <a:blip r:embed="rId4" cstate="print">
             <a:extLst>
               <a:ext uri="{28A0092B-C50C-407E-A947-70E740481C1C}">
                 <a14:useLocalDpi xmlns:a14="http://schemas.microsoft.com/office/drawing/2010/main" val="0"/>
@@ -26813,7 +33684,7 @@
           <p:nvPr/>
         </p:nvPicPr>
         <p:blipFill>
-          <a:blip r:embed="rId3">
+          <a:blip r:embed="rId3" cstate="print">
             <a:extLst>
               <a:ext uri="{28A0092B-C50C-407E-A947-70E740481C1C}">
                 <a14:useLocalDpi xmlns:a14="http://schemas.microsoft.com/office/drawing/2010/main" val="0"/>
@@ -26970,7 +33841,7 @@
           <p:nvPr/>
         </p:nvPicPr>
         <p:blipFill>
-          <a:blip r:embed="rId2">
+          <a:blip r:embed="rId2" cstate="print">
             <a:extLst>
               <a:ext uri="{28A0092B-C50C-407E-A947-70E740481C1C}">
                 <a14:useLocalDpi xmlns:a14="http://schemas.microsoft.com/office/drawing/2010/main" val="0"/>
@@ -27878,7 +34749,7 @@
           <p:nvPr/>
         </p:nvPicPr>
         <p:blipFill>
-          <a:blip r:embed="rId3">
+          <a:blip r:embed="rId3" cstate="print">
             <a:extLst>
               <a:ext uri="{28A0092B-C50C-407E-A947-70E740481C1C}">
                 <a14:useLocalDpi xmlns:a14="http://schemas.microsoft.com/office/drawing/2010/main" val="0"/>
@@ -28296,7 +35167,7 @@
           <p:nvPr/>
         </p:nvPicPr>
         <p:blipFill>
-          <a:blip r:embed="rId2">
+          <a:blip r:embed="rId2" cstate="print">
             <a:extLst>
               <a:ext uri="{28A0092B-C50C-407E-A947-70E740481C1C}">
                 <a14:useLocalDpi xmlns:a14="http://schemas.microsoft.com/office/drawing/2010/main" val="0"/>
@@ -31071,21 +37942,6 @@
 </file>
 
 <file path=customXml/item1.xml><?xml version="1.0" encoding="utf-8"?>
-<p:properties xmlns:p="http://schemas.microsoft.com/office/2006/metadata/properties" xmlns:xsi="http://www.w3.org/2001/XMLSchema-instance" xmlns:pc="http://schemas.microsoft.com/office/infopath/2007/PartnerControls">
-  <documentManagement/>
-</p:properties>
-</file>
-
-<file path=customXml/item2.xml><?xml version="1.0" encoding="utf-8"?>
-<?mso-contentType ?>
-<FormTemplates xmlns="http://schemas.microsoft.com/sharepoint/v3/contenttype/forms">
-  <Display>DocumentLibraryForm</Display>
-  <Edit>DocumentLibraryForm</Edit>
-  <New>DocumentLibraryForm</New>
-</FormTemplates>
-</file>
-
-<file path=customXml/item3.xml><?xml version="1.0" encoding="utf-8"?>
 <ct:contentTypeSchema xmlns:ct="http://schemas.microsoft.com/office/2006/metadata/contentType" xmlns:ma="http://schemas.microsoft.com/office/2006/metadata/properties/metaAttributes" ct:_="" ma:_="" ma:contentTypeName="Document" ma:contentTypeID="0x010100BC0EBE61F3386B498B43250A47111BB5" ma:contentTypeVersion="5" ma:contentTypeDescription="Crée un document." ma:contentTypeScope="" ma:versionID="56f7b53ca20a337b3cd18314cbd761ba">
   <xsd:schema xmlns:xsd="http://www.w3.org/2001/XMLSchema" xmlns:xs="http://www.w3.org/2001/XMLSchema" xmlns:p="http://schemas.microsoft.com/office/2006/metadata/properties" xmlns:ns2="56cfd11d-de5a-4693-9328-95fd07f83b97" targetNamespace="http://schemas.microsoft.com/office/2006/metadata/properties" ma:root="true" ma:fieldsID="c64637c49ac8257ed9418a8e0845fd5e" ns2:_="">
     <xsd:import namespace="56cfd11d-de5a-4693-9328-95fd07f83b97"/>
@@ -31235,31 +38091,22 @@
 </ct:contentTypeSchema>
 </file>
 
-<file path=customXml/itemProps1.xml><?xml version="1.0" encoding="utf-8"?>
-<ds:datastoreItem xmlns:ds="http://schemas.openxmlformats.org/officeDocument/2006/customXml" ds:itemID="{41072B7F-9FB7-4FDC-83FC-24F5B5EB0731}">
-  <ds:schemaRefs>
-    <ds:schemaRef ds:uri="56cfd11d-de5a-4693-9328-95fd07f83b97"/>
-    <ds:schemaRef ds:uri="http://purl.org/dc/dcmitype/"/>
-    <ds:schemaRef ds:uri="http://purl.org/dc/elements/1.1/"/>
-    <ds:schemaRef ds:uri="http://purl.org/dc/terms/"/>
-    <ds:schemaRef ds:uri="http://schemas.microsoft.com/office/2006/documentManagement/types"/>
-    <ds:schemaRef ds:uri="http://schemas.microsoft.com/office/2006/metadata/properties"/>
-    <ds:schemaRef ds:uri="http://schemas.microsoft.com/office/infopath/2007/PartnerControls"/>
-    <ds:schemaRef ds:uri="http://schemas.openxmlformats.org/package/2006/metadata/core-properties"/>
-    <ds:schemaRef ds:uri="http://www.w3.org/XML/1998/namespace"/>
-  </ds:schemaRefs>
-</ds:datastoreItem>
+<file path=customXml/item2.xml><?xml version="1.0" encoding="utf-8"?>
+<?mso-contentType ?>
+<FormTemplates xmlns="http://schemas.microsoft.com/sharepoint/v3/contenttype/forms">
+  <Display>DocumentLibraryForm</Display>
+  <Edit>DocumentLibraryForm</Edit>
+  <New>DocumentLibraryForm</New>
+</FormTemplates>
 </file>
 
-<file path=customXml/itemProps2.xml><?xml version="1.0" encoding="utf-8"?>
-<ds:datastoreItem xmlns:ds="http://schemas.openxmlformats.org/officeDocument/2006/customXml" ds:itemID="{57689F48-660F-47E5-AEFF-7A4D05596A3D}">
-  <ds:schemaRefs>
-    <ds:schemaRef ds:uri="http://schemas.microsoft.com/sharepoint/v3/contenttype/forms"/>
-  </ds:schemaRefs>
-</ds:datastoreItem>
+<file path=customXml/item3.xml><?xml version="1.0" encoding="utf-8"?>
+<p:properties xmlns:p="http://schemas.microsoft.com/office/2006/metadata/properties" xmlns:xsi="http://www.w3.org/2001/XMLSchema-instance" xmlns:pc="http://schemas.microsoft.com/office/infopath/2007/PartnerControls">
+  <documentManagement/>
+</p:properties>
 </file>
 
-<file path=customXml/itemProps3.xml><?xml version="1.0" encoding="utf-8"?>
+<file path=customXml/itemProps1.xml><?xml version="1.0" encoding="utf-8"?>
 <ds:datastoreItem xmlns:ds="http://schemas.openxmlformats.org/officeDocument/2006/customXml" ds:itemID="{23C9E053-51A6-485A-91B4-D2C6C1B863CB}">
   <ds:schemaRefs>
     <ds:schemaRef ds:uri="56cfd11d-de5a-4693-9328-95fd07f83b97"/>
@@ -31275,4 +38122,28 @@
     <ds:schemaRef ds:uri="http://www.w3.org/2001/XMLSchema"/>
   </ds:schemaRefs>
 </ds:datastoreItem>
+</file>
+
+<file path=customXml/itemProps2.xml><?xml version="1.0" encoding="utf-8"?>
+<ds:datastoreItem xmlns:ds="http://schemas.openxmlformats.org/officeDocument/2006/customXml" ds:itemID="{57689F48-660F-47E5-AEFF-7A4D05596A3D}">
+  <ds:schemaRefs>
+    <ds:schemaRef ds:uri="http://schemas.microsoft.com/sharepoint/v3/contenttype/forms"/>
+  </ds:schemaRefs>
+</ds:datastoreItem>
+</file>
+
+<file path=customXml/itemProps3.xml><?xml version="1.0" encoding="utf-8"?>
+<ds:datastoreItem xmlns:ds="http://schemas.openxmlformats.org/officeDocument/2006/customXml" ds:itemID="{41072B7F-9FB7-4FDC-83FC-24F5B5EB0731}">
+  <ds:schemaRefs>
+    <ds:schemaRef ds:uri="56cfd11d-de5a-4693-9328-95fd07f83b97"/>
+    <ds:schemaRef ds:uri="http://purl.org/dc/dcmitype/"/>
+    <ds:schemaRef ds:uri="http://purl.org/dc/elements/1.1/"/>
+    <ds:schemaRef ds:uri="http://purl.org/dc/terms/"/>
+    <ds:schemaRef ds:uri="http://schemas.microsoft.com/office/2006/documentManagement/types"/>
+    <ds:schemaRef ds:uri="http://schemas.microsoft.com/office/2006/metadata/properties"/>
+    <ds:schemaRef ds:uri="http://schemas.microsoft.com/office/infopath/2007/PartnerControls"/>
+    <ds:schemaRef ds:uri="http://schemas.openxmlformats.org/package/2006/metadata/core-properties"/>
+    <ds:schemaRef ds:uri="http://www.w3.org/XML/1998/namespace"/>
+  </ds:schemaRefs>
+</ds:datastoreItem>
 </file>
--- a/Soutenance Finale Grp 2.07.pptx
+++ b/Soutenance Finale Grp 2.07.pptx
@@ -2832,6 +2832,100 @@
     </pc:docChg>
   </pc:docChgLst>
   <pc:docChgLst>
+    <pc:chgData name="Clément Boulay (Student at CentraleSupelec)" userId="S::clement.boulay@student-cs.fr::5c486652-4e33-42d0-98e7-922cd377d49f" providerId="AD" clId="Web-{8B0E38E5-2767-494A-8177-DB8D4DE1F004}"/>
+    <pc:docChg chg="addSld delSld modSld">
+      <pc:chgData name="Clément Boulay (Student at CentraleSupelec)" userId="S::clement.boulay@student-cs.fr::5c486652-4e33-42d0-98e7-922cd377d49f" providerId="AD" clId="Web-{8B0E38E5-2767-494A-8177-DB8D4DE1F004}" dt="2021-06-09T12:25:23.801" v="65" actId="1076"/>
+      <pc:docMkLst>
+        <pc:docMk/>
+      </pc:docMkLst>
+      <pc:sldChg chg="addSp delSp modSp">
+        <pc:chgData name="Clément Boulay (Student at CentraleSupelec)" userId="S::clement.boulay@student-cs.fr::5c486652-4e33-42d0-98e7-922cd377d49f" providerId="AD" clId="Web-{8B0E38E5-2767-494A-8177-DB8D4DE1F004}" dt="2021-06-09T12:22:35.557" v="33" actId="1076"/>
+        <pc:sldMkLst>
+          <pc:docMk/>
+          <pc:sldMk cId="1421234056" sldId="320"/>
+        </pc:sldMkLst>
+        <pc:spChg chg="mod">
+          <ac:chgData name="Clément Boulay (Student at CentraleSupelec)" userId="S::clement.boulay@student-cs.fr::5c486652-4e33-42d0-98e7-922cd377d49f" providerId="AD" clId="Web-{8B0E38E5-2767-494A-8177-DB8D4DE1F004}" dt="2021-06-09T12:18:10.199" v="18" actId="20577"/>
+          <ac:spMkLst>
+            <pc:docMk/>
+            <pc:sldMk cId="1421234056" sldId="320"/>
+            <ac:spMk id="6" creationId="{7F99CD83-2192-47E6-893A-B3ADC98FC4B0}"/>
+          </ac:spMkLst>
+        </pc:spChg>
+        <pc:picChg chg="add mod">
+          <ac:chgData name="Clément Boulay (Student at CentraleSupelec)" userId="S::clement.boulay@student-cs.fr::5c486652-4e33-42d0-98e7-922cd377d49f" providerId="AD" clId="Web-{8B0E38E5-2767-494A-8177-DB8D4DE1F004}" dt="2021-06-09T12:18:55.639" v="24" actId="1076"/>
+          <ac:picMkLst>
+            <pc:docMk/>
+            <pc:sldMk cId="1421234056" sldId="320"/>
+            <ac:picMk id="4" creationId="{5C979662-E6C8-49AB-A24F-9E9FA2482F31}"/>
+          </ac:picMkLst>
+        </pc:picChg>
+        <pc:picChg chg="del">
+          <ac:chgData name="Clément Boulay (Student at CentraleSupelec)" userId="S::clement.boulay@student-cs.fr::5c486652-4e33-42d0-98e7-922cd377d49f" providerId="AD" clId="Web-{8B0E38E5-2767-494A-8177-DB8D4DE1F004}" dt="2021-06-09T12:20:09.690" v="29"/>
+          <ac:picMkLst>
+            <pc:docMk/>
+            <pc:sldMk cId="1421234056" sldId="320"/>
+            <ac:picMk id="7" creationId="{54C56D7D-6D3E-4C85-B6E7-B2EF45E68443}"/>
+          </ac:picMkLst>
+        </pc:picChg>
+        <pc:picChg chg="add mod">
+          <ac:chgData name="Clément Boulay (Student at CentraleSupelec)" userId="S::clement.boulay@student-cs.fr::5c486652-4e33-42d0-98e7-922cd377d49f" providerId="AD" clId="Web-{8B0E38E5-2767-494A-8177-DB8D4DE1F004}" dt="2021-06-09T12:22:35.557" v="33" actId="1076"/>
+          <ac:picMkLst>
+            <pc:docMk/>
+            <pc:sldMk cId="1421234056" sldId="320"/>
+            <ac:picMk id="8" creationId="{90856828-63A3-4924-87CB-C7AE29A43B24}"/>
+          </ac:picMkLst>
+        </pc:picChg>
+      </pc:sldChg>
+      <pc:sldChg chg="addSp modSp">
+        <pc:chgData name="Clément Boulay (Student at CentraleSupelec)" userId="S::clement.boulay@student-cs.fr::5c486652-4e33-42d0-98e7-922cd377d49f" providerId="AD" clId="Web-{8B0E38E5-2767-494A-8177-DB8D4DE1F004}" dt="2021-06-09T12:25:23.801" v="65" actId="1076"/>
+        <pc:sldMkLst>
+          <pc:docMk/>
+          <pc:sldMk cId="3903236053" sldId="348"/>
+        </pc:sldMkLst>
+        <pc:spChg chg="mod">
+          <ac:chgData name="Clément Boulay (Student at CentraleSupelec)" userId="S::clement.boulay@student-cs.fr::5c486652-4e33-42d0-98e7-922cd377d49f" providerId="AD" clId="Web-{8B0E38E5-2767-494A-8177-DB8D4DE1F004}" dt="2021-06-09T12:23:55.828" v="57" actId="20577"/>
+          <ac:spMkLst>
+            <pc:docMk/>
+            <pc:sldMk cId="3903236053" sldId="348"/>
+            <ac:spMk id="6" creationId="{7F99CD83-2192-47E6-893A-B3ADC98FC4B0}"/>
+          </ac:spMkLst>
+        </pc:spChg>
+        <pc:picChg chg="mod">
+          <ac:chgData name="Clément Boulay (Student at CentraleSupelec)" userId="S::clement.boulay@student-cs.fr::5c486652-4e33-42d0-98e7-922cd377d49f" providerId="AD" clId="Web-{8B0E38E5-2767-494A-8177-DB8D4DE1F004}" dt="2021-06-09T12:23:17.919" v="40" actId="1076"/>
+          <ac:picMkLst>
+            <pc:docMk/>
+            <pc:sldMk cId="3903236053" sldId="348"/>
+            <ac:picMk id="4" creationId="{ECF4EE8B-F203-44CD-88C9-18980BA44510}"/>
+          </ac:picMkLst>
+        </pc:picChg>
+        <pc:picChg chg="mod">
+          <ac:chgData name="Clément Boulay (Student at CentraleSupelec)" userId="S::clement.boulay@student-cs.fr::5c486652-4e33-42d0-98e7-922cd377d49f" providerId="AD" clId="Web-{8B0E38E5-2767-494A-8177-DB8D4DE1F004}" dt="2021-06-09T12:24:10.594" v="59" actId="14100"/>
+          <ac:picMkLst>
+            <pc:docMk/>
+            <pc:sldMk cId="3903236053" sldId="348"/>
+            <ac:picMk id="7" creationId="{D780E2C8-8F57-49C1-9806-B1DD443B9A80}"/>
+          </ac:picMkLst>
+        </pc:picChg>
+        <pc:picChg chg="add mod">
+          <ac:chgData name="Clément Boulay (Student at CentraleSupelec)" userId="S::clement.boulay@student-cs.fr::5c486652-4e33-42d0-98e7-922cd377d49f" providerId="AD" clId="Web-{8B0E38E5-2767-494A-8177-DB8D4DE1F004}" dt="2021-06-09T12:25:23.801" v="65" actId="1076"/>
+          <ac:picMkLst>
+            <pc:docMk/>
+            <pc:sldMk cId="3903236053" sldId="348"/>
+            <ac:picMk id="9" creationId="{49DFDC31-7B0C-4ABE-BF47-6B53904477C9}"/>
+          </ac:picMkLst>
+        </pc:picChg>
+      </pc:sldChg>
+      <pc:sldChg chg="new del">
+        <pc:chgData name="Clément Boulay (Student at CentraleSupelec)" userId="S::clement.boulay@student-cs.fr::5c486652-4e33-42d0-98e7-922cd377d49f" providerId="AD" clId="Web-{8B0E38E5-2767-494A-8177-DB8D4DE1F004}" dt="2021-06-09T12:22:59.356" v="35"/>
+        <pc:sldMkLst>
+          <pc:docMk/>
+          <pc:sldMk cId="573625819" sldId="349"/>
+        </pc:sldMkLst>
+      </pc:sldChg>
+    </pc:docChg>
+  </pc:docChgLst>
+  <pc:docChgLst>
     <pc:chgData name="Tanguy Colleville (Student at CentraleSupelec)" userId="S::tanguy.colleville@student-cs.fr::d2b2cae6-9366-4b17-ac20-d0a7c4c162c2" providerId="AD" clId="Web-{3DC2D78B-01E0-4A23-98E7-FC37EC893E7A}"/>
     <pc:docChg chg="modSld">
       <pc:chgData name="Tanguy Colleville (Student at CentraleSupelec)" userId="S::tanguy.colleville@student-cs.fr::d2b2cae6-9366-4b17-ac20-d0a7c4c162c2" providerId="AD" clId="Web-{3DC2D78B-01E0-4A23-98E7-FC37EC893E7A}" dt="2021-06-09T12:07:33.964" v="0"/>
@@ -2852,100 +2946,6 @@
             <ac:spMk id="5" creationId="{3514D940-B335-7448-98EA-F104DB2A39CD}"/>
           </ac:spMkLst>
         </pc:spChg>
-      </pc:sldChg>
-    </pc:docChg>
-  </pc:docChgLst>
-  <pc:docChgLst>
-    <pc:chgData name="Clément Boulay (Student at CentraleSupelec)" userId="S::clement.boulay@student-cs.fr::5c486652-4e33-42d0-98e7-922cd377d49f" providerId="AD" clId="Web-{8B0E38E5-2767-494A-8177-DB8D4DE1F004}"/>
-    <pc:docChg chg="addSld delSld modSld">
-      <pc:chgData name="Clément Boulay (Student at CentraleSupelec)" userId="S::clement.boulay@student-cs.fr::5c486652-4e33-42d0-98e7-922cd377d49f" providerId="AD" clId="Web-{8B0E38E5-2767-494A-8177-DB8D4DE1F004}" dt="2021-06-09T12:25:23.801" v="65" actId="1076"/>
-      <pc:docMkLst>
-        <pc:docMk/>
-      </pc:docMkLst>
-      <pc:sldChg chg="addSp delSp modSp">
-        <pc:chgData name="Clément Boulay (Student at CentraleSupelec)" userId="S::clement.boulay@student-cs.fr::5c486652-4e33-42d0-98e7-922cd377d49f" providerId="AD" clId="Web-{8B0E38E5-2767-494A-8177-DB8D4DE1F004}" dt="2021-06-09T12:22:35.557" v="33" actId="1076"/>
-        <pc:sldMkLst>
-          <pc:docMk/>
-          <pc:sldMk cId="1421234056" sldId="320"/>
-        </pc:sldMkLst>
-        <pc:spChg chg="mod">
-          <ac:chgData name="Clément Boulay (Student at CentraleSupelec)" userId="S::clement.boulay@student-cs.fr::5c486652-4e33-42d0-98e7-922cd377d49f" providerId="AD" clId="Web-{8B0E38E5-2767-494A-8177-DB8D4DE1F004}" dt="2021-06-09T12:18:10.199" v="18" actId="20577"/>
-          <ac:spMkLst>
-            <pc:docMk/>
-            <pc:sldMk cId="1421234056" sldId="320"/>
-            <ac:spMk id="6" creationId="{7F99CD83-2192-47E6-893A-B3ADC98FC4B0}"/>
-          </ac:spMkLst>
-        </pc:spChg>
-        <pc:picChg chg="add mod">
-          <ac:chgData name="Clément Boulay (Student at CentraleSupelec)" userId="S::clement.boulay@student-cs.fr::5c486652-4e33-42d0-98e7-922cd377d49f" providerId="AD" clId="Web-{8B0E38E5-2767-494A-8177-DB8D4DE1F004}" dt="2021-06-09T12:18:55.639" v="24" actId="1076"/>
-          <ac:picMkLst>
-            <pc:docMk/>
-            <pc:sldMk cId="1421234056" sldId="320"/>
-            <ac:picMk id="4" creationId="{5C979662-E6C8-49AB-A24F-9E9FA2482F31}"/>
-          </ac:picMkLst>
-        </pc:picChg>
-        <pc:picChg chg="del">
-          <ac:chgData name="Clément Boulay (Student at CentraleSupelec)" userId="S::clement.boulay@student-cs.fr::5c486652-4e33-42d0-98e7-922cd377d49f" providerId="AD" clId="Web-{8B0E38E5-2767-494A-8177-DB8D4DE1F004}" dt="2021-06-09T12:20:09.690" v="29"/>
-          <ac:picMkLst>
-            <pc:docMk/>
-            <pc:sldMk cId="1421234056" sldId="320"/>
-            <ac:picMk id="7" creationId="{54C56D7D-6D3E-4C85-B6E7-B2EF45E68443}"/>
-          </ac:picMkLst>
-        </pc:picChg>
-        <pc:picChg chg="add mod">
-          <ac:chgData name="Clément Boulay (Student at CentraleSupelec)" userId="S::clement.boulay@student-cs.fr::5c486652-4e33-42d0-98e7-922cd377d49f" providerId="AD" clId="Web-{8B0E38E5-2767-494A-8177-DB8D4DE1F004}" dt="2021-06-09T12:22:35.557" v="33" actId="1076"/>
-          <ac:picMkLst>
-            <pc:docMk/>
-            <pc:sldMk cId="1421234056" sldId="320"/>
-            <ac:picMk id="8" creationId="{90856828-63A3-4924-87CB-C7AE29A43B24}"/>
-          </ac:picMkLst>
-        </pc:picChg>
-      </pc:sldChg>
-      <pc:sldChg chg="addSp modSp">
-        <pc:chgData name="Clément Boulay (Student at CentraleSupelec)" userId="S::clement.boulay@student-cs.fr::5c486652-4e33-42d0-98e7-922cd377d49f" providerId="AD" clId="Web-{8B0E38E5-2767-494A-8177-DB8D4DE1F004}" dt="2021-06-09T12:25:23.801" v="65" actId="1076"/>
-        <pc:sldMkLst>
-          <pc:docMk/>
-          <pc:sldMk cId="3903236053" sldId="348"/>
-        </pc:sldMkLst>
-        <pc:spChg chg="mod">
-          <ac:chgData name="Clément Boulay (Student at CentraleSupelec)" userId="S::clement.boulay@student-cs.fr::5c486652-4e33-42d0-98e7-922cd377d49f" providerId="AD" clId="Web-{8B0E38E5-2767-494A-8177-DB8D4DE1F004}" dt="2021-06-09T12:23:55.828" v="57" actId="20577"/>
-          <ac:spMkLst>
-            <pc:docMk/>
-            <pc:sldMk cId="3903236053" sldId="348"/>
-            <ac:spMk id="6" creationId="{7F99CD83-2192-47E6-893A-B3ADC98FC4B0}"/>
-          </ac:spMkLst>
-        </pc:spChg>
-        <pc:picChg chg="mod">
-          <ac:chgData name="Clément Boulay (Student at CentraleSupelec)" userId="S::clement.boulay@student-cs.fr::5c486652-4e33-42d0-98e7-922cd377d49f" providerId="AD" clId="Web-{8B0E38E5-2767-494A-8177-DB8D4DE1F004}" dt="2021-06-09T12:23:17.919" v="40" actId="1076"/>
-          <ac:picMkLst>
-            <pc:docMk/>
-            <pc:sldMk cId="3903236053" sldId="348"/>
-            <ac:picMk id="4" creationId="{ECF4EE8B-F203-44CD-88C9-18980BA44510}"/>
-          </ac:picMkLst>
-        </pc:picChg>
-        <pc:picChg chg="mod">
-          <ac:chgData name="Clément Boulay (Student at CentraleSupelec)" userId="S::clement.boulay@student-cs.fr::5c486652-4e33-42d0-98e7-922cd377d49f" providerId="AD" clId="Web-{8B0E38E5-2767-494A-8177-DB8D4DE1F004}" dt="2021-06-09T12:24:10.594" v="59" actId="14100"/>
-          <ac:picMkLst>
-            <pc:docMk/>
-            <pc:sldMk cId="3903236053" sldId="348"/>
-            <ac:picMk id="7" creationId="{D780E2C8-8F57-49C1-9806-B1DD443B9A80}"/>
-          </ac:picMkLst>
-        </pc:picChg>
-        <pc:picChg chg="add mod">
-          <ac:chgData name="Clément Boulay (Student at CentraleSupelec)" userId="S::clement.boulay@student-cs.fr::5c486652-4e33-42d0-98e7-922cd377d49f" providerId="AD" clId="Web-{8B0E38E5-2767-494A-8177-DB8D4DE1F004}" dt="2021-06-09T12:25:23.801" v="65" actId="1076"/>
-          <ac:picMkLst>
-            <pc:docMk/>
-            <pc:sldMk cId="3903236053" sldId="348"/>
-            <ac:picMk id="9" creationId="{49DFDC31-7B0C-4ABE-BF47-6B53904477C9}"/>
-          </ac:picMkLst>
-        </pc:picChg>
-      </pc:sldChg>
-      <pc:sldChg chg="new del">
-        <pc:chgData name="Clément Boulay (Student at CentraleSupelec)" userId="S::clement.boulay@student-cs.fr::5c486652-4e33-42d0-98e7-922cd377d49f" providerId="AD" clId="Web-{8B0E38E5-2767-494A-8177-DB8D4DE1F004}" dt="2021-06-09T12:22:59.356" v="35"/>
-        <pc:sldMkLst>
-          <pc:docMk/>
-          <pc:sldMk cId="573625819" sldId="349"/>
-        </pc:sldMkLst>
       </pc:sldChg>
     </pc:docChg>
   </pc:docChgLst>
@@ -5385,6 +5385,30 @@
     </pc:docChg>
   </pc:docChgLst>
   <pc:docChgLst>
+    <pc:chgData name="Nicolas Bonafe (Student at CentraleSupelec)" userId="S::nicolas.bonafe@student-cs.fr::c8419656-00f4-43eb-b6a5-0415794eb45a" providerId="AD" clId="Web-{A34166E3-0981-4C63-AEAF-BBB5E895691D}"/>
+    <pc:docChg chg="modSld">
+      <pc:chgData name="Nicolas Bonafe (Student at CentraleSupelec)" userId="S::nicolas.bonafe@student-cs.fr::c8419656-00f4-43eb-b6a5-0415794eb45a" providerId="AD" clId="Web-{A34166E3-0981-4C63-AEAF-BBB5E895691D}" dt="2021-05-27T07:01:03.452" v="0" actId="20577"/>
+      <pc:docMkLst>
+        <pc:docMk/>
+      </pc:docMkLst>
+      <pc:sldChg chg="modSp">
+        <pc:chgData name="Nicolas Bonafe (Student at CentraleSupelec)" userId="S::nicolas.bonafe@student-cs.fr::c8419656-00f4-43eb-b6a5-0415794eb45a" providerId="AD" clId="Web-{A34166E3-0981-4C63-AEAF-BBB5E895691D}" dt="2021-05-27T07:01:03.452" v="0" actId="20577"/>
+        <pc:sldMkLst>
+          <pc:docMk/>
+          <pc:sldMk cId="1937425631" sldId="343"/>
+        </pc:sldMkLst>
+        <pc:spChg chg="mod">
+          <ac:chgData name="Nicolas Bonafe (Student at CentraleSupelec)" userId="S::nicolas.bonafe@student-cs.fr::c8419656-00f4-43eb-b6a5-0415794eb45a" providerId="AD" clId="Web-{A34166E3-0981-4C63-AEAF-BBB5E895691D}" dt="2021-05-27T07:01:03.452" v="0" actId="20577"/>
+          <ac:spMkLst>
+            <pc:docMk/>
+            <pc:sldMk cId="1937425631" sldId="343"/>
+            <ac:spMk id="9" creationId="{881BB9AC-D9B1-4EF3-9A9C-3F682CED3807}"/>
+          </ac:spMkLst>
+        </pc:spChg>
+      </pc:sldChg>
+    </pc:docChg>
+  </pc:docChgLst>
+  <pc:docChgLst>
     <pc:chgData name="Matthieu Briet (Student at CentraleSupelec)" userId="S::matthieu.briet@student-cs.fr::7fbd13a3-466b-46e9-b2ce-1466f625bfdb" providerId="AD" clId="Web-{5DD6FAC8-2498-44A3-A08B-E94097A8AFC5}"/>
     <pc:docChg chg="modSld">
       <pc:chgData name="Matthieu Briet (Student at CentraleSupelec)" userId="S::matthieu.briet@student-cs.fr::7fbd13a3-466b-46e9-b2ce-1466f625bfdb" providerId="AD" clId="Web-{5DD6FAC8-2498-44A3-A08B-E94097A8AFC5}" dt="2021-06-10T16:01:58.726" v="18" actId="1076"/>
@@ -5450,30 +5474,6 @@
             <pc:docMk/>
             <pc:sldMk cId="843562837" sldId="349"/>
             <ac:spMk id="10" creationId="{2AC57D00-9195-804B-B631-21FEFD9EF7FE}"/>
-          </ac:spMkLst>
-        </pc:spChg>
-      </pc:sldChg>
-    </pc:docChg>
-  </pc:docChgLst>
-  <pc:docChgLst>
-    <pc:chgData name="Nicolas Bonafe (Student at CentraleSupelec)" userId="S::nicolas.bonafe@student-cs.fr::c8419656-00f4-43eb-b6a5-0415794eb45a" providerId="AD" clId="Web-{A34166E3-0981-4C63-AEAF-BBB5E895691D}"/>
-    <pc:docChg chg="modSld">
-      <pc:chgData name="Nicolas Bonafe (Student at CentraleSupelec)" userId="S::nicolas.bonafe@student-cs.fr::c8419656-00f4-43eb-b6a5-0415794eb45a" providerId="AD" clId="Web-{A34166E3-0981-4C63-AEAF-BBB5E895691D}" dt="2021-05-27T07:01:03.452" v="0" actId="20577"/>
-      <pc:docMkLst>
-        <pc:docMk/>
-      </pc:docMkLst>
-      <pc:sldChg chg="modSp">
-        <pc:chgData name="Nicolas Bonafe (Student at CentraleSupelec)" userId="S::nicolas.bonafe@student-cs.fr::c8419656-00f4-43eb-b6a5-0415794eb45a" providerId="AD" clId="Web-{A34166E3-0981-4C63-AEAF-BBB5E895691D}" dt="2021-05-27T07:01:03.452" v="0" actId="20577"/>
-        <pc:sldMkLst>
-          <pc:docMk/>
-          <pc:sldMk cId="1937425631" sldId="343"/>
-        </pc:sldMkLst>
-        <pc:spChg chg="mod">
-          <ac:chgData name="Nicolas Bonafe (Student at CentraleSupelec)" userId="S::nicolas.bonafe@student-cs.fr::c8419656-00f4-43eb-b6a5-0415794eb45a" providerId="AD" clId="Web-{A34166E3-0981-4C63-AEAF-BBB5E895691D}" dt="2021-05-27T07:01:03.452" v="0" actId="20577"/>
-          <ac:spMkLst>
-            <pc:docMk/>
-            <pc:sldMk cId="1937425631" sldId="343"/>
-            <ac:spMk id="9" creationId="{881BB9AC-D9B1-4EF3-9A9C-3F682CED3807}"/>
           </ac:spMkLst>
         </pc:spChg>
       </pc:sldChg>
@@ -7725,7 +7725,7 @@
           <a:p>
             <a:fld id="{0DC81077-9782-F349-ACEA-61B3A3004442}" type="datetimeFigureOut">
               <a:rPr lang="en-FR" smtClean="0"/>
-              <a:t>06/10/2021</a:t>
+              <a:t>07/06/2021</a:t>
             </a:fld>
             <a:endParaRPr lang="en-FR"/>
           </a:p>
@@ -8076,32 +8076,9 @@
           </a:bodyPr>
           <a:lstStyle/>
           <a:p>
-            <a:r>
-              <a:rPr lang="fr-FR">
-                <a:cs typeface="Calibri"/>
-              </a:rPr>
-              <a:t>Travail commandé par le </a:t>
-            </a:r>
-            <a:r>
-              <a:rPr lang="fr-FR" err="1">
-                <a:cs typeface="Calibri"/>
-              </a:rPr>
-              <a:t>MMSAt</a:t>
-            </a:r>
-            <a:r>
-              <a:rPr lang="fr-FR">
-                <a:cs typeface="Calibri"/>
-              </a:rPr>
-              <a:t> bref présentation du labo et énoncé du titre du projet</a:t>
-            </a:r>
-          </a:p>
-          <a:p>
-            <a:r>
-              <a:rPr lang="fr-FR">
-                <a:cs typeface="Calibri"/>
-              </a:rPr>
-              <a:t>Pierre</a:t>
-            </a:r>
+            <a:endParaRPr lang="fr-FR" dirty="0">
+              <a:cs typeface="Calibri"/>
+            </a:endParaRPr>
           </a:p>
         </p:txBody>
       </p:sp>
@@ -8196,10 +8173,7 @@
           </a:bodyPr>
           <a:lstStyle/>
           <a:p>
-            <a:r>
-              <a:rPr lang="fr-FR"/>
-              <a:t>Nico</a:t>
-            </a:r>
+            <a:endParaRPr lang="fr-FR" dirty="0"/>
           </a:p>
         </p:txBody>
       </p:sp>
@@ -8260,10 +8234,7 @@
           <a:bodyPr/>
           <a:lstStyle/>
           <a:p>
-            <a:r>
-              <a:rPr lang="fr-FR"/>
-              <a:t>Alexandre</a:t>
-            </a:r>
+            <a:endParaRPr lang="fr-FR" dirty="0"/>
           </a:p>
         </p:txBody>
       </p:sp>
@@ -8386,13 +8357,7 @@
           </a:bodyPr>
           <a:lstStyle/>
           <a:p>
-            <a:r>
-              <a:rPr lang="fr-FR">
-                <a:cs typeface="Calibri"/>
-              </a:rPr>
-              <a:t>Enjeu de génie civil sur les sites à risques Tanguy</a:t>
-            </a:r>
-            <a:endParaRPr lang="fr-FR"/>
+            <a:endParaRPr lang="fr-FR" dirty="0"/>
           </a:p>
         </p:txBody>
       </p:sp>
@@ -8846,10 +8811,7 @@
           </a:bodyPr>
           <a:lstStyle/>
           <a:p>
-            <a:r>
-              <a:rPr lang="fr-FR"/>
-              <a:t>Nico</a:t>
-            </a:r>
+            <a:endParaRPr lang="fr-FR" dirty="0"/>
           </a:p>
         </p:txBody>
       </p:sp>
@@ -9049,10 +9011,7 @@
           </a:bodyPr>
           <a:lstStyle/>
           <a:p>
-            <a:r>
-              <a:rPr lang="fr-FR"/>
-              <a:t>Nico</a:t>
-            </a:r>
+            <a:endParaRPr lang="fr-FR" dirty="0"/>
           </a:p>
         </p:txBody>
       </p:sp>
@@ -18606,7 +18565,7 @@
           <a:p>
             <a:pPr algn="ctr"/>
             <a:r>
-              <a:rPr lang="fr-FR" sz="6600"/>
+              <a:rPr lang="fr-FR" sz="6600" dirty="0"/>
               <a:t>Trading Bot on BTC</a:t>
             </a:r>
           </a:p>
@@ -19099,39 +19058,15 @@
           <a:p>
             <a:pPr algn="ctr"/>
             <a:r>
-              <a:rPr lang="fr-FR" sz="1600" kern="0"/>
-              <a:t>By Mohsine </a:t>
+              <a:rPr lang="fr-FR" sz="1600" kern="0" dirty="0"/>
+              <a:t>By Matthieu </a:t>
             </a:r>
             <a:r>
-              <a:rPr lang="fr-FR" sz="1600" kern="0" err="1"/>
-              <a:t>Zireg</a:t>
-            </a:r>
-            <a:r>
-              <a:rPr lang="fr-FR" sz="1600" kern="0"/>
-              <a:t>, Wassim </a:t>
-            </a:r>
-            <a:r>
-              <a:rPr lang="fr-FR" sz="1600" kern="0" err="1"/>
-              <a:t>Belhaj</a:t>
-            </a:r>
-            <a:r>
-              <a:rPr lang="fr-FR" sz="1600" kern="0"/>
-              <a:t>, Clément </a:t>
-            </a:r>
-            <a:r>
-              <a:rPr lang="fr-FR" sz="1600" kern="0" err="1"/>
-              <a:t>Boulay</a:t>
-            </a:r>
-            <a:r>
-              <a:rPr lang="fr-FR" sz="1600" kern="0"/>
-              <a:t>, Matthieu </a:t>
-            </a:r>
-            <a:r>
-              <a:rPr lang="fr-FR" sz="1600" kern="0" err="1"/>
+              <a:rPr lang="fr-FR" sz="1600" kern="0" dirty="0" err="1"/>
               <a:t>Briet</a:t>
             </a:r>
             <a:r>
-              <a:rPr lang="fr-FR" sz="1600" kern="0"/>
+              <a:rPr lang="fr-FR" sz="1600" kern="0" dirty="0"/>
               <a:t>, Tanguy Colleville </a:t>
             </a:r>
           </a:p>
@@ -38092,18 +38027,18 @@
 </file>
 
 <file path=customXml/item2.xml><?xml version="1.0" encoding="utf-8"?>
+<p:properties xmlns:p="http://schemas.microsoft.com/office/2006/metadata/properties" xmlns:xsi="http://www.w3.org/2001/XMLSchema-instance" xmlns:pc="http://schemas.microsoft.com/office/infopath/2007/PartnerControls">
+  <documentManagement/>
+</p:properties>
+</file>
+
+<file path=customXml/item3.xml><?xml version="1.0" encoding="utf-8"?>
 <?mso-contentType ?>
 <FormTemplates xmlns="http://schemas.microsoft.com/sharepoint/v3/contenttype/forms">
   <Display>DocumentLibraryForm</Display>
   <Edit>DocumentLibraryForm</Edit>
   <New>DocumentLibraryForm</New>
 </FormTemplates>
-</file>
-
-<file path=customXml/item3.xml><?xml version="1.0" encoding="utf-8"?>
-<p:properties xmlns:p="http://schemas.microsoft.com/office/2006/metadata/properties" xmlns:xsi="http://www.w3.org/2001/XMLSchema-instance" xmlns:pc="http://schemas.microsoft.com/office/infopath/2007/PartnerControls">
-  <documentManagement/>
-</p:properties>
 </file>
 
 <file path=customXml/itemProps1.xml><?xml version="1.0" encoding="utf-8"?>
@@ -38125,14 +38060,6 @@
 </file>
 
 <file path=customXml/itemProps2.xml><?xml version="1.0" encoding="utf-8"?>
-<ds:datastoreItem xmlns:ds="http://schemas.openxmlformats.org/officeDocument/2006/customXml" ds:itemID="{57689F48-660F-47E5-AEFF-7A4D05596A3D}">
-  <ds:schemaRefs>
-    <ds:schemaRef ds:uri="http://schemas.microsoft.com/sharepoint/v3/contenttype/forms"/>
-  </ds:schemaRefs>
-</ds:datastoreItem>
-</file>
-
-<file path=customXml/itemProps3.xml><?xml version="1.0" encoding="utf-8"?>
 <ds:datastoreItem xmlns:ds="http://schemas.openxmlformats.org/officeDocument/2006/customXml" ds:itemID="{41072B7F-9FB7-4FDC-83FC-24F5B5EB0731}">
   <ds:schemaRefs>
     <ds:schemaRef ds:uri="56cfd11d-de5a-4693-9328-95fd07f83b97"/>
@@ -38146,4 +38073,12 @@
     <ds:schemaRef ds:uri="http://www.w3.org/XML/1998/namespace"/>
   </ds:schemaRefs>
 </ds:datastoreItem>
+</file>
+
+<file path=customXml/itemProps3.xml><?xml version="1.0" encoding="utf-8"?>
+<ds:datastoreItem xmlns:ds="http://schemas.openxmlformats.org/officeDocument/2006/customXml" ds:itemID="{57689F48-660F-47E5-AEFF-7A4D05596A3D}">
+  <ds:schemaRefs>
+    <ds:schemaRef ds:uri="http://schemas.microsoft.com/sharepoint/v3/contenttype/forms"/>
+  </ds:schemaRefs>
+</ds:datastoreItem>
 </file>
--- a/Soutenance Finale Grp 2.07.pptx
+++ b/Soutenance Finale Grp 2.07.pptx
@@ -2832,6 +2832,30 @@
     </pc:docChg>
   </pc:docChgLst>
   <pc:docChgLst>
+    <pc:chgData name="Tanguy Colleville (Student at CentraleSupelec)" userId="S::tanguy.colleville@student-cs.fr::d2b2cae6-9366-4b17-ac20-d0a7c4c162c2" providerId="AD" clId="Web-{3DC2D78B-01E0-4A23-98E7-FC37EC893E7A}"/>
+    <pc:docChg chg="modSld">
+      <pc:chgData name="Tanguy Colleville (Student at CentraleSupelec)" userId="S::tanguy.colleville@student-cs.fr::d2b2cae6-9366-4b17-ac20-d0a7c4c162c2" providerId="AD" clId="Web-{3DC2D78B-01E0-4A23-98E7-FC37EC893E7A}" dt="2021-06-09T12:07:33.964" v="0"/>
+      <pc:docMkLst>
+        <pc:docMk/>
+      </pc:docMkLst>
+      <pc:sldChg chg="delSp">
+        <pc:chgData name="Tanguy Colleville (Student at CentraleSupelec)" userId="S::tanguy.colleville@student-cs.fr::d2b2cae6-9366-4b17-ac20-d0a7c4c162c2" providerId="AD" clId="Web-{3DC2D78B-01E0-4A23-98E7-FC37EC893E7A}" dt="2021-06-09T12:07:33.964" v="0"/>
+        <pc:sldMkLst>
+          <pc:docMk/>
+          <pc:sldMk cId="685456998" sldId="343"/>
+        </pc:sldMkLst>
+        <pc:spChg chg="del">
+          <ac:chgData name="Tanguy Colleville (Student at CentraleSupelec)" userId="S::tanguy.colleville@student-cs.fr::d2b2cae6-9366-4b17-ac20-d0a7c4c162c2" providerId="AD" clId="Web-{3DC2D78B-01E0-4A23-98E7-FC37EC893E7A}" dt="2021-06-09T12:07:33.964" v="0"/>
+          <ac:spMkLst>
+            <pc:docMk/>
+            <pc:sldMk cId="685456998" sldId="343"/>
+            <ac:spMk id="5" creationId="{3514D940-B335-7448-98EA-F104DB2A39CD}"/>
+          </ac:spMkLst>
+        </pc:spChg>
+      </pc:sldChg>
+    </pc:docChg>
+  </pc:docChgLst>
+  <pc:docChgLst>
     <pc:chgData name="Clément Boulay (Student at CentraleSupelec)" userId="S::clement.boulay@student-cs.fr::5c486652-4e33-42d0-98e7-922cd377d49f" providerId="AD" clId="Web-{8B0E38E5-2767-494A-8177-DB8D4DE1F004}"/>
     <pc:docChg chg="addSld delSld modSld">
       <pc:chgData name="Clément Boulay (Student at CentraleSupelec)" userId="S::clement.boulay@student-cs.fr::5c486652-4e33-42d0-98e7-922cd377d49f" providerId="AD" clId="Web-{8B0E38E5-2767-494A-8177-DB8D4DE1F004}" dt="2021-06-09T12:25:23.801" v="65" actId="1076"/>
@@ -2922,30 +2946,6 @@
           <pc:docMk/>
           <pc:sldMk cId="573625819" sldId="349"/>
         </pc:sldMkLst>
-      </pc:sldChg>
-    </pc:docChg>
-  </pc:docChgLst>
-  <pc:docChgLst>
-    <pc:chgData name="Tanguy Colleville (Student at CentraleSupelec)" userId="S::tanguy.colleville@student-cs.fr::d2b2cae6-9366-4b17-ac20-d0a7c4c162c2" providerId="AD" clId="Web-{3DC2D78B-01E0-4A23-98E7-FC37EC893E7A}"/>
-    <pc:docChg chg="modSld">
-      <pc:chgData name="Tanguy Colleville (Student at CentraleSupelec)" userId="S::tanguy.colleville@student-cs.fr::d2b2cae6-9366-4b17-ac20-d0a7c4c162c2" providerId="AD" clId="Web-{3DC2D78B-01E0-4A23-98E7-FC37EC893E7A}" dt="2021-06-09T12:07:33.964" v="0"/>
-      <pc:docMkLst>
-        <pc:docMk/>
-      </pc:docMkLst>
-      <pc:sldChg chg="delSp">
-        <pc:chgData name="Tanguy Colleville (Student at CentraleSupelec)" userId="S::tanguy.colleville@student-cs.fr::d2b2cae6-9366-4b17-ac20-d0a7c4c162c2" providerId="AD" clId="Web-{3DC2D78B-01E0-4A23-98E7-FC37EC893E7A}" dt="2021-06-09T12:07:33.964" v="0"/>
-        <pc:sldMkLst>
-          <pc:docMk/>
-          <pc:sldMk cId="685456998" sldId="343"/>
-        </pc:sldMkLst>
-        <pc:spChg chg="del">
-          <ac:chgData name="Tanguy Colleville (Student at CentraleSupelec)" userId="S::tanguy.colleville@student-cs.fr::d2b2cae6-9366-4b17-ac20-d0a7c4c162c2" providerId="AD" clId="Web-{3DC2D78B-01E0-4A23-98E7-FC37EC893E7A}" dt="2021-06-09T12:07:33.964" v="0"/>
-          <ac:spMkLst>
-            <pc:docMk/>
-            <pc:sldMk cId="685456998" sldId="343"/>
-            <ac:spMk id="5" creationId="{3514D940-B335-7448-98EA-F104DB2A39CD}"/>
-          </ac:spMkLst>
-        </pc:spChg>
       </pc:sldChg>
     </pc:docChg>
   </pc:docChgLst>
@@ -5385,6 +5385,77 @@
     </pc:docChg>
   </pc:docChgLst>
   <pc:docChgLst>
+    <pc:chgData name="Matthieu Briet (Student at CentraleSupelec)" userId="S::matthieu.briet@student-cs.fr::7fbd13a3-466b-46e9-b2ce-1466f625bfdb" providerId="AD" clId="Web-{5DD6FAC8-2498-44A3-A08B-E94097A8AFC5}"/>
+    <pc:docChg chg="modSld">
+      <pc:chgData name="Matthieu Briet (Student at CentraleSupelec)" userId="S::matthieu.briet@student-cs.fr::7fbd13a3-466b-46e9-b2ce-1466f625bfdb" providerId="AD" clId="Web-{5DD6FAC8-2498-44A3-A08B-E94097A8AFC5}" dt="2021-06-10T16:01:58.726" v="18" actId="1076"/>
+      <pc:docMkLst>
+        <pc:docMk/>
+      </pc:docMkLst>
+      <pc:sldChg chg="addSp modSp">
+        <pc:chgData name="Matthieu Briet (Student at CentraleSupelec)" userId="S::matthieu.briet@student-cs.fr::7fbd13a3-466b-46e9-b2ce-1466f625bfdb" providerId="AD" clId="Web-{5DD6FAC8-2498-44A3-A08B-E94097A8AFC5}" dt="2021-06-10T16:01:58.726" v="18" actId="1076"/>
+        <pc:sldMkLst>
+          <pc:docMk/>
+          <pc:sldMk cId="708683669" sldId="347"/>
+        </pc:sldMkLst>
+        <pc:spChg chg="add mod">
+          <ac:chgData name="Matthieu Briet (Student at CentraleSupelec)" userId="S::matthieu.briet@student-cs.fr::7fbd13a3-466b-46e9-b2ce-1466f625bfdb" providerId="AD" clId="Web-{5DD6FAC8-2498-44A3-A08B-E94097A8AFC5}" dt="2021-06-10T16:01:07.553" v="11"/>
+          <ac:spMkLst>
+            <pc:docMk/>
+            <pc:sldMk cId="708683669" sldId="347"/>
+            <ac:spMk id="9" creationId="{C320E73B-0A68-468C-A952-5066B6810F93}"/>
+          </ac:spMkLst>
+        </pc:spChg>
+        <pc:spChg chg="mod">
+          <ac:chgData name="Matthieu Briet (Student at CentraleSupelec)" userId="S::matthieu.briet@student-cs.fr::7fbd13a3-466b-46e9-b2ce-1466f625bfdb" providerId="AD" clId="Web-{5DD6FAC8-2498-44A3-A08B-E94097A8AFC5}" dt="2021-06-10T16:00:24.286" v="2" actId="1076"/>
+          <ac:spMkLst>
+            <pc:docMk/>
+            <pc:sldMk cId="708683669" sldId="347"/>
+            <ac:spMk id="11" creationId="{445638A1-6F11-0E4F-A5F9-A8CD4D153131}"/>
+          </ac:spMkLst>
+        </pc:spChg>
+        <pc:spChg chg="mod">
+          <ac:chgData name="Matthieu Briet (Student at CentraleSupelec)" userId="S::matthieu.briet@student-cs.fr::7fbd13a3-466b-46e9-b2ce-1466f625bfdb" providerId="AD" clId="Web-{5DD6FAC8-2498-44A3-A08B-E94097A8AFC5}" dt="2021-06-10T16:00:27.411" v="3" actId="1076"/>
+          <ac:spMkLst>
+            <pc:docMk/>
+            <pc:sldMk cId="708683669" sldId="347"/>
+            <ac:spMk id="12" creationId="{8FF174D4-B921-E94D-BFEE-0C6CB62EEF44}"/>
+          </ac:spMkLst>
+        </pc:spChg>
+        <pc:picChg chg="add mod">
+          <ac:chgData name="Matthieu Briet (Student at CentraleSupelec)" userId="S::matthieu.briet@student-cs.fr::7fbd13a3-466b-46e9-b2ce-1466f625bfdb" providerId="AD" clId="Web-{5DD6FAC8-2498-44A3-A08B-E94097A8AFC5}" dt="2021-06-10T16:01:58.726" v="18" actId="1076"/>
+          <ac:picMkLst>
+            <pc:docMk/>
+            <pc:sldMk cId="708683669" sldId="347"/>
+            <ac:picMk id="4" creationId="{C58AFC2B-18C1-44FF-BD16-CAFE3D26D672}"/>
+          </ac:picMkLst>
+        </pc:picChg>
+      </pc:sldChg>
+      <pc:sldChg chg="addSp modSp">
+        <pc:chgData name="Matthieu Briet (Student at CentraleSupelec)" userId="S::matthieu.briet@student-cs.fr::7fbd13a3-466b-46e9-b2ce-1466f625bfdb" providerId="AD" clId="Web-{5DD6FAC8-2498-44A3-A08B-E94097A8AFC5}" dt="2021-06-10T16:01:36.632" v="16"/>
+        <pc:sldMkLst>
+          <pc:docMk/>
+          <pc:sldMk cId="843562837" sldId="349"/>
+        </pc:sldMkLst>
+        <pc:spChg chg="add mod">
+          <ac:chgData name="Matthieu Briet (Student at CentraleSupelec)" userId="S::matthieu.briet@student-cs.fr::7fbd13a3-466b-46e9-b2ce-1466f625bfdb" providerId="AD" clId="Web-{5DD6FAC8-2498-44A3-A08B-E94097A8AFC5}" dt="2021-06-10T16:01:36.632" v="16"/>
+          <ac:spMkLst>
+            <pc:docMk/>
+            <pc:sldMk cId="843562837" sldId="349"/>
+            <ac:spMk id="4" creationId="{940CF748-199A-4923-9462-3408B7845A0F}"/>
+          </ac:spMkLst>
+        </pc:spChg>
+        <pc:spChg chg="mod">
+          <ac:chgData name="Matthieu Briet (Student at CentraleSupelec)" userId="S::matthieu.briet@student-cs.fr::7fbd13a3-466b-46e9-b2ce-1466f625bfdb" providerId="AD" clId="Web-{5DD6FAC8-2498-44A3-A08B-E94097A8AFC5}" dt="2021-06-10T16:01:26.413" v="12" actId="1076"/>
+          <ac:spMkLst>
+            <pc:docMk/>
+            <pc:sldMk cId="843562837" sldId="349"/>
+            <ac:spMk id="10" creationId="{2AC57D00-9195-804B-B631-21FEFD9EF7FE}"/>
+          </ac:spMkLst>
+        </pc:spChg>
+      </pc:sldChg>
+    </pc:docChg>
+  </pc:docChgLst>
+  <pc:docChgLst>
     <pc:chgData name="Nicolas Bonafe (Student at CentraleSupelec)" userId="S::nicolas.bonafe@student-cs.fr::c8419656-00f4-43eb-b6a5-0415794eb45a" providerId="AD" clId="Web-{A34166E3-0981-4C63-AEAF-BBB5E895691D}"/>
     <pc:docChg chg="modSld">
       <pc:chgData name="Nicolas Bonafe (Student at CentraleSupelec)" userId="S::nicolas.bonafe@student-cs.fr::c8419656-00f4-43eb-b6a5-0415794eb45a" providerId="AD" clId="Web-{A34166E3-0981-4C63-AEAF-BBB5E895691D}" dt="2021-05-27T07:01:03.452" v="0" actId="20577"/>
@@ -5403,77 +5474,6 @@
             <pc:docMk/>
             <pc:sldMk cId="1937425631" sldId="343"/>
             <ac:spMk id="9" creationId="{881BB9AC-D9B1-4EF3-9A9C-3F682CED3807}"/>
-          </ac:spMkLst>
-        </pc:spChg>
-      </pc:sldChg>
-    </pc:docChg>
-  </pc:docChgLst>
-  <pc:docChgLst>
-    <pc:chgData name="Matthieu Briet (Student at CentraleSupelec)" userId="S::matthieu.briet@student-cs.fr::7fbd13a3-466b-46e9-b2ce-1466f625bfdb" providerId="AD" clId="Web-{5DD6FAC8-2498-44A3-A08B-E94097A8AFC5}"/>
-    <pc:docChg chg="modSld">
-      <pc:chgData name="Matthieu Briet (Student at CentraleSupelec)" userId="S::matthieu.briet@student-cs.fr::7fbd13a3-466b-46e9-b2ce-1466f625bfdb" providerId="AD" clId="Web-{5DD6FAC8-2498-44A3-A08B-E94097A8AFC5}" dt="2021-06-10T16:01:58.726" v="18" actId="1076"/>
-      <pc:docMkLst>
-        <pc:docMk/>
-      </pc:docMkLst>
-      <pc:sldChg chg="addSp modSp">
-        <pc:chgData name="Matthieu Briet (Student at CentraleSupelec)" userId="S::matthieu.briet@student-cs.fr::7fbd13a3-466b-46e9-b2ce-1466f625bfdb" providerId="AD" clId="Web-{5DD6FAC8-2498-44A3-A08B-E94097A8AFC5}" dt="2021-06-10T16:01:58.726" v="18" actId="1076"/>
-        <pc:sldMkLst>
-          <pc:docMk/>
-          <pc:sldMk cId="708683669" sldId="347"/>
-        </pc:sldMkLst>
-        <pc:spChg chg="add mod">
-          <ac:chgData name="Matthieu Briet (Student at CentraleSupelec)" userId="S::matthieu.briet@student-cs.fr::7fbd13a3-466b-46e9-b2ce-1466f625bfdb" providerId="AD" clId="Web-{5DD6FAC8-2498-44A3-A08B-E94097A8AFC5}" dt="2021-06-10T16:01:07.553" v="11"/>
-          <ac:spMkLst>
-            <pc:docMk/>
-            <pc:sldMk cId="708683669" sldId="347"/>
-            <ac:spMk id="9" creationId="{C320E73B-0A68-468C-A952-5066B6810F93}"/>
-          </ac:spMkLst>
-        </pc:spChg>
-        <pc:spChg chg="mod">
-          <ac:chgData name="Matthieu Briet (Student at CentraleSupelec)" userId="S::matthieu.briet@student-cs.fr::7fbd13a3-466b-46e9-b2ce-1466f625bfdb" providerId="AD" clId="Web-{5DD6FAC8-2498-44A3-A08B-E94097A8AFC5}" dt="2021-06-10T16:00:24.286" v="2" actId="1076"/>
-          <ac:spMkLst>
-            <pc:docMk/>
-            <pc:sldMk cId="708683669" sldId="347"/>
-            <ac:spMk id="11" creationId="{445638A1-6F11-0E4F-A5F9-A8CD4D153131}"/>
-          </ac:spMkLst>
-        </pc:spChg>
-        <pc:spChg chg="mod">
-          <ac:chgData name="Matthieu Briet (Student at CentraleSupelec)" userId="S::matthieu.briet@student-cs.fr::7fbd13a3-466b-46e9-b2ce-1466f625bfdb" providerId="AD" clId="Web-{5DD6FAC8-2498-44A3-A08B-E94097A8AFC5}" dt="2021-06-10T16:00:27.411" v="3" actId="1076"/>
-          <ac:spMkLst>
-            <pc:docMk/>
-            <pc:sldMk cId="708683669" sldId="347"/>
-            <ac:spMk id="12" creationId="{8FF174D4-B921-E94D-BFEE-0C6CB62EEF44}"/>
-          </ac:spMkLst>
-        </pc:spChg>
-        <pc:picChg chg="add mod">
-          <ac:chgData name="Matthieu Briet (Student at CentraleSupelec)" userId="S::matthieu.briet@student-cs.fr::7fbd13a3-466b-46e9-b2ce-1466f625bfdb" providerId="AD" clId="Web-{5DD6FAC8-2498-44A3-A08B-E94097A8AFC5}" dt="2021-06-10T16:01:58.726" v="18" actId="1076"/>
-          <ac:picMkLst>
-            <pc:docMk/>
-            <pc:sldMk cId="708683669" sldId="347"/>
-            <ac:picMk id="4" creationId="{C58AFC2B-18C1-44FF-BD16-CAFE3D26D672}"/>
-          </ac:picMkLst>
-        </pc:picChg>
-      </pc:sldChg>
-      <pc:sldChg chg="addSp modSp">
-        <pc:chgData name="Matthieu Briet (Student at CentraleSupelec)" userId="S::matthieu.briet@student-cs.fr::7fbd13a3-466b-46e9-b2ce-1466f625bfdb" providerId="AD" clId="Web-{5DD6FAC8-2498-44A3-A08B-E94097A8AFC5}" dt="2021-06-10T16:01:36.632" v="16"/>
-        <pc:sldMkLst>
-          <pc:docMk/>
-          <pc:sldMk cId="843562837" sldId="349"/>
-        </pc:sldMkLst>
-        <pc:spChg chg="add mod">
-          <ac:chgData name="Matthieu Briet (Student at CentraleSupelec)" userId="S::matthieu.briet@student-cs.fr::7fbd13a3-466b-46e9-b2ce-1466f625bfdb" providerId="AD" clId="Web-{5DD6FAC8-2498-44A3-A08B-E94097A8AFC5}" dt="2021-06-10T16:01:36.632" v="16"/>
-          <ac:spMkLst>
-            <pc:docMk/>
-            <pc:sldMk cId="843562837" sldId="349"/>
-            <ac:spMk id="4" creationId="{940CF748-199A-4923-9462-3408B7845A0F}"/>
-          </ac:spMkLst>
-        </pc:spChg>
-        <pc:spChg chg="mod">
-          <ac:chgData name="Matthieu Briet (Student at CentraleSupelec)" userId="S::matthieu.briet@student-cs.fr::7fbd13a3-466b-46e9-b2ce-1466f625bfdb" providerId="AD" clId="Web-{5DD6FAC8-2498-44A3-A08B-E94097A8AFC5}" dt="2021-06-10T16:01:26.413" v="12" actId="1076"/>
-          <ac:spMkLst>
-            <pc:docMk/>
-            <pc:sldMk cId="843562837" sldId="349"/>
-            <ac:spMk id="10" creationId="{2AC57D00-9195-804B-B631-21FEFD9EF7FE}"/>
           </ac:spMkLst>
         </pc:spChg>
       </pc:sldChg>
@@ -18793,7 +18793,7 @@
         </p:nvSpPr>
         <p:spPr>
           <a:xfrm>
-            <a:off x="279634" y="5327351"/>
+            <a:off x="241039" y="5237793"/>
             <a:ext cx="7051506" cy="1198349"/>
           </a:xfrm>
           <a:prstGeom prst="rect">
@@ -19058,15 +19058,15 @@
           <a:p>
             <a:pPr algn="ctr"/>
             <a:r>
-              <a:rPr lang="fr-FR" sz="1600" kern="0" dirty="0"/>
+              <a:rPr lang="fr-FR" sz="2000" kern="0" dirty="0"/>
               <a:t>By Matthieu </a:t>
             </a:r>
             <a:r>
-              <a:rPr lang="fr-FR" sz="1600" kern="0" dirty="0" err="1"/>
+              <a:rPr lang="fr-FR" sz="2000" kern="0" dirty="0" err="1"/>
               <a:t>Briet</a:t>
             </a:r>
             <a:r>
-              <a:rPr lang="fr-FR" sz="1600" kern="0" dirty="0"/>
+              <a:rPr lang="fr-FR" sz="2000" kern="0" dirty="0"/>
               <a:t>, Tanguy Colleville </a:t>
             </a:r>
           </a:p>
@@ -37877,6 +37877,21 @@
 </file>
 
 <file path=customXml/item1.xml><?xml version="1.0" encoding="utf-8"?>
+<?mso-contentType ?>
+<FormTemplates xmlns="http://schemas.microsoft.com/sharepoint/v3/contenttype/forms">
+  <Display>DocumentLibraryForm</Display>
+  <Edit>DocumentLibraryForm</Edit>
+  <New>DocumentLibraryForm</New>
+</FormTemplates>
+</file>
+
+<file path=customXml/item2.xml><?xml version="1.0" encoding="utf-8"?>
+<p:properties xmlns:p="http://schemas.microsoft.com/office/2006/metadata/properties" xmlns:xsi="http://www.w3.org/2001/XMLSchema-instance" xmlns:pc="http://schemas.microsoft.com/office/infopath/2007/PartnerControls">
+  <documentManagement/>
+</p:properties>
+</file>
+
+<file path=customXml/item3.xml><?xml version="1.0" encoding="utf-8"?>
 <ct:contentTypeSchema xmlns:ct="http://schemas.microsoft.com/office/2006/metadata/contentType" xmlns:ma="http://schemas.microsoft.com/office/2006/metadata/properties/metaAttributes" ct:_="" ma:_="" ma:contentTypeName="Document" ma:contentTypeID="0x010100BC0EBE61F3386B498B43250A47111BB5" ma:contentTypeVersion="5" ma:contentTypeDescription="Crée un document." ma:contentTypeScope="" ma:versionID="56f7b53ca20a337b3cd18314cbd761ba">
   <xsd:schema xmlns:xsd="http://www.w3.org/2001/XMLSchema" xmlns:xs="http://www.w3.org/2001/XMLSchema" xmlns:p="http://schemas.microsoft.com/office/2006/metadata/properties" xmlns:ns2="56cfd11d-de5a-4693-9328-95fd07f83b97" targetNamespace="http://schemas.microsoft.com/office/2006/metadata/properties" ma:root="true" ma:fieldsID="c64637c49ac8257ed9418a8e0845fd5e" ns2:_="">
     <xsd:import namespace="56cfd11d-de5a-4693-9328-95fd07f83b97"/>
@@ -38026,35 +38041,10 @@
 </ct:contentTypeSchema>
 </file>
 
-<file path=customXml/item2.xml><?xml version="1.0" encoding="utf-8"?>
-<p:properties xmlns:p="http://schemas.microsoft.com/office/2006/metadata/properties" xmlns:xsi="http://www.w3.org/2001/XMLSchema-instance" xmlns:pc="http://schemas.microsoft.com/office/infopath/2007/PartnerControls">
-  <documentManagement/>
-</p:properties>
-</file>
-
-<file path=customXml/item3.xml><?xml version="1.0" encoding="utf-8"?>
-<?mso-contentType ?>
-<FormTemplates xmlns="http://schemas.microsoft.com/sharepoint/v3/contenttype/forms">
-  <Display>DocumentLibraryForm</Display>
-  <Edit>DocumentLibraryForm</Edit>
-  <New>DocumentLibraryForm</New>
-</FormTemplates>
-</file>
-
 <file path=customXml/itemProps1.xml><?xml version="1.0" encoding="utf-8"?>
-<ds:datastoreItem xmlns:ds="http://schemas.openxmlformats.org/officeDocument/2006/customXml" ds:itemID="{23C9E053-51A6-485A-91B4-D2C6C1B863CB}">
+<ds:datastoreItem xmlns:ds="http://schemas.openxmlformats.org/officeDocument/2006/customXml" ds:itemID="{57689F48-660F-47E5-AEFF-7A4D05596A3D}">
   <ds:schemaRefs>
-    <ds:schemaRef ds:uri="56cfd11d-de5a-4693-9328-95fd07f83b97"/>
-    <ds:schemaRef ds:uri="http://purl.org/dc/elements/1.1/"/>
-    <ds:schemaRef ds:uri="http://purl.org/dc/terms/"/>
-    <ds:schemaRef ds:uri="http://schemas.microsoft.com/internal/obd"/>
-    <ds:schemaRef ds:uri="http://schemas.microsoft.com/office/2006/documentManagement/types"/>
-    <ds:schemaRef ds:uri="http://schemas.microsoft.com/office/2006/metadata/contentType"/>
-    <ds:schemaRef ds:uri="http://schemas.microsoft.com/office/2006/metadata/properties"/>
-    <ds:schemaRef ds:uri="http://schemas.microsoft.com/office/2006/metadata/properties/metaAttributes"/>
-    <ds:schemaRef ds:uri="http://schemas.microsoft.com/office/infopath/2007/PartnerControls"/>
-    <ds:schemaRef ds:uri="http://schemas.openxmlformats.org/package/2006/metadata/core-properties"/>
-    <ds:schemaRef ds:uri="http://www.w3.org/2001/XMLSchema"/>
+    <ds:schemaRef ds:uri="http://schemas.microsoft.com/sharepoint/v3/contenttype/forms"/>
   </ds:schemaRefs>
 </ds:datastoreItem>
 </file>
@@ -38076,9 +38066,19 @@
 </file>
 
 <file path=customXml/itemProps3.xml><?xml version="1.0" encoding="utf-8"?>
-<ds:datastoreItem xmlns:ds="http://schemas.openxmlformats.org/officeDocument/2006/customXml" ds:itemID="{57689F48-660F-47E5-AEFF-7A4D05596A3D}">
+<ds:datastoreItem xmlns:ds="http://schemas.openxmlformats.org/officeDocument/2006/customXml" ds:itemID="{23C9E053-51A6-485A-91B4-D2C6C1B863CB}">
   <ds:schemaRefs>
-    <ds:schemaRef ds:uri="http://schemas.microsoft.com/sharepoint/v3/contenttype/forms"/>
+    <ds:schemaRef ds:uri="56cfd11d-de5a-4693-9328-95fd07f83b97"/>
+    <ds:schemaRef ds:uri="http://purl.org/dc/elements/1.1/"/>
+    <ds:schemaRef ds:uri="http://purl.org/dc/terms/"/>
+    <ds:schemaRef ds:uri="http://schemas.microsoft.com/internal/obd"/>
+    <ds:schemaRef ds:uri="http://schemas.microsoft.com/office/2006/documentManagement/types"/>
+    <ds:schemaRef ds:uri="http://schemas.microsoft.com/office/2006/metadata/contentType"/>
+    <ds:schemaRef ds:uri="http://schemas.microsoft.com/office/2006/metadata/properties"/>
+    <ds:schemaRef ds:uri="http://schemas.microsoft.com/office/2006/metadata/properties/metaAttributes"/>
+    <ds:schemaRef ds:uri="http://schemas.microsoft.com/office/infopath/2007/PartnerControls"/>
+    <ds:schemaRef ds:uri="http://schemas.openxmlformats.org/package/2006/metadata/core-properties"/>
+    <ds:schemaRef ds:uri="http://www.w3.org/2001/XMLSchema"/>
   </ds:schemaRefs>
 </ds:datastoreItem>
 </file>